--- a/SLAM_Theoretical_Formulas.pptx
+++ b/SLAM_Theoretical_Formulas.pptx
@@ -104,6 +104,11 @@
       </a:defRPr>
     </a:lvl9pPr>
   </p:defaultTextStyle>
+  <p:extLst>
+    <p:ext uri="{EFAFB233-063F-42B5-8137-9DF3F51BA10A}">
+      <p15:sldGuideLst xmlns:p15="http://schemas.microsoft.com/office/powerpoint/2012/main"/>
+    </p:ext>
+  </p:extLst>
 </p:presentation>
 </file>
 
@@ -254,7 +259,7 @@
           <a:p>
             <a:fld id="{9DDD97A9-1B44-463F-8EAF-3A848A7F5CA1}" type="datetimeFigureOut">
               <a:rPr kumimoji="1" lang="ja-JP" altLang="en-US" smtClean="0"/>
-              <a:t>2020/7/9</a:t>
+              <a:t>2020/7/10</a:t>
             </a:fld>
             <a:endParaRPr kumimoji="1" lang="ja-JP" altLang="en-US"/>
           </a:p>
@@ -484,7 +489,7 @@
           <a:p>
             <a:fld id="{9DDD97A9-1B44-463F-8EAF-3A848A7F5CA1}" type="datetimeFigureOut">
               <a:rPr kumimoji="1" lang="ja-JP" altLang="en-US" smtClean="0"/>
-              <a:t>2020/7/9</a:t>
+              <a:t>2020/7/10</a:t>
             </a:fld>
             <a:endParaRPr kumimoji="1" lang="ja-JP" altLang="en-US"/>
           </a:p>
@@ -724,7 +729,7 @@
           <a:p>
             <a:fld id="{9DDD97A9-1B44-463F-8EAF-3A848A7F5CA1}" type="datetimeFigureOut">
               <a:rPr kumimoji="1" lang="ja-JP" altLang="en-US" smtClean="0"/>
-              <a:t>2020/7/9</a:t>
+              <a:t>2020/7/10</a:t>
             </a:fld>
             <a:endParaRPr kumimoji="1" lang="ja-JP" altLang="en-US"/>
           </a:p>
@@ -954,7 +959,7 @@
           <a:p>
             <a:fld id="{9DDD97A9-1B44-463F-8EAF-3A848A7F5CA1}" type="datetimeFigureOut">
               <a:rPr kumimoji="1" lang="ja-JP" altLang="en-US" smtClean="0"/>
-              <a:t>2020/7/9</a:t>
+              <a:t>2020/7/10</a:t>
             </a:fld>
             <a:endParaRPr kumimoji="1" lang="ja-JP" altLang="en-US"/>
           </a:p>
@@ -1229,7 +1234,7 @@
           <a:p>
             <a:fld id="{9DDD97A9-1B44-463F-8EAF-3A848A7F5CA1}" type="datetimeFigureOut">
               <a:rPr kumimoji="1" lang="ja-JP" altLang="en-US" smtClean="0"/>
-              <a:t>2020/7/9</a:t>
+              <a:t>2020/7/10</a:t>
             </a:fld>
             <a:endParaRPr kumimoji="1" lang="ja-JP" altLang="en-US"/>
           </a:p>
@@ -1558,7 +1563,7 @@
           <a:p>
             <a:fld id="{9DDD97A9-1B44-463F-8EAF-3A848A7F5CA1}" type="datetimeFigureOut">
               <a:rPr kumimoji="1" lang="ja-JP" altLang="en-US" smtClean="0"/>
-              <a:t>2020/7/9</a:t>
+              <a:t>2020/7/10</a:t>
             </a:fld>
             <a:endParaRPr kumimoji="1" lang="ja-JP" altLang="en-US"/>
           </a:p>
@@ -2034,7 +2039,7 @@
           <a:p>
             <a:fld id="{9DDD97A9-1B44-463F-8EAF-3A848A7F5CA1}" type="datetimeFigureOut">
               <a:rPr kumimoji="1" lang="ja-JP" altLang="en-US" smtClean="0"/>
-              <a:t>2020/7/9</a:t>
+              <a:t>2020/7/10</a:t>
             </a:fld>
             <a:endParaRPr kumimoji="1" lang="ja-JP" altLang="en-US"/>
           </a:p>
@@ -2175,7 +2180,7 @@
           <a:p>
             <a:fld id="{9DDD97A9-1B44-463F-8EAF-3A848A7F5CA1}" type="datetimeFigureOut">
               <a:rPr kumimoji="1" lang="ja-JP" altLang="en-US" smtClean="0"/>
-              <a:t>2020/7/9</a:t>
+              <a:t>2020/7/10</a:t>
             </a:fld>
             <a:endParaRPr kumimoji="1" lang="ja-JP" altLang="en-US"/>
           </a:p>
@@ -2288,7 +2293,7 @@
           <a:p>
             <a:fld id="{9DDD97A9-1B44-463F-8EAF-3A848A7F5CA1}" type="datetimeFigureOut">
               <a:rPr kumimoji="1" lang="ja-JP" altLang="en-US" smtClean="0"/>
-              <a:t>2020/7/9</a:t>
+              <a:t>2020/7/10</a:t>
             </a:fld>
             <a:endParaRPr kumimoji="1" lang="ja-JP" altLang="en-US"/>
           </a:p>
@@ -2631,7 +2636,7 @@
           <a:p>
             <a:fld id="{9DDD97A9-1B44-463F-8EAF-3A848A7F5CA1}" type="datetimeFigureOut">
               <a:rPr kumimoji="1" lang="ja-JP" altLang="en-US" smtClean="0"/>
-              <a:t>2020/7/9</a:t>
+              <a:t>2020/7/10</a:t>
             </a:fld>
             <a:endParaRPr kumimoji="1" lang="ja-JP" altLang="en-US"/>
           </a:p>
@@ -2919,7 +2924,7 @@
           <a:p>
             <a:fld id="{9DDD97A9-1B44-463F-8EAF-3A848A7F5CA1}" type="datetimeFigureOut">
               <a:rPr kumimoji="1" lang="ja-JP" altLang="en-US" smtClean="0"/>
-              <a:t>2020/7/9</a:t>
+              <a:t>2020/7/10</a:t>
             </a:fld>
             <a:endParaRPr kumimoji="1" lang="ja-JP" altLang="en-US"/>
           </a:p>
@@ -3192,7 +3197,7 @@
           <a:p>
             <a:fld id="{9DDD97A9-1B44-463F-8EAF-3A848A7F5CA1}" type="datetimeFigureOut">
               <a:rPr kumimoji="1" lang="ja-JP" altLang="en-US" smtClean="0"/>
-              <a:t>2020/7/9</a:t>
+              <a:t>2020/7/10</a:t>
             </a:fld>
             <a:endParaRPr kumimoji="1" lang="ja-JP" altLang="en-US"/>
           </a:p>
@@ -7109,8 +7114,8 @@
             </a:fontRef>
           </p:style>
         </p:cxnSp>
-        <mc:AlternateContent xmlns:mc="http://schemas.openxmlformats.org/markup-compatibility/2006">
-          <mc:Choice xmlns:a14="http://schemas.microsoft.com/office/drawing/2010/main" Requires="a14">
+        <mc:AlternateContent xmlns:mc="http://schemas.openxmlformats.org/markup-compatibility/2006" xmlns:a14="http://schemas.microsoft.com/office/drawing/2010/main">
+          <mc:Choice Requires="a14">
             <p:sp>
               <p:nvSpPr>
                 <p:cNvPr id="84" name="テキスト ボックス 83">
@@ -7160,7 +7165,7 @@
               </p:txBody>
             </p:sp>
           </mc:Choice>
-          <mc:Fallback>
+          <mc:Fallback xmlns="">
             <p:sp>
               <p:nvSpPr>
                 <p:cNvPr id="84" name="テキスト ボックス 83">
@@ -7220,7 +7225,7 @@
         </p:nvGrpSpPr>
         <p:grpSpPr>
           <a:xfrm flipH="1">
-            <a:off x="8310120" y="1685320"/>
+            <a:off x="7958935" y="1455996"/>
             <a:ext cx="932430" cy="953490"/>
             <a:chOff x="2940037" y="1782869"/>
             <a:chExt cx="932430" cy="953490"/>
@@ -7314,8 +7319,8 @@
             </a:fontRef>
           </p:style>
         </p:cxnSp>
-        <mc:AlternateContent xmlns:mc="http://schemas.openxmlformats.org/markup-compatibility/2006">
-          <mc:Choice xmlns:a14="http://schemas.microsoft.com/office/drawing/2010/main" Requires="a14">
+        <mc:AlternateContent xmlns:mc="http://schemas.openxmlformats.org/markup-compatibility/2006" xmlns:a14="http://schemas.microsoft.com/office/drawing/2010/main">
+          <mc:Choice Requires="a14">
             <p:sp>
               <p:nvSpPr>
                 <p:cNvPr id="89" name="テキスト ボックス 88">
@@ -7365,7 +7370,7 @@
               </p:txBody>
             </p:sp>
           </mc:Choice>
-          <mc:Fallback>
+          <mc:Fallback xmlns="">
             <p:sp>
               <p:nvSpPr>
                 <p:cNvPr id="89" name="テキスト ボックス 88">
@@ -7500,8 +7505,8 @@
           </a:p>
         </p:txBody>
       </p:sp>
-      <mc:AlternateContent xmlns:mc="http://schemas.openxmlformats.org/markup-compatibility/2006">
-        <mc:Choice xmlns:a14="http://schemas.microsoft.com/office/drawing/2010/main" Requires="a14">
+      <mc:AlternateContent xmlns:mc="http://schemas.openxmlformats.org/markup-compatibility/2006" xmlns:a14="http://schemas.microsoft.com/office/drawing/2010/main">
+        <mc:Choice Requires="a14">
           <p:sp>
             <p:nvSpPr>
               <p:cNvPr id="95" name="テキスト ボックス 94">
@@ -7570,7 +7575,7 @@
             </p:txBody>
           </p:sp>
         </mc:Choice>
-        <mc:Fallback>
+        <mc:Fallback xmlns="">
           <p:sp>
             <p:nvSpPr>
               <p:cNvPr id="95" name="テキスト ボックス 94">
@@ -7615,8 +7620,8 @@
           </p:sp>
         </mc:Fallback>
       </mc:AlternateContent>
-      <mc:AlternateContent xmlns:mc="http://schemas.openxmlformats.org/markup-compatibility/2006">
-        <mc:Choice xmlns:a14="http://schemas.microsoft.com/office/drawing/2010/main" Requires="a14">
+      <mc:AlternateContent xmlns:mc="http://schemas.openxmlformats.org/markup-compatibility/2006" xmlns:a14="http://schemas.microsoft.com/office/drawing/2010/main">
+        <mc:Choice Requires="a14">
           <p:sp>
             <p:nvSpPr>
               <p:cNvPr id="96" name="テキスト ボックス 95">
@@ -7685,7 +7690,7 @@
             </p:txBody>
           </p:sp>
         </mc:Choice>
-        <mc:Fallback>
+        <mc:Fallback xmlns="">
           <p:sp>
             <p:nvSpPr>
               <p:cNvPr id="96" name="テキスト ボックス 95">
@@ -7712,6 +7717,2475 @@
                 <a:blip r:embed="rId5"/>
                 <a:stretch>
                   <a:fillRect/>
+                </a:stretch>
+              </a:blipFill>
+            </p:spPr>
+            <p:txBody>
+              <a:bodyPr/>
+              <a:lstStyle/>
+              <a:p>
+                <a:r>
+                  <a:rPr lang="ja-JP" altLang="en-US">
+                    <a:noFill/>
+                  </a:rPr>
+                  <a:t> </a:t>
+                </a:r>
+              </a:p>
+            </p:txBody>
+          </p:sp>
+        </mc:Fallback>
+      </mc:AlternateContent>
+      <mc:AlternateContent xmlns:mc="http://schemas.openxmlformats.org/markup-compatibility/2006">
+        <mc:Choice xmlns:a14="http://schemas.microsoft.com/office/drawing/2010/main" Requires="a14">
+          <p:sp>
+            <p:nvSpPr>
+              <p:cNvPr id="79" name="テキスト ボックス 78">
+                <a:extLst>
+                  <a:ext uri="{FF2B5EF4-FFF2-40B4-BE49-F238E27FC236}">
+                    <a16:creationId xmlns:a16="http://schemas.microsoft.com/office/drawing/2014/main" id="{51507211-2DAD-4423-9999-ECA913BE9934}"/>
+                  </a:ext>
+                </a:extLst>
+              </p:cNvPr>
+              <p:cNvSpPr txBox="1"/>
+              <p:nvPr/>
+            </p:nvSpPr>
+            <p:spPr>
+              <a:xfrm>
+                <a:off x="8638299" y="1297171"/>
+                <a:ext cx="380810" cy="369332"/>
+              </a:xfrm>
+              <a:prstGeom prst="rect">
+                <a:avLst/>
+              </a:prstGeom>
+              <a:noFill/>
+            </p:spPr>
+            <p:txBody>
+              <a:bodyPr wrap="none" rtlCol="0">
+                <a:spAutoFit/>
+              </a:bodyPr>
+              <a:lstStyle/>
+              <a:p>
+                <a:pPr algn="ctr"/>
+                <a14:m>
+                  <m:oMathPara xmlns:m="http://schemas.openxmlformats.org/officeDocument/2006/math">
+                    <m:oMathParaPr>
+                      <m:jc m:val="centerGroup"/>
+                    </m:oMathParaPr>
+                    <m:oMath xmlns:m="http://schemas.openxmlformats.org/officeDocument/2006/math">
+                      <m:r>
+                        <a:rPr kumimoji="1" lang="en-US" altLang="ja-JP" b="0" i="1" smtClean="0">
+                          <a:latin typeface="Cambria Math" panose="02040503050406030204" pitchFamily="18" charset="0"/>
+                        </a:rPr>
+                        <m:t>𝑥</m:t>
+                      </m:r>
+                    </m:oMath>
+                  </m:oMathPara>
+                </a14:m>
+                <a:endParaRPr kumimoji="1" lang="ja-JP" altLang="en-US" dirty="0"/>
+              </a:p>
+            </p:txBody>
+          </p:sp>
+        </mc:Choice>
+        <mc:Fallback>
+          <p:sp>
+            <p:nvSpPr>
+              <p:cNvPr id="79" name="テキスト ボックス 78">
+                <a:extLst>
+                  <a:ext uri="{FF2B5EF4-FFF2-40B4-BE49-F238E27FC236}">
+                    <a16:creationId xmlns:a16="http://schemas.microsoft.com/office/drawing/2014/main" id="{51507211-2DAD-4423-9999-ECA913BE9934}"/>
+                  </a:ext>
+                </a:extLst>
+              </p:cNvPr>
+              <p:cNvSpPr txBox="1">
+                <a:spLocks noRot="1" noChangeAspect="1" noMove="1" noResize="1" noEditPoints="1" noAdjustHandles="1" noChangeArrowheads="1" noChangeShapeType="1" noTextEdit="1"/>
+              </p:cNvSpPr>
+              <p:nvPr/>
+            </p:nvSpPr>
+            <p:spPr>
+              <a:xfrm>
+                <a:off x="8638299" y="1297171"/>
+                <a:ext cx="380810" cy="369332"/>
+              </a:xfrm>
+              <a:prstGeom prst="rect">
+                <a:avLst/>
+              </a:prstGeom>
+              <a:blipFill>
+                <a:blip r:embed="rId6"/>
+                <a:stretch>
+                  <a:fillRect/>
+                </a:stretch>
+              </a:blipFill>
+            </p:spPr>
+            <p:txBody>
+              <a:bodyPr/>
+              <a:lstStyle/>
+              <a:p>
+                <a:r>
+                  <a:rPr lang="ja-JP" altLang="en-US">
+                    <a:noFill/>
+                  </a:rPr>
+                  <a:t> </a:t>
+                </a:r>
+              </a:p>
+            </p:txBody>
+          </p:sp>
+        </mc:Fallback>
+      </mc:AlternateContent>
+      <mc:AlternateContent xmlns:mc="http://schemas.openxmlformats.org/markup-compatibility/2006">
+        <mc:Choice xmlns:a14="http://schemas.microsoft.com/office/drawing/2010/main" Requires="a14">
+          <p:sp>
+            <p:nvSpPr>
+              <p:cNvPr id="82" name="テキスト ボックス 81">
+                <a:extLst>
+                  <a:ext uri="{FF2B5EF4-FFF2-40B4-BE49-F238E27FC236}">
+                    <a16:creationId xmlns:a16="http://schemas.microsoft.com/office/drawing/2014/main" id="{CDFE8E75-741C-4266-8A11-B3039615CAB5}"/>
+                  </a:ext>
+                </a:extLst>
+              </p:cNvPr>
+              <p:cNvSpPr txBox="1"/>
+              <p:nvPr/>
+            </p:nvSpPr>
+            <p:spPr>
+              <a:xfrm>
+                <a:off x="7806535" y="2114045"/>
+                <a:ext cx="384208" cy="369332"/>
+              </a:xfrm>
+              <a:prstGeom prst="rect">
+                <a:avLst/>
+              </a:prstGeom>
+              <a:noFill/>
+            </p:spPr>
+            <p:txBody>
+              <a:bodyPr wrap="none" rtlCol="0">
+                <a:spAutoFit/>
+              </a:bodyPr>
+              <a:lstStyle/>
+              <a:p>
+                <a:pPr algn="ctr"/>
+                <a14:m>
+                  <m:oMathPara xmlns:m="http://schemas.openxmlformats.org/officeDocument/2006/math">
+                    <m:oMathParaPr>
+                      <m:jc m:val="centerGroup"/>
+                    </m:oMathParaPr>
+                    <m:oMath xmlns:m="http://schemas.openxmlformats.org/officeDocument/2006/math">
+                      <m:r>
+                        <a:rPr kumimoji="1" lang="en-US" altLang="ja-JP" b="0" i="1" smtClean="0">
+                          <a:latin typeface="Cambria Math" panose="02040503050406030204" pitchFamily="18" charset="0"/>
+                        </a:rPr>
+                        <m:t>𝑦</m:t>
+                      </m:r>
+                    </m:oMath>
+                  </m:oMathPara>
+                </a14:m>
+                <a:endParaRPr kumimoji="1" lang="ja-JP" altLang="en-US" dirty="0"/>
+              </a:p>
+            </p:txBody>
+          </p:sp>
+        </mc:Choice>
+        <mc:Fallback>
+          <p:sp>
+            <p:nvSpPr>
+              <p:cNvPr id="82" name="テキスト ボックス 81">
+                <a:extLst>
+                  <a:ext uri="{FF2B5EF4-FFF2-40B4-BE49-F238E27FC236}">
+                    <a16:creationId xmlns:a16="http://schemas.microsoft.com/office/drawing/2014/main" id="{CDFE8E75-741C-4266-8A11-B3039615CAB5}"/>
+                  </a:ext>
+                </a:extLst>
+              </p:cNvPr>
+              <p:cNvSpPr txBox="1">
+                <a:spLocks noRot="1" noChangeAspect="1" noMove="1" noResize="1" noEditPoints="1" noAdjustHandles="1" noChangeArrowheads="1" noChangeShapeType="1" noTextEdit="1"/>
+              </p:cNvSpPr>
+              <p:nvPr/>
+            </p:nvSpPr>
+            <p:spPr>
+              <a:xfrm>
+                <a:off x="7806535" y="2114045"/>
+                <a:ext cx="384208" cy="369332"/>
+              </a:xfrm>
+              <a:prstGeom prst="rect">
+                <a:avLst/>
+              </a:prstGeom>
+              <a:blipFill>
+                <a:blip r:embed="rId7"/>
+                <a:stretch>
+                  <a:fillRect b="-6667"/>
+                </a:stretch>
+              </a:blipFill>
+            </p:spPr>
+            <p:txBody>
+              <a:bodyPr/>
+              <a:lstStyle/>
+              <a:p>
+                <a:r>
+                  <a:rPr lang="ja-JP" altLang="en-US">
+                    <a:noFill/>
+                  </a:rPr>
+                  <a:t> </a:t>
+                </a:r>
+              </a:p>
+            </p:txBody>
+          </p:sp>
+        </mc:Fallback>
+      </mc:AlternateContent>
+      <p:grpSp>
+        <p:nvGrpSpPr>
+          <p:cNvPr id="97" name="グループ化 96">
+            <a:extLst>
+              <a:ext uri="{FF2B5EF4-FFF2-40B4-BE49-F238E27FC236}">
+                <a16:creationId xmlns:a16="http://schemas.microsoft.com/office/drawing/2014/main" id="{C05ECBCC-28F3-46D7-8906-FF8826D0717A}"/>
+              </a:ext>
+            </a:extLst>
+          </p:cNvPr>
+          <p:cNvGrpSpPr/>
+          <p:nvPr/>
+        </p:nvGrpSpPr>
+        <p:grpSpPr>
+          <a:xfrm rot="10800000" flipH="1">
+            <a:off x="10467099" y="1578696"/>
+            <a:ext cx="783825" cy="753414"/>
+            <a:chOff x="3088642" y="1782869"/>
+            <a:chExt cx="783825" cy="753414"/>
+          </a:xfrm>
+        </p:grpSpPr>
+        <p:cxnSp>
+          <p:nvCxnSpPr>
+            <p:cNvPr id="98" name="直線矢印コネクタ 97">
+              <a:extLst>
+                <a:ext uri="{FF2B5EF4-FFF2-40B4-BE49-F238E27FC236}">
+                  <a16:creationId xmlns:a16="http://schemas.microsoft.com/office/drawing/2014/main" id="{37E85AC2-FF18-4D78-9E23-C0A1A0E0C44A}"/>
+                </a:ext>
+              </a:extLst>
+            </p:cNvPr>
+            <p:cNvCxnSpPr>
+              <a:cxnSpLocks/>
+            </p:cNvCxnSpPr>
+            <p:nvPr/>
+          </p:nvCxnSpPr>
+          <p:spPr>
+            <a:xfrm>
+              <a:off x="3182747" y="2485748"/>
+              <a:ext cx="689720" cy="0"/>
+            </a:xfrm>
+            <a:prstGeom prst="straightConnector1">
+              <a:avLst/>
+            </a:prstGeom>
+            <a:ln w="12700">
+              <a:solidFill>
+                <a:schemeClr val="tx1"/>
+              </a:solidFill>
+              <a:tailEnd type="triangle"/>
+            </a:ln>
+          </p:spPr>
+          <p:style>
+            <a:lnRef idx="1">
+              <a:schemeClr val="accent1"/>
+            </a:lnRef>
+            <a:fillRef idx="0">
+              <a:schemeClr val="accent1"/>
+            </a:fillRef>
+            <a:effectRef idx="0">
+              <a:schemeClr val="accent1"/>
+            </a:effectRef>
+            <a:fontRef idx="minor">
+              <a:schemeClr val="tx1"/>
+            </a:fontRef>
+          </p:style>
+        </p:cxnSp>
+        <p:cxnSp>
+          <p:nvCxnSpPr>
+            <p:cNvPr id="99" name="直線矢印コネクタ 98">
+              <a:extLst>
+                <a:ext uri="{FF2B5EF4-FFF2-40B4-BE49-F238E27FC236}">
+                  <a16:creationId xmlns:a16="http://schemas.microsoft.com/office/drawing/2014/main" id="{98703172-E10B-4A02-BEC6-6F6B039072F0}"/>
+                </a:ext>
+              </a:extLst>
+            </p:cNvPr>
+            <p:cNvCxnSpPr>
+              <a:cxnSpLocks/>
+            </p:cNvCxnSpPr>
+            <p:nvPr/>
+          </p:nvCxnSpPr>
+          <p:spPr>
+            <a:xfrm flipV="1">
+              <a:off x="3193103" y="1782869"/>
+              <a:ext cx="0" cy="713237"/>
+            </a:xfrm>
+            <a:prstGeom prst="straightConnector1">
+              <a:avLst/>
+            </a:prstGeom>
+            <a:ln w="12700">
+              <a:solidFill>
+                <a:schemeClr val="tx1"/>
+              </a:solidFill>
+              <a:tailEnd type="triangle"/>
+            </a:ln>
+          </p:spPr>
+          <p:style>
+            <a:lnRef idx="1">
+              <a:schemeClr val="accent1"/>
+            </a:lnRef>
+            <a:fillRef idx="0">
+              <a:schemeClr val="accent1"/>
+            </a:fillRef>
+            <a:effectRef idx="0">
+              <a:schemeClr val="accent1"/>
+            </a:effectRef>
+            <a:fontRef idx="minor">
+              <a:schemeClr val="tx1"/>
+            </a:fontRef>
+          </p:style>
+        </p:cxnSp>
+        <mc:AlternateContent xmlns:mc="http://schemas.openxmlformats.org/markup-compatibility/2006">
+          <mc:Choice xmlns:a14="http://schemas.microsoft.com/office/drawing/2010/main" Requires="a14">
+            <p:sp>
+              <p:nvSpPr>
+                <p:cNvPr id="100" name="テキスト ボックス 99">
+                  <a:extLst>
+                    <a:ext uri="{FF2B5EF4-FFF2-40B4-BE49-F238E27FC236}">
+                      <a16:creationId xmlns:a16="http://schemas.microsoft.com/office/drawing/2014/main" id="{CD2B2FFD-D1C6-4652-8432-09E0825EA770}"/>
+                    </a:ext>
+                  </a:extLst>
+                </p:cNvPr>
+                <p:cNvSpPr txBox="1"/>
+                <p:nvPr/>
+              </p:nvSpPr>
+              <p:spPr>
+                <a:xfrm>
+                  <a:off x="3088642" y="2166951"/>
+                  <a:ext cx="378885" cy="369332"/>
+                </a:xfrm>
+                <a:prstGeom prst="rect">
+                  <a:avLst/>
+                </a:prstGeom>
+                <a:noFill/>
+              </p:spPr>
+              <p:txBody>
+                <a:bodyPr wrap="none" rtlCol="0">
+                  <a:spAutoFit/>
+                </a:bodyPr>
+                <a:lstStyle/>
+                <a:p>
+                  <a:pPr algn="ctr"/>
+                  <a14:m>
+                    <m:oMathPara xmlns:m="http://schemas.openxmlformats.org/officeDocument/2006/math">
+                      <m:oMathParaPr>
+                        <m:jc m:val="centerGroup"/>
+                      </m:oMathParaPr>
+                      <m:oMath xmlns:m="http://schemas.openxmlformats.org/officeDocument/2006/math">
+                        <m:r>
+                          <a:rPr kumimoji="1" lang="en-US" altLang="ja-JP" b="0" i="1" smtClean="0">
+                            <a:latin typeface="Cambria Math" panose="02040503050406030204" pitchFamily="18" charset="0"/>
+                          </a:rPr>
+                          <m:t>𝑜</m:t>
+                        </m:r>
+                      </m:oMath>
+                    </m:oMathPara>
+                  </a14:m>
+                  <a:endParaRPr kumimoji="1" lang="ja-JP" altLang="en-US" dirty="0"/>
+                </a:p>
+              </p:txBody>
+            </p:sp>
+          </mc:Choice>
+          <mc:Fallback>
+            <p:sp>
+              <p:nvSpPr>
+                <p:cNvPr id="100" name="テキスト ボックス 99">
+                  <a:extLst>
+                    <a:ext uri="{FF2B5EF4-FFF2-40B4-BE49-F238E27FC236}">
+                      <a16:creationId xmlns:a16="http://schemas.microsoft.com/office/drawing/2014/main" id="{CD2B2FFD-D1C6-4652-8432-09E0825EA770}"/>
+                    </a:ext>
+                  </a:extLst>
+                </p:cNvPr>
+                <p:cNvSpPr txBox="1">
+                  <a:spLocks noRot="1" noChangeAspect="1" noMove="1" noResize="1" noEditPoints="1" noAdjustHandles="1" noChangeArrowheads="1" noChangeShapeType="1" noTextEdit="1"/>
+                </p:cNvSpPr>
+                <p:nvPr/>
+              </p:nvSpPr>
+              <p:spPr>
+                <a:xfrm>
+                  <a:off x="3088642" y="2166951"/>
+                  <a:ext cx="378885" cy="369332"/>
+                </a:xfrm>
+                <a:prstGeom prst="rect">
+                  <a:avLst/>
+                </a:prstGeom>
+                <a:blipFill>
+                  <a:blip r:embed="rId8"/>
+                  <a:stretch>
+                    <a:fillRect/>
+                  </a:stretch>
+                </a:blipFill>
+              </p:spPr>
+              <p:txBody>
+                <a:bodyPr/>
+                <a:lstStyle/>
+                <a:p>
+                  <a:r>
+                    <a:rPr lang="ja-JP" altLang="en-US">
+                      <a:noFill/>
+                    </a:rPr>
+                    <a:t> </a:t>
+                  </a:r>
+                </a:p>
+              </p:txBody>
+            </p:sp>
+          </mc:Fallback>
+        </mc:AlternateContent>
+      </p:grpSp>
+      <mc:AlternateContent xmlns:mc="http://schemas.openxmlformats.org/markup-compatibility/2006">
+        <mc:Choice xmlns:a14="http://schemas.microsoft.com/office/drawing/2010/main" Requires="a14">
+          <p:sp>
+            <p:nvSpPr>
+              <p:cNvPr id="83" name="テキスト ボックス 82">
+                <a:extLst>
+                  <a:ext uri="{FF2B5EF4-FFF2-40B4-BE49-F238E27FC236}">
+                    <a16:creationId xmlns:a16="http://schemas.microsoft.com/office/drawing/2014/main" id="{9E975E29-703F-442F-83A2-F761CBD62743}"/>
+                  </a:ext>
+                </a:extLst>
+              </p:cNvPr>
+              <p:cNvSpPr txBox="1"/>
+              <p:nvPr/>
+            </p:nvSpPr>
+            <p:spPr>
+              <a:xfrm>
+                <a:off x="10280548" y="2098648"/>
+                <a:ext cx="380810" cy="369332"/>
+              </a:xfrm>
+              <a:prstGeom prst="rect">
+                <a:avLst/>
+              </a:prstGeom>
+              <a:noFill/>
+            </p:spPr>
+            <p:txBody>
+              <a:bodyPr wrap="none" rtlCol="0">
+                <a:spAutoFit/>
+              </a:bodyPr>
+              <a:lstStyle/>
+              <a:p>
+                <a:pPr algn="ctr"/>
+                <a14:m>
+                  <m:oMathPara xmlns:m="http://schemas.openxmlformats.org/officeDocument/2006/math">
+                    <m:oMathParaPr>
+                      <m:jc m:val="centerGroup"/>
+                    </m:oMathParaPr>
+                    <m:oMath xmlns:m="http://schemas.openxmlformats.org/officeDocument/2006/math">
+                      <m:r>
+                        <a:rPr kumimoji="1" lang="en-US" altLang="ja-JP" b="0" i="1" smtClean="0">
+                          <a:latin typeface="Cambria Math" panose="02040503050406030204" pitchFamily="18" charset="0"/>
+                        </a:rPr>
+                        <m:t>𝑥</m:t>
+                      </m:r>
+                    </m:oMath>
+                  </m:oMathPara>
+                </a14:m>
+                <a:endParaRPr kumimoji="1" lang="ja-JP" altLang="en-US" dirty="0"/>
+              </a:p>
+            </p:txBody>
+          </p:sp>
+        </mc:Choice>
+        <mc:Fallback>
+          <p:sp>
+            <p:nvSpPr>
+              <p:cNvPr id="83" name="テキスト ボックス 82">
+                <a:extLst>
+                  <a:ext uri="{FF2B5EF4-FFF2-40B4-BE49-F238E27FC236}">
+                    <a16:creationId xmlns:a16="http://schemas.microsoft.com/office/drawing/2014/main" id="{9E975E29-703F-442F-83A2-F761CBD62743}"/>
+                  </a:ext>
+                </a:extLst>
+              </p:cNvPr>
+              <p:cNvSpPr txBox="1">
+                <a:spLocks noRot="1" noChangeAspect="1" noMove="1" noResize="1" noEditPoints="1" noAdjustHandles="1" noChangeArrowheads="1" noChangeShapeType="1" noTextEdit="1"/>
+              </p:cNvSpPr>
+              <p:nvPr/>
+            </p:nvSpPr>
+            <p:spPr>
+              <a:xfrm>
+                <a:off x="10280548" y="2098648"/>
+                <a:ext cx="380810" cy="369332"/>
+              </a:xfrm>
+              <a:prstGeom prst="rect">
+                <a:avLst/>
+              </a:prstGeom>
+              <a:blipFill>
+                <a:blip r:embed="rId9"/>
+                <a:stretch>
+                  <a:fillRect/>
+                </a:stretch>
+              </a:blipFill>
+            </p:spPr>
+            <p:txBody>
+              <a:bodyPr/>
+              <a:lstStyle/>
+              <a:p>
+                <a:r>
+                  <a:rPr lang="ja-JP" altLang="en-US">
+                    <a:noFill/>
+                  </a:rPr>
+                  <a:t> </a:t>
+                </a:r>
+              </a:p>
+            </p:txBody>
+          </p:sp>
+        </mc:Fallback>
+      </mc:AlternateContent>
+      <mc:AlternateContent xmlns:mc="http://schemas.openxmlformats.org/markup-compatibility/2006">
+        <mc:Choice xmlns:a14="http://schemas.microsoft.com/office/drawing/2010/main" Requires="a14">
+          <p:sp>
+            <p:nvSpPr>
+              <p:cNvPr id="90" name="テキスト ボックス 89">
+                <a:extLst>
+                  <a:ext uri="{FF2B5EF4-FFF2-40B4-BE49-F238E27FC236}">
+                    <a16:creationId xmlns:a16="http://schemas.microsoft.com/office/drawing/2014/main" id="{2A81CC6D-0A64-41A9-A895-278AF2A8E6E2}"/>
+                  </a:ext>
+                </a:extLst>
+              </p:cNvPr>
+              <p:cNvSpPr txBox="1"/>
+              <p:nvPr/>
+            </p:nvSpPr>
+            <p:spPr>
+              <a:xfrm>
+                <a:off x="11069176" y="1266265"/>
+                <a:ext cx="384208" cy="369332"/>
+              </a:xfrm>
+              <a:prstGeom prst="rect">
+                <a:avLst/>
+              </a:prstGeom>
+              <a:noFill/>
+            </p:spPr>
+            <p:txBody>
+              <a:bodyPr wrap="none" rtlCol="0">
+                <a:spAutoFit/>
+              </a:bodyPr>
+              <a:lstStyle/>
+              <a:p>
+                <a:pPr algn="ctr"/>
+                <a14:m>
+                  <m:oMathPara xmlns:m="http://schemas.openxmlformats.org/officeDocument/2006/math">
+                    <m:oMathParaPr>
+                      <m:jc m:val="centerGroup"/>
+                    </m:oMathParaPr>
+                    <m:oMath xmlns:m="http://schemas.openxmlformats.org/officeDocument/2006/math">
+                      <m:r>
+                        <a:rPr kumimoji="1" lang="en-US" altLang="ja-JP" b="0" i="1" smtClean="0">
+                          <a:latin typeface="Cambria Math" panose="02040503050406030204" pitchFamily="18" charset="0"/>
+                        </a:rPr>
+                        <m:t>𝑦</m:t>
+                      </m:r>
+                    </m:oMath>
+                  </m:oMathPara>
+                </a14:m>
+                <a:endParaRPr kumimoji="1" lang="ja-JP" altLang="en-US" dirty="0"/>
+              </a:p>
+            </p:txBody>
+          </p:sp>
+        </mc:Choice>
+        <mc:Fallback>
+          <p:sp>
+            <p:nvSpPr>
+              <p:cNvPr id="90" name="テキスト ボックス 89">
+                <a:extLst>
+                  <a:ext uri="{FF2B5EF4-FFF2-40B4-BE49-F238E27FC236}">
+                    <a16:creationId xmlns:a16="http://schemas.microsoft.com/office/drawing/2014/main" id="{2A81CC6D-0A64-41A9-A895-278AF2A8E6E2}"/>
+                  </a:ext>
+                </a:extLst>
+              </p:cNvPr>
+              <p:cNvSpPr txBox="1">
+                <a:spLocks noRot="1" noChangeAspect="1" noMove="1" noResize="1" noEditPoints="1" noAdjustHandles="1" noChangeArrowheads="1" noChangeShapeType="1" noTextEdit="1"/>
+              </p:cNvSpPr>
+              <p:nvPr/>
+            </p:nvSpPr>
+            <p:spPr>
+              <a:xfrm>
+                <a:off x="11069176" y="1266265"/>
+                <a:ext cx="384208" cy="369332"/>
+              </a:xfrm>
+              <a:prstGeom prst="rect">
+                <a:avLst/>
+              </a:prstGeom>
+              <a:blipFill>
+                <a:blip r:embed="rId10"/>
+                <a:stretch>
+                  <a:fillRect b="-6667"/>
+                </a:stretch>
+              </a:blipFill>
+            </p:spPr>
+            <p:txBody>
+              <a:bodyPr/>
+              <a:lstStyle/>
+              <a:p>
+                <a:r>
+                  <a:rPr lang="ja-JP" altLang="en-US">
+                    <a:noFill/>
+                  </a:rPr>
+                  <a:t> </a:t>
+                </a:r>
+              </a:p>
+            </p:txBody>
+          </p:sp>
+        </mc:Fallback>
+      </mc:AlternateContent>
+      <p:cxnSp>
+        <p:nvCxnSpPr>
+          <p:cNvPr id="103" name="直線矢印コネクタ 102">
+            <a:extLst>
+              <a:ext uri="{FF2B5EF4-FFF2-40B4-BE49-F238E27FC236}">
+                <a16:creationId xmlns:a16="http://schemas.microsoft.com/office/drawing/2014/main" id="{C552D547-3E82-4CEB-8FC0-88B7E9F8E3D7}"/>
+              </a:ext>
+            </a:extLst>
+          </p:cNvPr>
+          <p:cNvCxnSpPr>
+            <a:cxnSpLocks/>
+          </p:cNvCxnSpPr>
+          <p:nvPr/>
+        </p:nvCxnSpPr>
+        <p:spPr>
+          <a:xfrm flipH="1" flipV="1">
+            <a:off x="9834876" y="797614"/>
+            <a:ext cx="732889" cy="825472"/>
+          </a:xfrm>
+          <a:prstGeom prst="straightConnector1">
+            <a:avLst/>
+          </a:prstGeom>
+          <a:ln>
+            <a:tailEnd type="triangle"/>
+          </a:ln>
+        </p:spPr>
+        <p:style>
+          <a:lnRef idx="1">
+            <a:schemeClr val="accent1"/>
+          </a:lnRef>
+          <a:fillRef idx="0">
+            <a:schemeClr val="accent1"/>
+          </a:fillRef>
+          <a:effectRef idx="0">
+            <a:schemeClr val="accent1"/>
+          </a:effectRef>
+          <a:fontRef idx="minor">
+            <a:schemeClr val="tx1"/>
+          </a:fontRef>
+        </p:style>
+      </p:cxnSp>
+      <mc:AlternateContent xmlns:mc="http://schemas.openxmlformats.org/markup-compatibility/2006">
+        <mc:Choice xmlns:a14="http://schemas.microsoft.com/office/drawing/2010/main" Requires="a14">
+          <p:sp>
+            <p:nvSpPr>
+              <p:cNvPr id="107" name="テキスト ボックス 106">
+                <a:extLst>
+                  <a:ext uri="{FF2B5EF4-FFF2-40B4-BE49-F238E27FC236}">
+                    <a16:creationId xmlns:a16="http://schemas.microsoft.com/office/drawing/2014/main" id="{D6DB0164-25AD-4C51-AA58-D9EB2B53E08E}"/>
+                  </a:ext>
+                </a:extLst>
+              </p:cNvPr>
+              <p:cNvSpPr txBox="1"/>
+              <p:nvPr/>
+            </p:nvSpPr>
+            <p:spPr>
+              <a:xfrm>
+                <a:off x="9602044" y="759420"/>
+                <a:ext cx="458074" cy="369332"/>
+              </a:xfrm>
+              <a:prstGeom prst="rect">
+                <a:avLst/>
+              </a:prstGeom>
+              <a:noFill/>
+            </p:spPr>
+            <p:txBody>
+              <a:bodyPr wrap="none" rtlCol="0">
+                <a:spAutoFit/>
+              </a:bodyPr>
+              <a:lstStyle/>
+              <a:p>
+                <a:pPr algn="ctr"/>
+                <a14:m>
+                  <m:oMathPara xmlns:m="http://schemas.openxmlformats.org/officeDocument/2006/math">
+                    <m:oMathParaPr>
+                      <m:jc m:val="centerGroup"/>
+                    </m:oMathParaPr>
+                    <m:oMath xmlns:m="http://schemas.openxmlformats.org/officeDocument/2006/math">
+                      <m:sSub>
+                        <m:sSubPr>
+                          <m:ctrlPr>
+                            <a:rPr kumimoji="1" lang="en-US" altLang="ja-JP" i="1" smtClean="0">
+                              <a:latin typeface="Cambria Math" panose="02040503050406030204" pitchFamily="18" charset="0"/>
+                            </a:rPr>
+                          </m:ctrlPr>
+                        </m:sSubPr>
+                        <m:e>
+                          <m:r>
+                            <a:rPr kumimoji="1" lang="en-US" altLang="ja-JP" b="0" i="1" smtClean="0">
+                              <a:latin typeface="Cambria Math" panose="02040503050406030204" pitchFamily="18" charset="0"/>
+                            </a:rPr>
+                            <m:t>𝑑</m:t>
+                          </m:r>
+                        </m:e>
+                        <m:sub>
+                          <m:r>
+                            <a:rPr kumimoji="1" lang="en-US" altLang="ja-JP" b="0" i="1" smtClean="0">
+                              <a:latin typeface="Cambria Math" panose="02040503050406030204" pitchFamily="18" charset="0"/>
+                            </a:rPr>
+                            <m:t>𝑖</m:t>
+                          </m:r>
+                        </m:sub>
+                      </m:sSub>
+                    </m:oMath>
+                  </m:oMathPara>
+                </a14:m>
+                <a:endParaRPr kumimoji="1" lang="ja-JP" altLang="en-US" dirty="0"/>
+              </a:p>
+            </p:txBody>
+          </p:sp>
+        </mc:Choice>
+        <mc:Fallback>
+          <p:sp>
+            <p:nvSpPr>
+              <p:cNvPr id="107" name="テキスト ボックス 106">
+                <a:extLst>
+                  <a:ext uri="{FF2B5EF4-FFF2-40B4-BE49-F238E27FC236}">
+                    <a16:creationId xmlns:a16="http://schemas.microsoft.com/office/drawing/2014/main" id="{D6DB0164-25AD-4C51-AA58-D9EB2B53E08E}"/>
+                  </a:ext>
+                </a:extLst>
+              </p:cNvPr>
+              <p:cNvSpPr txBox="1">
+                <a:spLocks noRot="1" noChangeAspect="1" noMove="1" noResize="1" noEditPoints="1" noAdjustHandles="1" noChangeArrowheads="1" noChangeShapeType="1" noTextEdit="1"/>
+              </p:cNvSpPr>
+              <p:nvPr/>
+            </p:nvSpPr>
+            <p:spPr>
+              <a:xfrm>
+                <a:off x="9602044" y="759420"/>
+                <a:ext cx="458074" cy="369332"/>
+              </a:xfrm>
+              <a:prstGeom prst="rect">
+                <a:avLst/>
+              </a:prstGeom>
+              <a:blipFill>
+                <a:blip r:embed="rId11"/>
+                <a:stretch>
+                  <a:fillRect b="-1667"/>
+                </a:stretch>
+              </a:blipFill>
+            </p:spPr>
+            <p:txBody>
+              <a:bodyPr/>
+              <a:lstStyle/>
+              <a:p>
+                <a:r>
+                  <a:rPr lang="ja-JP" altLang="en-US">
+                    <a:noFill/>
+                  </a:rPr>
+                  <a:t> </a:t>
+                </a:r>
+              </a:p>
+            </p:txBody>
+          </p:sp>
+        </mc:Fallback>
+      </mc:AlternateContent>
+      <p:sp>
+        <p:nvSpPr>
+          <p:cNvPr id="109" name="円弧 108">
+            <a:extLst>
+              <a:ext uri="{FF2B5EF4-FFF2-40B4-BE49-F238E27FC236}">
+                <a16:creationId xmlns:a16="http://schemas.microsoft.com/office/drawing/2014/main" id="{86264E34-7548-4781-83BA-BF2619DA2C07}"/>
+              </a:ext>
+            </a:extLst>
+          </p:cNvPr>
+          <p:cNvSpPr/>
+          <p:nvPr/>
+        </p:nvSpPr>
+        <p:spPr>
+          <a:xfrm rot="10800000">
+            <a:off x="10360449" y="1452905"/>
+            <a:ext cx="417096" cy="369331"/>
+          </a:xfrm>
+          <a:prstGeom prst="arc">
+            <a:avLst>
+              <a:gd name="adj1" fmla="val 16200000"/>
+              <a:gd name="adj2" fmla="val 2926224"/>
+            </a:avLst>
+          </a:prstGeom>
+        </p:spPr>
+        <p:style>
+          <a:lnRef idx="1">
+            <a:schemeClr val="accent1"/>
+          </a:lnRef>
+          <a:fillRef idx="0">
+            <a:schemeClr val="accent1"/>
+          </a:fillRef>
+          <a:effectRef idx="0">
+            <a:schemeClr val="accent1"/>
+          </a:effectRef>
+          <a:fontRef idx="minor">
+            <a:schemeClr val="tx1"/>
+          </a:fontRef>
+        </p:style>
+        <p:txBody>
+          <a:bodyPr rtlCol="0" anchor="ctr"/>
+          <a:lstStyle/>
+          <a:p>
+            <a:pPr algn="ctr"/>
+            <a:endParaRPr kumimoji="1" lang="ja-JP" altLang="en-US"/>
+          </a:p>
+        </p:txBody>
+      </p:sp>
+      <mc:AlternateContent xmlns:mc="http://schemas.openxmlformats.org/markup-compatibility/2006">
+        <mc:Choice xmlns:a14="http://schemas.microsoft.com/office/drawing/2010/main" Requires="a14">
+          <p:sp>
+            <p:nvSpPr>
+              <p:cNvPr id="111" name="テキスト ボックス 110">
+                <a:extLst>
+                  <a:ext uri="{FF2B5EF4-FFF2-40B4-BE49-F238E27FC236}">
+                    <a16:creationId xmlns:a16="http://schemas.microsoft.com/office/drawing/2014/main" id="{644624F7-2342-4DC4-A556-B9246A3E70AE}"/>
+                  </a:ext>
+                </a:extLst>
+              </p:cNvPr>
+              <p:cNvSpPr txBox="1"/>
+              <p:nvPr/>
+            </p:nvSpPr>
+            <p:spPr>
+              <a:xfrm>
+                <a:off x="10056077" y="1539306"/>
+                <a:ext cx="482120" cy="369332"/>
+              </a:xfrm>
+              <a:prstGeom prst="rect">
+                <a:avLst/>
+              </a:prstGeom>
+              <a:noFill/>
+            </p:spPr>
+            <p:txBody>
+              <a:bodyPr wrap="none" rtlCol="0">
+                <a:spAutoFit/>
+              </a:bodyPr>
+              <a:lstStyle/>
+              <a:p>
+                <a:pPr algn="ctr"/>
+                <a14:m>
+                  <m:oMathPara xmlns:m="http://schemas.openxmlformats.org/officeDocument/2006/math">
+                    <m:oMathParaPr>
+                      <m:jc m:val="centerGroup"/>
+                    </m:oMathParaPr>
+                    <m:oMath xmlns:m="http://schemas.openxmlformats.org/officeDocument/2006/math">
+                      <m:sSub>
+                        <m:sSubPr>
+                          <m:ctrlPr>
+                            <a:rPr kumimoji="1" lang="en-US" altLang="ja-JP" i="1" smtClean="0">
+                              <a:latin typeface="Cambria Math" panose="02040503050406030204" pitchFamily="18" charset="0"/>
+                            </a:rPr>
+                          </m:ctrlPr>
+                        </m:sSubPr>
+                        <m:e>
+                          <m:r>
+                            <a:rPr kumimoji="1" lang="ja-JP" altLang="en-US" i="1" smtClean="0">
+                              <a:latin typeface="Cambria Math" panose="02040503050406030204" pitchFamily="18" charset="0"/>
+                            </a:rPr>
+                            <m:t>𝜑</m:t>
+                          </m:r>
+                        </m:e>
+                        <m:sub>
+                          <m:r>
+                            <a:rPr kumimoji="1" lang="en-US" altLang="ja-JP" b="0" i="1" smtClean="0">
+                              <a:latin typeface="Cambria Math" panose="02040503050406030204" pitchFamily="18" charset="0"/>
+                            </a:rPr>
+                            <m:t>𝑖</m:t>
+                          </m:r>
+                        </m:sub>
+                      </m:sSub>
+                    </m:oMath>
+                  </m:oMathPara>
+                </a14:m>
+                <a:endParaRPr kumimoji="1" lang="ja-JP" altLang="en-US" dirty="0"/>
+              </a:p>
+            </p:txBody>
+          </p:sp>
+        </mc:Choice>
+        <mc:Fallback>
+          <p:sp>
+            <p:nvSpPr>
+              <p:cNvPr id="111" name="テキスト ボックス 110">
+                <a:extLst>
+                  <a:ext uri="{FF2B5EF4-FFF2-40B4-BE49-F238E27FC236}">
+                    <a16:creationId xmlns:a16="http://schemas.microsoft.com/office/drawing/2014/main" id="{644624F7-2342-4DC4-A556-B9246A3E70AE}"/>
+                  </a:ext>
+                </a:extLst>
+              </p:cNvPr>
+              <p:cNvSpPr txBox="1">
+                <a:spLocks noRot="1" noChangeAspect="1" noMove="1" noResize="1" noEditPoints="1" noAdjustHandles="1" noChangeArrowheads="1" noChangeShapeType="1" noTextEdit="1"/>
+              </p:cNvSpPr>
+              <p:nvPr/>
+            </p:nvSpPr>
+            <p:spPr>
+              <a:xfrm>
+                <a:off x="10056077" y="1539306"/>
+                <a:ext cx="482120" cy="369332"/>
+              </a:xfrm>
+              <a:prstGeom prst="rect">
+                <a:avLst/>
+              </a:prstGeom>
+              <a:blipFill>
+                <a:blip r:embed="rId12"/>
+                <a:stretch>
+                  <a:fillRect b="-6667"/>
+                </a:stretch>
+              </a:blipFill>
+            </p:spPr>
+            <p:txBody>
+              <a:bodyPr/>
+              <a:lstStyle/>
+              <a:p>
+                <a:r>
+                  <a:rPr lang="ja-JP" altLang="en-US">
+                    <a:noFill/>
+                  </a:rPr>
+                  <a:t> </a:t>
+                </a:r>
+              </a:p>
+            </p:txBody>
+          </p:sp>
+        </mc:Fallback>
+      </mc:AlternateContent>
+      <p:sp>
+        <p:nvSpPr>
+          <p:cNvPr id="117" name="円弧 116">
+            <a:extLst>
+              <a:ext uri="{FF2B5EF4-FFF2-40B4-BE49-F238E27FC236}">
+                <a16:creationId xmlns:a16="http://schemas.microsoft.com/office/drawing/2014/main" id="{D492FAEA-5B33-4780-B3C1-14F5DFE49541}"/>
+              </a:ext>
+            </a:extLst>
+          </p:cNvPr>
+          <p:cNvSpPr/>
+          <p:nvPr/>
+        </p:nvSpPr>
+        <p:spPr>
+          <a:xfrm rot="13603447">
+            <a:off x="10037956" y="885122"/>
+            <a:ext cx="417096" cy="533271"/>
+          </a:xfrm>
+          <a:prstGeom prst="arc">
+            <a:avLst>
+              <a:gd name="adj1" fmla="val 17551539"/>
+              <a:gd name="adj2" fmla="val 2926224"/>
+            </a:avLst>
+          </a:prstGeom>
+          <a:ln>
+            <a:prstDash val="dash"/>
+            <a:tailEnd type="triangle"/>
+          </a:ln>
+        </p:spPr>
+        <p:style>
+          <a:lnRef idx="1">
+            <a:schemeClr val="accent1"/>
+          </a:lnRef>
+          <a:fillRef idx="0">
+            <a:schemeClr val="accent1"/>
+          </a:fillRef>
+          <a:effectRef idx="0">
+            <a:schemeClr val="accent1"/>
+          </a:effectRef>
+          <a:fontRef idx="minor">
+            <a:schemeClr val="tx1"/>
+          </a:fontRef>
+        </p:style>
+        <p:txBody>
+          <a:bodyPr rtlCol="0" anchor="ctr"/>
+          <a:lstStyle/>
+          <a:p>
+            <a:pPr algn="ctr"/>
+            <a:endParaRPr kumimoji="1" lang="ja-JP" altLang="en-US"/>
+          </a:p>
+        </p:txBody>
+      </p:sp>
+      <p:grpSp>
+        <p:nvGrpSpPr>
+          <p:cNvPr id="118" name="グループ化 117">
+            <a:extLst>
+              <a:ext uri="{FF2B5EF4-FFF2-40B4-BE49-F238E27FC236}">
+                <a16:creationId xmlns:a16="http://schemas.microsoft.com/office/drawing/2014/main" id="{218E5FE5-3FFC-4533-AF78-96EA26C707E7}"/>
+              </a:ext>
+            </a:extLst>
+          </p:cNvPr>
+          <p:cNvGrpSpPr/>
+          <p:nvPr/>
+        </p:nvGrpSpPr>
+        <p:grpSpPr>
+          <a:xfrm flipH="1">
+            <a:off x="10730263" y="3164997"/>
+            <a:ext cx="932430" cy="953490"/>
+            <a:chOff x="2940037" y="1782869"/>
+            <a:chExt cx="932430" cy="953490"/>
+          </a:xfrm>
+        </p:grpSpPr>
+        <p:cxnSp>
+          <p:nvCxnSpPr>
+            <p:cNvPr id="119" name="直線矢印コネクタ 118">
+              <a:extLst>
+                <a:ext uri="{FF2B5EF4-FFF2-40B4-BE49-F238E27FC236}">
+                  <a16:creationId xmlns:a16="http://schemas.microsoft.com/office/drawing/2014/main" id="{FDAC1383-DBBA-4060-928A-0BD69B4727BE}"/>
+                </a:ext>
+              </a:extLst>
+            </p:cNvPr>
+            <p:cNvCxnSpPr>
+              <a:cxnSpLocks/>
+            </p:cNvCxnSpPr>
+            <p:nvPr/>
+          </p:nvCxnSpPr>
+          <p:spPr>
+            <a:xfrm>
+              <a:off x="3182747" y="2485748"/>
+              <a:ext cx="689720" cy="0"/>
+            </a:xfrm>
+            <a:prstGeom prst="straightConnector1">
+              <a:avLst/>
+            </a:prstGeom>
+            <a:ln w="12700">
+              <a:solidFill>
+                <a:schemeClr val="tx1"/>
+              </a:solidFill>
+              <a:tailEnd type="triangle"/>
+            </a:ln>
+          </p:spPr>
+          <p:style>
+            <a:lnRef idx="1">
+              <a:schemeClr val="accent1"/>
+            </a:lnRef>
+            <a:fillRef idx="0">
+              <a:schemeClr val="accent1"/>
+            </a:fillRef>
+            <a:effectRef idx="0">
+              <a:schemeClr val="accent1"/>
+            </a:effectRef>
+            <a:fontRef idx="minor">
+              <a:schemeClr val="tx1"/>
+            </a:fontRef>
+          </p:style>
+        </p:cxnSp>
+        <p:cxnSp>
+          <p:nvCxnSpPr>
+            <p:cNvPr id="120" name="直線矢印コネクタ 119">
+              <a:extLst>
+                <a:ext uri="{FF2B5EF4-FFF2-40B4-BE49-F238E27FC236}">
+                  <a16:creationId xmlns:a16="http://schemas.microsoft.com/office/drawing/2014/main" id="{ED946B43-F9B2-48BC-93BF-4C9046F94446}"/>
+                </a:ext>
+              </a:extLst>
+            </p:cNvPr>
+            <p:cNvCxnSpPr>
+              <a:cxnSpLocks/>
+            </p:cNvCxnSpPr>
+            <p:nvPr/>
+          </p:nvCxnSpPr>
+          <p:spPr>
+            <a:xfrm flipV="1">
+              <a:off x="3193103" y="1782869"/>
+              <a:ext cx="0" cy="713237"/>
+            </a:xfrm>
+            <a:prstGeom prst="straightConnector1">
+              <a:avLst/>
+            </a:prstGeom>
+            <a:ln w="12700">
+              <a:solidFill>
+                <a:schemeClr val="tx1"/>
+              </a:solidFill>
+              <a:tailEnd type="triangle"/>
+            </a:ln>
+          </p:spPr>
+          <p:style>
+            <a:lnRef idx="1">
+              <a:schemeClr val="accent1"/>
+            </a:lnRef>
+            <a:fillRef idx="0">
+              <a:schemeClr val="accent1"/>
+            </a:fillRef>
+            <a:effectRef idx="0">
+              <a:schemeClr val="accent1"/>
+            </a:effectRef>
+            <a:fontRef idx="minor">
+              <a:schemeClr val="tx1"/>
+            </a:fontRef>
+          </p:style>
+        </p:cxnSp>
+        <mc:AlternateContent xmlns:mc="http://schemas.openxmlformats.org/markup-compatibility/2006" xmlns:a14="http://schemas.microsoft.com/office/drawing/2010/main">
+          <mc:Choice Requires="a14">
+            <p:sp>
+              <p:nvSpPr>
+                <p:cNvPr id="121" name="テキスト ボックス 120">
+                  <a:extLst>
+                    <a:ext uri="{FF2B5EF4-FFF2-40B4-BE49-F238E27FC236}">
+                      <a16:creationId xmlns:a16="http://schemas.microsoft.com/office/drawing/2014/main" id="{E7D33804-93CE-40BD-AD67-0F760A9315CC}"/>
+                    </a:ext>
+                  </a:extLst>
+                </p:cNvPr>
+                <p:cNvSpPr txBox="1"/>
+                <p:nvPr/>
+              </p:nvSpPr>
+              <p:spPr>
+                <a:xfrm>
+                  <a:off x="2940037" y="2367027"/>
+                  <a:ext cx="378885" cy="369332"/>
+                </a:xfrm>
+                <a:prstGeom prst="rect">
+                  <a:avLst/>
+                </a:prstGeom>
+                <a:noFill/>
+              </p:spPr>
+              <p:txBody>
+                <a:bodyPr wrap="none" rtlCol="0">
+                  <a:spAutoFit/>
+                </a:bodyPr>
+                <a:lstStyle/>
+                <a:p>
+                  <a:pPr algn="ctr"/>
+                  <a14:m>
+                    <m:oMathPara xmlns:m="http://schemas.openxmlformats.org/officeDocument/2006/math">
+                      <m:oMathParaPr>
+                        <m:jc m:val="centerGroup"/>
+                      </m:oMathParaPr>
+                      <m:oMath xmlns:m="http://schemas.openxmlformats.org/officeDocument/2006/math">
+                        <m:r>
+                          <a:rPr kumimoji="1" lang="en-US" altLang="ja-JP" b="0" i="1" smtClean="0">
+                            <a:latin typeface="Cambria Math" panose="02040503050406030204" pitchFamily="18" charset="0"/>
+                          </a:rPr>
+                          <m:t>𝑜</m:t>
+                        </m:r>
+                      </m:oMath>
+                    </m:oMathPara>
+                  </a14:m>
+                  <a:endParaRPr kumimoji="1" lang="ja-JP" altLang="en-US" dirty="0"/>
+                </a:p>
+              </p:txBody>
+            </p:sp>
+          </mc:Choice>
+          <mc:Fallback xmlns="">
+            <p:sp>
+              <p:nvSpPr>
+                <p:cNvPr id="89" name="テキスト ボックス 88">
+                  <a:extLst>
+                    <a:ext uri="{FF2B5EF4-FFF2-40B4-BE49-F238E27FC236}">
+                      <a16:creationId xmlns:a16="http://schemas.microsoft.com/office/drawing/2014/main" id="{432AFEC6-CCE9-4CA4-B070-084845B5C832}"/>
+                    </a:ext>
+                  </a:extLst>
+                </p:cNvPr>
+                <p:cNvSpPr txBox="1">
+                  <a:spLocks noRot="1" noChangeAspect="1" noMove="1" noResize="1" noEditPoints="1" noAdjustHandles="1" noChangeArrowheads="1" noChangeShapeType="1" noTextEdit="1"/>
+                </p:cNvSpPr>
+                <p:nvPr/>
+              </p:nvSpPr>
+              <p:spPr>
+                <a:xfrm>
+                  <a:off x="2940037" y="2367027"/>
+                  <a:ext cx="378885" cy="369332"/>
+                </a:xfrm>
+                <a:prstGeom prst="rect">
+                  <a:avLst/>
+                </a:prstGeom>
+                <a:blipFill>
+                  <a:blip r:embed="rId3"/>
+                  <a:stretch>
+                    <a:fillRect/>
+                  </a:stretch>
+                </a:blipFill>
+              </p:spPr>
+              <p:txBody>
+                <a:bodyPr/>
+                <a:lstStyle/>
+                <a:p>
+                  <a:r>
+                    <a:rPr lang="ja-JP" altLang="en-US">
+                      <a:noFill/>
+                    </a:rPr>
+                    <a:t> </a:t>
+                  </a:r>
+                </a:p>
+              </p:txBody>
+            </p:sp>
+          </mc:Fallback>
+        </mc:AlternateContent>
+      </p:grpSp>
+      <mc:AlternateContent xmlns:mc="http://schemas.openxmlformats.org/markup-compatibility/2006">
+        <mc:Choice xmlns:a14="http://schemas.microsoft.com/office/drawing/2010/main" Requires="a14">
+          <p:sp>
+            <p:nvSpPr>
+              <p:cNvPr id="122" name="テキスト ボックス 121">
+                <a:extLst>
+                  <a:ext uri="{FF2B5EF4-FFF2-40B4-BE49-F238E27FC236}">
+                    <a16:creationId xmlns:a16="http://schemas.microsoft.com/office/drawing/2014/main" id="{F9F8AEC1-5BF3-4C92-BBEE-0A1530BED39E}"/>
+                  </a:ext>
+                </a:extLst>
+              </p:cNvPr>
+              <p:cNvSpPr txBox="1"/>
+              <p:nvPr/>
+            </p:nvSpPr>
+            <p:spPr>
+              <a:xfrm>
+                <a:off x="11409627" y="3006172"/>
+                <a:ext cx="380810" cy="369332"/>
+              </a:xfrm>
+              <a:prstGeom prst="rect">
+                <a:avLst/>
+              </a:prstGeom>
+              <a:noFill/>
+            </p:spPr>
+            <p:txBody>
+              <a:bodyPr wrap="none" rtlCol="0">
+                <a:spAutoFit/>
+              </a:bodyPr>
+              <a:lstStyle/>
+              <a:p>
+                <a:pPr algn="ctr"/>
+                <a14:m>
+                  <m:oMathPara xmlns:m="http://schemas.openxmlformats.org/officeDocument/2006/math">
+                    <m:oMathParaPr>
+                      <m:jc m:val="centerGroup"/>
+                    </m:oMathParaPr>
+                    <m:oMath xmlns:m="http://schemas.openxmlformats.org/officeDocument/2006/math">
+                      <m:r>
+                        <a:rPr kumimoji="1" lang="en-US" altLang="ja-JP" b="0" i="1" smtClean="0">
+                          <a:latin typeface="Cambria Math" panose="02040503050406030204" pitchFamily="18" charset="0"/>
+                        </a:rPr>
+                        <m:t>𝑥</m:t>
+                      </m:r>
+                    </m:oMath>
+                  </m:oMathPara>
+                </a14:m>
+                <a:endParaRPr kumimoji="1" lang="ja-JP" altLang="en-US" dirty="0"/>
+              </a:p>
+            </p:txBody>
+          </p:sp>
+        </mc:Choice>
+        <mc:Fallback>
+          <p:sp>
+            <p:nvSpPr>
+              <p:cNvPr id="122" name="テキスト ボックス 121">
+                <a:extLst>
+                  <a:ext uri="{FF2B5EF4-FFF2-40B4-BE49-F238E27FC236}">
+                    <a16:creationId xmlns:a16="http://schemas.microsoft.com/office/drawing/2014/main" id="{F9F8AEC1-5BF3-4C92-BBEE-0A1530BED39E}"/>
+                  </a:ext>
+                </a:extLst>
+              </p:cNvPr>
+              <p:cNvSpPr txBox="1">
+                <a:spLocks noRot="1" noChangeAspect="1" noMove="1" noResize="1" noEditPoints="1" noAdjustHandles="1" noChangeArrowheads="1" noChangeShapeType="1" noTextEdit="1"/>
+              </p:cNvSpPr>
+              <p:nvPr/>
+            </p:nvSpPr>
+            <p:spPr>
+              <a:xfrm>
+                <a:off x="11409627" y="3006172"/>
+                <a:ext cx="380810" cy="369332"/>
+              </a:xfrm>
+              <a:prstGeom prst="rect">
+                <a:avLst/>
+              </a:prstGeom>
+              <a:blipFill>
+                <a:blip r:embed="rId13"/>
+                <a:stretch>
+                  <a:fillRect/>
+                </a:stretch>
+              </a:blipFill>
+            </p:spPr>
+            <p:txBody>
+              <a:bodyPr/>
+              <a:lstStyle/>
+              <a:p>
+                <a:r>
+                  <a:rPr lang="ja-JP" altLang="en-US">
+                    <a:noFill/>
+                  </a:rPr>
+                  <a:t> </a:t>
+                </a:r>
+              </a:p>
+            </p:txBody>
+          </p:sp>
+        </mc:Fallback>
+      </mc:AlternateContent>
+      <mc:AlternateContent xmlns:mc="http://schemas.openxmlformats.org/markup-compatibility/2006">
+        <mc:Choice xmlns:a14="http://schemas.microsoft.com/office/drawing/2010/main" Requires="a14">
+          <p:sp>
+            <p:nvSpPr>
+              <p:cNvPr id="123" name="テキスト ボックス 122">
+                <a:extLst>
+                  <a:ext uri="{FF2B5EF4-FFF2-40B4-BE49-F238E27FC236}">
+                    <a16:creationId xmlns:a16="http://schemas.microsoft.com/office/drawing/2014/main" id="{674BEBBD-C623-4F6B-918A-5E5E7EA755B8}"/>
+                  </a:ext>
+                </a:extLst>
+              </p:cNvPr>
+              <p:cNvSpPr txBox="1"/>
+              <p:nvPr/>
+            </p:nvSpPr>
+            <p:spPr>
+              <a:xfrm>
+                <a:off x="10577863" y="3823046"/>
+                <a:ext cx="384208" cy="369332"/>
+              </a:xfrm>
+              <a:prstGeom prst="rect">
+                <a:avLst/>
+              </a:prstGeom>
+              <a:noFill/>
+            </p:spPr>
+            <p:txBody>
+              <a:bodyPr wrap="none" rtlCol="0">
+                <a:spAutoFit/>
+              </a:bodyPr>
+              <a:lstStyle/>
+              <a:p>
+                <a:pPr algn="ctr"/>
+                <a14:m>
+                  <m:oMathPara xmlns:m="http://schemas.openxmlformats.org/officeDocument/2006/math">
+                    <m:oMathParaPr>
+                      <m:jc m:val="centerGroup"/>
+                    </m:oMathParaPr>
+                    <m:oMath xmlns:m="http://schemas.openxmlformats.org/officeDocument/2006/math">
+                      <m:r>
+                        <a:rPr kumimoji="1" lang="en-US" altLang="ja-JP" b="0" i="1" smtClean="0">
+                          <a:latin typeface="Cambria Math" panose="02040503050406030204" pitchFamily="18" charset="0"/>
+                        </a:rPr>
+                        <m:t>𝑦</m:t>
+                      </m:r>
+                    </m:oMath>
+                  </m:oMathPara>
+                </a14:m>
+                <a:endParaRPr kumimoji="1" lang="ja-JP" altLang="en-US" dirty="0"/>
+              </a:p>
+            </p:txBody>
+          </p:sp>
+        </mc:Choice>
+        <mc:Fallback>
+          <p:sp>
+            <p:nvSpPr>
+              <p:cNvPr id="123" name="テキスト ボックス 122">
+                <a:extLst>
+                  <a:ext uri="{FF2B5EF4-FFF2-40B4-BE49-F238E27FC236}">
+                    <a16:creationId xmlns:a16="http://schemas.microsoft.com/office/drawing/2014/main" id="{674BEBBD-C623-4F6B-918A-5E5E7EA755B8}"/>
+                  </a:ext>
+                </a:extLst>
+              </p:cNvPr>
+              <p:cNvSpPr txBox="1">
+                <a:spLocks noRot="1" noChangeAspect="1" noMove="1" noResize="1" noEditPoints="1" noAdjustHandles="1" noChangeArrowheads="1" noChangeShapeType="1" noTextEdit="1"/>
+              </p:cNvSpPr>
+              <p:nvPr/>
+            </p:nvSpPr>
+            <p:spPr>
+              <a:xfrm>
+                <a:off x="10577863" y="3823046"/>
+                <a:ext cx="384208" cy="369332"/>
+              </a:xfrm>
+              <a:prstGeom prst="rect">
+                <a:avLst/>
+              </a:prstGeom>
+              <a:blipFill>
+                <a:blip r:embed="rId14"/>
+                <a:stretch>
+                  <a:fillRect b="-6557"/>
+                </a:stretch>
+              </a:blipFill>
+            </p:spPr>
+            <p:txBody>
+              <a:bodyPr/>
+              <a:lstStyle/>
+              <a:p>
+                <a:r>
+                  <a:rPr lang="ja-JP" altLang="en-US">
+                    <a:noFill/>
+                  </a:rPr>
+                  <a:t> </a:t>
+                </a:r>
+              </a:p>
+            </p:txBody>
+          </p:sp>
+        </mc:Fallback>
+      </mc:AlternateContent>
+      <p:cxnSp>
+        <p:nvCxnSpPr>
+          <p:cNvPr id="124" name="直線矢印コネクタ 123">
+            <a:extLst>
+              <a:ext uri="{FF2B5EF4-FFF2-40B4-BE49-F238E27FC236}">
+                <a16:creationId xmlns:a16="http://schemas.microsoft.com/office/drawing/2014/main" id="{3AFCE1B8-544A-4C17-B964-6C29F5B3C9EB}"/>
+              </a:ext>
+            </a:extLst>
+          </p:cNvPr>
+          <p:cNvCxnSpPr>
+            <a:cxnSpLocks/>
+          </p:cNvCxnSpPr>
+          <p:nvPr/>
+        </p:nvCxnSpPr>
+        <p:spPr>
+          <a:xfrm flipH="1" flipV="1">
+            <a:off x="10673676" y="3027362"/>
+            <a:ext cx="732889" cy="825472"/>
+          </a:xfrm>
+          <a:prstGeom prst="straightConnector1">
+            <a:avLst/>
+          </a:prstGeom>
+          <a:ln>
+            <a:tailEnd type="triangle"/>
+          </a:ln>
+        </p:spPr>
+        <p:style>
+          <a:lnRef idx="1">
+            <a:schemeClr val="accent1"/>
+          </a:lnRef>
+          <a:fillRef idx="0">
+            <a:schemeClr val="accent1"/>
+          </a:fillRef>
+          <a:effectRef idx="0">
+            <a:schemeClr val="accent1"/>
+          </a:effectRef>
+          <a:fontRef idx="minor">
+            <a:schemeClr val="tx1"/>
+          </a:fontRef>
+        </p:style>
+      </p:cxnSp>
+      <mc:AlternateContent xmlns:mc="http://schemas.openxmlformats.org/markup-compatibility/2006">
+        <mc:Choice xmlns:a14="http://schemas.microsoft.com/office/drawing/2010/main" Requires="a14">
+          <p:sp>
+            <p:nvSpPr>
+              <p:cNvPr id="126" name="テキスト ボックス 125">
+                <a:extLst>
+                  <a:ext uri="{FF2B5EF4-FFF2-40B4-BE49-F238E27FC236}">
+                    <a16:creationId xmlns:a16="http://schemas.microsoft.com/office/drawing/2014/main" id="{086BCB88-FB6C-4377-9CD7-F19CBFA674B8}"/>
+                  </a:ext>
+                </a:extLst>
+              </p:cNvPr>
+              <p:cNvSpPr txBox="1"/>
+              <p:nvPr/>
+            </p:nvSpPr>
+            <p:spPr>
+              <a:xfrm>
+                <a:off x="10420611" y="2969748"/>
+                <a:ext cx="458074" cy="369332"/>
+              </a:xfrm>
+              <a:prstGeom prst="rect">
+                <a:avLst/>
+              </a:prstGeom>
+              <a:noFill/>
+            </p:spPr>
+            <p:txBody>
+              <a:bodyPr wrap="none" rtlCol="0">
+                <a:spAutoFit/>
+              </a:bodyPr>
+              <a:lstStyle/>
+              <a:p>
+                <a:pPr algn="ctr"/>
+                <a14:m>
+                  <m:oMathPara xmlns:m="http://schemas.openxmlformats.org/officeDocument/2006/math">
+                    <m:oMathParaPr>
+                      <m:jc m:val="centerGroup"/>
+                    </m:oMathParaPr>
+                    <m:oMath xmlns:m="http://schemas.openxmlformats.org/officeDocument/2006/math">
+                      <m:sSub>
+                        <m:sSubPr>
+                          <m:ctrlPr>
+                            <a:rPr kumimoji="1" lang="en-US" altLang="ja-JP" i="1" smtClean="0">
+                              <a:latin typeface="Cambria Math" panose="02040503050406030204" pitchFamily="18" charset="0"/>
+                            </a:rPr>
+                          </m:ctrlPr>
+                        </m:sSubPr>
+                        <m:e>
+                          <m:r>
+                            <a:rPr kumimoji="1" lang="en-US" altLang="ja-JP" b="0" i="1" smtClean="0">
+                              <a:latin typeface="Cambria Math" panose="02040503050406030204" pitchFamily="18" charset="0"/>
+                            </a:rPr>
+                            <m:t>𝑑</m:t>
+                          </m:r>
+                        </m:e>
+                        <m:sub>
+                          <m:r>
+                            <a:rPr kumimoji="1" lang="en-US" altLang="ja-JP" b="0" i="1" smtClean="0">
+                              <a:latin typeface="Cambria Math" panose="02040503050406030204" pitchFamily="18" charset="0"/>
+                            </a:rPr>
+                            <m:t>𝑖</m:t>
+                          </m:r>
+                        </m:sub>
+                      </m:sSub>
+                    </m:oMath>
+                  </m:oMathPara>
+                </a14:m>
+                <a:endParaRPr kumimoji="1" lang="ja-JP" altLang="en-US" dirty="0"/>
+              </a:p>
+            </p:txBody>
+          </p:sp>
+        </mc:Choice>
+        <mc:Fallback>
+          <p:sp>
+            <p:nvSpPr>
+              <p:cNvPr id="126" name="テキスト ボックス 125">
+                <a:extLst>
+                  <a:ext uri="{FF2B5EF4-FFF2-40B4-BE49-F238E27FC236}">
+                    <a16:creationId xmlns:a16="http://schemas.microsoft.com/office/drawing/2014/main" id="{086BCB88-FB6C-4377-9CD7-F19CBFA674B8}"/>
+                  </a:ext>
+                </a:extLst>
+              </p:cNvPr>
+              <p:cNvSpPr txBox="1">
+                <a:spLocks noRot="1" noChangeAspect="1" noMove="1" noResize="1" noEditPoints="1" noAdjustHandles="1" noChangeArrowheads="1" noChangeShapeType="1" noTextEdit="1"/>
+              </p:cNvSpPr>
+              <p:nvPr/>
+            </p:nvSpPr>
+            <p:spPr>
+              <a:xfrm>
+                <a:off x="10420611" y="2969748"/>
+                <a:ext cx="458074" cy="369332"/>
+              </a:xfrm>
+              <a:prstGeom prst="rect">
+                <a:avLst/>
+              </a:prstGeom>
+              <a:blipFill>
+                <a:blip r:embed="rId15"/>
+                <a:stretch>
+                  <a:fillRect/>
+                </a:stretch>
+              </a:blipFill>
+            </p:spPr>
+            <p:txBody>
+              <a:bodyPr/>
+              <a:lstStyle/>
+              <a:p>
+                <a:r>
+                  <a:rPr lang="ja-JP" altLang="en-US">
+                    <a:noFill/>
+                  </a:rPr>
+                  <a:t> </a:t>
+                </a:r>
+              </a:p>
+            </p:txBody>
+          </p:sp>
+        </mc:Fallback>
+      </mc:AlternateContent>
+      <p:sp>
+        <p:nvSpPr>
+          <p:cNvPr id="128" name="円弧 127">
+            <a:extLst>
+              <a:ext uri="{FF2B5EF4-FFF2-40B4-BE49-F238E27FC236}">
+                <a16:creationId xmlns:a16="http://schemas.microsoft.com/office/drawing/2014/main" id="{5FC16BA9-6091-407B-92A5-3B6108DFC37D}"/>
+              </a:ext>
+            </a:extLst>
+          </p:cNvPr>
+          <p:cNvSpPr/>
+          <p:nvPr/>
+        </p:nvSpPr>
+        <p:spPr>
+          <a:xfrm rot="16747653">
+            <a:off x="11153905" y="3490581"/>
+            <a:ext cx="417096" cy="369331"/>
+          </a:xfrm>
+          <a:prstGeom prst="arc">
+            <a:avLst>
+              <a:gd name="adj1" fmla="val 17129057"/>
+              <a:gd name="adj2" fmla="val 285234"/>
+            </a:avLst>
+          </a:prstGeom>
+        </p:spPr>
+        <p:style>
+          <a:lnRef idx="1">
+            <a:schemeClr val="accent1"/>
+          </a:lnRef>
+          <a:fillRef idx="0">
+            <a:schemeClr val="accent1"/>
+          </a:fillRef>
+          <a:effectRef idx="0">
+            <a:schemeClr val="accent1"/>
+          </a:effectRef>
+          <a:fontRef idx="minor">
+            <a:schemeClr val="tx1"/>
+          </a:fontRef>
+        </p:style>
+        <p:txBody>
+          <a:bodyPr rtlCol="0" anchor="ctr"/>
+          <a:lstStyle/>
+          <a:p>
+            <a:pPr algn="ctr"/>
+            <a:endParaRPr kumimoji="1" lang="ja-JP" altLang="en-US"/>
+          </a:p>
+        </p:txBody>
+      </p:sp>
+      <mc:AlternateContent xmlns:mc="http://schemas.openxmlformats.org/markup-compatibility/2006">
+        <mc:Choice xmlns:a14="http://schemas.microsoft.com/office/drawing/2010/main" Requires="a14">
+          <p:sp>
+            <p:nvSpPr>
+              <p:cNvPr id="130" name="テキスト ボックス 129">
+                <a:extLst>
+                  <a:ext uri="{FF2B5EF4-FFF2-40B4-BE49-F238E27FC236}">
+                    <a16:creationId xmlns:a16="http://schemas.microsoft.com/office/drawing/2014/main" id="{83CE2F57-E263-402B-AD93-9BB6F1FE62FB}"/>
+                  </a:ext>
+                </a:extLst>
+              </p:cNvPr>
+              <p:cNvSpPr txBox="1"/>
+              <p:nvPr/>
+            </p:nvSpPr>
+            <p:spPr>
+              <a:xfrm>
+                <a:off x="11009864" y="3158632"/>
+                <a:ext cx="482120" cy="369332"/>
+              </a:xfrm>
+              <a:prstGeom prst="rect">
+                <a:avLst/>
+              </a:prstGeom>
+              <a:noFill/>
+            </p:spPr>
+            <p:txBody>
+              <a:bodyPr wrap="none" rtlCol="0">
+                <a:spAutoFit/>
+              </a:bodyPr>
+              <a:lstStyle/>
+              <a:p>
+                <a:pPr algn="ctr"/>
+                <a14:m>
+                  <m:oMathPara xmlns:m="http://schemas.openxmlformats.org/officeDocument/2006/math">
+                    <m:oMathParaPr>
+                      <m:jc m:val="centerGroup"/>
+                    </m:oMathParaPr>
+                    <m:oMath xmlns:m="http://schemas.openxmlformats.org/officeDocument/2006/math">
+                      <m:sSub>
+                        <m:sSubPr>
+                          <m:ctrlPr>
+                            <a:rPr kumimoji="1" lang="en-US" altLang="ja-JP" i="1" smtClean="0">
+                              <a:latin typeface="Cambria Math" panose="02040503050406030204" pitchFamily="18" charset="0"/>
+                            </a:rPr>
+                          </m:ctrlPr>
+                        </m:sSubPr>
+                        <m:e>
+                          <m:r>
+                            <a:rPr kumimoji="1" lang="ja-JP" altLang="en-US" i="1" smtClean="0">
+                              <a:latin typeface="Cambria Math" panose="02040503050406030204" pitchFamily="18" charset="0"/>
+                            </a:rPr>
+                            <m:t>𝜑</m:t>
+                          </m:r>
+                        </m:e>
+                        <m:sub>
+                          <m:r>
+                            <a:rPr kumimoji="1" lang="en-US" altLang="ja-JP" b="0" i="1" smtClean="0">
+                              <a:latin typeface="Cambria Math" panose="02040503050406030204" pitchFamily="18" charset="0"/>
+                            </a:rPr>
+                            <m:t>𝑖</m:t>
+                          </m:r>
+                        </m:sub>
+                      </m:sSub>
+                    </m:oMath>
+                  </m:oMathPara>
+                </a14:m>
+                <a:endParaRPr kumimoji="1" lang="ja-JP" altLang="en-US" dirty="0"/>
+              </a:p>
+            </p:txBody>
+          </p:sp>
+        </mc:Choice>
+        <mc:Fallback>
+          <p:sp>
+            <p:nvSpPr>
+              <p:cNvPr id="130" name="テキスト ボックス 129">
+                <a:extLst>
+                  <a:ext uri="{FF2B5EF4-FFF2-40B4-BE49-F238E27FC236}">
+                    <a16:creationId xmlns:a16="http://schemas.microsoft.com/office/drawing/2014/main" id="{83CE2F57-E263-402B-AD93-9BB6F1FE62FB}"/>
+                  </a:ext>
+                </a:extLst>
+              </p:cNvPr>
+              <p:cNvSpPr txBox="1">
+                <a:spLocks noRot="1" noChangeAspect="1" noMove="1" noResize="1" noEditPoints="1" noAdjustHandles="1" noChangeArrowheads="1" noChangeShapeType="1" noTextEdit="1"/>
+              </p:cNvSpPr>
+              <p:nvPr/>
+            </p:nvSpPr>
+            <p:spPr>
+              <a:xfrm>
+                <a:off x="11009864" y="3158632"/>
+                <a:ext cx="482120" cy="369332"/>
+              </a:xfrm>
+              <a:prstGeom prst="rect">
+                <a:avLst/>
+              </a:prstGeom>
+              <a:blipFill>
+                <a:blip r:embed="rId16"/>
+                <a:stretch>
+                  <a:fillRect b="-6557"/>
+                </a:stretch>
+              </a:blipFill>
+            </p:spPr>
+            <p:txBody>
+              <a:bodyPr/>
+              <a:lstStyle/>
+              <a:p>
+                <a:r>
+                  <a:rPr lang="ja-JP" altLang="en-US">
+                    <a:noFill/>
+                  </a:rPr>
+                  <a:t> </a:t>
+                </a:r>
+              </a:p>
+            </p:txBody>
+          </p:sp>
+        </mc:Fallback>
+      </mc:AlternateContent>
+      <p:sp>
+        <p:nvSpPr>
+          <p:cNvPr id="132" name="円弧 131">
+            <a:extLst>
+              <a:ext uri="{FF2B5EF4-FFF2-40B4-BE49-F238E27FC236}">
+                <a16:creationId xmlns:a16="http://schemas.microsoft.com/office/drawing/2014/main" id="{B6FB069E-E146-46B6-90A9-2A1129D540EE}"/>
+              </a:ext>
+            </a:extLst>
+          </p:cNvPr>
+          <p:cNvSpPr/>
+          <p:nvPr/>
+        </p:nvSpPr>
+        <p:spPr>
+          <a:xfrm rot="13603447">
+            <a:off x="10865954" y="3087542"/>
+            <a:ext cx="417096" cy="533271"/>
+          </a:xfrm>
+          <a:prstGeom prst="arc">
+            <a:avLst>
+              <a:gd name="adj1" fmla="val 17551539"/>
+              <a:gd name="adj2" fmla="val 2926224"/>
+            </a:avLst>
+          </a:prstGeom>
+          <a:ln>
+            <a:prstDash val="dash"/>
+            <a:tailEnd type="triangle"/>
+          </a:ln>
+        </p:spPr>
+        <p:style>
+          <a:lnRef idx="1">
+            <a:schemeClr val="accent1"/>
+          </a:lnRef>
+          <a:fillRef idx="0">
+            <a:schemeClr val="accent1"/>
+          </a:fillRef>
+          <a:effectRef idx="0">
+            <a:schemeClr val="accent1"/>
+          </a:effectRef>
+          <a:fontRef idx="minor">
+            <a:schemeClr val="tx1"/>
+          </a:fontRef>
+        </p:style>
+        <p:txBody>
+          <a:bodyPr rtlCol="0" anchor="ctr"/>
+          <a:lstStyle/>
+          <a:p>
+            <a:pPr algn="ctr"/>
+            <a:endParaRPr kumimoji="1" lang="ja-JP" altLang="en-US"/>
+          </a:p>
+        </p:txBody>
+      </p:sp>
+      <mc:AlternateContent xmlns:mc="http://schemas.openxmlformats.org/markup-compatibility/2006">
+        <mc:Choice xmlns:a14="http://schemas.microsoft.com/office/drawing/2010/main" Requires="a14">
+          <p:sp>
+            <p:nvSpPr>
+              <p:cNvPr id="134" name="テキスト ボックス 133">
+                <a:extLst>
+                  <a:ext uri="{FF2B5EF4-FFF2-40B4-BE49-F238E27FC236}">
+                    <a16:creationId xmlns:a16="http://schemas.microsoft.com/office/drawing/2014/main" id="{998EF2A6-DA79-45ED-B854-485E6A7F462E}"/>
+                  </a:ext>
+                </a:extLst>
+              </p:cNvPr>
+              <p:cNvSpPr txBox="1"/>
+              <p:nvPr/>
+            </p:nvSpPr>
+            <p:spPr>
+              <a:xfrm>
+                <a:off x="6269866" y="3339080"/>
+                <a:ext cx="3484864" cy="369332"/>
+              </a:xfrm>
+              <a:prstGeom prst="rect">
+                <a:avLst/>
+              </a:prstGeom>
+              <a:noFill/>
+            </p:spPr>
+            <p:txBody>
+              <a:bodyPr wrap="none" rtlCol="0">
+                <a:spAutoFit/>
+              </a:bodyPr>
+              <a:lstStyle/>
+              <a:p>
+                <a:pPr algn="ctr"/>
+                <a14:m>
+                  <m:oMathPara xmlns:m="http://schemas.openxmlformats.org/officeDocument/2006/math">
+                    <m:oMathParaPr>
+                      <m:jc m:val="centerGroup"/>
+                    </m:oMathParaPr>
+                    <m:oMath xmlns:m="http://schemas.openxmlformats.org/officeDocument/2006/math">
+                      <m:d>
+                        <m:dPr>
+                          <m:ctrlPr>
+                            <a:rPr kumimoji="1" lang="en-US" altLang="ja-JP" b="0" i="1" smtClean="0">
+                              <a:latin typeface="Cambria Math" panose="02040503050406030204" pitchFamily="18" charset="0"/>
+                            </a:rPr>
+                          </m:ctrlPr>
+                        </m:dPr>
+                        <m:e>
+                          <m:sSub>
+                            <m:sSubPr>
+                              <m:ctrlPr>
+                                <a:rPr kumimoji="1" lang="en-US" altLang="ja-JP" b="0" i="1" smtClean="0">
+                                  <a:latin typeface="Cambria Math" panose="02040503050406030204" pitchFamily="18" charset="0"/>
+                                </a:rPr>
+                              </m:ctrlPr>
+                            </m:sSubPr>
+                            <m:e>
+                              <m:r>
+                                <a:rPr kumimoji="1" lang="ja-JP" altLang="en-US" b="0" i="1" smtClean="0">
+                                  <a:latin typeface="Cambria Math" panose="02040503050406030204" pitchFamily="18" charset="0"/>
+                                </a:rPr>
+                                <m:t>𝜑</m:t>
+                              </m:r>
+                            </m:e>
+                            <m:sub>
+                              <m:r>
+                                <a:rPr kumimoji="1" lang="en-US" altLang="ja-JP" b="0" i="1" smtClean="0">
+                                  <a:latin typeface="Cambria Math" panose="02040503050406030204" pitchFamily="18" charset="0"/>
+                                </a:rPr>
+                                <m:t>0</m:t>
+                              </m:r>
+                            </m:sub>
+                          </m:sSub>
+                          <m:r>
+                            <a:rPr kumimoji="1" lang="en-US" altLang="ja-JP" b="0" i="1" smtClean="0">
+                              <a:latin typeface="Cambria Math" panose="02040503050406030204" pitchFamily="18" charset="0"/>
+                            </a:rPr>
+                            <m:t>,</m:t>
+                          </m:r>
+                          <m:sSub>
+                            <m:sSubPr>
+                              <m:ctrlPr>
+                                <a:rPr kumimoji="1" lang="en-US" altLang="ja-JP" i="1" smtClean="0">
+                                  <a:latin typeface="Cambria Math" panose="02040503050406030204" pitchFamily="18" charset="0"/>
+                                </a:rPr>
+                              </m:ctrlPr>
+                            </m:sSubPr>
+                            <m:e>
+                              <m:r>
+                                <a:rPr kumimoji="1" lang="en-US" altLang="ja-JP" b="0" i="1" smtClean="0">
+                                  <a:latin typeface="Cambria Math" panose="02040503050406030204" pitchFamily="18" charset="0"/>
+                                </a:rPr>
+                                <m:t>𝑑</m:t>
+                              </m:r>
+                            </m:e>
+                            <m:sub>
+                              <m:r>
+                                <a:rPr kumimoji="1" lang="en-US" altLang="ja-JP" b="0" i="1" smtClean="0">
+                                  <a:latin typeface="Cambria Math" panose="02040503050406030204" pitchFamily="18" charset="0"/>
+                                </a:rPr>
+                                <m:t>0</m:t>
+                              </m:r>
+                            </m:sub>
+                          </m:sSub>
+                        </m:e>
+                      </m:d>
+                      <m:r>
+                        <a:rPr kumimoji="1" lang="en-US" altLang="ja-JP" b="0" i="1" smtClean="0">
+                          <a:latin typeface="Cambria Math" panose="02040503050406030204" pitchFamily="18" charset="0"/>
+                        </a:rPr>
+                        <m:t> </m:t>
+                      </m:r>
+                      <m:d>
+                        <m:dPr>
+                          <m:ctrlPr>
+                            <a:rPr lang="en-US" altLang="ja-JP" i="1">
+                              <a:latin typeface="Cambria Math" panose="02040503050406030204" pitchFamily="18" charset="0"/>
+                            </a:rPr>
+                          </m:ctrlPr>
+                        </m:dPr>
+                        <m:e>
+                          <m:sSub>
+                            <m:sSubPr>
+                              <m:ctrlPr>
+                                <a:rPr lang="en-US" altLang="ja-JP" i="1">
+                                  <a:latin typeface="Cambria Math" panose="02040503050406030204" pitchFamily="18" charset="0"/>
+                                </a:rPr>
+                              </m:ctrlPr>
+                            </m:sSubPr>
+                            <m:e>
+                              <m:r>
+                                <a:rPr lang="ja-JP" altLang="en-US" i="1">
+                                  <a:latin typeface="Cambria Math" panose="02040503050406030204" pitchFamily="18" charset="0"/>
+                                </a:rPr>
+                                <m:t>𝜑</m:t>
+                              </m:r>
+                            </m:e>
+                            <m:sub>
+                              <m:r>
+                                <a:rPr lang="en-US" altLang="ja-JP" b="0" i="1" smtClean="0">
+                                  <a:latin typeface="Cambria Math" panose="02040503050406030204" pitchFamily="18" charset="0"/>
+                                </a:rPr>
+                                <m:t>1</m:t>
+                              </m:r>
+                            </m:sub>
+                          </m:sSub>
+                          <m:r>
+                            <a:rPr lang="en-US" altLang="ja-JP" i="1">
+                              <a:latin typeface="Cambria Math" panose="02040503050406030204" pitchFamily="18" charset="0"/>
+                            </a:rPr>
+                            <m:t>,</m:t>
+                          </m:r>
+                          <m:sSub>
+                            <m:sSubPr>
+                              <m:ctrlPr>
+                                <a:rPr lang="en-US" altLang="ja-JP" i="1">
+                                  <a:latin typeface="Cambria Math" panose="02040503050406030204" pitchFamily="18" charset="0"/>
+                                </a:rPr>
+                              </m:ctrlPr>
+                            </m:sSubPr>
+                            <m:e>
+                              <m:r>
+                                <a:rPr lang="en-US" altLang="ja-JP" i="1">
+                                  <a:latin typeface="Cambria Math" panose="02040503050406030204" pitchFamily="18" charset="0"/>
+                                </a:rPr>
+                                <m:t>𝑑</m:t>
+                              </m:r>
+                            </m:e>
+                            <m:sub>
+                              <m:r>
+                                <a:rPr lang="en-US" altLang="ja-JP" b="0" i="1" smtClean="0">
+                                  <a:latin typeface="Cambria Math" panose="02040503050406030204" pitchFamily="18" charset="0"/>
+                                </a:rPr>
+                                <m:t>1</m:t>
+                              </m:r>
+                            </m:sub>
+                          </m:sSub>
+                        </m:e>
+                      </m:d>
+                      <m:r>
+                        <a:rPr lang="en-US" altLang="ja-JP" b="0" i="1" smtClean="0">
+                          <a:latin typeface="Cambria Math" panose="02040503050406030204" pitchFamily="18" charset="0"/>
+                        </a:rPr>
+                        <m:t> </m:t>
+                      </m:r>
+                      <m:r>
+                        <a:rPr lang="en-US" altLang="ja-JP" i="1" smtClean="0">
+                          <a:latin typeface="Cambria Math" panose="02040503050406030204" pitchFamily="18" charset="0"/>
+                          <a:ea typeface="Cambria Math" panose="02040503050406030204" pitchFamily="18" charset="0"/>
+                        </a:rPr>
+                        <m:t>⋯</m:t>
+                      </m:r>
+                      <m:r>
+                        <a:rPr lang="en-US" altLang="ja-JP" b="0" i="1" smtClean="0">
+                          <a:latin typeface="Cambria Math" panose="02040503050406030204" pitchFamily="18" charset="0"/>
+                          <a:ea typeface="Cambria Math" panose="02040503050406030204" pitchFamily="18" charset="0"/>
+                        </a:rPr>
+                        <m:t> </m:t>
+                      </m:r>
+                      <m:r>
+                        <a:rPr lang="en-US" altLang="ja-JP" i="1">
+                          <a:latin typeface="Cambria Math" panose="02040503050406030204" pitchFamily="18" charset="0"/>
+                        </a:rPr>
+                        <m:t>(</m:t>
+                      </m:r>
+                      <m:sSub>
+                        <m:sSubPr>
+                          <m:ctrlPr>
+                            <a:rPr lang="en-US" altLang="ja-JP" i="1">
+                              <a:latin typeface="Cambria Math" panose="02040503050406030204" pitchFamily="18" charset="0"/>
+                            </a:rPr>
+                          </m:ctrlPr>
+                        </m:sSubPr>
+                        <m:e>
+                          <m:r>
+                            <a:rPr lang="ja-JP" altLang="en-US" i="1">
+                              <a:latin typeface="Cambria Math" panose="02040503050406030204" pitchFamily="18" charset="0"/>
+                            </a:rPr>
+                            <m:t>𝜑</m:t>
+                          </m:r>
+                        </m:e>
+                        <m:sub>
+                          <m:r>
+                            <a:rPr lang="en-US" altLang="ja-JP" b="0" i="1" smtClean="0">
+                              <a:latin typeface="Cambria Math" panose="02040503050406030204" pitchFamily="18" charset="0"/>
+                            </a:rPr>
+                            <m:t>𝑛</m:t>
+                          </m:r>
+                          <m:r>
+                            <a:rPr lang="en-US" altLang="ja-JP" b="0" i="1" smtClean="0">
+                              <a:latin typeface="Cambria Math" panose="02040503050406030204" pitchFamily="18" charset="0"/>
+                            </a:rPr>
+                            <m:t>−1</m:t>
+                          </m:r>
+                        </m:sub>
+                      </m:sSub>
+                      <m:r>
+                        <a:rPr lang="en-US" altLang="ja-JP" i="1">
+                          <a:latin typeface="Cambria Math" panose="02040503050406030204" pitchFamily="18" charset="0"/>
+                        </a:rPr>
+                        <m:t>,</m:t>
+                      </m:r>
+                      <m:sSub>
+                        <m:sSubPr>
+                          <m:ctrlPr>
+                            <a:rPr lang="en-US" altLang="ja-JP" i="1">
+                              <a:latin typeface="Cambria Math" panose="02040503050406030204" pitchFamily="18" charset="0"/>
+                            </a:rPr>
+                          </m:ctrlPr>
+                        </m:sSubPr>
+                        <m:e>
+                          <m:r>
+                            <a:rPr lang="en-US" altLang="ja-JP" i="1">
+                              <a:latin typeface="Cambria Math" panose="02040503050406030204" pitchFamily="18" charset="0"/>
+                            </a:rPr>
+                            <m:t>𝑑</m:t>
+                          </m:r>
+                        </m:e>
+                        <m:sub>
+                          <m:r>
+                            <a:rPr lang="en-US" altLang="ja-JP" b="0" i="1" smtClean="0">
+                              <a:latin typeface="Cambria Math" panose="02040503050406030204" pitchFamily="18" charset="0"/>
+                            </a:rPr>
+                            <m:t>𝑛</m:t>
+                          </m:r>
+                          <m:r>
+                            <a:rPr lang="en-US" altLang="ja-JP" b="0" i="1" smtClean="0">
+                              <a:latin typeface="Cambria Math" panose="02040503050406030204" pitchFamily="18" charset="0"/>
+                            </a:rPr>
+                            <m:t>−1</m:t>
+                          </m:r>
+                        </m:sub>
+                      </m:sSub>
+                      <m:r>
+                        <a:rPr lang="en-US" altLang="ja-JP" i="1">
+                          <a:latin typeface="Cambria Math" panose="02040503050406030204" pitchFamily="18" charset="0"/>
+                        </a:rPr>
+                        <m:t>)</m:t>
+                      </m:r>
+                    </m:oMath>
+                  </m:oMathPara>
+                </a14:m>
+                <a:endParaRPr kumimoji="1" lang="ja-JP" altLang="en-US" dirty="0"/>
+              </a:p>
+            </p:txBody>
+          </p:sp>
+        </mc:Choice>
+        <mc:Fallback>
+          <p:sp>
+            <p:nvSpPr>
+              <p:cNvPr id="134" name="テキスト ボックス 133">
+                <a:extLst>
+                  <a:ext uri="{FF2B5EF4-FFF2-40B4-BE49-F238E27FC236}">
+                    <a16:creationId xmlns:a16="http://schemas.microsoft.com/office/drawing/2014/main" id="{998EF2A6-DA79-45ED-B854-485E6A7F462E}"/>
+                  </a:ext>
+                </a:extLst>
+              </p:cNvPr>
+              <p:cNvSpPr txBox="1">
+                <a:spLocks noRot="1" noChangeAspect="1" noMove="1" noResize="1" noEditPoints="1" noAdjustHandles="1" noChangeArrowheads="1" noChangeShapeType="1" noTextEdit="1"/>
+              </p:cNvSpPr>
+              <p:nvPr/>
+            </p:nvSpPr>
+            <p:spPr>
+              <a:xfrm>
+                <a:off x="6269866" y="3339080"/>
+                <a:ext cx="3484864" cy="369332"/>
+              </a:xfrm>
+              <a:prstGeom prst="rect">
+                <a:avLst/>
+              </a:prstGeom>
+              <a:blipFill>
+                <a:blip r:embed="rId17"/>
+                <a:stretch>
+                  <a:fillRect b="-13333"/>
+                </a:stretch>
+              </a:blipFill>
+            </p:spPr>
+            <p:txBody>
+              <a:bodyPr/>
+              <a:lstStyle/>
+              <a:p>
+                <a:r>
+                  <a:rPr lang="ja-JP" altLang="en-US">
+                    <a:noFill/>
+                  </a:rPr>
+                  <a:t> </a:t>
+                </a:r>
+              </a:p>
+            </p:txBody>
+          </p:sp>
+        </mc:Fallback>
+      </mc:AlternateContent>
+      <mc:AlternateContent xmlns:mc="http://schemas.openxmlformats.org/markup-compatibility/2006">
+        <mc:Choice xmlns:a14="http://schemas.microsoft.com/office/drawing/2010/main" Requires="a14">
+          <p:sp>
+            <p:nvSpPr>
+              <p:cNvPr id="136" name="テキスト ボックス 135">
+                <a:extLst>
+                  <a:ext uri="{FF2B5EF4-FFF2-40B4-BE49-F238E27FC236}">
+                    <a16:creationId xmlns:a16="http://schemas.microsoft.com/office/drawing/2014/main" id="{96096E19-C0B5-4920-A352-ED57F76E10A8}"/>
+                  </a:ext>
+                </a:extLst>
+              </p:cNvPr>
+              <p:cNvSpPr txBox="1"/>
+              <p:nvPr/>
+            </p:nvSpPr>
+            <p:spPr>
+              <a:xfrm>
+                <a:off x="6255287" y="4710957"/>
+                <a:ext cx="4418389" cy="369332"/>
+              </a:xfrm>
+              <a:prstGeom prst="rect">
+                <a:avLst/>
+              </a:prstGeom>
+              <a:noFill/>
+            </p:spPr>
+            <p:txBody>
+              <a:bodyPr wrap="none" rtlCol="0">
+                <a:spAutoFit/>
+              </a:bodyPr>
+              <a:lstStyle/>
+              <a:p>
+                <a:pPr algn="ctr"/>
+                <a14:m>
+                  <m:oMathPara xmlns:m="http://schemas.openxmlformats.org/officeDocument/2006/math">
+                    <m:oMathParaPr>
+                      <m:jc m:val="centerGroup"/>
+                    </m:oMathParaPr>
+                    <m:oMath xmlns:m="http://schemas.openxmlformats.org/officeDocument/2006/math">
+                      <m:d>
+                        <m:dPr>
+                          <m:ctrlPr>
+                            <a:rPr kumimoji="1" lang="en-US" altLang="ja-JP" b="0" i="1" smtClean="0">
+                              <a:latin typeface="Cambria Math" panose="02040503050406030204" pitchFamily="18" charset="0"/>
+                            </a:rPr>
+                          </m:ctrlPr>
+                        </m:dPr>
+                        <m:e>
+                          <m:sSub>
+                            <m:sSubPr>
+                              <m:ctrlPr>
+                                <a:rPr kumimoji="1" lang="en-US" altLang="ja-JP" b="0" i="1" smtClean="0">
+                                  <a:latin typeface="Cambria Math" panose="02040503050406030204" pitchFamily="18" charset="0"/>
+                                </a:rPr>
+                              </m:ctrlPr>
+                            </m:sSubPr>
+                            <m:e>
+                              <m:r>
+                                <a:rPr kumimoji="1" lang="en-US" altLang="ja-JP" b="0" i="1" smtClean="0">
+                                  <a:latin typeface="Cambria Math" panose="02040503050406030204" pitchFamily="18" charset="0"/>
+                                </a:rPr>
+                                <m:t>𝑥</m:t>
+                              </m:r>
+                            </m:e>
+                            <m:sub>
+                              <m:r>
+                                <a:rPr kumimoji="1" lang="en-US" altLang="ja-JP" b="0" i="1" smtClean="0">
+                                  <a:latin typeface="Cambria Math" panose="02040503050406030204" pitchFamily="18" charset="0"/>
+                                </a:rPr>
+                                <m:t>0</m:t>
+                              </m:r>
+                            </m:sub>
+                          </m:sSub>
+                          <m:r>
+                            <a:rPr kumimoji="1" lang="en-US" altLang="ja-JP" b="0" i="1" smtClean="0">
+                              <a:latin typeface="Cambria Math" panose="02040503050406030204" pitchFamily="18" charset="0"/>
+                            </a:rPr>
+                            <m:t>,</m:t>
+                          </m:r>
+                          <m:sSub>
+                            <m:sSubPr>
+                              <m:ctrlPr>
+                                <a:rPr kumimoji="1" lang="en-US" altLang="ja-JP" i="1" smtClean="0">
+                                  <a:latin typeface="Cambria Math" panose="02040503050406030204" pitchFamily="18" charset="0"/>
+                                </a:rPr>
+                              </m:ctrlPr>
+                            </m:sSubPr>
+                            <m:e>
+                              <m:r>
+                                <a:rPr kumimoji="1" lang="en-US" altLang="ja-JP" b="0" i="1" smtClean="0">
+                                  <a:latin typeface="Cambria Math" panose="02040503050406030204" pitchFamily="18" charset="0"/>
+                                </a:rPr>
+                                <m:t>𝑦</m:t>
+                              </m:r>
+                            </m:e>
+                            <m:sub>
+                              <m:r>
+                                <a:rPr kumimoji="1" lang="en-US" altLang="ja-JP" b="0" i="1" smtClean="0">
+                                  <a:latin typeface="Cambria Math" panose="02040503050406030204" pitchFamily="18" charset="0"/>
+                                </a:rPr>
+                                <m:t>0</m:t>
+                              </m:r>
+                            </m:sub>
+                          </m:sSub>
+                          <m:r>
+                            <a:rPr kumimoji="1" lang="en-US" altLang="ja-JP" b="0" i="1" smtClean="0">
+                              <a:latin typeface="Cambria Math" panose="02040503050406030204" pitchFamily="18" charset="0"/>
+                            </a:rPr>
+                            <m:t>, </m:t>
+                          </m:r>
+                          <m:sSub>
+                            <m:sSubPr>
+                              <m:ctrlPr>
+                                <a:rPr kumimoji="1" lang="en-US" altLang="ja-JP" b="0" i="1" smtClean="0">
+                                  <a:latin typeface="Cambria Math" panose="02040503050406030204" pitchFamily="18" charset="0"/>
+                                </a:rPr>
+                              </m:ctrlPr>
+                            </m:sSubPr>
+                            <m:e>
+                              <m:r>
+                                <a:rPr kumimoji="1" lang="ja-JP" altLang="en-US" b="0" i="1" smtClean="0">
+                                  <a:latin typeface="Cambria Math" panose="02040503050406030204" pitchFamily="18" charset="0"/>
+                                </a:rPr>
+                                <m:t>𝜃</m:t>
+                              </m:r>
+                            </m:e>
+                            <m:sub>
+                              <m:r>
+                                <a:rPr kumimoji="1" lang="en-US" altLang="ja-JP" b="0" i="1" smtClean="0">
+                                  <a:latin typeface="Cambria Math" panose="02040503050406030204" pitchFamily="18" charset="0"/>
+                                </a:rPr>
+                                <m:t>0</m:t>
+                              </m:r>
+                            </m:sub>
+                          </m:sSub>
+                        </m:e>
+                      </m:d>
+                      <m:r>
+                        <a:rPr kumimoji="1" lang="en-US" altLang="ja-JP" b="0" i="1" smtClean="0">
+                          <a:latin typeface="Cambria Math" panose="02040503050406030204" pitchFamily="18" charset="0"/>
+                        </a:rPr>
+                        <m:t> </m:t>
+                      </m:r>
+                      <m:d>
+                        <m:dPr>
+                          <m:ctrlPr>
+                            <a:rPr lang="en-US" altLang="ja-JP" i="1">
+                              <a:latin typeface="Cambria Math" panose="02040503050406030204" pitchFamily="18" charset="0"/>
+                            </a:rPr>
+                          </m:ctrlPr>
+                        </m:dPr>
+                        <m:e>
+                          <m:sSub>
+                            <m:sSubPr>
+                              <m:ctrlPr>
+                                <a:rPr lang="en-US" altLang="ja-JP" i="1">
+                                  <a:latin typeface="Cambria Math" panose="02040503050406030204" pitchFamily="18" charset="0"/>
+                                </a:rPr>
+                              </m:ctrlPr>
+                            </m:sSubPr>
+                            <m:e>
+                              <m:r>
+                                <a:rPr lang="en-US" altLang="ja-JP" i="1">
+                                  <a:latin typeface="Cambria Math" panose="02040503050406030204" pitchFamily="18" charset="0"/>
+                                </a:rPr>
+                                <m:t>𝑥</m:t>
+                              </m:r>
+                            </m:e>
+                            <m:sub>
+                              <m:r>
+                                <a:rPr lang="en-US" altLang="ja-JP" b="0" i="1" smtClean="0">
+                                  <a:latin typeface="Cambria Math" panose="02040503050406030204" pitchFamily="18" charset="0"/>
+                                </a:rPr>
+                                <m:t>1</m:t>
+                              </m:r>
+                            </m:sub>
+                          </m:sSub>
+                          <m:r>
+                            <a:rPr lang="en-US" altLang="ja-JP" i="1">
+                              <a:latin typeface="Cambria Math" panose="02040503050406030204" pitchFamily="18" charset="0"/>
+                            </a:rPr>
+                            <m:t>,</m:t>
+                          </m:r>
+                          <m:sSub>
+                            <m:sSubPr>
+                              <m:ctrlPr>
+                                <a:rPr lang="en-US" altLang="ja-JP" i="1">
+                                  <a:latin typeface="Cambria Math" panose="02040503050406030204" pitchFamily="18" charset="0"/>
+                                </a:rPr>
+                              </m:ctrlPr>
+                            </m:sSubPr>
+                            <m:e>
+                              <m:r>
+                                <a:rPr lang="en-US" altLang="ja-JP" i="1">
+                                  <a:latin typeface="Cambria Math" panose="02040503050406030204" pitchFamily="18" charset="0"/>
+                                </a:rPr>
+                                <m:t>𝑦</m:t>
+                              </m:r>
+                            </m:e>
+                            <m:sub>
+                              <m:r>
+                                <a:rPr lang="en-US" altLang="ja-JP" b="0" i="1" smtClean="0">
+                                  <a:latin typeface="Cambria Math" panose="02040503050406030204" pitchFamily="18" charset="0"/>
+                                </a:rPr>
+                                <m:t>1</m:t>
+                              </m:r>
+                            </m:sub>
+                          </m:sSub>
+                          <m:r>
+                            <a:rPr lang="en-US" altLang="ja-JP" i="1">
+                              <a:latin typeface="Cambria Math" panose="02040503050406030204" pitchFamily="18" charset="0"/>
+                            </a:rPr>
+                            <m:t>, </m:t>
+                          </m:r>
+                          <m:sSub>
+                            <m:sSubPr>
+                              <m:ctrlPr>
+                                <a:rPr lang="en-US" altLang="ja-JP" i="1">
+                                  <a:latin typeface="Cambria Math" panose="02040503050406030204" pitchFamily="18" charset="0"/>
+                                </a:rPr>
+                              </m:ctrlPr>
+                            </m:sSubPr>
+                            <m:e>
+                              <m:r>
+                                <a:rPr lang="ja-JP" altLang="en-US" i="1">
+                                  <a:latin typeface="Cambria Math" panose="02040503050406030204" pitchFamily="18" charset="0"/>
+                                </a:rPr>
+                                <m:t>𝜃</m:t>
+                              </m:r>
+                            </m:e>
+                            <m:sub>
+                              <m:r>
+                                <a:rPr lang="en-US" altLang="ja-JP" b="0" i="1" smtClean="0">
+                                  <a:latin typeface="Cambria Math" panose="02040503050406030204" pitchFamily="18" charset="0"/>
+                                </a:rPr>
+                                <m:t>1</m:t>
+                              </m:r>
+                            </m:sub>
+                          </m:sSub>
+                        </m:e>
+                      </m:d>
+                      <m:r>
+                        <a:rPr lang="en-US" altLang="ja-JP" i="1" smtClean="0">
+                          <a:latin typeface="Cambria Math" panose="02040503050406030204" pitchFamily="18" charset="0"/>
+                          <a:ea typeface="Cambria Math" panose="02040503050406030204" pitchFamily="18" charset="0"/>
+                        </a:rPr>
+                        <m:t>⋯</m:t>
+                      </m:r>
+                      <m:d>
+                        <m:dPr>
+                          <m:ctrlPr>
+                            <a:rPr lang="en-US" altLang="ja-JP" i="1">
+                              <a:latin typeface="Cambria Math" panose="02040503050406030204" pitchFamily="18" charset="0"/>
+                            </a:rPr>
+                          </m:ctrlPr>
+                        </m:dPr>
+                        <m:e>
+                          <m:sSub>
+                            <m:sSubPr>
+                              <m:ctrlPr>
+                                <a:rPr lang="en-US" altLang="ja-JP" i="1">
+                                  <a:latin typeface="Cambria Math" panose="02040503050406030204" pitchFamily="18" charset="0"/>
+                                </a:rPr>
+                              </m:ctrlPr>
+                            </m:sSubPr>
+                            <m:e>
+                              <m:r>
+                                <a:rPr lang="en-US" altLang="ja-JP" i="1">
+                                  <a:latin typeface="Cambria Math" panose="02040503050406030204" pitchFamily="18" charset="0"/>
+                                </a:rPr>
+                                <m:t>𝑥</m:t>
+                              </m:r>
+                            </m:e>
+                            <m:sub>
+                              <m:r>
+                                <a:rPr lang="en-US" altLang="ja-JP" b="0" i="1" smtClean="0">
+                                  <a:latin typeface="Cambria Math" panose="02040503050406030204" pitchFamily="18" charset="0"/>
+                                </a:rPr>
+                                <m:t>𝑛</m:t>
+                              </m:r>
+                              <m:r>
+                                <a:rPr lang="en-US" altLang="ja-JP" b="0" i="1" smtClean="0">
+                                  <a:latin typeface="Cambria Math" panose="02040503050406030204" pitchFamily="18" charset="0"/>
+                                </a:rPr>
+                                <m:t>−1</m:t>
+                              </m:r>
+                            </m:sub>
+                          </m:sSub>
+                          <m:r>
+                            <a:rPr lang="en-US" altLang="ja-JP" i="1">
+                              <a:latin typeface="Cambria Math" panose="02040503050406030204" pitchFamily="18" charset="0"/>
+                            </a:rPr>
+                            <m:t>,</m:t>
+                          </m:r>
+                          <m:sSub>
+                            <m:sSubPr>
+                              <m:ctrlPr>
+                                <a:rPr lang="en-US" altLang="ja-JP" i="1">
+                                  <a:latin typeface="Cambria Math" panose="02040503050406030204" pitchFamily="18" charset="0"/>
+                                </a:rPr>
+                              </m:ctrlPr>
+                            </m:sSubPr>
+                            <m:e>
+                              <m:r>
+                                <a:rPr lang="en-US" altLang="ja-JP" i="1">
+                                  <a:latin typeface="Cambria Math" panose="02040503050406030204" pitchFamily="18" charset="0"/>
+                                </a:rPr>
+                                <m:t>𝑦</m:t>
+                              </m:r>
+                            </m:e>
+                            <m:sub>
+                              <m:r>
+                                <a:rPr lang="en-US" altLang="ja-JP" b="0" i="1" smtClean="0">
+                                  <a:latin typeface="Cambria Math" panose="02040503050406030204" pitchFamily="18" charset="0"/>
+                                </a:rPr>
+                                <m:t>𝑛</m:t>
+                              </m:r>
+                              <m:r>
+                                <a:rPr lang="en-US" altLang="ja-JP" b="0" i="1" smtClean="0">
+                                  <a:latin typeface="Cambria Math" panose="02040503050406030204" pitchFamily="18" charset="0"/>
+                                </a:rPr>
+                                <m:t>−1</m:t>
+                              </m:r>
+                            </m:sub>
+                          </m:sSub>
+                          <m:r>
+                            <a:rPr lang="en-US" altLang="ja-JP" i="1">
+                              <a:latin typeface="Cambria Math" panose="02040503050406030204" pitchFamily="18" charset="0"/>
+                            </a:rPr>
+                            <m:t>, </m:t>
+                          </m:r>
+                          <m:sSub>
+                            <m:sSubPr>
+                              <m:ctrlPr>
+                                <a:rPr lang="en-US" altLang="ja-JP" i="1">
+                                  <a:latin typeface="Cambria Math" panose="02040503050406030204" pitchFamily="18" charset="0"/>
+                                </a:rPr>
+                              </m:ctrlPr>
+                            </m:sSubPr>
+                            <m:e>
+                              <m:r>
+                                <a:rPr lang="ja-JP" altLang="en-US" i="1">
+                                  <a:latin typeface="Cambria Math" panose="02040503050406030204" pitchFamily="18" charset="0"/>
+                                </a:rPr>
+                                <m:t>𝜃</m:t>
+                              </m:r>
+                            </m:e>
+                            <m:sub>
+                              <m:r>
+                                <a:rPr lang="en-US" altLang="ja-JP" b="0" i="1" smtClean="0">
+                                  <a:latin typeface="Cambria Math" panose="02040503050406030204" pitchFamily="18" charset="0"/>
+                                </a:rPr>
+                                <m:t>𝑛</m:t>
+                              </m:r>
+                              <m:r>
+                                <a:rPr lang="en-US" altLang="ja-JP" b="0" i="1" smtClean="0">
+                                  <a:latin typeface="Cambria Math" panose="02040503050406030204" pitchFamily="18" charset="0"/>
+                                </a:rPr>
+                                <m:t>−1</m:t>
+                              </m:r>
+                            </m:sub>
+                          </m:sSub>
+                        </m:e>
+                      </m:d>
+                    </m:oMath>
+                  </m:oMathPara>
+                </a14:m>
+                <a:endParaRPr kumimoji="1" lang="ja-JP" altLang="en-US" dirty="0"/>
+              </a:p>
+            </p:txBody>
+          </p:sp>
+        </mc:Choice>
+        <mc:Fallback>
+          <p:sp>
+            <p:nvSpPr>
+              <p:cNvPr id="136" name="テキスト ボックス 135">
+                <a:extLst>
+                  <a:ext uri="{FF2B5EF4-FFF2-40B4-BE49-F238E27FC236}">
+                    <a16:creationId xmlns:a16="http://schemas.microsoft.com/office/drawing/2014/main" id="{96096E19-C0B5-4920-A352-ED57F76E10A8}"/>
+                  </a:ext>
+                </a:extLst>
+              </p:cNvPr>
+              <p:cNvSpPr txBox="1">
+                <a:spLocks noRot="1" noChangeAspect="1" noMove="1" noResize="1" noEditPoints="1" noAdjustHandles="1" noChangeArrowheads="1" noChangeShapeType="1" noTextEdit="1"/>
+              </p:cNvSpPr>
+              <p:nvPr/>
+            </p:nvSpPr>
+            <p:spPr>
+              <a:xfrm>
+                <a:off x="6255287" y="4710957"/>
+                <a:ext cx="4418389" cy="369332"/>
+              </a:xfrm>
+              <a:prstGeom prst="rect">
+                <a:avLst/>
+              </a:prstGeom>
+              <a:blipFill>
+                <a:blip r:embed="rId18"/>
+                <a:stretch>
+                  <a:fillRect b="-6667"/>
                 </a:stretch>
               </a:blipFill>
             </p:spPr>

--- a/SLAM_Theoretical_Formulas.pptx
+++ b/SLAM_Theoretical_Formulas.pptx
@@ -259,7 +259,7 @@
           <a:p>
             <a:fld id="{9DDD97A9-1B44-463F-8EAF-3A848A7F5CA1}" type="datetimeFigureOut">
               <a:rPr kumimoji="1" lang="ja-JP" altLang="en-US" smtClean="0"/>
-              <a:t>2020/7/10</a:t>
+              <a:t>2020/7/11</a:t>
             </a:fld>
             <a:endParaRPr kumimoji="1" lang="ja-JP" altLang="en-US"/>
           </a:p>
@@ -489,7 +489,7 @@
           <a:p>
             <a:fld id="{9DDD97A9-1B44-463F-8EAF-3A848A7F5CA1}" type="datetimeFigureOut">
               <a:rPr kumimoji="1" lang="ja-JP" altLang="en-US" smtClean="0"/>
-              <a:t>2020/7/10</a:t>
+              <a:t>2020/7/11</a:t>
             </a:fld>
             <a:endParaRPr kumimoji="1" lang="ja-JP" altLang="en-US"/>
           </a:p>
@@ -729,7 +729,7 @@
           <a:p>
             <a:fld id="{9DDD97A9-1B44-463F-8EAF-3A848A7F5CA1}" type="datetimeFigureOut">
               <a:rPr kumimoji="1" lang="ja-JP" altLang="en-US" smtClean="0"/>
-              <a:t>2020/7/10</a:t>
+              <a:t>2020/7/11</a:t>
             </a:fld>
             <a:endParaRPr kumimoji="1" lang="ja-JP" altLang="en-US"/>
           </a:p>
@@ -959,7 +959,7 @@
           <a:p>
             <a:fld id="{9DDD97A9-1B44-463F-8EAF-3A848A7F5CA1}" type="datetimeFigureOut">
               <a:rPr kumimoji="1" lang="ja-JP" altLang="en-US" smtClean="0"/>
-              <a:t>2020/7/10</a:t>
+              <a:t>2020/7/11</a:t>
             </a:fld>
             <a:endParaRPr kumimoji="1" lang="ja-JP" altLang="en-US"/>
           </a:p>
@@ -1234,7 +1234,7 @@
           <a:p>
             <a:fld id="{9DDD97A9-1B44-463F-8EAF-3A848A7F5CA1}" type="datetimeFigureOut">
               <a:rPr kumimoji="1" lang="ja-JP" altLang="en-US" smtClean="0"/>
-              <a:t>2020/7/10</a:t>
+              <a:t>2020/7/11</a:t>
             </a:fld>
             <a:endParaRPr kumimoji="1" lang="ja-JP" altLang="en-US"/>
           </a:p>
@@ -1563,7 +1563,7 @@
           <a:p>
             <a:fld id="{9DDD97A9-1B44-463F-8EAF-3A848A7F5CA1}" type="datetimeFigureOut">
               <a:rPr kumimoji="1" lang="ja-JP" altLang="en-US" smtClean="0"/>
-              <a:t>2020/7/10</a:t>
+              <a:t>2020/7/11</a:t>
             </a:fld>
             <a:endParaRPr kumimoji="1" lang="ja-JP" altLang="en-US"/>
           </a:p>
@@ -2039,7 +2039,7 @@
           <a:p>
             <a:fld id="{9DDD97A9-1B44-463F-8EAF-3A848A7F5CA1}" type="datetimeFigureOut">
               <a:rPr kumimoji="1" lang="ja-JP" altLang="en-US" smtClean="0"/>
-              <a:t>2020/7/10</a:t>
+              <a:t>2020/7/11</a:t>
             </a:fld>
             <a:endParaRPr kumimoji="1" lang="ja-JP" altLang="en-US"/>
           </a:p>
@@ -2180,7 +2180,7 @@
           <a:p>
             <a:fld id="{9DDD97A9-1B44-463F-8EAF-3A848A7F5CA1}" type="datetimeFigureOut">
               <a:rPr kumimoji="1" lang="ja-JP" altLang="en-US" smtClean="0"/>
-              <a:t>2020/7/10</a:t>
+              <a:t>2020/7/11</a:t>
             </a:fld>
             <a:endParaRPr kumimoji="1" lang="ja-JP" altLang="en-US"/>
           </a:p>
@@ -2293,7 +2293,7 @@
           <a:p>
             <a:fld id="{9DDD97A9-1B44-463F-8EAF-3A848A7F5CA1}" type="datetimeFigureOut">
               <a:rPr kumimoji="1" lang="ja-JP" altLang="en-US" smtClean="0"/>
-              <a:t>2020/7/10</a:t>
+              <a:t>2020/7/11</a:t>
             </a:fld>
             <a:endParaRPr kumimoji="1" lang="ja-JP" altLang="en-US"/>
           </a:p>
@@ -2636,7 +2636,7 @@
           <a:p>
             <a:fld id="{9DDD97A9-1B44-463F-8EAF-3A848A7F5CA1}" type="datetimeFigureOut">
               <a:rPr kumimoji="1" lang="ja-JP" altLang="en-US" smtClean="0"/>
-              <a:t>2020/7/10</a:t>
+              <a:t>2020/7/11</a:t>
             </a:fld>
             <a:endParaRPr kumimoji="1" lang="ja-JP" altLang="en-US"/>
           </a:p>
@@ -2924,7 +2924,7 @@
           <a:p>
             <a:fld id="{9DDD97A9-1B44-463F-8EAF-3A848A7F5CA1}" type="datetimeFigureOut">
               <a:rPr kumimoji="1" lang="ja-JP" altLang="en-US" smtClean="0"/>
-              <a:t>2020/7/10</a:t>
+              <a:t>2020/7/11</a:t>
             </a:fld>
             <a:endParaRPr kumimoji="1" lang="ja-JP" altLang="en-US"/>
           </a:p>
@@ -3197,7 +3197,7 @@
           <a:p>
             <a:fld id="{9DDD97A9-1B44-463F-8EAF-3A848A7F5CA1}" type="datetimeFigureOut">
               <a:rPr kumimoji="1" lang="ja-JP" altLang="en-US" smtClean="0"/>
-              <a:t>2020/7/10</a:t>
+              <a:t>2020/7/11</a:t>
             </a:fld>
             <a:endParaRPr kumimoji="1" lang="ja-JP" altLang="en-US"/>
           </a:p>
@@ -7735,8 +7735,8 @@
           </p:sp>
         </mc:Fallback>
       </mc:AlternateContent>
-      <mc:AlternateContent xmlns:mc="http://schemas.openxmlformats.org/markup-compatibility/2006">
-        <mc:Choice xmlns:a14="http://schemas.microsoft.com/office/drawing/2010/main" Requires="a14">
+      <mc:AlternateContent xmlns:mc="http://schemas.openxmlformats.org/markup-compatibility/2006" xmlns:a14="http://schemas.microsoft.com/office/drawing/2010/main">
+        <mc:Choice Requires="a14">
           <p:sp>
             <p:nvSpPr>
               <p:cNvPr id="79" name="テキスト ボックス 78">
@@ -7786,7 +7786,7 @@
             </p:txBody>
           </p:sp>
         </mc:Choice>
-        <mc:Fallback>
+        <mc:Fallback xmlns="">
           <p:sp>
             <p:nvSpPr>
               <p:cNvPr id="79" name="テキスト ボックス 78">
@@ -7831,8 +7831,8 @@
           </p:sp>
         </mc:Fallback>
       </mc:AlternateContent>
-      <mc:AlternateContent xmlns:mc="http://schemas.openxmlformats.org/markup-compatibility/2006">
-        <mc:Choice xmlns:a14="http://schemas.microsoft.com/office/drawing/2010/main" Requires="a14">
+      <mc:AlternateContent xmlns:mc="http://schemas.openxmlformats.org/markup-compatibility/2006" xmlns:a14="http://schemas.microsoft.com/office/drawing/2010/main">
+        <mc:Choice Requires="a14">
           <p:sp>
             <p:nvSpPr>
               <p:cNvPr id="82" name="テキスト ボックス 81">
@@ -7882,7 +7882,7 @@
             </p:txBody>
           </p:sp>
         </mc:Choice>
-        <mc:Fallback>
+        <mc:Fallback xmlns="">
           <p:sp>
             <p:nvSpPr>
               <p:cNvPr id="82" name="テキスト ボックス 81">
@@ -8035,8 +8035,8 @@
             </a:fontRef>
           </p:style>
         </p:cxnSp>
-        <mc:AlternateContent xmlns:mc="http://schemas.openxmlformats.org/markup-compatibility/2006">
-          <mc:Choice xmlns:a14="http://schemas.microsoft.com/office/drawing/2010/main" Requires="a14">
+        <mc:AlternateContent xmlns:mc="http://schemas.openxmlformats.org/markup-compatibility/2006" xmlns:a14="http://schemas.microsoft.com/office/drawing/2010/main">
+          <mc:Choice Requires="a14">
             <p:sp>
               <p:nvSpPr>
                 <p:cNvPr id="100" name="テキスト ボックス 99">
@@ -8086,7 +8086,7 @@
               </p:txBody>
             </p:sp>
           </mc:Choice>
-          <mc:Fallback>
+          <mc:Fallback xmlns="">
             <p:sp>
               <p:nvSpPr>
                 <p:cNvPr id="100" name="テキスト ボックス 99">
@@ -8132,8 +8132,8 @@
           </mc:Fallback>
         </mc:AlternateContent>
       </p:grpSp>
-      <mc:AlternateContent xmlns:mc="http://schemas.openxmlformats.org/markup-compatibility/2006">
-        <mc:Choice xmlns:a14="http://schemas.microsoft.com/office/drawing/2010/main" Requires="a14">
+      <mc:AlternateContent xmlns:mc="http://schemas.openxmlformats.org/markup-compatibility/2006" xmlns:a14="http://schemas.microsoft.com/office/drawing/2010/main">
+        <mc:Choice Requires="a14">
           <p:sp>
             <p:nvSpPr>
               <p:cNvPr id="83" name="テキスト ボックス 82">
@@ -8183,7 +8183,7 @@
             </p:txBody>
           </p:sp>
         </mc:Choice>
-        <mc:Fallback>
+        <mc:Fallback xmlns="">
           <p:sp>
             <p:nvSpPr>
               <p:cNvPr id="83" name="テキスト ボックス 82">
@@ -8228,8 +8228,8 @@
           </p:sp>
         </mc:Fallback>
       </mc:AlternateContent>
-      <mc:AlternateContent xmlns:mc="http://schemas.openxmlformats.org/markup-compatibility/2006">
-        <mc:Choice xmlns:a14="http://schemas.microsoft.com/office/drawing/2010/main" Requires="a14">
+      <mc:AlternateContent xmlns:mc="http://schemas.openxmlformats.org/markup-compatibility/2006" xmlns:a14="http://schemas.microsoft.com/office/drawing/2010/main">
+        <mc:Choice Requires="a14">
           <p:sp>
             <p:nvSpPr>
               <p:cNvPr id="90" name="テキスト ボックス 89">
@@ -8279,7 +8279,7 @@
             </p:txBody>
           </p:sp>
         </mc:Choice>
-        <mc:Fallback>
+        <mc:Fallback xmlns="">
           <p:sp>
             <p:nvSpPr>
               <p:cNvPr id="90" name="テキスト ボックス 89">
@@ -8365,8 +8365,8 @@
           </a:fontRef>
         </p:style>
       </p:cxnSp>
-      <mc:AlternateContent xmlns:mc="http://schemas.openxmlformats.org/markup-compatibility/2006">
-        <mc:Choice xmlns:a14="http://schemas.microsoft.com/office/drawing/2010/main" Requires="a14">
+      <mc:AlternateContent xmlns:mc="http://schemas.openxmlformats.org/markup-compatibility/2006" xmlns:a14="http://schemas.microsoft.com/office/drawing/2010/main">
+        <mc:Choice Requires="a14">
           <p:sp>
             <p:nvSpPr>
               <p:cNvPr id="107" name="テキスト ボックス 106">
@@ -8435,7 +8435,7 @@
             </p:txBody>
           </p:sp>
         </mc:Choice>
-        <mc:Fallback>
+        <mc:Fallback xmlns="">
           <p:sp>
             <p:nvSpPr>
               <p:cNvPr id="107" name="テキスト ボックス 106">
@@ -8527,8 +8527,8 @@
           </a:p>
         </p:txBody>
       </p:sp>
-      <mc:AlternateContent xmlns:mc="http://schemas.openxmlformats.org/markup-compatibility/2006">
-        <mc:Choice xmlns:a14="http://schemas.microsoft.com/office/drawing/2010/main" Requires="a14">
+      <mc:AlternateContent xmlns:mc="http://schemas.openxmlformats.org/markup-compatibility/2006" xmlns:a14="http://schemas.microsoft.com/office/drawing/2010/main">
+        <mc:Choice Requires="a14">
           <p:sp>
             <p:nvSpPr>
               <p:cNvPr id="111" name="テキスト ボックス 110">
@@ -8597,7 +8597,7 @@
             </p:txBody>
           </p:sp>
         </mc:Choice>
-        <mc:Fallback>
+        <mc:Fallback xmlns="">
           <p:sp>
             <p:nvSpPr>
               <p:cNvPr id="111" name="テキスト ボックス 110">
@@ -8898,8 +8898,8 @@
           </mc:Fallback>
         </mc:AlternateContent>
       </p:grpSp>
-      <mc:AlternateContent xmlns:mc="http://schemas.openxmlformats.org/markup-compatibility/2006">
-        <mc:Choice xmlns:a14="http://schemas.microsoft.com/office/drawing/2010/main" Requires="a14">
+      <mc:AlternateContent xmlns:mc="http://schemas.openxmlformats.org/markup-compatibility/2006" xmlns:a14="http://schemas.microsoft.com/office/drawing/2010/main">
+        <mc:Choice Requires="a14">
           <p:sp>
             <p:nvSpPr>
               <p:cNvPr id="122" name="テキスト ボックス 121">
@@ -8949,7 +8949,7 @@
             </p:txBody>
           </p:sp>
         </mc:Choice>
-        <mc:Fallback>
+        <mc:Fallback xmlns="">
           <p:sp>
             <p:nvSpPr>
               <p:cNvPr id="122" name="テキスト ボックス 121">
@@ -8994,8 +8994,8 @@
           </p:sp>
         </mc:Fallback>
       </mc:AlternateContent>
-      <mc:AlternateContent xmlns:mc="http://schemas.openxmlformats.org/markup-compatibility/2006">
-        <mc:Choice xmlns:a14="http://schemas.microsoft.com/office/drawing/2010/main" Requires="a14">
+      <mc:AlternateContent xmlns:mc="http://schemas.openxmlformats.org/markup-compatibility/2006" xmlns:a14="http://schemas.microsoft.com/office/drawing/2010/main">
+        <mc:Choice Requires="a14">
           <p:sp>
             <p:nvSpPr>
               <p:cNvPr id="123" name="テキスト ボックス 122">
@@ -9045,7 +9045,7 @@
             </p:txBody>
           </p:sp>
         </mc:Choice>
-        <mc:Fallback>
+        <mc:Fallback xmlns="">
           <p:sp>
             <p:nvSpPr>
               <p:cNvPr id="123" name="テキスト ボックス 122">
@@ -9131,8 +9131,8 @@
           </a:fontRef>
         </p:style>
       </p:cxnSp>
-      <mc:AlternateContent xmlns:mc="http://schemas.openxmlformats.org/markup-compatibility/2006">
-        <mc:Choice xmlns:a14="http://schemas.microsoft.com/office/drawing/2010/main" Requires="a14">
+      <mc:AlternateContent xmlns:mc="http://schemas.openxmlformats.org/markup-compatibility/2006" xmlns:a14="http://schemas.microsoft.com/office/drawing/2010/main">
+        <mc:Choice Requires="a14">
           <p:sp>
             <p:nvSpPr>
               <p:cNvPr id="126" name="テキスト ボックス 125">
@@ -9201,7 +9201,7 @@
             </p:txBody>
           </p:sp>
         </mc:Choice>
-        <mc:Fallback>
+        <mc:Fallback xmlns="">
           <p:sp>
             <p:nvSpPr>
               <p:cNvPr id="126" name="テキスト ボックス 125">
@@ -9293,8 +9293,8 @@
           </a:p>
         </p:txBody>
       </p:sp>
-      <mc:AlternateContent xmlns:mc="http://schemas.openxmlformats.org/markup-compatibility/2006">
-        <mc:Choice xmlns:a14="http://schemas.microsoft.com/office/drawing/2010/main" Requires="a14">
+      <mc:AlternateContent xmlns:mc="http://schemas.openxmlformats.org/markup-compatibility/2006" xmlns:a14="http://schemas.microsoft.com/office/drawing/2010/main">
+        <mc:Choice Requires="a14">
           <p:sp>
             <p:nvSpPr>
               <p:cNvPr id="130" name="テキスト ボックス 129">
@@ -9363,7 +9363,7 @@
             </p:txBody>
           </p:sp>
         </mc:Choice>
-        <mc:Fallback>
+        <mc:Fallback xmlns="">
           <p:sp>
             <p:nvSpPr>
               <p:cNvPr id="130" name="テキスト ボックス 129">
@@ -9459,8 +9459,8 @@
           </a:p>
         </p:txBody>
       </p:sp>
-      <mc:AlternateContent xmlns:mc="http://schemas.openxmlformats.org/markup-compatibility/2006">
-        <mc:Choice xmlns:a14="http://schemas.microsoft.com/office/drawing/2010/main" Requires="a14">
+      <mc:AlternateContent xmlns:mc="http://schemas.openxmlformats.org/markup-compatibility/2006" xmlns:a14="http://schemas.microsoft.com/office/drawing/2010/main">
+        <mc:Choice Requires="a14">
           <p:sp>
             <p:nvSpPr>
               <p:cNvPr id="134" name="テキスト ボックス 133">
@@ -9744,7 +9744,7 @@
             </p:txBody>
           </p:sp>
         </mc:Choice>
-        <mc:Fallback>
+        <mc:Fallback xmlns="">
           <p:sp>
             <p:nvSpPr>
               <p:cNvPr id="134" name="テキスト ボックス 133">
@@ -9789,8 +9789,8 @@
           </p:sp>
         </mc:Fallback>
       </mc:AlternateContent>
-      <mc:AlternateContent xmlns:mc="http://schemas.openxmlformats.org/markup-compatibility/2006">
-        <mc:Choice xmlns:a14="http://schemas.microsoft.com/office/drawing/2010/main" Requires="a14">
+      <mc:AlternateContent xmlns:mc="http://schemas.openxmlformats.org/markup-compatibility/2006" xmlns:a14="http://schemas.microsoft.com/office/drawing/2010/main">
+        <mc:Choice Requires="a14">
           <p:sp>
             <p:nvSpPr>
               <p:cNvPr id="136" name="テキスト ボックス 135">
@@ -10159,7 +10159,7 @@
             </p:txBody>
           </p:sp>
         </mc:Choice>
-        <mc:Fallback>
+        <mc:Fallback xmlns="">
           <p:sp>
             <p:nvSpPr>
               <p:cNvPr id="136" name="テキスト ボックス 135">
@@ -10204,6 +10204,140 @@
           </p:sp>
         </mc:Fallback>
       </mc:AlternateContent>
+      <p:sp>
+        <p:nvSpPr>
+          <p:cNvPr id="92" name="矢印: 上 91">
+            <a:extLst>
+              <a:ext uri="{FF2B5EF4-FFF2-40B4-BE49-F238E27FC236}">
+                <a16:creationId xmlns:a16="http://schemas.microsoft.com/office/drawing/2014/main" id="{96BA802B-ECDA-4939-9BD9-5CA8E37126FF}"/>
+              </a:ext>
+            </a:extLst>
+          </p:cNvPr>
+          <p:cNvSpPr/>
+          <p:nvPr/>
+        </p:nvSpPr>
+        <p:spPr>
+          <a:xfrm>
+            <a:off x="7643988" y="1297171"/>
+            <a:ext cx="238059" cy="375099"/>
+          </a:xfrm>
+          <a:prstGeom prst="upArrow">
+            <a:avLst/>
+          </a:prstGeom>
+        </p:spPr>
+        <p:style>
+          <a:lnRef idx="2">
+            <a:schemeClr val="accent1">
+              <a:shade val="50000"/>
+            </a:schemeClr>
+          </a:lnRef>
+          <a:fillRef idx="1">
+            <a:schemeClr val="accent1"/>
+          </a:fillRef>
+          <a:effectRef idx="0">
+            <a:schemeClr val="accent1"/>
+          </a:effectRef>
+          <a:fontRef idx="minor">
+            <a:schemeClr val="lt1"/>
+          </a:fontRef>
+        </p:style>
+        <p:txBody>
+          <a:bodyPr rtlCol="0" anchor="ctr"/>
+          <a:lstStyle/>
+          <a:p>
+            <a:pPr algn="ctr"/>
+            <a:endParaRPr kumimoji="1" lang="ja-JP" altLang="en-US"/>
+          </a:p>
+        </p:txBody>
+      </p:sp>
+      <p:sp>
+        <p:nvSpPr>
+          <p:cNvPr id="93" name="テキスト ボックス 92">
+            <a:extLst>
+              <a:ext uri="{FF2B5EF4-FFF2-40B4-BE49-F238E27FC236}">
+                <a16:creationId xmlns:a16="http://schemas.microsoft.com/office/drawing/2014/main" id="{CFA65C5A-D8BB-43A2-A1B4-9F41E64BF6AD}"/>
+              </a:ext>
+            </a:extLst>
+          </p:cNvPr>
+          <p:cNvSpPr txBox="1"/>
+          <p:nvPr/>
+        </p:nvSpPr>
+        <p:spPr>
+          <a:xfrm>
+            <a:off x="7319503" y="1043008"/>
+            <a:ext cx="870751" cy="307777"/>
+          </a:xfrm>
+          <a:prstGeom prst="rect">
+            <a:avLst/>
+          </a:prstGeom>
+          <a:noFill/>
+        </p:spPr>
+        <p:txBody>
+          <a:bodyPr wrap="none" rtlCol="0">
+            <a:spAutoFit/>
+          </a:bodyPr>
+          <a:lstStyle/>
+          <a:p>
+            <a:pPr algn="ctr"/>
+            <a:r>
+              <a:rPr kumimoji="1" lang="en-US" altLang="ja-JP" sz="1400" dirty="0"/>
+              <a:t>Forward</a:t>
+            </a:r>
+            <a:endParaRPr kumimoji="1" lang="ja-JP" altLang="en-US" sz="1400" dirty="0"/>
+          </a:p>
+        </p:txBody>
+      </p:sp>
+      <p:sp>
+        <p:nvSpPr>
+          <p:cNvPr id="101" name="円弧 100">
+            <a:extLst>
+              <a:ext uri="{FF2B5EF4-FFF2-40B4-BE49-F238E27FC236}">
+                <a16:creationId xmlns:a16="http://schemas.microsoft.com/office/drawing/2014/main" id="{A3830B22-CB03-48D5-AC2A-ABFB344C1D94}"/>
+              </a:ext>
+            </a:extLst>
+          </p:cNvPr>
+          <p:cNvSpPr/>
+          <p:nvPr/>
+        </p:nvSpPr>
+        <p:spPr>
+          <a:xfrm rot="12838177" flipV="1">
+            <a:off x="8374180" y="1936857"/>
+            <a:ext cx="417096" cy="408665"/>
+          </a:xfrm>
+          <a:prstGeom prst="arc">
+            <a:avLst>
+              <a:gd name="adj1" fmla="val 17551539"/>
+              <a:gd name="adj2" fmla="val 2432450"/>
+            </a:avLst>
+          </a:prstGeom>
+          <a:ln>
+            <a:prstDash val="dash"/>
+            <a:tailEnd type="triangle"/>
+          </a:ln>
+        </p:spPr>
+        <p:style>
+          <a:lnRef idx="1">
+            <a:schemeClr val="accent1"/>
+          </a:lnRef>
+          <a:fillRef idx="0">
+            <a:schemeClr val="accent1"/>
+          </a:fillRef>
+          <a:effectRef idx="0">
+            <a:schemeClr val="accent1"/>
+          </a:effectRef>
+          <a:fontRef idx="minor">
+            <a:schemeClr val="tx1"/>
+          </a:fontRef>
+        </p:style>
+        <p:txBody>
+          <a:bodyPr rtlCol="0" anchor="ctr"/>
+          <a:lstStyle/>
+          <a:p>
+            <a:pPr algn="ctr"/>
+            <a:endParaRPr kumimoji="1" lang="ja-JP" altLang="en-US"/>
+          </a:p>
+        </p:txBody>
+      </p:sp>
     </p:spTree>
     <p:extLst>
       <p:ext uri="{BB962C8B-B14F-4D97-AF65-F5344CB8AC3E}">

--- a/SLAM_Theoretical_Formulas.pptx
+++ b/SLAM_Theoretical_Formulas.pptx
@@ -6,6 +6,7 @@
   </p:sldMasterIdLst>
   <p:sldIdLst>
     <p:sldId id="256" r:id="rId2"/>
+    <p:sldId id="257" r:id="rId3"/>
   </p:sldIdLst>
   <p:sldSz cx="12192000" cy="6858000"/>
   <p:notesSz cx="6858000" cy="9144000"/>
@@ -259,7 +260,7 @@
           <a:p>
             <a:fld id="{9DDD97A9-1B44-463F-8EAF-3A848A7F5CA1}" type="datetimeFigureOut">
               <a:rPr kumimoji="1" lang="ja-JP" altLang="en-US" smtClean="0"/>
-              <a:t>2020/7/11</a:t>
+              <a:t>2020/7/12</a:t>
             </a:fld>
             <a:endParaRPr kumimoji="1" lang="ja-JP" altLang="en-US"/>
           </a:p>
@@ -489,7 +490,7 @@
           <a:p>
             <a:fld id="{9DDD97A9-1B44-463F-8EAF-3A848A7F5CA1}" type="datetimeFigureOut">
               <a:rPr kumimoji="1" lang="ja-JP" altLang="en-US" smtClean="0"/>
-              <a:t>2020/7/11</a:t>
+              <a:t>2020/7/12</a:t>
             </a:fld>
             <a:endParaRPr kumimoji="1" lang="ja-JP" altLang="en-US"/>
           </a:p>
@@ -729,7 +730,7 @@
           <a:p>
             <a:fld id="{9DDD97A9-1B44-463F-8EAF-3A848A7F5CA1}" type="datetimeFigureOut">
               <a:rPr kumimoji="1" lang="ja-JP" altLang="en-US" smtClean="0"/>
-              <a:t>2020/7/11</a:t>
+              <a:t>2020/7/12</a:t>
             </a:fld>
             <a:endParaRPr kumimoji="1" lang="ja-JP" altLang="en-US"/>
           </a:p>
@@ -959,7 +960,7 @@
           <a:p>
             <a:fld id="{9DDD97A9-1B44-463F-8EAF-3A848A7F5CA1}" type="datetimeFigureOut">
               <a:rPr kumimoji="1" lang="ja-JP" altLang="en-US" smtClean="0"/>
-              <a:t>2020/7/11</a:t>
+              <a:t>2020/7/12</a:t>
             </a:fld>
             <a:endParaRPr kumimoji="1" lang="ja-JP" altLang="en-US"/>
           </a:p>
@@ -1234,7 +1235,7 @@
           <a:p>
             <a:fld id="{9DDD97A9-1B44-463F-8EAF-3A848A7F5CA1}" type="datetimeFigureOut">
               <a:rPr kumimoji="1" lang="ja-JP" altLang="en-US" smtClean="0"/>
-              <a:t>2020/7/11</a:t>
+              <a:t>2020/7/12</a:t>
             </a:fld>
             <a:endParaRPr kumimoji="1" lang="ja-JP" altLang="en-US"/>
           </a:p>
@@ -1563,7 +1564,7 @@
           <a:p>
             <a:fld id="{9DDD97A9-1B44-463F-8EAF-3A848A7F5CA1}" type="datetimeFigureOut">
               <a:rPr kumimoji="1" lang="ja-JP" altLang="en-US" smtClean="0"/>
-              <a:t>2020/7/11</a:t>
+              <a:t>2020/7/12</a:t>
             </a:fld>
             <a:endParaRPr kumimoji="1" lang="ja-JP" altLang="en-US"/>
           </a:p>
@@ -2039,7 +2040,7 @@
           <a:p>
             <a:fld id="{9DDD97A9-1B44-463F-8EAF-3A848A7F5CA1}" type="datetimeFigureOut">
               <a:rPr kumimoji="1" lang="ja-JP" altLang="en-US" smtClean="0"/>
-              <a:t>2020/7/11</a:t>
+              <a:t>2020/7/12</a:t>
             </a:fld>
             <a:endParaRPr kumimoji="1" lang="ja-JP" altLang="en-US"/>
           </a:p>
@@ -2180,7 +2181,7 @@
           <a:p>
             <a:fld id="{9DDD97A9-1B44-463F-8EAF-3A848A7F5CA1}" type="datetimeFigureOut">
               <a:rPr kumimoji="1" lang="ja-JP" altLang="en-US" smtClean="0"/>
-              <a:t>2020/7/11</a:t>
+              <a:t>2020/7/12</a:t>
             </a:fld>
             <a:endParaRPr kumimoji="1" lang="ja-JP" altLang="en-US"/>
           </a:p>
@@ -2293,7 +2294,7 @@
           <a:p>
             <a:fld id="{9DDD97A9-1B44-463F-8EAF-3A848A7F5CA1}" type="datetimeFigureOut">
               <a:rPr kumimoji="1" lang="ja-JP" altLang="en-US" smtClean="0"/>
-              <a:t>2020/7/11</a:t>
+              <a:t>2020/7/12</a:t>
             </a:fld>
             <a:endParaRPr kumimoji="1" lang="ja-JP" altLang="en-US"/>
           </a:p>
@@ -2636,7 +2637,7 @@
           <a:p>
             <a:fld id="{9DDD97A9-1B44-463F-8EAF-3A848A7F5CA1}" type="datetimeFigureOut">
               <a:rPr kumimoji="1" lang="ja-JP" altLang="en-US" smtClean="0"/>
-              <a:t>2020/7/11</a:t>
+              <a:t>2020/7/12</a:t>
             </a:fld>
             <a:endParaRPr kumimoji="1" lang="ja-JP" altLang="en-US"/>
           </a:p>
@@ -2924,7 +2925,7 @@
           <a:p>
             <a:fld id="{9DDD97A9-1B44-463F-8EAF-3A848A7F5CA1}" type="datetimeFigureOut">
               <a:rPr kumimoji="1" lang="ja-JP" altLang="en-US" smtClean="0"/>
-              <a:t>2020/7/11</a:t>
+              <a:t>2020/7/12</a:t>
             </a:fld>
             <a:endParaRPr kumimoji="1" lang="ja-JP" altLang="en-US"/>
           </a:p>
@@ -3197,7 +3198,7 @@
           <a:p>
             <a:fld id="{9DDD97A9-1B44-463F-8EAF-3A848A7F5CA1}" type="datetimeFigureOut">
               <a:rPr kumimoji="1" lang="ja-JP" altLang="en-US" smtClean="0"/>
-              <a:t>2020/7/11</a:t>
+              <a:t>2020/7/12</a:t>
             </a:fld>
             <a:endParaRPr kumimoji="1" lang="ja-JP" altLang="en-US"/>
           </a:p>
@@ -10351,6 +10352,703 @@
 </p:sld>
 </file>
 
+<file path=ppt/slides/slide2.xml><?xml version="1.0" encoding="utf-8"?>
+<p:sld xmlns:a="http://schemas.openxmlformats.org/drawingml/2006/main" xmlns:r="http://schemas.openxmlformats.org/officeDocument/2006/relationships" xmlns:p="http://schemas.openxmlformats.org/presentationml/2006/main">
+  <p:cSld>
+    <p:spTree>
+      <p:nvGrpSpPr>
+        <p:cNvPr id="1" name=""/>
+        <p:cNvGrpSpPr/>
+        <p:nvPr/>
+      </p:nvGrpSpPr>
+      <p:grpSpPr>
+        <a:xfrm>
+          <a:off x="0" y="0"/>
+          <a:ext cx="0" cy="0"/>
+          <a:chOff x="0" y="0"/>
+          <a:chExt cx="0" cy="0"/>
+        </a:xfrm>
+      </p:grpSpPr>
+      <p:sp>
+        <p:nvSpPr>
+          <p:cNvPr id="2" name="正方形/長方形 1">
+            <a:extLst>
+              <a:ext uri="{FF2B5EF4-FFF2-40B4-BE49-F238E27FC236}">
+                <a16:creationId xmlns:a16="http://schemas.microsoft.com/office/drawing/2014/main" id="{4DEB8DCA-F3B7-4208-AC9F-1792887EE6AB}"/>
+              </a:ext>
+            </a:extLst>
+          </p:cNvPr>
+          <p:cNvSpPr/>
+          <p:nvPr/>
+        </p:nvSpPr>
+        <p:spPr>
+          <a:xfrm>
+            <a:off x="239698" y="2467992"/>
+            <a:ext cx="1376039" cy="594804"/>
+          </a:xfrm>
+          <a:prstGeom prst="rect">
+            <a:avLst/>
+          </a:prstGeom>
+        </p:spPr>
+        <p:style>
+          <a:lnRef idx="2">
+            <a:schemeClr val="accent1">
+              <a:shade val="50000"/>
+            </a:schemeClr>
+          </a:lnRef>
+          <a:fillRef idx="1">
+            <a:schemeClr val="accent1"/>
+          </a:fillRef>
+          <a:effectRef idx="0">
+            <a:schemeClr val="accent1"/>
+          </a:effectRef>
+          <a:fontRef idx="minor">
+            <a:schemeClr val="lt1"/>
+          </a:fontRef>
+        </p:style>
+        <p:txBody>
+          <a:bodyPr rtlCol="0" anchor="ctr"/>
+          <a:lstStyle/>
+          <a:p>
+            <a:pPr algn="ctr"/>
+            <a:r>
+              <a:rPr kumimoji="1" lang="en-US" altLang="ja-JP" sz="1400" dirty="0"/>
+              <a:t>Preprocessing</a:t>
+            </a:r>
+          </a:p>
+          <a:p>
+            <a:pPr algn="ctr"/>
+            <a:r>
+              <a:rPr kumimoji="1" lang="en-US" altLang="ja-JP" sz="1400" dirty="0"/>
+              <a:t>Scan data</a:t>
+            </a:r>
+          </a:p>
+        </p:txBody>
+      </p:sp>
+      <p:sp>
+        <p:nvSpPr>
+          <p:cNvPr id="4" name="正方形/長方形 3">
+            <a:extLst>
+              <a:ext uri="{FF2B5EF4-FFF2-40B4-BE49-F238E27FC236}">
+                <a16:creationId xmlns:a16="http://schemas.microsoft.com/office/drawing/2014/main" id="{1A5612F9-5966-4530-A453-E12A01A309BB}"/>
+              </a:ext>
+            </a:extLst>
+          </p:cNvPr>
+          <p:cNvSpPr/>
+          <p:nvPr/>
+        </p:nvSpPr>
+        <p:spPr>
+          <a:xfrm>
+            <a:off x="2531618" y="2469471"/>
+            <a:ext cx="1507723" cy="594804"/>
+          </a:xfrm>
+          <a:prstGeom prst="rect">
+            <a:avLst/>
+          </a:prstGeom>
+        </p:spPr>
+        <p:style>
+          <a:lnRef idx="2">
+            <a:schemeClr val="accent1">
+              <a:shade val="50000"/>
+            </a:schemeClr>
+          </a:lnRef>
+          <a:fillRef idx="1">
+            <a:schemeClr val="accent1"/>
+          </a:fillRef>
+          <a:effectRef idx="0">
+            <a:schemeClr val="accent1"/>
+          </a:effectRef>
+          <a:fontRef idx="minor">
+            <a:schemeClr val="lt1"/>
+          </a:fontRef>
+        </p:style>
+        <p:txBody>
+          <a:bodyPr rtlCol="0" anchor="ctr"/>
+          <a:lstStyle/>
+          <a:p>
+            <a:pPr algn="ctr"/>
+            <a:r>
+              <a:rPr lang="en-US" altLang="ja-JP" sz="1400" dirty="0"/>
+              <a:t>Making</a:t>
+            </a:r>
+          </a:p>
+          <a:p>
+            <a:pPr algn="ctr"/>
+            <a:r>
+              <a:rPr kumimoji="1" lang="en-US" altLang="ja-JP" sz="1400" dirty="0"/>
+              <a:t>Reference Scan</a:t>
+            </a:r>
+          </a:p>
+        </p:txBody>
+      </p:sp>
+      <p:sp>
+        <p:nvSpPr>
+          <p:cNvPr id="6" name="正方形/長方形 5">
+            <a:extLst>
+              <a:ext uri="{FF2B5EF4-FFF2-40B4-BE49-F238E27FC236}">
+                <a16:creationId xmlns:a16="http://schemas.microsoft.com/office/drawing/2014/main" id="{75C1CBAE-1FB5-4315-A2EB-5EE1A40B6595}"/>
+              </a:ext>
+            </a:extLst>
+          </p:cNvPr>
+          <p:cNvSpPr/>
+          <p:nvPr/>
+        </p:nvSpPr>
+        <p:spPr>
+          <a:xfrm>
+            <a:off x="4876806" y="2470946"/>
+            <a:ext cx="1275419" cy="594804"/>
+          </a:xfrm>
+          <a:prstGeom prst="rect">
+            <a:avLst/>
+          </a:prstGeom>
+        </p:spPr>
+        <p:style>
+          <a:lnRef idx="2">
+            <a:schemeClr val="accent1">
+              <a:shade val="50000"/>
+            </a:schemeClr>
+          </a:lnRef>
+          <a:fillRef idx="1">
+            <a:schemeClr val="accent1"/>
+          </a:fillRef>
+          <a:effectRef idx="0">
+            <a:schemeClr val="accent1"/>
+          </a:effectRef>
+          <a:fontRef idx="minor">
+            <a:schemeClr val="lt1"/>
+          </a:fontRef>
+        </p:style>
+        <p:txBody>
+          <a:bodyPr rtlCol="0" anchor="ctr"/>
+          <a:lstStyle/>
+          <a:p>
+            <a:pPr algn="ctr"/>
+            <a:r>
+              <a:rPr lang="en-US" altLang="ja-JP" sz="1400" dirty="0"/>
+              <a:t>Data</a:t>
+            </a:r>
+          </a:p>
+          <a:p>
+            <a:pPr algn="ctr"/>
+            <a:r>
+              <a:rPr lang="en-US" altLang="ja-JP" sz="1400" dirty="0"/>
+              <a:t>Association</a:t>
+            </a:r>
+          </a:p>
+        </p:txBody>
+      </p:sp>
+      <p:sp>
+        <p:nvSpPr>
+          <p:cNvPr id="8" name="正方形/長方形 7">
+            <a:extLst>
+              <a:ext uri="{FF2B5EF4-FFF2-40B4-BE49-F238E27FC236}">
+                <a16:creationId xmlns:a16="http://schemas.microsoft.com/office/drawing/2014/main" id="{04F5795E-EFC4-4A6C-AC5D-E75E9F181BB8}"/>
+              </a:ext>
+            </a:extLst>
+          </p:cNvPr>
+          <p:cNvSpPr/>
+          <p:nvPr/>
+        </p:nvSpPr>
+        <p:spPr>
+          <a:xfrm>
+            <a:off x="6893516" y="2472424"/>
+            <a:ext cx="1507723" cy="594804"/>
+          </a:xfrm>
+          <a:prstGeom prst="rect">
+            <a:avLst/>
+          </a:prstGeom>
+        </p:spPr>
+        <p:style>
+          <a:lnRef idx="2">
+            <a:schemeClr val="accent1">
+              <a:shade val="50000"/>
+            </a:schemeClr>
+          </a:lnRef>
+          <a:fillRef idx="1">
+            <a:schemeClr val="accent1"/>
+          </a:fillRef>
+          <a:effectRef idx="0">
+            <a:schemeClr val="accent1"/>
+          </a:effectRef>
+          <a:fontRef idx="minor">
+            <a:schemeClr val="lt1"/>
+          </a:fontRef>
+        </p:style>
+        <p:txBody>
+          <a:bodyPr rtlCol="0" anchor="ctr"/>
+          <a:lstStyle/>
+          <a:p>
+            <a:pPr algn="ctr"/>
+            <a:r>
+              <a:rPr lang="en-US" altLang="ja-JP" sz="1400" dirty="0"/>
+              <a:t>Robot Pose</a:t>
+            </a:r>
+          </a:p>
+          <a:p>
+            <a:pPr algn="ctr"/>
+            <a:r>
+              <a:rPr lang="en-US" altLang="ja-JP" sz="1400" dirty="0"/>
+              <a:t>Optimization</a:t>
+            </a:r>
+          </a:p>
+        </p:txBody>
+      </p:sp>
+      <p:sp>
+        <p:nvSpPr>
+          <p:cNvPr id="10" name="正方形/長方形 9">
+            <a:extLst>
+              <a:ext uri="{FF2B5EF4-FFF2-40B4-BE49-F238E27FC236}">
+                <a16:creationId xmlns:a16="http://schemas.microsoft.com/office/drawing/2014/main" id="{856E64AE-540B-4384-9463-96BE2E07C0FE}"/>
+              </a:ext>
+            </a:extLst>
+          </p:cNvPr>
+          <p:cNvSpPr/>
+          <p:nvPr/>
+        </p:nvSpPr>
+        <p:spPr>
+          <a:xfrm>
+            <a:off x="9105538" y="2473903"/>
+            <a:ext cx="1041639" cy="594804"/>
+          </a:xfrm>
+          <a:prstGeom prst="rect">
+            <a:avLst/>
+          </a:prstGeom>
+        </p:spPr>
+        <p:style>
+          <a:lnRef idx="2">
+            <a:schemeClr val="accent1">
+              <a:shade val="50000"/>
+            </a:schemeClr>
+          </a:lnRef>
+          <a:fillRef idx="1">
+            <a:schemeClr val="accent1"/>
+          </a:fillRef>
+          <a:effectRef idx="0">
+            <a:schemeClr val="accent1"/>
+          </a:effectRef>
+          <a:fontRef idx="minor">
+            <a:schemeClr val="lt1"/>
+          </a:fontRef>
+        </p:style>
+        <p:txBody>
+          <a:bodyPr rtlCol="0" anchor="ctr"/>
+          <a:lstStyle/>
+          <a:p>
+            <a:pPr algn="ctr"/>
+            <a:r>
+              <a:rPr lang="en-US" altLang="ja-JP" sz="1400" dirty="0"/>
+              <a:t>Sensor</a:t>
+            </a:r>
+          </a:p>
+          <a:p>
+            <a:pPr algn="ctr"/>
+            <a:r>
+              <a:rPr lang="en-US" altLang="ja-JP" sz="1400" dirty="0"/>
+              <a:t>Fusion</a:t>
+            </a:r>
+          </a:p>
+        </p:txBody>
+      </p:sp>
+      <p:sp>
+        <p:nvSpPr>
+          <p:cNvPr id="12" name="正方形/長方形 11">
+            <a:extLst>
+              <a:ext uri="{FF2B5EF4-FFF2-40B4-BE49-F238E27FC236}">
+                <a16:creationId xmlns:a16="http://schemas.microsoft.com/office/drawing/2014/main" id="{88AEB32E-6EA8-4F65-9964-0090712AB862}"/>
+              </a:ext>
+            </a:extLst>
+          </p:cNvPr>
+          <p:cNvSpPr/>
+          <p:nvPr/>
+        </p:nvSpPr>
+        <p:spPr>
+          <a:xfrm>
+            <a:off x="10793775" y="2475382"/>
+            <a:ext cx="1041639" cy="594804"/>
+          </a:xfrm>
+          <a:prstGeom prst="rect">
+            <a:avLst/>
+          </a:prstGeom>
+        </p:spPr>
+        <p:style>
+          <a:lnRef idx="2">
+            <a:schemeClr val="accent1">
+              <a:shade val="50000"/>
+            </a:schemeClr>
+          </a:lnRef>
+          <a:fillRef idx="1">
+            <a:schemeClr val="accent1"/>
+          </a:fillRef>
+          <a:effectRef idx="0">
+            <a:schemeClr val="accent1"/>
+          </a:effectRef>
+          <a:fontRef idx="minor">
+            <a:schemeClr val="lt1"/>
+          </a:fontRef>
+        </p:style>
+        <p:txBody>
+          <a:bodyPr rtlCol="0" anchor="ctr"/>
+          <a:lstStyle/>
+          <a:p>
+            <a:pPr algn="ctr"/>
+            <a:r>
+              <a:rPr lang="en-US" altLang="ja-JP" sz="1400" dirty="0"/>
+              <a:t>Mapping</a:t>
+            </a:r>
+          </a:p>
+        </p:txBody>
+      </p:sp>
+      <p:cxnSp>
+        <p:nvCxnSpPr>
+          <p:cNvPr id="14" name="直線矢印コネクタ 13">
+            <a:extLst>
+              <a:ext uri="{FF2B5EF4-FFF2-40B4-BE49-F238E27FC236}">
+                <a16:creationId xmlns:a16="http://schemas.microsoft.com/office/drawing/2014/main" id="{42C2C78C-DC33-4D12-8813-1A1D828072A9}"/>
+              </a:ext>
+            </a:extLst>
+          </p:cNvPr>
+          <p:cNvCxnSpPr>
+            <a:cxnSpLocks/>
+            <a:stCxn id="2" idx="3"/>
+            <a:endCxn id="4" idx="1"/>
+          </p:cNvCxnSpPr>
+          <p:nvPr/>
+        </p:nvCxnSpPr>
+        <p:spPr>
+          <a:xfrm>
+            <a:off x="1615737" y="2765394"/>
+            <a:ext cx="915881" cy="1479"/>
+          </a:xfrm>
+          <a:prstGeom prst="straightConnector1">
+            <a:avLst/>
+          </a:prstGeom>
+          <a:ln>
+            <a:tailEnd type="triangle"/>
+          </a:ln>
+        </p:spPr>
+        <p:style>
+          <a:lnRef idx="1">
+            <a:schemeClr val="accent1"/>
+          </a:lnRef>
+          <a:fillRef idx="0">
+            <a:schemeClr val="accent1"/>
+          </a:fillRef>
+          <a:effectRef idx="0">
+            <a:schemeClr val="accent1"/>
+          </a:effectRef>
+          <a:fontRef idx="minor">
+            <a:schemeClr val="tx1"/>
+          </a:fontRef>
+        </p:style>
+      </p:cxnSp>
+      <p:cxnSp>
+        <p:nvCxnSpPr>
+          <p:cNvPr id="16" name="直線矢印コネクタ 15">
+            <a:extLst>
+              <a:ext uri="{FF2B5EF4-FFF2-40B4-BE49-F238E27FC236}">
+                <a16:creationId xmlns:a16="http://schemas.microsoft.com/office/drawing/2014/main" id="{394C37AC-A2DC-4D8F-B3D1-9A565276F89C}"/>
+              </a:ext>
+            </a:extLst>
+          </p:cNvPr>
+          <p:cNvCxnSpPr>
+            <a:cxnSpLocks/>
+            <a:stCxn id="4" idx="3"/>
+            <a:endCxn id="6" idx="1"/>
+          </p:cNvCxnSpPr>
+          <p:nvPr/>
+        </p:nvCxnSpPr>
+        <p:spPr>
+          <a:xfrm>
+            <a:off x="4039341" y="2766873"/>
+            <a:ext cx="837465" cy="1475"/>
+          </a:xfrm>
+          <a:prstGeom prst="straightConnector1">
+            <a:avLst/>
+          </a:prstGeom>
+          <a:ln>
+            <a:tailEnd type="triangle"/>
+          </a:ln>
+        </p:spPr>
+        <p:style>
+          <a:lnRef idx="1">
+            <a:schemeClr val="accent1"/>
+          </a:lnRef>
+          <a:fillRef idx="0">
+            <a:schemeClr val="accent1"/>
+          </a:fillRef>
+          <a:effectRef idx="0">
+            <a:schemeClr val="accent1"/>
+          </a:effectRef>
+          <a:fontRef idx="minor">
+            <a:schemeClr val="tx1"/>
+          </a:fontRef>
+        </p:style>
+      </p:cxnSp>
+      <p:cxnSp>
+        <p:nvCxnSpPr>
+          <p:cNvPr id="19" name="直線矢印コネクタ 18">
+            <a:extLst>
+              <a:ext uri="{FF2B5EF4-FFF2-40B4-BE49-F238E27FC236}">
+                <a16:creationId xmlns:a16="http://schemas.microsoft.com/office/drawing/2014/main" id="{806EE987-8BCF-48CC-A6CC-E8DFE0AC3AAB}"/>
+              </a:ext>
+            </a:extLst>
+          </p:cNvPr>
+          <p:cNvCxnSpPr>
+            <a:cxnSpLocks/>
+            <a:stCxn id="6" idx="3"/>
+            <a:endCxn id="8" idx="1"/>
+          </p:cNvCxnSpPr>
+          <p:nvPr/>
+        </p:nvCxnSpPr>
+        <p:spPr>
+          <a:xfrm>
+            <a:off x="6152225" y="2768348"/>
+            <a:ext cx="741291" cy="1478"/>
+          </a:xfrm>
+          <a:prstGeom prst="straightConnector1">
+            <a:avLst/>
+          </a:prstGeom>
+          <a:ln>
+            <a:tailEnd type="triangle"/>
+          </a:ln>
+        </p:spPr>
+        <p:style>
+          <a:lnRef idx="1">
+            <a:schemeClr val="accent1"/>
+          </a:lnRef>
+          <a:fillRef idx="0">
+            <a:schemeClr val="accent1"/>
+          </a:fillRef>
+          <a:effectRef idx="0">
+            <a:schemeClr val="accent1"/>
+          </a:effectRef>
+          <a:fontRef idx="minor">
+            <a:schemeClr val="tx1"/>
+          </a:fontRef>
+        </p:style>
+      </p:cxnSp>
+      <p:cxnSp>
+        <p:nvCxnSpPr>
+          <p:cNvPr id="22" name="直線矢印コネクタ 21">
+            <a:extLst>
+              <a:ext uri="{FF2B5EF4-FFF2-40B4-BE49-F238E27FC236}">
+                <a16:creationId xmlns:a16="http://schemas.microsoft.com/office/drawing/2014/main" id="{4609F424-34A7-4CE7-9913-A08055E72D77}"/>
+              </a:ext>
+            </a:extLst>
+          </p:cNvPr>
+          <p:cNvCxnSpPr>
+            <a:cxnSpLocks/>
+            <a:stCxn id="8" idx="3"/>
+            <a:endCxn id="10" idx="1"/>
+          </p:cNvCxnSpPr>
+          <p:nvPr/>
+        </p:nvCxnSpPr>
+        <p:spPr>
+          <a:xfrm>
+            <a:off x="8401239" y="2769826"/>
+            <a:ext cx="704299" cy="1479"/>
+          </a:xfrm>
+          <a:prstGeom prst="straightConnector1">
+            <a:avLst/>
+          </a:prstGeom>
+          <a:ln>
+            <a:tailEnd type="triangle"/>
+          </a:ln>
+        </p:spPr>
+        <p:style>
+          <a:lnRef idx="1">
+            <a:schemeClr val="accent1"/>
+          </a:lnRef>
+          <a:fillRef idx="0">
+            <a:schemeClr val="accent1"/>
+          </a:fillRef>
+          <a:effectRef idx="0">
+            <a:schemeClr val="accent1"/>
+          </a:effectRef>
+          <a:fontRef idx="minor">
+            <a:schemeClr val="tx1"/>
+          </a:fontRef>
+        </p:style>
+      </p:cxnSp>
+      <p:cxnSp>
+        <p:nvCxnSpPr>
+          <p:cNvPr id="25" name="直線矢印コネクタ 24">
+            <a:extLst>
+              <a:ext uri="{FF2B5EF4-FFF2-40B4-BE49-F238E27FC236}">
+                <a16:creationId xmlns:a16="http://schemas.microsoft.com/office/drawing/2014/main" id="{C8B53275-1F31-454B-A644-75F6DA124417}"/>
+              </a:ext>
+            </a:extLst>
+          </p:cNvPr>
+          <p:cNvCxnSpPr>
+            <a:cxnSpLocks/>
+            <a:stCxn id="10" idx="3"/>
+            <a:endCxn id="12" idx="1"/>
+          </p:cNvCxnSpPr>
+          <p:nvPr/>
+        </p:nvCxnSpPr>
+        <p:spPr>
+          <a:xfrm>
+            <a:off x="10147177" y="2771305"/>
+            <a:ext cx="646598" cy="1479"/>
+          </a:xfrm>
+          <a:prstGeom prst="straightConnector1">
+            <a:avLst/>
+          </a:prstGeom>
+          <a:ln>
+            <a:tailEnd type="triangle"/>
+          </a:ln>
+        </p:spPr>
+        <p:style>
+          <a:lnRef idx="1">
+            <a:schemeClr val="accent1"/>
+          </a:lnRef>
+          <a:fillRef idx="0">
+            <a:schemeClr val="accent1"/>
+          </a:fillRef>
+          <a:effectRef idx="0">
+            <a:schemeClr val="accent1"/>
+          </a:effectRef>
+          <a:fontRef idx="minor">
+            <a:schemeClr val="tx1"/>
+          </a:fontRef>
+        </p:style>
+      </p:cxnSp>
+      <p:cxnSp>
+        <p:nvCxnSpPr>
+          <p:cNvPr id="29" name="直線矢印コネクタ 28">
+            <a:extLst>
+              <a:ext uri="{FF2B5EF4-FFF2-40B4-BE49-F238E27FC236}">
+                <a16:creationId xmlns:a16="http://schemas.microsoft.com/office/drawing/2014/main" id="{6DAFCDD1-2056-4C9B-BEC9-CA6E5AE34B42}"/>
+              </a:ext>
+            </a:extLst>
+          </p:cNvPr>
+          <p:cNvCxnSpPr>
+            <a:cxnSpLocks/>
+          </p:cNvCxnSpPr>
+          <p:nvPr/>
+        </p:nvCxnSpPr>
+        <p:spPr>
+          <a:xfrm>
+            <a:off x="4440317" y="1828800"/>
+            <a:ext cx="0" cy="943244"/>
+          </a:xfrm>
+          <a:prstGeom prst="straightConnector1">
+            <a:avLst/>
+          </a:prstGeom>
+          <a:ln>
+            <a:tailEnd type="triangle"/>
+          </a:ln>
+        </p:spPr>
+        <p:style>
+          <a:lnRef idx="1">
+            <a:schemeClr val="accent1"/>
+          </a:lnRef>
+          <a:fillRef idx="0">
+            <a:schemeClr val="accent1"/>
+          </a:fillRef>
+          <a:effectRef idx="0">
+            <a:schemeClr val="accent1"/>
+          </a:effectRef>
+          <a:fontRef idx="minor">
+            <a:schemeClr val="tx1"/>
+          </a:fontRef>
+        </p:style>
+      </p:cxnSp>
+      <p:cxnSp>
+        <p:nvCxnSpPr>
+          <p:cNvPr id="32" name="直線矢印コネクタ 31">
+            <a:extLst>
+              <a:ext uri="{FF2B5EF4-FFF2-40B4-BE49-F238E27FC236}">
+                <a16:creationId xmlns:a16="http://schemas.microsoft.com/office/drawing/2014/main" id="{0C36F4FF-09F5-43BC-8024-7EE39893C409}"/>
+              </a:ext>
+            </a:extLst>
+          </p:cNvPr>
+          <p:cNvCxnSpPr>
+            <a:cxnSpLocks/>
+          </p:cNvCxnSpPr>
+          <p:nvPr/>
+        </p:nvCxnSpPr>
+        <p:spPr>
+          <a:xfrm flipH="1">
+            <a:off x="4458073" y="1828800"/>
+            <a:ext cx="4224109" cy="0"/>
+          </a:xfrm>
+          <a:prstGeom prst="straightConnector1">
+            <a:avLst/>
+          </a:prstGeom>
+          <a:ln>
+            <a:tailEnd type="none"/>
+          </a:ln>
+        </p:spPr>
+        <p:style>
+          <a:lnRef idx="1">
+            <a:schemeClr val="accent1"/>
+          </a:lnRef>
+          <a:fillRef idx="0">
+            <a:schemeClr val="accent1"/>
+          </a:fillRef>
+          <a:effectRef idx="0">
+            <a:schemeClr val="accent1"/>
+          </a:effectRef>
+          <a:fontRef idx="minor">
+            <a:schemeClr val="tx1"/>
+          </a:fontRef>
+        </p:style>
+      </p:cxnSp>
+      <p:cxnSp>
+        <p:nvCxnSpPr>
+          <p:cNvPr id="36" name="直線矢印コネクタ 35">
+            <a:extLst>
+              <a:ext uri="{FF2B5EF4-FFF2-40B4-BE49-F238E27FC236}">
+                <a16:creationId xmlns:a16="http://schemas.microsoft.com/office/drawing/2014/main" id="{F601F928-485D-47B7-9C58-0326EAF28F27}"/>
+              </a:ext>
+            </a:extLst>
+          </p:cNvPr>
+          <p:cNvCxnSpPr>
+            <a:cxnSpLocks/>
+          </p:cNvCxnSpPr>
+          <p:nvPr/>
+        </p:nvCxnSpPr>
+        <p:spPr>
+          <a:xfrm flipH="1">
+            <a:off x="8682183" y="1828800"/>
+            <a:ext cx="1" cy="943244"/>
+          </a:xfrm>
+          <a:prstGeom prst="straightConnector1">
+            <a:avLst/>
+          </a:prstGeom>
+          <a:ln>
+            <a:tailEnd type="none"/>
+          </a:ln>
+        </p:spPr>
+        <p:style>
+          <a:lnRef idx="1">
+            <a:schemeClr val="accent1"/>
+          </a:lnRef>
+          <a:fillRef idx="0">
+            <a:schemeClr val="accent1"/>
+          </a:fillRef>
+          <a:effectRef idx="0">
+            <a:schemeClr val="accent1"/>
+          </a:effectRef>
+          <a:fontRef idx="minor">
+            <a:schemeClr val="tx1"/>
+          </a:fontRef>
+        </p:style>
+      </p:cxnSp>
+    </p:spTree>
+    <p:extLst>
+      <p:ext uri="{BB962C8B-B14F-4D97-AF65-F5344CB8AC3E}">
+        <p14:creationId xmlns:p14="http://schemas.microsoft.com/office/powerpoint/2010/main" val="3150613370"/>
+      </p:ext>
+    </p:extLst>
+  </p:cSld>
+  <p:clrMapOvr>
+    <a:masterClrMapping/>
+  </p:clrMapOvr>
+</p:sld>
+</file>
+
 <file path=ppt/theme/theme1.xml><?xml version="1.0" encoding="utf-8"?>
 <a:theme xmlns:a="http://schemas.openxmlformats.org/drawingml/2006/main" name="Office テーマ">
   <a:themeElements>

--- a/SLAM_Theoretical_Formulas.pptx
+++ b/SLAM_Theoretical_Formulas.pptx
@@ -7,6 +7,8 @@
   <p:sldIdLst>
     <p:sldId id="256" r:id="rId2"/>
     <p:sldId id="257" r:id="rId3"/>
+    <p:sldId id="258" r:id="rId4"/>
+    <p:sldId id="259" r:id="rId5"/>
   </p:sldIdLst>
   <p:sldSz cx="12192000" cy="6858000"/>
   <p:notesSz cx="6858000" cy="9144000"/>
@@ -260,7 +262,7 @@
           <a:p>
             <a:fld id="{9DDD97A9-1B44-463F-8EAF-3A848A7F5CA1}" type="datetimeFigureOut">
               <a:rPr kumimoji="1" lang="ja-JP" altLang="en-US" smtClean="0"/>
-              <a:t>2020/7/12</a:t>
+              <a:t>2020/7/18</a:t>
             </a:fld>
             <a:endParaRPr kumimoji="1" lang="ja-JP" altLang="en-US"/>
           </a:p>
@@ -490,7 +492,7 @@
           <a:p>
             <a:fld id="{9DDD97A9-1B44-463F-8EAF-3A848A7F5CA1}" type="datetimeFigureOut">
               <a:rPr kumimoji="1" lang="ja-JP" altLang="en-US" smtClean="0"/>
-              <a:t>2020/7/12</a:t>
+              <a:t>2020/7/18</a:t>
             </a:fld>
             <a:endParaRPr kumimoji="1" lang="ja-JP" altLang="en-US"/>
           </a:p>
@@ -730,7 +732,7 @@
           <a:p>
             <a:fld id="{9DDD97A9-1B44-463F-8EAF-3A848A7F5CA1}" type="datetimeFigureOut">
               <a:rPr kumimoji="1" lang="ja-JP" altLang="en-US" smtClean="0"/>
-              <a:t>2020/7/12</a:t>
+              <a:t>2020/7/18</a:t>
             </a:fld>
             <a:endParaRPr kumimoji="1" lang="ja-JP" altLang="en-US"/>
           </a:p>
@@ -960,7 +962,7 @@
           <a:p>
             <a:fld id="{9DDD97A9-1B44-463F-8EAF-3A848A7F5CA1}" type="datetimeFigureOut">
               <a:rPr kumimoji="1" lang="ja-JP" altLang="en-US" smtClean="0"/>
-              <a:t>2020/7/12</a:t>
+              <a:t>2020/7/18</a:t>
             </a:fld>
             <a:endParaRPr kumimoji="1" lang="ja-JP" altLang="en-US"/>
           </a:p>
@@ -1235,7 +1237,7 @@
           <a:p>
             <a:fld id="{9DDD97A9-1B44-463F-8EAF-3A848A7F5CA1}" type="datetimeFigureOut">
               <a:rPr kumimoji="1" lang="ja-JP" altLang="en-US" smtClean="0"/>
-              <a:t>2020/7/12</a:t>
+              <a:t>2020/7/18</a:t>
             </a:fld>
             <a:endParaRPr kumimoji="1" lang="ja-JP" altLang="en-US"/>
           </a:p>
@@ -1564,7 +1566,7 @@
           <a:p>
             <a:fld id="{9DDD97A9-1B44-463F-8EAF-3A848A7F5CA1}" type="datetimeFigureOut">
               <a:rPr kumimoji="1" lang="ja-JP" altLang="en-US" smtClean="0"/>
-              <a:t>2020/7/12</a:t>
+              <a:t>2020/7/18</a:t>
             </a:fld>
             <a:endParaRPr kumimoji="1" lang="ja-JP" altLang="en-US"/>
           </a:p>
@@ -2040,7 +2042,7 @@
           <a:p>
             <a:fld id="{9DDD97A9-1B44-463F-8EAF-3A848A7F5CA1}" type="datetimeFigureOut">
               <a:rPr kumimoji="1" lang="ja-JP" altLang="en-US" smtClean="0"/>
-              <a:t>2020/7/12</a:t>
+              <a:t>2020/7/18</a:t>
             </a:fld>
             <a:endParaRPr kumimoji="1" lang="ja-JP" altLang="en-US"/>
           </a:p>
@@ -2181,7 +2183,7 @@
           <a:p>
             <a:fld id="{9DDD97A9-1B44-463F-8EAF-3A848A7F5CA1}" type="datetimeFigureOut">
               <a:rPr kumimoji="1" lang="ja-JP" altLang="en-US" smtClean="0"/>
-              <a:t>2020/7/12</a:t>
+              <a:t>2020/7/18</a:t>
             </a:fld>
             <a:endParaRPr kumimoji="1" lang="ja-JP" altLang="en-US"/>
           </a:p>
@@ -2294,7 +2296,7 @@
           <a:p>
             <a:fld id="{9DDD97A9-1B44-463F-8EAF-3A848A7F5CA1}" type="datetimeFigureOut">
               <a:rPr kumimoji="1" lang="ja-JP" altLang="en-US" smtClean="0"/>
-              <a:t>2020/7/12</a:t>
+              <a:t>2020/7/18</a:t>
             </a:fld>
             <a:endParaRPr kumimoji="1" lang="ja-JP" altLang="en-US"/>
           </a:p>
@@ -2637,7 +2639,7 @@
           <a:p>
             <a:fld id="{9DDD97A9-1B44-463F-8EAF-3A848A7F5CA1}" type="datetimeFigureOut">
               <a:rPr kumimoji="1" lang="ja-JP" altLang="en-US" smtClean="0"/>
-              <a:t>2020/7/12</a:t>
+              <a:t>2020/7/18</a:t>
             </a:fld>
             <a:endParaRPr kumimoji="1" lang="ja-JP" altLang="en-US"/>
           </a:p>
@@ -2925,7 +2927,7 @@
           <a:p>
             <a:fld id="{9DDD97A9-1B44-463F-8EAF-3A848A7F5CA1}" type="datetimeFigureOut">
               <a:rPr kumimoji="1" lang="ja-JP" altLang="en-US" smtClean="0"/>
-              <a:t>2020/7/12</a:t>
+              <a:t>2020/7/18</a:t>
             </a:fld>
             <a:endParaRPr kumimoji="1" lang="ja-JP" altLang="en-US"/>
           </a:p>
@@ -3198,7 +3200,7 @@
           <a:p>
             <a:fld id="{9DDD97A9-1B44-463F-8EAF-3A848A7F5CA1}" type="datetimeFigureOut">
               <a:rPr kumimoji="1" lang="ja-JP" altLang="en-US" smtClean="0"/>
-              <a:t>2020/7/12</a:t>
+              <a:t>2020/7/18</a:t>
             </a:fld>
             <a:endParaRPr kumimoji="1" lang="ja-JP" altLang="en-US"/>
           </a:p>
@@ -11049,6 +11051,5108 @@
 </p:sld>
 </file>
 
+<file path=ppt/slides/slide3.xml><?xml version="1.0" encoding="utf-8"?>
+<p:sld xmlns:a="http://schemas.openxmlformats.org/drawingml/2006/main" xmlns:r="http://schemas.openxmlformats.org/officeDocument/2006/relationships" xmlns:p="http://schemas.openxmlformats.org/presentationml/2006/main">
+  <p:cSld>
+    <p:spTree>
+      <p:nvGrpSpPr>
+        <p:cNvPr id="1" name=""/>
+        <p:cNvGrpSpPr/>
+        <p:nvPr/>
+      </p:nvGrpSpPr>
+      <p:grpSpPr>
+        <a:xfrm>
+          <a:off x="0" y="0"/>
+          <a:ext cx="0" cy="0"/>
+          <a:chOff x="0" y="0"/>
+          <a:chExt cx="0" cy="0"/>
+        </a:xfrm>
+      </p:grpSpPr>
+      <p:grpSp>
+        <p:nvGrpSpPr>
+          <p:cNvPr id="2" name="グループ化 1">
+            <a:extLst>
+              <a:ext uri="{FF2B5EF4-FFF2-40B4-BE49-F238E27FC236}">
+                <a16:creationId xmlns:a16="http://schemas.microsoft.com/office/drawing/2014/main" id="{A10336A9-E8A1-4DED-B813-D5D46E8317E0}"/>
+              </a:ext>
+            </a:extLst>
+          </p:cNvPr>
+          <p:cNvGrpSpPr/>
+          <p:nvPr/>
+        </p:nvGrpSpPr>
+        <p:grpSpPr>
+          <a:xfrm>
+            <a:off x="1007634" y="5260609"/>
+            <a:ext cx="932430" cy="953490"/>
+            <a:chOff x="2940037" y="1782869"/>
+            <a:chExt cx="932430" cy="953490"/>
+          </a:xfrm>
+        </p:grpSpPr>
+        <p:cxnSp>
+          <p:nvCxnSpPr>
+            <p:cNvPr id="3" name="直線矢印コネクタ 2">
+              <a:extLst>
+                <a:ext uri="{FF2B5EF4-FFF2-40B4-BE49-F238E27FC236}">
+                  <a16:creationId xmlns:a16="http://schemas.microsoft.com/office/drawing/2014/main" id="{26DB7504-6CB7-41D5-B864-52E2B3DD1B57}"/>
+                </a:ext>
+              </a:extLst>
+            </p:cNvPr>
+            <p:cNvCxnSpPr>
+              <a:cxnSpLocks/>
+            </p:cNvCxnSpPr>
+            <p:nvPr/>
+          </p:nvCxnSpPr>
+          <p:spPr>
+            <a:xfrm>
+              <a:off x="3182747" y="2485748"/>
+              <a:ext cx="689720" cy="0"/>
+            </a:xfrm>
+            <a:prstGeom prst="straightConnector1">
+              <a:avLst/>
+            </a:prstGeom>
+            <a:ln w="12700">
+              <a:solidFill>
+                <a:schemeClr val="tx1"/>
+              </a:solidFill>
+              <a:tailEnd type="triangle"/>
+            </a:ln>
+          </p:spPr>
+          <p:style>
+            <a:lnRef idx="1">
+              <a:schemeClr val="accent1"/>
+            </a:lnRef>
+            <a:fillRef idx="0">
+              <a:schemeClr val="accent1"/>
+            </a:fillRef>
+            <a:effectRef idx="0">
+              <a:schemeClr val="accent1"/>
+            </a:effectRef>
+            <a:fontRef idx="minor">
+              <a:schemeClr val="tx1"/>
+            </a:fontRef>
+          </p:style>
+        </p:cxnSp>
+        <p:cxnSp>
+          <p:nvCxnSpPr>
+            <p:cNvPr id="4" name="直線矢印コネクタ 3">
+              <a:extLst>
+                <a:ext uri="{FF2B5EF4-FFF2-40B4-BE49-F238E27FC236}">
+                  <a16:creationId xmlns:a16="http://schemas.microsoft.com/office/drawing/2014/main" id="{1F422EE4-1E3D-481A-9619-C81FB7F74858}"/>
+                </a:ext>
+              </a:extLst>
+            </p:cNvPr>
+            <p:cNvCxnSpPr>
+              <a:cxnSpLocks/>
+            </p:cNvCxnSpPr>
+            <p:nvPr/>
+          </p:nvCxnSpPr>
+          <p:spPr>
+            <a:xfrm flipV="1">
+              <a:off x="3193103" y="1782869"/>
+              <a:ext cx="0" cy="713237"/>
+            </a:xfrm>
+            <a:prstGeom prst="straightConnector1">
+              <a:avLst/>
+            </a:prstGeom>
+            <a:ln w="12700">
+              <a:solidFill>
+                <a:schemeClr val="tx1"/>
+              </a:solidFill>
+              <a:tailEnd type="triangle"/>
+            </a:ln>
+          </p:spPr>
+          <p:style>
+            <a:lnRef idx="1">
+              <a:schemeClr val="accent1"/>
+            </a:lnRef>
+            <a:fillRef idx="0">
+              <a:schemeClr val="accent1"/>
+            </a:fillRef>
+            <a:effectRef idx="0">
+              <a:schemeClr val="accent1"/>
+            </a:effectRef>
+            <a:fontRef idx="minor">
+              <a:schemeClr val="tx1"/>
+            </a:fontRef>
+          </p:style>
+        </p:cxnSp>
+        <mc:AlternateContent xmlns:mc="http://schemas.openxmlformats.org/markup-compatibility/2006" xmlns:a14="http://schemas.microsoft.com/office/drawing/2010/main">
+          <mc:Choice Requires="a14">
+            <p:sp>
+              <p:nvSpPr>
+                <p:cNvPr id="5" name="テキスト ボックス 4">
+                  <a:extLst>
+                    <a:ext uri="{FF2B5EF4-FFF2-40B4-BE49-F238E27FC236}">
+                      <a16:creationId xmlns:a16="http://schemas.microsoft.com/office/drawing/2014/main" id="{B4787408-B719-4B11-BC74-6D032262917A}"/>
+                    </a:ext>
+                  </a:extLst>
+                </p:cNvPr>
+                <p:cNvSpPr txBox="1"/>
+                <p:nvPr/>
+              </p:nvSpPr>
+              <p:spPr>
+                <a:xfrm>
+                  <a:off x="2940037" y="2367027"/>
+                  <a:ext cx="378885" cy="369332"/>
+                </a:xfrm>
+                <a:prstGeom prst="rect">
+                  <a:avLst/>
+                </a:prstGeom>
+                <a:noFill/>
+              </p:spPr>
+              <p:txBody>
+                <a:bodyPr wrap="none" rtlCol="0">
+                  <a:spAutoFit/>
+                </a:bodyPr>
+                <a:lstStyle/>
+                <a:p>
+                  <a:pPr algn="ctr"/>
+                  <a14:m>
+                    <m:oMathPara xmlns:m="http://schemas.openxmlformats.org/officeDocument/2006/math">
+                      <m:oMathParaPr>
+                        <m:jc m:val="centerGroup"/>
+                      </m:oMathParaPr>
+                      <m:oMath xmlns:m="http://schemas.openxmlformats.org/officeDocument/2006/math">
+                        <m:r>
+                          <a:rPr kumimoji="1" lang="en-US" altLang="ja-JP" b="0" i="1" smtClean="0">
+                            <a:latin typeface="Cambria Math" panose="02040503050406030204" pitchFamily="18" charset="0"/>
+                          </a:rPr>
+                          <m:t>𝑜</m:t>
+                        </m:r>
+                      </m:oMath>
+                    </m:oMathPara>
+                  </a14:m>
+                  <a:endParaRPr kumimoji="1" lang="ja-JP" altLang="en-US" dirty="0"/>
+                </a:p>
+              </p:txBody>
+            </p:sp>
+          </mc:Choice>
+          <mc:Fallback xmlns="">
+            <p:sp>
+              <p:nvSpPr>
+                <p:cNvPr id="84" name="テキスト ボックス 83">
+                  <a:extLst>
+                    <a:ext uri="{FF2B5EF4-FFF2-40B4-BE49-F238E27FC236}">
+                      <a16:creationId xmlns:a16="http://schemas.microsoft.com/office/drawing/2014/main" id="{EDA6EA95-C305-45E0-A76A-8A1C4AB6AB14}"/>
+                    </a:ext>
+                  </a:extLst>
+                </p:cNvPr>
+                <p:cNvSpPr txBox="1">
+                  <a:spLocks noRot="1" noChangeAspect="1" noMove="1" noResize="1" noEditPoints="1" noAdjustHandles="1" noChangeArrowheads="1" noChangeShapeType="1" noTextEdit="1"/>
+                </p:cNvSpPr>
+                <p:nvPr/>
+              </p:nvSpPr>
+              <p:spPr>
+                <a:xfrm>
+                  <a:off x="2940037" y="2367027"/>
+                  <a:ext cx="378885" cy="369332"/>
+                </a:xfrm>
+                <a:prstGeom prst="rect">
+                  <a:avLst/>
+                </a:prstGeom>
+                <a:blipFill>
+                  <a:blip r:embed="rId2"/>
+                  <a:stretch>
+                    <a:fillRect/>
+                  </a:stretch>
+                </a:blipFill>
+              </p:spPr>
+              <p:txBody>
+                <a:bodyPr/>
+                <a:lstStyle/>
+                <a:p>
+                  <a:r>
+                    <a:rPr lang="ja-JP" altLang="en-US">
+                      <a:noFill/>
+                    </a:rPr>
+                    <a:t> </a:t>
+                  </a:r>
+                </a:p>
+              </p:txBody>
+            </p:sp>
+          </mc:Fallback>
+        </mc:AlternateContent>
+      </p:grpSp>
+      <p:cxnSp>
+        <p:nvCxnSpPr>
+          <p:cNvPr id="6" name="直線矢印コネクタ 5">
+            <a:extLst>
+              <a:ext uri="{FF2B5EF4-FFF2-40B4-BE49-F238E27FC236}">
+                <a16:creationId xmlns:a16="http://schemas.microsoft.com/office/drawing/2014/main" id="{0D183EC9-E8BE-4553-B9E0-F38F556A7E76}"/>
+              </a:ext>
+            </a:extLst>
+          </p:cNvPr>
+          <p:cNvCxnSpPr>
+            <a:cxnSpLocks/>
+          </p:cNvCxnSpPr>
+          <p:nvPr/>
+        </p:nvCxnSpPr>
+        <p:spPr>
+          <a:xfrm flipV="1">
+            <a:off x="1271057" y="437659"/>
+            <a:ext cx="1957335" cy="5536187"/>
+          </a:xfrm>
+          <a:prstGeom prst="straightConnector1">
+            <a:avLst/>
+          </a:prstGeom>
+          <a:ln>
+            <a:tailEnd type="triangle"/>
+          </a:ln>
+        </p:spPr>
+        <p:style>
+          <a:lnRef idx="1">
+            <a:schemeClr val="accent1"/>
+          </a:lnRef>
+          <a:fillRef idx="0">
+            <a:schemeClr val="accent1"/>
+          </a:fillRef>
+          <a:effectRef idx="0">
+            <a:schemeClr val="accent1"/>
+          </a:effectRef>
+          <a:fontRef idx="minor">
+            <a:schemeClr val="tx1"/>
+          </a:fontRef>
+        </p:style>
+      </p:cxnSp>
+      <p:sp>
+        <p:nvSpPr>
+          <p:cNvPr id="11" name="テキスト ボックス 10">
+            <a:extLst>
+              <a:ext uri="{FF2B5EF4-FFF2-40B4-BE49-F238E27FC236}">
+                <a16:creationId xmlns:a16="http://schemas.microsoft.com/office/drawing/2014/main" id="{D750EC35-04D2-4BBB-9629-986AE5359BE4}"/>
+              </a:ext>
+            </a:extLst>
+          </p:cNvPr>
+          <p:cNvSpPr txBox="1"/>
+          <p:nvPr/>
+        </p:nvSpPr>
+        <p:spPr>
+          <a:xfrm>
+            <a:off x="646575" y="6148154"/>
+            <a:ext cx="1479892" cy="369332"/>
+          </a:xfrm>
+          <a:prstGeom prst="rect">
+            <a:avLst/>
+          </a:prstGeom>
+          <a:noFill/>
+        </p:spPr>
+        <p:txBody>
+          <a:bodyPr wrap="none" rtlCol="0">
+            <a:spAutoFit/>
+          </a:bodyPr>
+          <a:lstStyle/>
+          <a:p>
+            <a:pPr algn="ctr"/>
+            <a:r>
+              <a:rPr kumimoji="1" lang="en-US" altLang="ja-JP" dirty="0"/>
+              <a:t>Laser Origin</a:t>
+            </a:r>
+            <a:endParaRPr kumimoji="1" lang="ja-JP" altLang="en-US" dirty="0"/>
+          </a:p>
+        </p:txBody>
+      </p:sp>
+      <p:cxnSp>
+        <p:nvCxnSpPr>
+          <p:cNvPr id="12" name="直線矢印コネクタ 11">
+            <a:extLst>
+              <a:ext uri="{FF2B5EF4-FFF2-40B4-BE49-F238E27FC236}">
+                <a16:creationId xmlns:a16="http://schemas.microsoft.com/office/drawing/2014/main" id="{DF1A8ABE-38B5-4BE2-9D21-8056C05CEE19}"/>
+              </a:ext>
+            </a:extLst>
+          </p:cNvPr>
+          <p:cNvCxnSpPr>
+            <a:cxnSpLocks/>
+          </p:cNvCxnSpPr>
+          <p:nvPr/>
+        </p:nvCxnSpPr>
+        <p:spPr>
+          <a:xfrm flipH="1">
+            <a:off x="2395740" y="437659"/>
+            <a:ext cx="4238325" cy="0"/>
+          </a:xfrm>
+          <a:prstGeom prst="straightConnector1">
+            <a:avLst/>
+          </a:prstGeom>
+          <a:ln w="28575">
+            <a:solidFill>
+              <a:schemeClr val="tx1"/>
+            </a:solidFill>
+            <a:tailEnd type="none"/>
+          </a:ln>
+        </p:spPr>
+        <p:style>
+          <a:lnRef idx="1">
+            <a:schemeClr val="accent1"/>
+          </a:lnRef>
+          <a:fillRef idx="0">
+            <a:schemeClr val="accent1"/>
+          </a:fillRef>
+          <a:effectRef idx="0">
+            <a:schemeClr val="accent1"/>
+          </a:effectRef>
+          <a:fontRef idx="minor">
+            <a:schemeClr val="tx1"/>
+          </a:fontRef>
+        </p:style>
+      </p:cxnSp>
+      <p:cxnSp>
+        <p:nvCxnSpPr>
+          <p:cNvPr id="15" name="直線矢印コネクタ 14">
+            <a:extLst>
+              <a:ext uri="{FF2B5EF4-FFF2-40B4-BE49-F238E27FC236}">
+                <a16:creationId xmlns:a16="http://schemas.microsoft.com/office/drawing/2014/main" id="{43814652-2E99-4E52-B1B1-87FDED1D1954}"/>
+              </a:ext>
+            </a:extLst>
+          </p:cNvPr>
+          <p:cNvCxnSpPr>
+            <a:cxnSpLocks/>
+          </p:cNvCxnSpPr>
+          <p:nvPr/>
+        </p:nvCxnSpPr>
+        <p:spPr>
+          <a:xfrm flipH="1">
+            <a:off x="6634066" y="437659"/>
+            <a:ext cx="1" cy="4292961"/>
+          </a:xfrm>
+          <a:prstGeom prst="straightConnector1">
+            <a:avLst/>
+          </a:prstGeom>
+          <a:ln w="28575">
+            <a:solidFill>
+              <a:schemeClr val="tx1"/>
+            </a:solidFill>
+            <a:tailEnd type="none"/>
+          </a:ln>
+        </p:spPr>
+        <p:style>
+          <a:lnRef idx="1">
+            <a:schemeClr val="accent1"/>
+          </a:lnRef>
+          <a:fillRef idx="0">
+            <a:schemeClr val="accent1"/>
+          </a:fillRef>
+          <a:effectRef idx="0">
+            <a:schemeClr val="accent1"/>
+          </a:effectRef>
+          <a:fontRef idx="minor">
+            <a:schemeClr val="tx1"/>
+          </a:fontRef>
+        </p:style>
+      </p:cxnSp>
+      <p:cxnSp>
+        <p:nvCxnSpPr>
+          <p:cNvPr id="19" name="直線矢印コネクタ 18">
+            <a:extLst>
+              <a:ext uri="{FF2B5EF4-FFF2-40B4-BE49-F238E27FC236}">
+                <a16:creationId xmlns:a16="http://schemas.microsoft.com/office/drawing/2014/main" id="{CC7B068C-B5D0-4992-920D-28A40202DB2F}"/>
+              </a:ext>
+            </a:extLst>
+          </p:cNvPr>
+          <p:cNvCxnSpPr>
+            <a:cxnSpLocks/>
+          </p:cNvCxnSpPr>
+          <p:nvPr/>
+        </p:nvCxnSpPr>
+        <p:spPr>
+          <a:xfrm flipV="1">
+            <a:off x="1271057" y="437658"/>
+            <a:ext cx="2433196" cy="5525830"/>
+          </a:xfrm>
+          <a:prstGeom prst="straightConnector1">
+            <a:avLst/>
+          </a:prstGeom>
+          <a:ln>
+            <a:tailEnd type="triangle"/>
+          </a:ln>
+        </p:spPr>
+        <p:style>
+          <a:lnRef idx="1">
+            <a:schemeClr val="accent1"/>
+          </a:lnRef>
+          <a:fillRef idx="0">
+            <a:schemeClr val="accent1"/>
+          </a:fillRef>
+          <a:effectRef idx="0">
+            <a:schemeClr val="accent1"/>
+          </a:effectRef>
+          <a:fontRef idx="minor">
+            <a:schemeClr val="tx1"/>
+          </a:fontRef>
+        </p:style>
+      </p:cxnSp>
+      <p:cxnSp>
+        <p:nvCxnSpPr>
+          <p:cNvPr id="22" name="直線矢印コネクタ 21">
+            <a:extLst>
+              <a:ext uri="{FF2B5EF4-FFF2-40B4-BE49-F238E27FC236}">
+                <a16:creationId xmlns:a16="http://schemas.microsoft.com/office/drawing/2014/main" id="{117CB6C1-54EE-4525-AF1E-A1412B4F9215}"/>
+              </a:ext>
+            </a:extLst>
+          </p:cNvPr>
+          <p:cNvCxnSpPr>
+            <a:cxnSpLocks/>
+          </p:cNvCxnSpPr>
+          <p:nvPr/>
+        </p:nvCxnSpPr>
+        <p:spPr>
+          <a:xfrm flipV="1">
+            <a:off x="1260700" y="427300"/>
+            <a:ext cx="2929814" cy="5546546"/>
+          </a:xfrm>
+          <a:prstGeom prst="straightConnector1">
+            <a:avLst/>
+          </a:prstGeom>
+          <a:ln>
+            <a:tailEnd type="triangle"/>
+          </a:ln>
+        </p:spPr>
+        <p:style>
+          <a:lnRef idx="1">
+            <a:schemeClr val="accent1"/>
+          </a:lnRef>
+          <a:fillRef idx="0">
+            <a:schemeClr val="accent1"/>
+          </a:fillRef>
+          <a:effectRef idx="0">
+            <a:schemeClr val="accent1"/>
+          </a:effectRef>
+          <a:fontRef idx="minor">
+            <a:schemeClr val="tx1"/>
+          </a:fontRef>
+        </p:style>
+      </p:cxnSp>
+      <p:cxnSp>
+        <p:nvCxnSpPr>
+          <p:cNvPr id="25" name="直線矢印コネクタ 24">
+            <a:extLst>
+              <a:ext uri="{FF2B5EF4-FFF2-40B4-BE49-F238E27FC236}">
+                <a16:creationId xmlns:a16="http://schemas.microsoft.com/office/drawing/2014/main" id="{2CAA2DEE-9896-4B3A-BAFE-53C2CBCC4997}"/>
+              </a:ext>
+            </a:extLst>
+          </p:cNvPr>
+          <p:cNvCxnSpPr>
+            <a:cxnSpLocks/>
+          </p:cNvCxnSpPr>
+          <p:nvPr/>
+        </p:nvCxnSpPr>
+        <p:spPr>
+          <a:xfrm flipV="1">
+            <a:off x="1260699" y="433781"/>
+            <a:ext cx="3423268" cy="5550425"/>
+          </a:xfrm>
+          <a:prstGeom prst="straightConnector1">
+            <a:avLst/>
+          </a:prstGeom>
+          <a:ln>
+            <a:tailEnd type="triangle"/>
+          </a:ln>
+        </p:spPr>
+        <p:style>
+          <a:lnRef idx="1">
+            <a:schemeClr val="accent1"/>
+          </a:lnRef>
+          <a:fillRef idx="0">
+            <a:schemeClr val="accent1"/>
+          </a:fillRef>
+          <a:effectRef idx="0">
+            <a:schemeClr val="accent1"/>
+          </a:effectRef>
+          <a:fontRef idx="minor">
+            <a:schemeClr val="tx1"/>
+          </a:fontRef>
+        </p:style>
+      </p:cxnSp>
+      <p:cxnSp>
+        <p:nvCxnSpPr>
+          <p:cNvPr id="28" name="直線矢印コネクタ 27">
+            <a:extLst>
+              <a:ext uri="{FF2B5EF4-FFF2-40B4-BE49-F238E27FC236}">
+                <a16:creationId xmlns:a16="http://schemas.microsoft.com/office/drawing/2014/main" id="{1CD877FA-82E0-47B4-B4D8-826E56A63287}"/>
+              </a:ext>
+            </a:extLst>
+          </p:cNvPr>
+          <p:cNvCxnSpPr>
+            <a:cxnSpLocks/>
+          </p:cNvCxnSpPr>
+          <p:nvPr/>
+        </p:nvCxnSpPr>
+        <p:spPr>
+          <a:xfrm flipV="1">
+            <a:off x="1239988" y="441538"/>
+            <a:ext cx="3966494" cy="5538790"/>
+          </a:xfrm>
+          <a:prstGeom prst="straightConnector1">
+            <a:avLst/>
+          </a:prstGeom>
+          <a:ln>
+            <a:tailEnd type="triangle"/>
+          </a:ln>
+        </p:spPr>
+        <p:style>
+          <a:lnRef idx="1">
+            <a:schemeClr val="accent1"/>
+          </a:lnRef>
+          <a:fillRef idx="0">
+            <a:schemeClr val="accent1"/>
+          </a:fillRef>
+          <a:effectRef idx="0">
+            <a:schemeClr val="accent1"/>
+          </a:effectRef>
+          <a:fontRef idx="minor">
+            <a:schemeClr val="tx1"/>
+          </a:fontRef>
+        </p:style>
+      </p:cxnSp>
+      <p:cxnSp>
+        <p:nvCxnSpPr>
+          <p:cNvPr id="31" name="直線矢印コネクタ 30">
+            <a:extLst>
+              <a:ext uri="{FF2B5EF4-FFF2-40B4-BE49-F238E27FC236}">
+                <a16:creationId xmlns:a16="http://schemas.microsoft.com/office/drawing/2014/main" id="{F41482E2-5837-4436-9152-01241EFAE4A5}"/>
+              </a:ext>
+            </a:extLst>
+          </p:cNvPr>
+          <p:cNvCxnSpPr>
+            <a:cxnSpLocks/>
+          </p:cNvCxnSpPr>
+          <p:nvPr/>
+        </p:nvCxnSpPr>
+        <p:spPr>
+          <a:xfrm flipV="1">
+            <a:off x="1250343" y="444778"/>
+            <a:ext cx="4515975" cy="5545910"/>
+          </a:xfrm>
+          <a:prstGeom prst="straightConnector1">
+            <a:avLst/>
+          </a:prstGeom>
+          <a:ln>
+            <a:tailEnd type="triangle"/>
+          </a:ln>
+        </p:spPr>
+        <p:style>
+          <a:lnRef idx="1">
+            <a:schemeClr val="accent1"/>
+          </a:lnRef>
+          <a:fillRef idx="0">
+            <a:schemeClr val="accent1"/>
+          </a:fillRef>
+          <a:effectRef idx="0">
+            <a:schemeClr val="accent1"/>
+          </a:effectRef>
+          <a:fontRef idx="minor">
+            <a:schemeClr val="tx1"/>
+          </a:fontRef>
+        </p:style>
+      </p:cxnSp>
+      <p:cxnSp>
+        <p:nvCxnSpPr>
+          <p:cNvPr id="34" name="直線矢印コネクタ 33">
+            <a:extLst>
+              <a:ext uri="{FF2B5EF4-FFF2-40B4-BE49-F238E27FC236}">
+                <a16:creationId xmlns:a16="http://schemas.microsoft.com/office/drawing/2014/main" id="{8AC68EC3-C246-4907-BBF5-14A2DB47D425}"/>
+              </a:ext>
+            </a:extLst>
+          </p:cNvPr>
+          <p:cNvCxnSpPr>
+            <a:cxnSpLocks/>
+          </p:cNvCxnSpPr>
+          <p:nvPr/>
+        </p:nvCxnSpPr>
+        <p:spPr>
+          <a:xfrm flipV="1">
+            <a:off x="1260698" y="437657"/>
+            <a:ext cx="5164986" cy="5525831"/>
+          </a:xfrm>
+          <a:prstGeom prst="straightConnector1">
+            <a:avLst/>
+          </a:prstGeom>
+          <a:ln>
+            <a:tailEnd type="triangle"/>
+          </a:ln>
+        </p:spPr>
+        <p:style>
+          <a:lnRef idx="1">
+            <a:schemeClr val="accent1"/>
+          </a:lnRef>
+          <a:fillRef idx="0">
+            <a:schemeClr val="accent1"/>
+          </a:fillRef>
+          <a:effectRef idx="0">
+            <a:schemeClr val="accent1"/>
+          </a:effectRef>
+          <a:fontRef idx="minor">
+            <a:schemeClr val="tx1"/>
+          </a:fontRef>
+        </p:style>
+      </p:cxnSp>
+      <p:cxnSp>
+        <p:nvCxnSpPr>
+          <p:cNvPr id="37" name="直線矢印コネクタ 36">
+            <a:extLst>
+              <a:ext uri="{FF2B5EF4-FFF2-40B4-BE49-F238E27FC236}">
+                <a16:creationId xmlns:a16="http://schemas.microsoft.com/office/drawing/2014/main" id="{E2C79883-D6FD-4825-AC44-AC96200F6519}"/>
+              </a:ext>
+            </a:extLst>
+          </p:cNvPr>
+          <p:cNvCxnSpPr>
+            <a:cxnSpLocks/>
+          </p:cNvCxnSpPr>
+          <p:nvPr/>
+        </p:nvCxnSpPr>
+        <p:spPr>
+          <a:xfrm flipV="1">
+            <a:off x="1260697" y="894511"/>
+            <a:ext cx="5373368" cy="5068978"/>
+          </a:xfrm>
+          <a:prstGeom prst="straightConnector1">
+            <a:avLst/>
+          </a:prstGeom>
+          <a:ln>
+            <a:tailEnd type="triangle"/>
+          </a:ln>
+        </p:spPr>
+        <p:style>
+          <a:lnRef idx="1">
+            <a:schemeClr val="accent1"/>
+          </a:lnRef>
+          <a:fillRef idx="0">
+            <a:schemeClr val="accent1"/>
+          </a:fillRef>
+          <a:effectRef idx="0">
+            <a:schemeClr val="accent1"/>
+          </a:effectRef>
+          <a:fontRef idx="minor">
+            <a:schemeClr val="tx1"/>
+          </a:fontRef>
+        </p:style>
+      </p:cxnSp>
+      <p:cxnSp>
+        <p:nvCxnSpPr>
+          <p:cNvPr id="41" name="直線矢印コネクタ 40">
+            <a:extLst>
+              <a:ext uri="{FF2B5EF4-FFF2-40B4-BE49-F238E27FC236}">
+                <a16:creationId xmlns:a16="http://schemas.microsoft.com/office/drawing/2014/main" id="{11C8DA6D-4AD2-4297-BEA0-606A89E1AAB0}"/>
+              </a:ext>
+            </a:extLst>
+          </p:cNvPr>
+          <p:cNvCxnSpPr>
+            <a:cxnSpLocks/>
+          </p:cNvCxnSpPr>
+          <p:nvPr/>
+        </p:nvCxnSpPr>
+        <p:spPr>
+          <a:xfrm flipV="1">
+            <a:off x="1260696" y="1492898"/>
+            <a:ext cx="5373369" cy="4477709"/>
+          </a:xfrm>
+          <a:prstGeom prst="straightConnector1">
+            <a:avLst/>
+          </a:prstGeom>
+          <a:ln>
+            <a:tailEnd type="triangle"/>
+          </a:ln>
+        </p:spPr>
+        <p:style>
+          <a:lnRef idx="1">
+            <a:schemeClr val="accent1"/>
+          </a:lnRef>
+          <a:fillRef idx="0">
+            <a:schemeClr val="accent1"/>
+          </a:fillRef>
+          <a:effectRef idx="0">
+            <a:schemeClr val="accent1"/>
+          </a:effectRef>
+          <a:fontRef idx="minor">
+            <a:schemeClr val="tx1"/>
+          </a:fontRef>
+        </p:style>
+      </p:cxnSp>
+      <p:cxnSp>
+        <p:nvCxnSpPr>
+          <p:cNvPr id="44" name="直線矢印コネクタ 43">
+            <a:extLst>
+              <a:ext uri="{FF2B5EF4-FFF2-40B4-BE49-F238E27FC236}">
+                <a16:creationId xmlns:a16="http://schemas.microsoft.com/office/drawing/2014/main" id="{03F3C734-1152-43F7-9510-2F1F9EF0C84C}"/>
+              </a:ext>
+            </a:extLst>
+          </p:cNvPr>
+          <p:cNvCxnSpPr>
+            <a:cxnSpLocks/>
+          </p:cNvCxnSpPr>
+          <p:nvPr/>
+        </p:nvCxnSpPr>
+        <p:spPr>
+          <a:xfrm flipV="1">
+            <a:off x="1271057" y="2034073"/>
+            <a:ext cx="5363008" cy="3929416"/>
+          </a:xfrm>
+          <a:prstGeom prst="straightConnector1">
+            <a:avLst/>
+          </a:prstGeom>
+          <a:ln>
+            <a:tailEnd type="triangle"/>
+          </a:ln>
+        </p:spPr>
+        <p:style>
+          <a:lnRef idx="1">
+            <a:schemeClr val="accent1"/>
+          </a:lnRef>
+          <a:fillRef idx="0">
+            <a:schemeClr val="accent1"/>
+          </a:fillRef>
+          <a:effectRef idx="0">
+            <a:schemeClr val="accent1"/>
+          </a:effectRef>
+          <a:fontRef idx="minor">
+            <a:schemeClr val="tx1"/>
+          </a:fontRef>
+        </p:style>
+      </p:cxnSp>
+      <p:cxnSp>
+        <p:nvCxnSpPr>
+          <p:cNvPr id="47" name="直線矢印コネクタ 46">
+            <a:extLst>
+              <a:ext uri="{FF2B5EF4-FFF2-40B4-BE49-F238E27FC236}">
+                <a16:creationId xmlns:a16="http://schemas.microsoft.com/office/drawing/2014/main" id="{C2313DB8-E84A-4283-BAD7-A7EE3897456F}"/>
+              </a:ext>
+            </a:extLst>
+          </p:cNvPr>
+          <p:cNvCxnSpPr>
+            <a:cxnSpLocks/>
+          </p:cNvCxnSpPr>
+          <p:nvPr/>
+        </p:nvCxnSpPr>
+        <p:spPr>
+          <a:xfrm flipV="1">
+            <a:off x="1260695" y="2509935"/>
+            <a:ext cx="5373370" cy="3453554"/>
+          </a:xfrm>
+          <a:prstGeom prst="straightConnector1">
+            <a:avLst/>
+          </a:prstGeom>
+          <a:ln>
+            <a:tailEnd type="triangle"/>
+          </a:ln>
+        </p:spPr>
+        <p:style>
+          <a:lnRef idx="1">
+            <a:schemeClr val="accent1"/>
+          </a:lnRef>
+          <a:fillRef idx="0">
+            <a:schemeClr val="accent1"/>
+          </a:fillRef>
+          <a:effectRef idx="0">
+            <a:schemeClr val="accent1"/>
+          </a:effectRef>
+          <a:fontRef idx="minor">
+            <a:schemeClr val="tx1"/>
+          </a:fontRef>
+        </p:style>
+      </p:cxnSp>
+      <p:cxnSp>
+        <p:nvCxnSpPr>
+          <p:cNvPr id="50" name="直線矢印コネクタ 49">
+            <a:extLst>
+              <a:ext uri="{FF2B5EF4-FFF2-40B4-BE49-F238E27FC236}">
+                <a16:creationId xmlns:a16="http://schemas.microsoft.com/office/drawing/2014/main" id="{773D06E6-0F12-4BCE-8ED0-B30D167ACEEE}"/>
+              </a:ext>
+            </a:extLst>
+          </p:cNvPr>
+          <p:cNvCxnSpPr>
+            <a:cxnSpLocks/>
+          </p:cNvCxnSpPr>
+          <p:nvPr/>
+        </p:nvCxnSpPr>
+        <p:spPr>
+          <a:xfrm flipV="1">
+            <a:off x="1260694" y="2967135"/>
+            <a:ext cx="5373371" cy="3003472"/>
+          </a:xfrm>
+          <a:prstGeom prst="straightConnector1">
+            <a:avLst/>
+          </a:prstGeom>
+          <a:ln>
+            <a:tailEnd type="triangle"/>
+          </a:ln>
+        </p:spPr>
+        <p:style>
+          <a:lnRef idx="1">
+            <a:schemeClr val="accent1"/>
+          </a:lnRef>
+          <a:fillRef idx="0">
+            <a:schemeClr val="accent1"/>
+          </a:fillRef>
+          <a:effectRef idx="0">
+            <a:schemeClr val="accent1"/>
+          </a:effectRef>
+          <a:fontRef idx="minor">
+            <a:schemeClr val="tx1"/>
+          </a:fontRef>
+        </p:style>
+      </p:cxnSp>
+      <p:cxnSp>
+        <p:nvCxnSpPr>
+          <p:cNvPr id="53" name="直線矢印コネクタ 52">
+            <a:extLst>
+              <a:ext uri="{FF2B5EF4-FFF2-40B4-BE49-F238E27FC236}">
+                <a16:creationId xmlns:a16="http://schemas.microsoft.com/office/drawing/2014/main" id="{8BB9CE2F-891C-4AF3-90B2-B9357F0AD525}"/>
+              </a:ext>
+            </a:extLst>
+          </p:cNvPr>
+          <p:cNvCxnSpPr>
+            <a:cxnSpLocks/>
+          </p:cNvCxnSpPr>
+          <p:nvPr/>
+        </p:nvCxnSpPr>
+        <p:spPr>
+          <a:xfrm flipV="1">
+            <a:off x="1271056" y="3387377"/>
+            <a:ext cx="5363009" cy="2576112"/>
+          </a:xfrm>
+          <a:prstGeom prst="straightConnector1">
+            <a:avLst/>
+          </a:prstGeom>
+          <a:ln>
+            <a:tailEnd type="triangle"/>
+          </a:ln>
+        </p:spPr>
+        <p:style>
+          <a:lnRef idx="1">
+            <a:schemeClr val="accent1"/>
+          </a:lnRef>
+          <a:fillRef idx="0">
+            <a:schemeClr val="accent1"/>
+          </a:fillRef>
+          <a:effectRef idx="0">
+            <a:schemeClr val="accent1"/>
+          </a:effectRef>
+          <a:fontRef idx="minor">
+            <a:schemeClr val="tx1"/>
+          </a:fontRef>
+        </p:style>
+      </p:cxnSp>
+      <p:cxnSp>
+        <p:nvCxnSpPr>
+          <p:cNvPr id="56" name="直線矢印コネクタ 55">
+            <a:extLst>
+              <a:ext uri="{FF2B5EF4-FFF2-40B4-BE49-F238E27FC236}">
+                <a16:creationId xmlns:a16="http://schemas.microsoft.com/office/drawing/2014/main" id="{62ECF448-EE21-4312-A8CE-17B925D29109}"/>
+              </a:ext>
+            </a:extLst>
+          </p:cNvPr>
+          <p:cNvCxnSpPr>
+            <a:cxnSpLocks/>
+          </p:cNvCxnSpPr>
+          <p:nvPr/>
+        </p:nvCxnSpPr>
+        <p:spPr>
+          <a:xfrm flipV="1">
+            <a:off x="1260693" y="3756675"/>
+            <a:ext cx="5383722" cy="2206814"/>
+          </a:xfrm>
+          <a:prstGeom prst="straightConnector1">
+            <a:avLst/>
+          </a:prstGeom>
+          <a:ln>
+            <a:tailEnd type="triangle"/>
+          </a:ln>
+        </p:spPr>
+        <p:style>
+          <a:lnRef idx="1">
+            <a:schemeClr val="accent1"/>
+          </a:lnRef>
+          <a:fillRef idx="0">
+            <a:schemeClr val="accent1"/>
+          </a:fillRef>
+          <a:effectRef idx="0">
+            <a:schemeClr val="accent1"/>
+          </a:effectRef>
+          <a:fontRef idx="minor">
+            <a:schemeClr val="tx1"/>
+          </a:fontRef>
+        </p:style>
+      </p:cxnSp>
+      <p:cxnSp>
+        <p:nvCxnSpPr>
+          <p:cNvPr id="59" name="直線矢印コネクタ 58">
+            <a:extLst>
+              <a:ext uri="{FF2B5EF4-FFF2-40B4-BE49-F238E27FC236}">
+                <a16:creationId xmlns:a16="http://schemas.microsoft.com/office/drawing/2014/main" id="{330FDA01-F388-4123-B4A9-21557E6F4919}"/>
+              </a:ext>
+            </a:extLst>
+          </p:cNvPr>
+          <p:cNvCxnSpPr>
+            <a:cxnSpLocks/>
+          </p:cNvCxnSpPr>
+          <p:nvPr/>
+        </p:nvCxnSpPr>
+        <p:spPr>
+          <a:xfrm flipV="1">
+            <a:off x="1271055" y="4152122"/>
+            <a:ext cx="5373360" cy="1811367"/>
+          </a:xfrm>
+          <a:prstGeom prst="straightConnector1">
+            <a:avLst/>
+          </a:prstGeom>
+          <a:ln>
+            <a:tailEnd type="triangle"/>
+          </a:ln>
+        </p:spPr>
+        <p:style>
+          <a:lnRef idx="1">
+            <a:schemeClr val="accent1"/>
+          </a:lnRef>
+          <a:fillRef idx="0">
+            <a:schemeClr val="accent1"/>
+          </a:fillRef>
+          <a:effectRef idx="0">
+            <a:schemeClr val="accent1"/>
+          </a:effectRef>
+          <a:fontRef idx="minor">
+            <a:schemeClr val="tx1"/>
+          </a:fontRef>
+        </p:style>
+      </p:cxnSp>
+      <p:sp>
+        <p:nvSpPr>
+          <p:cNvPr id="63" name="楕円 62">
+            <a:extLst>
+              <a:ext uri="{FF2B5EF4-FFF2-40B4-BE49-F238E27FC236}">
+                <a16:creationId xmlns:a16="http://schemas.microsoft.com/office/drawing/2014/main" id="{335D82B1-A583-4028-9386-B2D83D710C13}"/>
+              </a:ext>
+            </a:extLst>
+          </p:cNvPr>
+          <p:cNvSpPr/>
+          <p:nvPr/>
+        </p:nvSpPr>
+        <p:spPr>
+          <a:xfrm>
+            <a:off x="3160433" y="376818"/>
+            <a:ext cx="135920" cy="135920"/>
+          </a:xfrm>
+          <a:prstGeom prst="ellipse">
+            <a:avLst/>
+          </a:prstGeom>
+        </p:spPr>
+        <p:style>
+          <a:lnRef idx="2">
+            <a:schemeClr val="accent1">
+              <a:shade val="50000"/>
+            </a:schemeClr>
+          </a:lnRef>
+          <a:fillRef idx="1">
+            <a:schemeClr val="accent1"/>
+          </a:fillRef>
+          <a:effectRef idx="0">
+            <a:schemeClr val="accent1"/>
+          </a:effectRef>
+          <a:fontRef idx="minor">
+            <a:schemeClr val="lt1"/>
+          </a:fontRef>
+        </p:style>
+        <p:txBody>
+          <a:bodyPr rtlCol="0" anchor="ctr"/>
+          <a:lstStyle/>
+          <a:p>
+            <a:pPr algn="ctr"/>
+            <a:endParaRPr kumimoji="1" lang="ja-JP" altLang="en-US"/>
+          </a:p>
+        </p:txBody>
+      </p:sp>
+      <p:sp>
+        <p:nvSpPr>
+          <p:cNvPr id="64" name="楕円 63">
+            <a:extLst>
+              <a:ext uri="{FF2B5EF4-FFF2-40B4-BE49-F238E27FC236}">
+                <a16:creationId xmlns:a16="http://schemas.microsoft.com/office/drawing/2014/main" id="{4E03E004-20E7-4E41-8422-B8D6A88A89CE}"/>
+              </a:ext>
+            </a:extLst>
+          </p:cNvPr>
+          <p:cNvSpPr/>
+          <p:nvPr/>
+        </p:nvSpPr>
+        <p:spPr>
+          <a:xfrm>
+            <a:off x="3607513" y="384243"/>
+            <a:ext cx="135920" cy="135920"/>
+          </a:xfrm>
+          <a:prstGeom prst="ellipse">
+            <a:avLst/>
+          </a:prstGeom>
+        </p:spPr>
+        <p:style>
+          <a:lnRef idx="2">
+            <a:schemeClr val="accent1">
+              <a:shade val="50000"/>
+            </a:schemeClr>
+          </a:lnRef>
+          <a:fillRef idx="1">
+            <a:schemeClr val="accent1"/>
+          </a:fillRef>
+          <a:effectRef idx="0">
+            <a:schemeClr val="accent1"/>
+          </a:effectRef>
+          <a:fontRef idx="minor">
+            <a:schemeClr val="lt1"/>
+          </a:fontRef>
+        </p:style>
+        <p:txBody>
+          <a:bodyPr rtlCol="0" anchor="ctr"/>
+          <a:lstStyle/>
+          <a:p>
+            <a:pPr algn="ctr"/>
+            <a:endParaRPr kumimoji="1" lang="ja-JP" altLang="en-US"/>
+          </a:p>
+        </p:txBody>
+      </p:sp>
+      <p:sp>
+        <p:nvSpPr>
+          <p:cNvPr id="65" name="楕円 64">
+            <a:extLst>
+              <a:ext uri="{FF2B5EF4-FFF2-40B4-BE49-F238E27FC236}">
+                <a16:creationId xmlns:a16="http://schemas.microsoft.com/office/drawing/2014/main" id="{FFC3233E-ACF4-4BC4-BD82-E9A995B2EB71}"/>
+              </a:ext>
+            </a:extLst>
+          </p:cNvPr>
+          <p:cNvSpPr/>
+          <p:nvPr/>
+        </p:nvSpPr>
+        <p:spPr>
+          <a:xfrm>
+            <a:off x="4107458" y="366938"/>
+            <a:ext cx="135920" cy="135920"/>
+          </a:xfrm>
+          <a:prstGeom prst="ellipse">
+            <a:avLst/>
+          </a:prstGeom>
+        </p:spPr>
+        <p:style>
+          <a:lnRef idx="2">
+            <a:schemeClr val="accent1">
+              <a:shade val="50000"/>
+            </a:schemeClr>
+          </a:lnRef>
+          <a:fillRef idx="1">
+            <a:schemeClr val="accent1"/>
+          </a:fillRef>
+          <a:effectRef idx="0">
+            <a:schemeClr val="accent1"/>
+          </a:effectRef>
+          <a:fontRef idx="minor">
+            <a:schemeClr val="lt1"/>
+          </a:fontRef>
+        </p:style>
+        <p:txBody>
+          <a:bodyPr rtlCol="0" anchor="ctr"/>
+          <a:lstStyle/>
+          <a:p>
+            <a:pPr algn="ctr"/>
+            <a:endParaRPr kumimoji="1" lang="ja-JP" altLang="en-US"/>
+          </a:p>
+        </p:txBody>
+      </p:sp>
+      <p:sp>
+        <p:nvSpPr>
+          <p:cNvPr id="66" name="楕円 65">
+            <a:extLst>
+              <a:ext uri="{FF2B5EF4-FFF2-40B4-BE49-F238E27FC236}">
+                <a16:creationId xmlns:a16="http://schemas.microsoft.com/office/drawing/2014/main" id="{C9FA61E7-2FFD-4406-A811-DE94BF370AF8}"/>
+              </a:ext>
+            </a:extLst>
+          </p:cNvPr>
+          <p:cNvSpPr/>
+          <p:nvPr/>
+        </p:nvSpPr>
+        <p:spPr>
+          <a:xfrm>
+            <a:off x="4570271" y="373578"/>
+            <a:ext cx="135920" cy="135920"/>
+          </a:xfrm>
+          <a:prstGeom prst="ellipse">
+            <a:avLst/>
+          </a:prstGeom>
+        </p:spPr>
+        <p:style>
+          <a:lnRef idx="2">
+            <a:schemeClr val="accent1">
+              <a:shade val="50000"/>
+            </a:schemeClr>
+          </a:lnRef>
+          <a:fillRef idx="1">
+            <a:schemeClr val="accent1"/>
+          </a:fillRef>
+          <a:effectRef idx="0">
+            <a:schemeClr val="accent1"/>
+          </a:effectRef>
+          <a:fontRef idx="minor">
+            <a:schemeClr val="lt1"/>
+          </a:fontRef>
+        </p:style>
+        <p:txBody>
+          <a:bodyPr rtlCol="0" anchor="ctr"/>
+          <a:lstStyle/>
+          <a:p>
+            <a:pPr algn="ctr"/>
+            <a:endParaRPr kumimoji="1" lang="ja-JP" altLang="en-US"/>
+          </a:p>
+        </p:txBody>
+      </p:sp>
+      <p:sp>
+        <p:nvSpPr>
+          <p:cNvPr id="67" name="楕円 66">
+            <a:extLst>
+              <a:ext uri="{FF2B5EF4-FFF2-40B4-BE49-F238E27FC236}">
+                <a16:creationId xmlns:a16="http://schemas.microsoft.com/office/drawing/2014/main" id="{35370A93-7AFF-4512-8A02-055AFF918421}"/>
+              </a:ext>
+            </a:extLst>
+          </p:cNvPr>
+          <p:cNvSpPr/>
+          <p:nvPr/>
+        </p:nvSpPr>
+        <p:spPr>
+          <a:xfrm>
+            <a:off x="5106792" y="382237"/>
+            <a:ext cx="135920" cy="135920"/>
+          </a:xfrm>
+          <a:prstGeom prst="ellipse">
+            <a:avLst/>
+          </a:prstGeom>
+        </p:spPr>
+        <p:style>
+          <a:lnRef idx="2">
+            <a:schemeClr val="accent1">
+              <a:shade val="50000"/>
+            </a:schemeClr>
+          </a:lnRef>
+          <a:fillRef idx="1">
+            <a:schemeClr val="accent1"/>
+          </a:fillRef>
+          <a:effectRef idx="0">
+            <a:schemeClr val="accent1"/>
+          </a:effectRef>
+          <a:fontRef idx="minor">
+            <a:schemeClr val="lt1"/>
+          </a:fontRef>
+        </p:style>
+        <p:txBody>
+          <a:bodyPr rtlCol="0" anchor="ctr"/>
+          <a:lstStyle/>
+          <a:p>
+            <a:pPr algn="ctr"/>
+            <a:endParaRPr kumimoji="1" lang="ja-JP" altLang="en-US"/>
+          </a:p>
+        </p:txBody>
+      </p:sp>
+      <p:sp>
+        <p:nvSpPr>
+          <p:cNvPr id="68" name="楕円 67">
+            <a:extLst>
+              <a:ext uri="{FF2B5EF4-FFF2-40B4-BE49-F238E27FC236}">
+                <a16:creationId xmlns:a16="http://schemas.microsoft.com/office/drawing/2014/main" id="{44F0A490-0D97-4921-BB3E-342EFD2DDF9D}"/>
+              </a:ext>
+            </a:extLst>
+          </p:cNvPr>
+          <p:cNvSpPr/>
+          <p:nvPr/>
+        </p:nvSpPr>
+        <p:spPr>
+          <a:xfrm>
+            <a:off x="5675874" y="382237"/>
+            <a:ext cx="135920" cy="135920"/>
+          </a:xfrm>
+          <a:prstGeom prst="ellipse">
+            <a:avLst/>
+          </a:prstGeom>
+        </p:spPr>
+        <p:style>
+          <a:lnRef idx="2">
+            <a:schemeClr val="accent1">
+              <a:shade val="50000"/>
+            </a:schemeClr>
+          </a:lnRef>
+          <a:fillRef idx="1">
+            <a:schemeClr val="accent1"/>
+          </a:fillRef>
+          <a:effectRef idx="0">
+            <a:schemeClr val="accent1"/>
+          </a:effectRef>
+          <a:fontRef idx="minor">
+            <a:schemeClr val="lt1"/>
+          </a:fontRef>
+        </p:style>
+        <p:txBody>
+          <a:bodyPr rtlCol="0" anchor="ctr"/>
+          <a:lstStyle/>
+          <a:p>
+            <a:pPr algn="ctr"/>
+            <a:endParaRPr kumimoji="1" lang="ja-JP" altLang="en-US"/>
+          </a:p>
+        </p:txBody>
+      </p:sp>
+      <p:sp>
+        <p:nvSpPr>
+          <p:cNvPr id="69" name="楕円 68">
+            <a:extLst>
+              <a:ext uri="{FF2B5EF4-FFF2-40B4-BE49-F238E27FC236}">
+                <a16:creationId xmlns:a16="http://schemas.microsoft.com/office/drawing/2014/main" id="{A338EA6D-FB73-4943-A09F-62DCB00A96C7}"/>
+              </a:ext>
+            </a:extLst>
+          </p:cNvPr>
+          <p:cNvSpPr/>
+          <p:nvPr/>
+        </p:nvSpPr>
+        <p:spPr>
+          <a:xfrm>
+            <a:off x="6317698" y="370361"/>
+            <a:ext cx="135920" cy="135920"/>
+          </a:xfrm>
+          <a:prstGeom prst="ellipse">
+            <a:avLst/>
+          </a:prstGeom>
+        </p:spPr>
+        <p:style>
+          <a:lnRef idx="2">
+            <a:schemeClr val="accent1">
+              <a:shade val="50000"/>
+            </a:schemeClr>
+          </a:lnRef>
+          <a:fillRef idx="1">
+            <a:schemeClr val="accent1"/>
+          </a:fillRef>
+          <a:effectRef idx="0">
+            <a:schemeClr val="accent1"/>
+          </a:effectRef>
+          <a:fontRef idx="minor">
+            <a:schemeClr val="lt1"/>
+          </a:fontRef>
+        </p:style>
+        <p:txBody>
+          <a:bodyPr rtlCol="0" anchor="ctr"/>
+          <a:lstStyle/>
+          <a:p>
+            <a:pPr algn="ctr"/>
+            <a:endParaRPr kumimoji="1" lang="ja-JP" altLang="en-US"/>
+          </a:p>
+        </p:txBody>
+      </p:sp>
+      <p:sp>
+        <p:nvSpPr>
+          <p:cNvPr id="70" name="楕円 69">
+            <a:extLst>
+              <a:ext uri="{FF2B5EF4-FFF2-40B4-BE49-F238E27FC236}">
+                <a16:creationId xmlns:a16="http://schemas.microsoft.com/office/drawing/2014/main" id="{0D6B3F56-2509-48F8-B8E9-3E6FAAA0BA3B}"/>
+              </a:ext>
+            </a:extLst>
+          </p:cNvPr>
+          <p:cNvSpPr/>
+          <p:nvPr/>
+        </p:nvSpPr>
+        <p:spPr>
+          <a:xfrm>
+            <a:off x="6534375" y="850214"/>
+            <a:ext cx="135920" cy="135920"/>
+          </a:xfrm>
+          <a:prstGeom prst="ellipse">
+            <a:avLst/>
+          </a:prstGeom>
+        </p:spPr>
+        <p:style>
+          <a:lnRef idx="2">
+            <a:schemeClr val="accent1">
+              <a:shade val="50000"/>
+            </a:schemeClr>
+          </a:lnRef>
+          <a:fillRef idx="1">
+            <a:schemeClr val="accent1"/>
+          </a:fillRef>
+          <a:effectRef idx="0">
+            <a:schemeClr val="accent1"/>
+          </a:effectRef>
+          <a:fontRef idx="minor">
+            <a:schemeClr val="lt1"/>
+          </a:fontRef>
+        </p:style>
+        <p:txBody>
+          <a:bodyPr rtlCol="0" anchor="ctr"/>
+          <a:lstStyle/>
+          <a:p>
+            <a:pPr algn="ctr"/>
+            <a:endParaRPr kumimoji="1" lang="ja-JP" altLang="en-US"/>
+          </a:p>
+        </p:txBody>
+      </p:sp>
+      <p:sp>
+        <p:nvSpPr>
+          <p:cNvPr id="71" name="楕円 70">
+            <a:extLst>
+              <a:ext uri="{FF2B5EF4-FFF2-40B4-BE49-F238E27FC236}">
+                <a16:creationId xmlns:a16="http://schemas.microsoft.com/office/drawing/2014/main" id="{7DD9A5EC-1684-4530-A485-AFC261E923EF}"/>
+              </a:ext>
+            </a:extLst>
+          </p:cNvPr>
+          <p:cNvSpPr/>
+          <p:nvPr/>
+        </p:nvSpPr>
+        <p:spPr>
+          <a:xfrm>
+            <a:off x="6538500" y="1461996"/>
+            <a:ext cx="135920" cy="135920"/>
+          </a:xfrm>
+          <a:prstGeom prst="ellipse">
+            <a:avLst/>
+          </a:prstGeom>
+        </p:spPr>
+        <p:style>
+          <a:lnRef idx="2">
+            <a:schemeClr val="accent1">
+              <a:shade val="50000"/>
+            </a:schemeClr>
+          </a:lnRef>
+          <a:fillRef idx="1">
+            <a:schemeClr val="accent1"/>
+          </a:fillRef>
+          <a:effectRef idx="0">
+            <a:schemeClr val="accent1"/>
+          </a:effectRef>
+          <a:fontRef idx="minor">
+            <a:schemeClr val="lt1"/>
+          </a:fontRef>
+        </p:style>
+        <p:txBody>
+          <a:bodyPr rtlCol="0" anchor="ctr"/>
+          <a:lstStyle/>
+          <a:p>
+            <a:pPr algn="ctr"/>
+            <a:endParaRPr kumimoji="1" lang="ja-JP" altLang="en-US"/>
+          </a:p>
+        </p:txBody>
+      </p:sp>
+      <p:sp>
+        <p:nvSpPr>
+          <p:cNvPr id="72" name="楕円 71">
+            <a:extLst>
+              <a:ext uri="{FF2B5EF4-FFF2-40B4-BE49-F238E27FC236}">
+                <a16:creationId xmlns:a16="http://schemas.microsoft.com/office/drawing/2014/main" id="{077DF795-A992-4CC5-8B85-05FAF7167A40}"/>
+              </a:ext>
+            </a:extLst>
+          </p:cNvPr>
+          <p:cNvSpPr/>
+          <p:nvPr/>
+        </p:nvSpPr>
+        <p:spPr>
+          <a:xfrm>
+            <a:off x="6574345" y="2003171"/>
+            <a:ext cx="135920" cy="135920"/>
+          </a:xfrm>
+          <a:prstGeom prst="ellipse">
+            <a:avLst/>
+          </a:prstGeom>
+        </p:spPr>
+        <p:style>
+          <a:lnRef idx="2">
+            <a:schemeClr val="accent1">
+              <a:shade val="50000"/>
+            </a:schemeClr>
+          </a:lnRef>
+          <a:fillRef idx="1">
+            <a:schemeClr val="accent1"/>
+          </a:fillRef>
+          <a:effectRef idx="0">
+            <a:schemeClr val="accent1"/>
+          </a:effectRef>
+          <a:fontRef idx="minor">
+            <a:schemeClr val="lt1"/>
+          </a:fontRef>
+        </p:style>
+        <p:txBody>
+          <a:bodyPr rtlCol="0" anchor="ctr"/>
+          <a:lstStyle/>
+          <a:p>
+            <a:pPr algn="ctr"/>
+            <a:endParaRPr kumimoji="1" lang="ja-JP" altLang="en-US"/>
+          </a:p>
+        </p:txBody>
+      </p:sp>
+      <p:sp>
+        <p:nvSpPr>
+          <p:cNvPr id="73" name="楕円 72">
+            <a:extLst>
+              <a:ext uri="{FF2B5EF4-FFF2-40B4-BE49-F238E27FC236}">
+                <a16:creationId xmlns:a16="http://schemas.microsoft.com/office/drawing/2014/main" id="{60A49591-50EC-40F1-9575-098A2DB19CC8}"/>
+              </a:ext>
+            </a:extLst>
+          </p:cNvPr>
+          <p:cNvSpPr/>
+          <p:nvPr/>
+        </p:nvSpPr>
+        <p:spPr>
+          <a:xfrm>
+            <a:off x="6538500" y="2459361"/>
+            <a:ext cx="135920" cy="135920"/>
+          </a:xfrm>
+          <a:prstGeom prst="ellipse">
+            <a:avLst/>
+          </a:prstGeom>
+        </p:spPr>
+        <p:style>
+          <a:lnRef idx="2">
+            <a:schemeClr val="accent1">
+              <a:shade val="50000"/>
+            </a:schemeClr>
+          </a:lnRef>
+          <a:fillRef idx="1">
+            <a:schemeClr val="accent1"/>
+          </a:fillRef>
+          <a:effectRef idx="0">
+            <a:schemeClr val="accent1"/>
+          </a:effectRef>
+          <a:fontRef idx="minor">
+            <a:schemeClr val="lt1"/>
+          </a:fontRef>
+        </p:style>
+        <p:txBody>
+          <a:bodyPr rtlCol="0" anchor="ctr"/>
+          <a:lstStyle/>
+          <a:p>
+            <a:pPr algn="ctr"/>
+            <a:endParaRPr kumimoji="1" lang="ja-JP" altLang="en-US"/>
+          </a:p>
+        </p:txBody>
+      </p:sp>
+      <p:sp>
+        <p:nvSpPr>
+          <p:cNvPr id="74" name="楕円 73">
+            <a:extLst>
+              <a:ext uri="{FF2B5EF4-FFF2-40B4-BE49-F238E27FC236}">
+                <a16:creationId xmlns:a16="http://schemas.microsoft.com/office/drawing/2014/main" id="{6DB8320A-56CD-4BCD-A567-6D5C5E8F31CF}"/>
+              </a:ext>
+            </a:extLst>
+          </p:cNvPr>
+          <p:cNvSpPr/>
+          <p:nvPr/>
+        </p:nvSpPr>
+        <p:spPr>
+          <a:xfrm>
+            <a:off x="6543204" y="2918974"/>
+            <a:ext cx="135920" cy="135920"/>
+          </a:xfrm>
+          <a:prstGeom prst="ellipse">
+            <a:avLst/>
+          </a:prstGeom>
+        </p:spPr>
+        <p:style>
+          <a:lnRef idx="2">
+            <a:schemeClr val="accent1">
+              <a:shade val="50000"/>
+            </a:schemeClr>
+          </a:lnRef>
+          <a:fillRef idx="1">
+            <a:schemeClr val="accent1"/>
+          </a:fillRef>
+          <a:effectRef idx="0">
+            <a:schemeClr val="accent1"/>
+          </a:effectRef>
+          <a:fontRef idx="minor">
+            <a:schemeClr val="lt1"/>
+          </a:fontRef>
+        </p:style>
+        <p:txBody>
+          <a:bodyPr rtlCol="0" anchor="ctr"/>
+          <a:lstStyle/>
+          <a:p>
+            <a:pPr algn="ctr"/>
+            <a:endParaRPr kumimoji="1" lang="ja-JP" altLang="en-US"/>
+          </a:p>
+        </p:txBody>
+      </p:sp>
+      <p:sp>
+        <p:nvSpPr>
+          <p:cNvPr id="75" name="楕円 74">
+            <a:extLst>
+              <a:ext uri="{FF2B5EF4-FFF2-40B4-BE49-F238E27FC236}">
+                <a16:creationId xmlns:a16="http://schemas.microsoft.com/office/drawing/2014/main" id="{73B5931C-0A5B-477C-BE04-9983AF5C426E}"/>
+              </a:ext>
+            </a:extLst>
+          </p:cNvPr>
+          <p:cNvSpPr/>
+          <p:nvPr/>
+        </p:nvSpPr>
+        <p:spPr>
+          <a:xfrm>
+            <a:off x="6560995" y="3342674"/>
+            <a:ext cx="135920" cy="135920"/>
+          </a:xfrm>
+          <a:prstGeom prst="ellipse">
+            <a:avLst/>
+          </a:prstGeom>
+        </p:spPr>
+        <p:style>
+          <a:lnRef idx="2">
+            <a:schemeClr val="accent1">
+              <a:shade val="50000"/>
+            </a:schemeClr>
+          </a:lnRef>
+          <a:fillRef idx="1">
+            <a:schemeClr val="accent1"/>
+          </a:fillRef>
+          <a:effectRef idx="0">
+            <a:schemeClr val="accent1"/>
+          </a:effectRef>
+          <a:fontRef idx="minor">
+            <a:schemeClr val="lt1"/>
+          </a:fontRef>
+        </p:style>
+        <p:txBody>
+          <a:bodyPr rtlCol="0" anchor="ctr"/>
+          <a:lstStyle/>
+          <a:p>
+            <a:pPr algn="ctr"/>
+            <a:endParaRPr kumimoji="1" lang="ja-JP" altLang="en-US"/>
+          </a:p>
+        </p:txBody>
+      </p:sp>
+      <p:sp>
+        <p:nvSpPr>
+          <p:cNvPr id="76" name="楕円 75">
+            <a:extLst>
+              <a:ext uri="{FF2B5EF4-FFF2-40B4-BE49-F238E27FC236}">
+                <a16:creationId xmlns:a16="http://schemas.microsoft.com/office/drawing/2014/main" id="{113F8406-C5AD-4C9E-9539-06A9FB12948C}"/>
+              </a:ext>
+            </a:extLst>
+          </p:cNvPr>
+          <p:cNvSpPr/>
+          <p:nvPr/>
+        </p:nvSpPr>
+        <p:spPr>
+          <a:xfrm>
+            <a:off x="6543204" y="3685476"/>
+            <a:ext cx="135920" cy="135920"/>
+          </a:xfrm>
+          <a:prstGeom prst="ellipse">
+            <a:avLst/>
+          </a:prstGeom>
+        </p:spPr>
+        <p:style>
+          <a:lnRef idx="2">
+            <a:schemeClr val="accent1">
+              <a:shade val="50000"/>
+            </a:schemeClr>
+          </a:lnRef>
+          <a:fillRef idx="1">
+            <a:schemeClr val="accent1"/>
+          </a:fillRef>
+          <a:effectRef idx="0">
+            <a:schemeClr val="accent1"/>
+          </a:effectRef>
+          <a:fontRef idx="minor">
+            <a:schemeClr val="lt1"/>
+          </a:fontRef>
+        </p:style>
+        <p:txBody>
+          <a:bodyPr rtlCol="0" anchor="ctr"/>
+          <a:lstStyle/>
+          <a:p>
+            <a:pPr algn="ctr"/>
+            <a:endParaRPr kumimoji="1" lang="ja-JP" altLang="en-US"/>
+          </a:p>
+        </p:txBody>
+      </p:sp>
+      <p:sp>
+        <p:nvSpPr>
+          <p:cNvPr id="77" name="楕円 76">
+            <a:extLst>
+              <a:ext uri="{FF2B5EF4-FFF2-40B4-BE49-F238E27FC236}">
+                <a16:creationId xmlns:a16="http://schemas.microsoft.com/office/drawing/2014/main" id="{D7D64578-A293-45D1-8A0E-D1A923809511}"/>
+              </a:ext>
+            </a:extLst>
+          </p:cNvPr>
+          <p:cNvSpPr/>
+          <p:nvPr/>
+        </p:nvSpPr>
+        <p:spPr>
+          <a:xfrm>
+            <a:off x="6520028" y="4103014"/>
+            <a:ext cx="135920" cy="135920"/>
+          </a:xfrm>
+          <a:prstGeom prst="ellipse">
+            <a:avLst/>
+          </a:prstGeom>
+        </p:spPr>
+        <p:style>
+          <a:lnRef idx="2">
+            <a:schemeClr val="accent1">
+              <a:shade val="50000"/>
+            </a:schemeClr>
+          </a:lnRef>
+          <a:fillRef idx="1">
+            <a:schemeClr val="accent1"/>
+          </a:fillRef>
+          <a:effectRef idx="0">
+            <a:schemeClr val="accent1"/>
+          </a:effectRef>
+          <a:fontRef idx="minor">
+            <a:schemeClr val="lt1"/>
+          </a:fontRef>
+        </p:style>
+        <p:txBody>
+          <a:bodyPr rtlCol="0" anchor="ctr"/>
+          <a:lstStyle/>
+          <a:p>
+            <a:pPr algn="ctr"/>
+            <a:endParaRPr kumimoji="1" lang="ja-JP" altLang="en-US"/>
+          </a:p>
+        </p:txBody>
+      </p:sp>
+      <p:cxnSp>
+        <p:nvCxnSpPr>
+          <p:cNvPr id="89" name="直線矢印コネクタ 88">
+            <a:extLst>
+              <a:ext uri="{FF2B5EF4-FFF2-40B4-BE49-F238E27FC236}">
+                <a16:creationId xmlns:a16="http://schemas.microsoft.com/office/drawing/2014/main" id="{707E985B-3508-4A03-B2E5-7291CC50F303}"/>
+              </a:ext>
+            </a:extLst>
+          </p:cNvPr>
+          <p:cNvCxnSpPr>
+            <a:cxnSpLocks/>
+          </p:cNvCxnSpPr>
+          <p:nvPr/>
+        </p:nvCxnSpPr>
+        <p:spPr>
+          <a:xfrm flipH="1">
+            <a:off x="2751713" y="3984296"/>
+            <a:ext cx="1726" cy="746324"/>
+          </a:xfrm>
+          <a:prstGeom prst="straightConnector1">
+            <a:avLst/>
+          </a:prstGeom>
+          <a:ln w="28575">
+            <a:solidFill>
+              <a:schemeClr val="tx1"/>
+            </a:solidFill>
+            <a:tailEnd type="none"/>
+          </a:ln>
+        </p:spPr>
+        <p:style>
+          <a:lnRef idx="1">
+            <a:schemeClr val="accent1"/>
+          </a:lnRef>
+          <a:fillRef idx="0">
+            <a:schemeClr val="accent1"/>
+          </a:fillRef>
+          <a:effectRef idx="0">
+            <a:schemeClr val="accent1"/>
+          </a:effectRef>
+          <a:fontRef idx="minor">
+            <a:schemeClr val="tx1"/>
+          </a:fontRef>
+        </p:style>
+      </p:cxnSp>
+      <p:cxnSp>
+        <p:nvCxnSpPr>
+          <p:cNvPr id="92" name="直線矢印コネクタ 91">
+            <a:extLst>
+              <a:ext uri="{FF2B5EF4-FFF2-40B4-BE49-F238E27FC236}">
+                <a16:creationId xmlns:a16="http://schemas.microsoft.com/office/drawing/2014/main" id="{DCC2719C-C997-4678-9C28-01CB3B48599D}"/>
+              </a:ext>
+            </a:extLst>
+          </p:cNvPr>
+          <p:cNvCxnSpPr>
+            <a:cxnSpLocks/>
+          </p:cNvCxnSpPr>
+          <p:nvPr/>
+        </p:nvCxnSpPr>
+        <p:spPr>
+          <a:xfrm flipH="1">
+            <a:off x="2751713" y="4730620"/>
+            <a:ext cx="703400" cy="0"/>
+          </a:xfrm>
+          <a:prstGeom prst="straightConnector1">
+            <a:avLst/>
+          </a:prstGeom>
+          <a:ln w="28575">
+            <a:solidFill>
+              <a:schemeClr val="tx1"/>
+            </a:solidFill>
+            <a:tailEnd type="none"/>
+          </a:ln>
+        </p:spPr>
+        <p:style>
+          <a:lnRef idx="1">
+            <a:schemeClr val="accent1"/>
+          </a:lnRef>
+          <a:fillRef idx="0">
+            <a:schemeClr val="accent1"/>
+          </a:fillRef>
+          <a:effectRef idx="0">
+            <a:schemeClr val="accent1"/>
+          </a:effectRef>
+          <a:fontRef idx="minor">
+            <a:schemeClr val="tx1"/>
+          </a:fontRef>
+        </p:style>
+      </p:cxnSp>
+      <p:sp>
+        <p:nvSpPr>
+          <p:cNvPr id="78" name="楕円 77">
+            <a:extLst>
+              <a:ext uri="{FF2B5EF4-FFF2-40B4-BE49-F238E27FC236}">
+                <a16:creationId xmlns:a16="http://schemas.microsoft.com/office/drawing/2014/main" id="{07F671D0-19D6-4887-9CE3-112352B5EAF6}"/>
+              </a:ext>
+            </a:extLst>
+          </p:cNvPr>
+          <p:cNvSpPr/>
+          <p:nvPr/>
+        </p:nvSpPr>
+        <p:spPr>
+          <a:xfrm>
+            <a:off x="2683753" y="4070640"/>
+            <a:ext cx="135920" cy="135920"/>
+          </a:xfrm>
+          <a:prstGeom prst="ellipse">
+            <a:avLst/>
+          </a:prstGeom>
+        </p:spPr>
+        <p:style>
+          <a:lnRef idx="2">
+            <a:schemeClr val="accent1">
+              <a:shade val="50000"/>
+            </a:schemeClr>
+          </a:lnRef>
+          <a:fillRef idx="1">
+            <a:schemeClr val="accent1"/>
+          </a:fillRef>
+          <a:effectRef idx="0">
+            <a:schemeClr val="accent1"/>
+          </a:effectRef>
+          <a:fontRef idx="minor">
+            <a:schemeClr val="lt1"/>
+          </a:fontRef>
+        </p:style>
+        <p:txBody>
+          <a:bodyPr rtlCol="0" anchor="ctr"/>
+          <a:lstStyle/>
+          <a:p>
+            <a:pPr algn="ctr"/>
+            <a:endParaRPr kumimoji="1" lang="ja-JP" altLang="en-US"/>
+          </a:p>
+        </p:txBody>
+      </p:sp>
+      <p:sp>
+        <p:nvSpPr>
+          <p:cNvPr id="79" name="楕円 78">
+            <a:extLst>
+              <a:ext uri="{FF2B5EF4-FFF2-40B4-BE49-F238E27FC236}">
+                <a16:creationId xmlns:a16="http://schemas.microsoft.com/office/drawing/2014/main" id="{9AA70734-EC82-4783-9A6D-9E2749CA3D90}"/>
+              </a:ext>
+            </a:extLst>
+          </p:cNvPr>
+          <p:cNvSpPr/>
+          <p:nvPr/>
+        </p:nvSpPr>
+        <p:spPr>
+          <a:xfrm>
+            <a:off x="2683753" y="4264710"/>
+            <a:ext cx="135920" cy="135920"/>
+          </a:xfrm>
+          <a:prstGeom prst="ellipse">
+            <a:avLst/>
+          </a:prstGeom>
+        </p:spPr>
+        <p:style>
+          <a:lnRef idx="2">
+            <a:schemeClr val="accent1">
+              <a:shade val="50000"/>
+            </a:schemeClr>
+          </a:lnRef>
+          <a:fillRef idx="1">
+            <a:schemeClr val="accent1"/>
+          </a:fillRef>
+          <a:effectRef idx="0">
+            <a:schemeClr val="accent1"/>
+          </a:effectRef>
+          <a:fontRef idx="minor">
+            <a:schemeClr val="lt1"/>
+          </a:fontRef>
+        </p:style>
+        <p:txBody>
+          <a:bodyPr rtlCol="0" anchor="ctr"/>
+          <a:lstStyle/>
+          <a:p>
+            <a:pPr algn="ctr"/>
+            <a:endParaRPr kumimoji="1" lang="ja-JP" altLang="en-US"/>
+          </a:p>
+        </p:txBody>
+      </p:sp>
+      <p:sp>
+        <p:nvSpPr>
+          <p:cNvPr id="80" name="楕円 79">
+            <a:extLst>
+              <a:ext uri="{FF2B5EF4-FFF2-40B4-BE49-F238E27FC236}">
+                <a16:creationId xmlns:a16="http://schemas.microsoft.com/office/drawing/2014/main" id="{D962A2A1-43C2-4798-AAD1-5FCA2ABB4DDC}"/>
+              </a:ext>
+            </a:extLst>
+          </p:cNvPr>
+          <p:cNvSpPr/>
+          <p:nvPr/>
+        </p:nvSpPr>
+        <p:spPr>
+          <a:xfrm>
+            <a:off x="2683753" y="4493092"/>
+            <a:ext cx="135920" cy="135920"/>
+          </a:xfrm>
+          <a:prstGeom prst="ellipse">
+            <a:avLst/>
+          </a:prstGeom>
+        </p:spPr>
+        <p:style>
+          <a:lnRef idx="2">
+            <a:schemeClr val="accent1">
+              <a:shade val="50000"/>
+            </a:schemeClr>
+          </a:lnRef>
+          <a:fillRef idx="1">
+            <a:schemeClr val="accent1"/>
+          </a:fillRef>
+          <a:effectRef idx="0">
+            <a:schemeClr val="accent1"/>
+          </a:effectRef>
+          <a:fontRef idx="minor">
+            <a:schemeClr val="lt1"/>
+          </a:fontRef>
+        </p:style>
+        <p:txBody>
+          <a:bodyPr rtlCol="0" anchor="ctr"/>
+          <a:lstStyle/>
+          <a:p>
+            <a:pPr algn="ctr"/>
+            <a:endParaRPr kumimoji="1" lang="ja-JP" altLang="en-US"/>
+          </a:p>
+        </p:txBody>
+      </p:sp>
+      <p:sp>
+        <p:nvSpPr>
+          <p:cNvPr id="81" name="楕円 80">
+            <a:extLst>
+              <a:ext uri="{FF2B5EF4-FFF2-40B4-BE49-F238E27FC236}">
+                <a16:creationId xmlns:a16="http://schemas.microsoft.com/office/drawing/2014/main" id="{0DB1CE34-EE41-4147-A1CF-2302F38AC4A8}"/>
+              </a:ext>
+            </a:extLst>
+          </p:cNvPr>
+          <p:cNvSpPr/>
+          <p:nvPr/>
+        </p:nvSpPr>
+        <p:spPr>
+          <a:xfrm>
+            <a:off x="2678642" y="4669675"/>
+            <a:ext cx="135920" cy="135920"/>
+          </a:xfrm>
+          <a:prstGeom prst="ellipse">
+            <a:avLst/>
+          </a:prstGeom>
+        </p:spPr>
+        <p:style>
+          <a:lnRef idx="2">
+            <a:schemeClr val="accent1">
+              <a:shade val="50000"/>
+            </a:schemeClr>
+          </a:lnRef>
+          <a:fillRef idx="1">
+            <a:schemeClr val="accent1"/>
+          </a:fillRef>
+          <a:effectRef idx="0">
+            <a:schemeClr val="accent1"/>
+          </a:effectRef>
+          <a:fontRef idx="minor">
+            <a:schemeClr val="lt1"/>
+          </a:fontRef>
+        </p:style>
+        <p:txBody>
+          <a:bodyPr rtlCol="0" anchor="ctr"/>
+          <a:lstStyle/>
+          <a:p>
+            <a:pPr algn="ctr"/>
+            <a:endParaRPr kumimoji="1" lang="ja-JP" altLang="en-US"/>
+          </a:p>
+        </p:txBody>
+      </p:sp>
+      <p:sp>
+        <p:nvSpPr>
+          <p:cNvPr id="82" name="楕円 81">
+            <a:extLst>
+              <a:ext uri="{FF2B5EF4-FFF2-40B4-BE49-F238E27FC236}">
+                <a16:creationId xmlns:a16="http://schemas.microsoft.com/office/drawing/2014/main" id="{E569A921-4AD0-4F0C-8441-A18578C09FC5}"/>
+              </a:ext>
+            </a:extLst>
+          </p:cNvPr>
+          <p:cNvSpPr/>
+          <p:nvPr/>
+        </p:nvSpPr>
+        <p:spPr>
+          <a:xfrm>
+            <a:off x="2869513" y="4672417"/>
+            <a:ext cx="135920" cy="135920"/>
+          </a:xfrm>
+          <a:prstGeom prst="ellipse">
+            <a:avLst/>
+          </a:prstGeom>
+        </p:spPr>
+        <p:style>
+          <a:lnRef idx="2">
+            <a:schemeClr val="accent1">
+              <a:shade val="50000"/>
+            </a:schemeClr>
+          </a:lnRef>
+          <a:fillRef idx="1">
+            <a:schemeClr val="accent1"/>
+          </a:fillRef>
+          <a:effectRef idx="0">
+            <a:schemeClr val="accent1"/>
+          </a:effectRef>
+          <a:fontRef idx="minor">
+            <a:schemeClr val="lt1"/>
+          </a:fontRef>
+        </p:style>
+        <p:txBody>
+          <a:bodyPr rtlCol="0" anchor="ctr"/>
+          <a:lstStyle/>
+          <a:p>
+            <a:pPr algn="ctr"/>
+            <a:endParaRPr kumimoji="1" lang="ja-JP" altLang="en-US"/>
+          </a:p>
+        </p:txBody>
+      </p:sp>
+      <p:sp>
+        <p:nvSpPr>
+          <p:cNvPr id="83" name="楕円 82">
+            <a:extLst>
+              <a:ext uri="{FF2B5EF4-FFF2-40B4-BE49-F238E27FC236}">
+                <a16:creationId xmlns:a16="http://schemas.microsoft.com/office/drawing/2014/main" id="{1DA79F75-7C45-4918-874F-C2DD7AEB19DA}"/>
+              </a:ext>
+            </a:extLst>
+          </p:cNvPr>
+          <p:cNvSpPr/>
+          <p:nvPr/>
+        </p:nvSpPr>
+        <p:spPr>
+          <a:xfrm>
+            <a:off x="3103584" y="4669675"/>
+            <a:ext cx="135920" cy="135920"/>
+          </a:xfrm>
+          <a:prstGeom prst="ellipse">
+            <a:avLst/>
+          </a:prstGeom>
+        </p:spPr>
+        <p:style>
+          <a:lnRef idx="2">
+            <a:schemeClr val="accent1">
+              <a:shade val="50000"/>
+            </a:schemeClr>
+          </a:lnRef>
+          <a:fillRef idx="1">
+            <a:schemeClr val="accent1"/>
+          </a:fillRef>
+          <a:effectRef idx="0">
+            <a:schemeClr val="accent1"/>
+          </a:effectRef>
+          <a:fontRef idx="minor">
+            <a:schemeClr val="lt1"/>
+          </a:fontRef>
+        </p:style>
+        <p:txBody>
+          <a:bodyPr rtlCol="0" anchor="ctr"/>
+          <a:lstStyle/>
+          <a:p>
+            <a:pPr algn="ctr"/>
+            <a:endParaRPr kumimoji="1" lang="ja-JP" altLang="en-US"/>
+          </a:p>
+        </p:txBody>
+      </p:sp>
+      <p:sp>
+        <p:nvSpPr>
+          <p:cNvPr id="84" name="楕円 83">
+            <a:extLst>
+              <a:ext uri="{FF2B5EF4-FFF2-40B4-BE49-F238E27FC236}">
+                <a16:creationId xmlns:a16="http://schemas.microsoft.com/office/drawing/2014/main" id="{64E4668E-1FE7-466F-AB41-7562C32767B8}"/>
+              </a:ext>
+            </a:extLst>
+          </p:cNvPr>
+          <p:cNvSpPr/>
+          <p:nvPr/>
+        </p:nvSpPr>
+        <p:spPr>
+          <a:xfrm>
+            <a:off x="3349992" y="4662660"/>
+            <a:ext cx="135920" cy="135920"/>
+          </a:xfrm>
+          <a:prstGeom prst="ellipse">
+            <a:avLst/>
+          </a:prstGeom>
+        </p:spPr>
+        <p:style>
+          <a:lnRef idx="2">
+            <a:schemeClr val="accent1">
+              <a:shade val="50000"/>
+            </a:schemeClr>
+          </a:lnRef>
+          <a:fillRef idx="1">
+            <a:schemeClr val="accent1"/>
+          </a:fillRef>
+          <a:effectRef idx="0">
+            <a:schemeClr val="accent1"/>
+          </a:effectRef>
+          <a:fontRef idx="minor">
+            <a:schemeClr val="lt1"/>
+          </a:fontRef>
+        </p:style>
+        <p:txBody>
+          <a:bodyPr rtlCol="0" anchor="ctr"/>
+          <a:lstStyle/>
+          <a:p>
+            <a:pPr algn="ctr"/>
+            <a:endParaRPr kumimoji="1" lang="ja-JP" altLang="en-US"/>
+          </a:p>
+        </p:txBody>
+      </p:sp>
+      <p:sp>
+        <p:nvSpPr>
+          <p:cNvPr id="94" name="楕円 93">
+            <a:extLst>
+              <a:ext uri="{FF2B5EF4-FFF2-40B4-BE49-F238E27FC236}">
+                <a16:creationId xmlns:a16="http://schemas.microsoft.com/office/drawing/2014/main" id="{3599282F-634D-4CF1-AFEA-06CE5F846A57}"/>
+              </a:ext>
+            </a:extLst>
+          </p:cNvPr>
+          <p:cNvSpPr/>
+          <p:nvPr/>
+        </p:nvSpPr>
+        <p:spPr>
+          <a:xfrm>
+            <a:off x="2453231" y="3773873"/>
+            <a:ext cx="1270608" cy="1269185"/>
+          </a:xfrm>
+          <a:prstGeom prst="ellipse">
+            <a:avLst/>
+          </a:prstGeom>
+          <a:noFill/>
+          <a:ln w="19050">
+            <a:solidFill>
+              <a:srgbClr val="FF0000"/>
+            </a:solidFill>
+          </a:ln>
+        </p:spPr>
+        <p:style>
+          <a:lnRef idx="2">
+            <a:schemeClr val="accent1">
+              <a:shade val="50000"/>
+            </a:schemeClr>
+          </a:lnRef>
+          <a:fillRef idx="1">
+            <a:schemeClr val="accent1"/>
+          </a:fillRef>
+          <a:effectRef idx="0">
+            <a:schemeClr val="accent1"/>
+          </a:effectRef>
+          <a:fontRef idx="minor">
+            <a:schemeClr val="lt1"/>
+          </a:fontRef>
+        </p:style>
+        <p:txBody>
+          <a:bodyPr rtlCol="0" anchor="ctr"/>
+          <a:lstStyle/>
+          <a:p>
+            <a:pPr algn="ctr"/>
+            <a:endParaRPr kumimoji="1" lang="ja-JP" altLang="en-US"/>
+          </a:p>
+        </p:txBody>
+      </p:sp>
+      <p:sp>
+        <p:nvSpPr>
+          <p:cNvPr id="96" name="楕円 95">
+            <a:extLst>
+              <a:ext uri="{FF2B5EF4-FFF2-40B4-BE49-F238E27FC236}">
+                <a16:creationId xmlns:a16="http://schemas.microsoft.com/office/drawing/2014/main" id="{344B06C7-CDC9-4011-9991-D9D6524F1286}"/>
+              </a:ext>
+            </a:extLst>
+          </p:cNvPr>
+          <p:cNvSpPr/>
+          <p:nvPr/>
+        </p:nvSpPr>
+        <p:spPr>
+          <a:xfrm>
+            <a:off x="2890503" y="229127"/>
+            <a:ext cx="4101424" cy="383624"/>
+          </a:xfrm>
+          <a:prstGeom prst="ellipse">
+            <a:avLst/>
+          </a:prstGeom>
+          <a:noFill/>
+          <a:ln w="19050">
+            <a:solidFill>
+              <a:srgbClr val="FF0000"/>
+            </a:solidFill>
+          </a:ln>
+        </p:spPr>
+        <p:style>
+          <a:lnRef idx="2">
+            <a:schemeClr val="accent1">
+              <a:shade val="50000"/>
+            </a:schemeClr>
+          </a:lnRef>
+          <a:fillRef idx="1">
+            <a:schemeClr val="accent1"/>
+          </a:fillRef>
+          <a:effectRef idx="0">
+            <a:schemeClr val="accent1"/>
+          </a:effectRef>
+          <a:fontRef idx="minor">
+            <a:schemeClr val="lt1"/>
+          </a:fontRef>
+        </p:style>
+        <p:txBody>
+          <a:bodyPr rtlCol="0" anchor="ctr"/>
+          <a:lstStyle/>
+          <a:p>
+            <a:pPr algn="ctr"/>
+            <a:endParaRPr kumimoji="1" lang="ja-JP" altLang="en-US"/>
+          </a:p>
+        </p:txBody>
+      </p:sp>
+      <p:sp>
+        <p:nvSpPr>
+          <p:cNvPr id="98" name="楕円 97">
+            <a:extLst>
+              <a:ext uri="{FF2B5EF4-FFF2-40B4-BE49-F238E27FC236}">
+                <a16:creationId xmlns:a16="http://schemas.microsoft.com/office/drawing/2014/main" id="{B225E139-82C5-465D-971B-4559FADB8B5A}"/>
+              </a:ext>
+            </a:extLst>
+          </p:cNvPr>
+          <p:cNvSpPr/>
+          <p:nvPr/>
+        </p:nvSpPr>
+        <p:spPr>
+          <a:xfrm rot="5400000">
+            <a:off x="4567260" y="2300436"/>
+            <a:ext cx="4101424" cy="383624"/>
+          </a:xfrm>
+          <a:prstGeom prst="ellipse">
+            <a:avLst/>
+          </a:prstGeom>
+          <a:noFill/>
+          <a:ln w="19050">
+            <a:solidFill>
+              <a:srgbClr val="FF0000"/>
+            </a:solidFill>
+          </a:ln>
+        </p:spPr>
+        <p:style>
+          <a:lnRef idx="2">
+            <a:schemeClr val="accent1">
+              <a:shade val="50000"/>
+            </a:schemeClr>
+          </a:lnRef>
+          <a:fillRef idx="1">
+            <a:schemeClr val="accent1"/>
+          </a:fillRef>
+          <a:effectRef idx="0">
+            <a:schemeClr val="accent1"/>
+          </a:effectRef>
+          <a:fontRef idx="minor">
+            <a:schemeClr val="lt1"/>
+          </a:fontRef>
+        </p:style>
+        <p:txBody>
+          <a:bodyPr rtlCol="0" anchor="ctr"/>
+          <a:lstStyle/>
+          <a:p>
+            <a:pPr algn="ctr"/>
+            <a:endParaRPr kumimoji="1" lang="ja-JP" altLang="en-US"/>
+          </a:p>
+        </p:txBody>
+      </p:sp>
+      <p:sp>
+        <p:nvSpPr>
+          <p:cNvPr id="100" name="テキスト ボックス 99">
+            <a:extLst>
+              <a:ext uri="{FF2B5EF4-FFF2-40B4-BE49-F238E27FC236}">
+                <a16:creationId xmlns:a16="http://schemas.microsoft.com/office/drawing/2014/main" id="{0A809CBE-DA51-4EF6-ABB5-F5D1CB03E7A2}"/>
+              </a:ext>
+            </a:extLst>
+          </p:cNvPr>
+          <p:cNvSpPr txBox="1"/>
+          <p:nvPr/>
+        </p:nvSpPr>
+        <p:spPr>
+          <a:xfrm>
+            <a:off x="3232924" y="4935275"/>
+            <a:ext cx="1630575" cy="369332"/>
+          </a:xfrm>
+          <a:prstGeom prst="rect">
+            <a:avLst/>
+          </a:prstGeom>
+          <a:noFill/>
+        </p:spPr>
+        <p:txBody>
+          <a:bodyPr wrap="none" rtlCol="0">
+            <a:spAutoFit/>
+          </a:bodyPr>
+          <a:lstStyle/>
+          <a:p>
+            <a:pPr algn="ctr"/>
+            <a:r>
+              <a:rPr lang="en-US" altLang="ja-JP" b="1" dirty="0">
+                <a:solidFill>
+                  <a:srgbClr val="FF0000"/>
+                </a:solidFill>
+              </a:rPr>
+              <a:t>High Density</a:t>
+            </a:r>
+            <a:endParaRPr kumimoji="1" lang="ja-JP" altLang="en-US" b="1" dirty="0">
+              <a:solidFill>
+                <a:srgbClr val="FF0000"/>
+              </a:solidFill>
+            </a:endParaRPr>
+          </a:p>
+        </p:txBody>
+      </p:sp>
+      <p:sp>
+        <p:nvSpPr>
+          <p:cNvPr id="102" name="テキスト ボックス 101">
+            <a:extLst>
+              <a:ext uri="{FF2B5EF4-FFF2-40B4-BE49-F238E27FC236}">
+                <a16:creationId xmlns:a16="http://schemas.microsoft.com/office/drawing/2014/main" id="{4FC176EA-E685-4463-B6EB-06AE876575E9}"/>
+              </a:ext>
+            </a:extLst>
+          </p:cNvPr>
+          <p:cNvSpPr txBox="1"/>
+          <p:nvPr/>
+        </p:nvSpPr>
+        <p:spPr>
+          <a:xfrm>
+            <a:off x="6856546" y="2122842"/>
+            <a:ext cx="1580882" cy="369332"/>
+          </a:xfrm>
+          <a:prstGeom prst="rect">
+            <a:avLst/>
+          </a:prstGeom>
+          <a:noFill/>
+        </p:spPr>
+        <p:txBody>
+          <a:bodyPr wrap="none" rtlCol="0">
+            <a:spAutoFit/>
+          </a:bodyPr>
+          <a:lstStyle/>
+          <a:p>
+            <a:pPr algn="ctr"/>
+            <a:r>
+              <a:rPr lang="en-US" altLang="ja-JP" b="1" dirty="0">
+                <a:solidFill>
+                  <a:srgbClr val="FF0000"/>
+                </a:solidFill>
+              </a:rPr>
+              <a:t>Low Density</a:t>
+            </a:r>
+            <a:endParaRPr kumimoji="1" lang="ja-JP" altLang="en-US" b="1" dirty="0">
+              <a:solidFill>
+                <a:srgbClr val="FF0000"/>
+              </a:solidFill>
+            </a:endParaRPr>
+          </a:p>
+        </p:txBody>
+      </p:sp>
+      <p:sp>
+        <p:nvSpPr>
+          <p:cNvPr id="104" name="テキスト ボックス 103">
+            <a:extLst>
+              <a:ext uri="{FF2B5EF4-FFF2-40B4-BE49-F238E27FC236}">
+                <a16:creationId xmlns:a16="http://schemas.microsoft.com/office/drawing/2014/main" id="{84AB73DD-F113-4A84-8F11-D5AE28481454}"/>
+              </a:ext>
+            </a:extLst>
+          </p:cNvPr>
+          <p:cNvSpPr txBox="1"/>
+          <p:nvPr/>
+        </p:nvSpPr>
+        <p:spPr>
+          <a:xfrm>
+            <a:off x="2989389" y="594220"/>
+            <a:ext cx="1580882" cy="369332"/>
+          </a:xfrm>
+          <a:prstGeom prst="rect">
+            <a:avLst/>
+          </a:prstGeom>
+          <a:noFill/>
+        </p:spPr>
+        <p:txBody>
+          <a:bodyPr wrap="none" rtlCol="0">
+            <a:spAutoFit/>
+          </a:bodyPr>
+          <a:lstStyle/>
+          <a:p>
+            <a:pPr algn="ctr"/>
+            <a:r>
+              <a:rPr lang="en-US" altLang="ja-JP" b="1" dirty="0">
+                <a:solidFill>
+                  <a:srgbClr val="FF0000"/>
+                </a:solidFill>
+              </a:rPr>
+              <a:t>Low Density</a:t>
+            </a:r>
+            <a:endParaRPr kumimoji="1" lang="ja-JP" altLang="en-US" b="1" dirty="0">
+              <a:solidFill>
+                <a:srgbClr val="FF0000"/>
+              </a:solidFill>
+            </a:endParaRPr>
+          </a:p>
+        </p:txBody>
+      </p:sp>
+    </p:spTree>
+    <p:extLst>
+      <p:ext uri="{BB962C8B-B14F-4D97-AF65-F5344CB8AC3E}">
+        <p14:creationId xmlns:p14="http://schemas.microsoft.com/office/powerpoint/2010/main" val="2951330883"/>
+      </p:ext>
+    </p:extLst>
+  </p:cSld>
+  <p:clrMapOvr>
+    <a:masterClrMapping/>
+  </p:clrMapOvr>
+</p:sld>
+</file>
+
+<file path=ppt/slides/slide4.xml><?xml version="1.0" encoding="utf-8"?>
+<p:sld xmlns:a="http://schemas.openxmlformats.org/drawingml/2006/main" xmlns:r="http://schemas.openxmlformats.org/officeDocument/2006/relationships" xmlns:p="http://schemas.openxmlformats.org/presentationml/2006/main">
+  <p:cSld>
+    <p:spTree>
+      <p:nvGrpSpPr>
+        <p:cNvPr id="1" name=""/>
+        <p:cNvGrpSpPr/>
+        <p:nvPr/>
+      </p:nvGrpSpPr>
+      <p:grpSpPr>
+        <a:xfrm>
+          <a:off x="0" y="0"/>
+          <a:ext cx="0" cy="0"/>
+          <a:chOff x="0" y="0"/>
+          <a:chExt cx="0" cy="0"/>
+        </a:xfrm>
+      </p:grpSpPr>
+      <p:cxnSp>
+        <p:nvCxnSpPr>
+          <p:cNvPr id="2" name="直線矢印コネクタ 1">
+            <a:extLst>
+              <a:ext uri="{FF2B5EF4-FFF2-40B4-BE49-F238E27FC236}">
+                <a16:creationId xmlns:a16="http://schemas.microsoft.com/office/drawing/2014/main" id="{5CB49DF1-6D82-4F0D-BB0E-75CFCC1D80F8}"/>
+              </a:ext>
+            </a:extLst>
+          </p:cNvPr>
+          <p:cNvCxnSpPr>
+            <a:cxnSpLocks/>
+          </p:cNvCxnSpPr>
+          <p:nvPr/>
+        </p:nvCxnSpPr>
+        <p:spPr>
+          <a:xfrm flipH="1">
+            <a:off x="1597169" y="837011"/>
+            <a:ext cx="1726" cy="746324"/>
+          </a:xfrm>
+          <a:prstGeom prst="straightConnector1">
+            <a:avLst/>
+          </a:prstGeom>
+          <a:ln w="28575">
+            <a:solidFill>
+              <a:schemeClr val="tx1"/>
+            </a:solidFill>
+            <a:tailEnd type="none"/>
+          </a:ln>
+        </p:spPr>
+        <p:style>
+          <a:lnRef idx="1">
+            <a:schemeClr val="accent1"/>
+          </a:lnRef>
+          <a:fillRef idx="0">
+            <a:schemeClr val="accent1"/>
+          </a:fillRef>
+          <a:effectRef idx="0">
+            <a:schemeClr val="accent1"/>
+          </a:effectRef>
+          <a:fontRef idx="minor">
+            <a:schemeClr val="tx1"/>
+          </a:fontRef>
+        </p:style>
+      </p:cxnSp>
+      <p:cxnSp>
+        <p:nvCxnSpPr>
+          <p:cNvPr id="3" name="直線矢印コネクタ 2">
+            <a:extLst>
+              <a:ext uri="{FF2B5EF4-FFF2-40B4-BE49-F238E27FC236}">
+                <a16:creationId xmlns:a16="http://schemas.microsoft.com/office/drawing/2014/main" id="{26475B42-9D16-418B-AE98-82556F2EEAD6}"/>
+              </a:ext>
+            </a:extLst>
+          </p:cNvPr>
+          <p:cNvCxnSpPr>
+            <a:cxnSpLocks/>
+          </p:cNvCxnSpPr>
+          <p:nvPr/>
+        </p:nvCxnSpPr>
+        <p:spPr>
+          <a:xfrm flipH="1">
+            <a:off x="2435368" y="837011"/>
+            <a:ext cx="1726" cy="746324"/>
+          </a:xfrm>
+          <a:prstGeom prst="straightConnector1">
+            <a:avLst/>
+          </a:prstGeom>
+          <a:ln w="28575">
+            <a:solidFill>
+              <a:schemeClr val="tx1"/>
+            </a:solidFill>
+            <a:tailEnd type="none"/>
+          </a:ln>
+        </p:spPr>
+        <p:style>
+          <a:lnRef idx="1">
+            <a:schemeClr val="accent1"/>
+          </a:lnRef>
+          <a:fillRef idx="0">
+            <a:schemeClr val="accent1"/>
+          </a:fillRef>
+          <a:effectRef idx="0">
+            <a:schemeClr val="accent1"/>
+          </a:effectRef>
+          <a:fontRef idx="minor">
+            <a:schemeClr val="tx1"/>
+          </a:fontRef>
+        </p:style>
+      </p:cxnSp>
+      <p:cxnSp>
+        <p:nvCxnSpPr>
+          <p:cNvPr id="4" name="直線矢印コネクタ 3">
+            <a:extLst>
+              <a:ext uri="{FF2B5EF4-FFF2-40B4-BE49-F238E27FC236}">
+                <a16:creationId xmlns:a16="http://schemas.microsoft.com/office/drawing/2014/main" id="{940FECF4-1E8D-4616-890A-B1E9319363E2}"/>
+              </a:ext>
+            </a:extLst>
+          </p:cNvPr>
+          <p:cNvCxnSpPr>
+            <a:cxnSpLocks/>
+          </p:cNvCxnSpPr>
+          <p:nvPr/>
+        </p:nvCxnSpPr>
+        <p:spPr>
+          <a:xfrm flipH="1">
+            <a:off x="3273567" y="837011"/>
+            <a:ext cx="1726" cy="746324"/>
+          </a:xfrm>
+          <a:prstGeom prst="straightConnector1">
+            <a:avLst/>
+          </a:prstGeom>
+          <a:ln w="28575">
+            <a:solidFill>
+              <a:schemeClr val="tx1"/>
+            </a:solidFill>
+            <a:tailEnd type="none"/>
+          </a:ln>
+        </p:spPr>
+        <p:style>
+          <a:lnRef idx="1">
+            <a:schemeClr val="accent1"/>
+          </a:lnRef>
+          <a:fillRef idx="0">
+            <a:schemeClr val="accent1"/>
+          </a:fillRef>
+          <a:effectRef idx="0">
+            <a:schemeClr val="accent1"/>
+          </a:effectRef>
+          <a:fontRef idx="minor">
+            <a:schemeClr val="tx1"/>
+          </a:fontRef>
+        </p:style>
+      </p:cxnSp>
+      <p:cxnSp>
+        <p:nvCxnSpPr>
+          <p:cNvPr id="5" name="直線矢印コネクタ 4">
+            <a:extLst>
+              <a:ext uri="{FF2B5EF4-FFF2-40B4-BE49-F238E27FC236}">
+                <a16:creationId xmlns:a16="http://schemas.microsoft.com/office/drawing/2014/main" id="{00CB8295-88A1-4F6D-9C43-5F5FD10EB52D}"/>
+              </a:ext>
+            </a:extLst>
+          </p:cNvPr>
+          <p:cNvCxnSpPr>
+            <a:cxnSpLocks/>
+          </p:cNvCxnSpPr>
+          <p:nvPr/>
+        </p:nvCxnSpPr>
+        <p:spPr>
+          <a:xfrm flipH="1">
+            <a:off x="4111766" y="837011"/>
+            <a:ext cx="1726" cy="746324"/>
+          </a:xfrm>
+          <a:prstGeom prst="straightConnector1">
+            <a:avLst/>
+          </a:prstGeom>
+          <a:ln w="28575">
+            <a:solidFill>
+              <a:schemeClr val="tx1"/>
+            </a:solidFill>
+            <a:tailEnd type="none"/>
+          </a:ln>
+        </p:spPr>
+        <p:style>
+          <a:lnRef idx="1">
+            <a:schemeClr val="accent1"/>
+          </a:lnRef>
+          <a:fillRef idx="0">
+            <a:schemeClr val="accent1"/>
+          </a:fillRef>
+          <a:effectRef idx="0">
+            <a:schemeClr val="accent1"/>
+          </a:effectRef>
+          <a:fontRef idx="minor">
+            <a:schemeClr val="tx1"/>
+          </a:fontRef>
+        </p:style>
+      </p:cxnSp>
+      <p:cxnSp>
+        <p:nvCxnSpPr>
+          <p:cNvPr id="6" name="直線矢印コネクタ 5">
+            <a:extLst>
+              <a:ext uri="{FF2B5EF4-FFF2-40B4-BE49-F238E27FC236}">
+                <a16:creationId xmlns:a16="http://schemas.microsoft.com/office/drawing/2014/main" id="{89D7CFC6-6CE6-4EEF-889D-40025597B70B}"/>
+              </a:ext>
+            </a:extLst>
+          </p:cNvPr>
+          <p:cNvCxnSpPr>
+            <a:cxnSpLocks/>
+          </p:cNvCxnSpPr>
+          <p:nvPr/>
+        </p:nvCxnSpPr>
+        <p:spPr>
+          <a:xfrm flipH="1">
+            <a:off x="4949965" y="837011"/>
+            <a:ext cx="1726" cy="746324"/>
+          </a:xfrm>
+          <a:prstGeom prst="straightConnector1">
+            <a:avLst/>
+          </a:prstGeom>
+          <a:ln w="28575">
+            <a:solidFill>
+              <a:schemeClr val="tx1"/>
+            </a:solidFill>
+            <a:tailEnd type="none"/>
+          </a:ln>
+        </p:spPr>
+        <p:style>
+          <a:lnRef idx="1">
+            <a:schemeClr val="accent1"/>
+          </a:lnRef>
+          <a:fillRef idx="0">
+            <a:schemeClr val="accent1"/>
+          </a:fillRef>
+          <a:effectRef idx="0">
+            <a:schemeClr val="accent1"/>
+          </a:effectRef>
+          <a:fontRef idx="minor">
+            <a:schemeClr val="tx1"/>
+          </a:fontRef>
+        </p:style>
+      </p:cxnSp>
+      <p:cxnSp>
+        <p:nvCxnSpPr>
+          <p:cNvPr id="7" name="直線矢印コネクタ 6">
+            <a:extLst>
+              <a:ext uri="{FF2B5EF4-FFF2-40B4-BE49-F238E27FC236}">
+                <a16:creationId xmlns:a16="http://schemas.microsoft.com/office/drawing/2014/main" id="{9B539094-4D3D-4CF9-B373-6808BED3DF67}"/>
+              </a:ext>
+            </a:extLst>
+          </p:cNvPr>
+          <p:cNvCxnSpPr>
+            <a:cxnSpLocks/>
+          </p:cNvCxnSpPr>
+          <p:nvPr/>
+        </p:nvCxnSpPr>
+        <p:spPr>
+          <a:xfrm flipH="1">
+            <a:off x="5788164" y="837011"/>
+            <a:ext cx="1726" cy="746324"/>
+          </a:xfrm>
+          <a:prstGeom prst="straightConnector1">
+            <a:avLst/>
+          </a:prstGeom>
+          <a:ln w="28575">
+            <a:solidFill>
+              <a:schemeClr val="tx1"/>
+            </a:solidFill>
+            <a:tailEnd type="none"/>
+          </a:ln>
+        </p:spPr>
+        <p:style>
+          <a:lnRef idx="1">
+            <a:schemeClr val="accent1"/>
+          </a:lnRef>
+          <a:fillRef idx="0">
+            <a:schemeClr val="accent1"/>
+          </a:fillRef>
+          <a:effectRef idx="0">
+            <a:schemeClr val="accent1"/>
+          </a:effectRef>
+          <a:fontRef idx="minor">
+            <a:schemeClr val="tx1"/>
+          </a:fontRef>
+        </p:style>
+      </p:cxnSp>
+      <p:cxnSp>
+        <p:nvCxnSpPr>
+          <p:cNvPr id="8" name="直線矢印コネクタ 7">
+            <a:extLst>
+              <a:ext uri="{FF2B5EF4-FFF2-40B4-BE49-F238E27FC236}">
+                <a16:creationId xmlns:a16="http://schemas.microsoft.com/office/drawing/2014/main" id="{52A22842-7179-428C-9B05-6344F8D5D35C}"/>
+              </a:ext>
+            </a:extLst>
+          </p:cNvPr>
+          <p:cNvCxnSpPr>
+            <a:cxnSpLocks/>
+          </p:cNvCxnSpPr>
+          <p:nvPr/>
+        </p:nvCxnSpPr>
+        <p:spPr>
+          <a:xfrm flipH="1">
+            <a:off x="6626363" y="837011"/>
+            <a:ext cx="1726" cy="746324"/>
+          </a:xfrm>
+          <a:prstGeom prst="straightConnector1">
+            <a:avLst/>
+          </a:prstGeom>
+          <a:ln w="28575">
+            <a:solidFill>
+              <a:schemeClr val="tx1"/>
+            </a:solidFill>
+            <a:tailEnd type="none"/>
+          </a:ln>
+        </p:spPr>
+        <p:style>
+          <a:lnRef idx="1">
+            <a:schemeClr val="accent1"/>
+          </a:lnRef>
+          <a:fillRef idx="0">
+            <a:schemeClr val="accent1"/>
+          </a:fillRef>
+          <a:effectRef idx="0">
+            <a:schemeClr val="accent1"/>
+          </a:effectRef>
+          <a:fontRef idx="minor">
+            <a:schemeClr val="tx1"/>
+          </a:fontRef>
+        </p:style>
+      </p:cxnSp>
+      <p:cxnSp>
+        <p:nvCxnSpPr>
+          <p:cNvPr id="9" name="直線矢印コネクタ 8">
+            <a:extLst>
+              <a:ext uri="{FF2B5EF4-FFF2-40B4-BE49-F238E27FC236}">
+                <a16:creationId xmlns:a16="http://schemas.microsoft.com/office/drawing/2014/main" id="{ECE25446-9B12-43D3-892B-9B126AC2C3BD}"/>
+              </a:ext>
+            </a:extLst>
+          </p:cNvPr>
+          <p:cNvCxnSpPr>
+            <a:cxnSpLocks/>
+          </p:cNvCxnSpPr>
+          <p:nvPr/>
+        </p:nvCxnSpPr>
+        <p:spPr>
+          <a:xfrm flipH="1">
+            <a:off x="7464562" y="837011"/>
+            <a:ext cx="1726" cy="746324"/>
+          </a:xfrm>
+          <a:prstGeom prst="straightConnector1">
+            <a:avLst/>
+          </a:prstGeom>
+          <a:ln w="28575">
+            <a:solidFill>
+              <a:schemeClr val="tx1"/>
+            </a:solidFill>
+            <a:tailEnd type="none"/>
+          </a:ln>
+        </p:spPr>
+        <p:style>
+          <a:lnRef idx="1">
+            <a:schemeClr val="accent1"/>
+          </a:lnRef>
+          <a:fillRef idx="0">
+            <a:schemeClr val="accent1"/>
+          </a:fillRef>
+          <a:effectRef idx="0">
+            <a:schemeClr val="accent1"/>
+          </a:effectRef>
+          <a:fontRef idx="minor">
+            <a:schemeClr val="tx1"/>
+          </a:fontRef>
+        </p:style>
+      </p:cxnSp>
+      <p:cxnSp>
+        <p:nvCxnSpPr>
+          <p:cNvPr id="10" name="直線矢印コネクタ 9">
+            <a:extLst>
+              <a:ext uri="{FF2B5EF4-FFF2-40B4-BE49-F238E27FC236}">
+                <a16:creationId xmlns:a16="http://schemas.microsoft.com/office/drawing/2014/main" id="{F72DD9ED-FFBB-4ECB-B418-BD13968910E2}"/>
+              </a:ext>
+            </a:extLst>
+          </p:cNvPr>
+          <p:cNvCxnSpPr>
+            <a:cxnSpLocks/>
+          </p:cNvCxnSpPr>
+          <p:nvPr/>
+        </p:nvCxnSpPr>
+        <p:spPr>
+          <a:xfrm flipH="1">
+            <a:off x="8302761" y="837011"/>
+            <a:ext cx="1726" cy="746324"/>
+          </a:xfrm>
+          <a:prstGeom prst="straightConnector1">
+            <a:avLst/>
+          </a:prstGeom>
+          <a:ln w="28575">
+            <a:solidFill>
+              <a:schemeClr val="tx1"/>
+            </a:solidFill>
+            <a:tailEnd type="none"/>
+          </a:ln>
+        </p:spPr>
+        <p:style>
+          <a:lnRef idx="1">
+            <a:schemeClr val="accent1"/>
+          </a:lnRef>
+          <a:fillRef idx="0">
+            <a:schemeClr val="accent1"/>
+          </a:fillRef>
+          <a:effectRef idx="0">
+            <a:schemeClr val="accent1"/>
+          </a:effectRef>
+          <a:fontRef idx="minor">
+            <a:schemeClr val="tx1"/>
+          </a:fontRef>
+        </p:style>
+      </p:cxnSp>
+      <p:cxnSp>
+        <p:nvCxnSpPr>
+          <p:cNvPr id="11" name="直線矢印コネクタ 10">
+            <a:extLst>
+              <a:ext uri="{FF2B5EF4-FFF2-40B4-BE49-F238E27FC236}">
+                <a16:creationId xmlns:a16="http://schemas.microsoft.com/office/drawing/2014/main" id="{32FB7DC8-827C-47C2-9B8B-45518268F186}"/>
+              </a:ext>
+            </a:extLst>
+          </p:cNvPr>
+          <p:cNvCxnSpPr>
+            <a:cxnSpLocks/>
+          </p:cNvCxnSpPr>
+          <p:nvPr/>
+        </p:nvCxnSpPr>
+        <p:spPr>
+          <a:xfrm flipH="1">
+            <a:off x="9140960" y="837011"/>
+            <a:ext cx="1726" cy="746324"/>
+          </a:xfrm>
+          <a:prstGeom prst="straightConnector1">
+            <a:avLst/>
+          </a:prstGeom>
+          <a:ln w="28575">
+            <a:solidFill>
+              <a:schemeClr val="tx1"/>
+            </a:solidFill>
+            <a:tailEnd type="none"/>
+          </a:ln>
+        </p:spPr>
+        <p:style>
+          <a:lnRef idx="1">
+            <a:schemeClr val="accent1"/>
+          </a:lnRef>
+          <a:fillRef idx="0">
+            <a:schemeClr val="accent1"/>
+          </a:fillRef>
+          <a:effectRef idx="0">
+            <a:schemeClr val="accent1"/>
+          </a:effectRef>
+          <a:fontRef idx="minor">
+            <a:schemeClr val="tx1"/>
+          </a:fontRef>
+        </p:style>
+      </p:cxnSp>
+      <p:cxnSp>
+        <p:nvCxnSpPr>
+          <p:cNvPr id="12" name="直線矢印コネクタ 11">
+            <a:extLst>
+              <a:ext uri="{FF2B5EF4-FFF2-40B4-BE49-F238E27FC236}">
+                <a16:creationId xmlns:a16="http://schemas.microsoft.com/office/drawing/2014/main" id="{99F53502-4041-4CE6-AC6A-3345B4549E5D}"/>
+              </a:ext>
+            </a:extLst>
+          </p:cNvPr>
+          <p:cNvCxnSpPr>
+            <a:cxnSpLocks/>
+          </p:cNvCxnSpPr>
+          <p:nvPr/>
+        </p:nvCxnSpPr>
+        <p:spPr>
+          <a:xfrm flipH="1">
+            <a:off x="9979159" y="837011"/>
+            <a:ext cx="1726" cy="746324"/>
+          </a:xfrm>
+          <a:prstGeom prst="straightConnector1">
+            <a:avLst/>
+          </a:prstGeom>
+          <a:ln w="28575">
+            <a:solidFill>
+              <a:schemeClr val="tx1"/>
+            </a:solidFill>
+            <a:tailEnd type="none"/>
+          </a:ln>
+        </p:spPr>
+        <p:style>
+          <a:lnRef idx="1">
+            <a:schemeClr val="accent1"/>
+          </a:lnRef>
+          <a:fillRef idx="0">
+            <a:schemeClr val="accent1"/>
+          </a:fillRef>
+          <a:effectRef idx="0">
+            <a:schemeClr val="accent1"/>
+          </a:effectRef>
+          <a:fontRef idx="minor">
+            <a:schemeClr val="tx1"/>
+          </a:fontRef>
+        </p:style>
+      </p:cxnSp>
+      <p:cxnSp>
+        <p:nvCxnSpPr>
+          <p:cNvPr id="13" name="直線矢印コネクタ 12">
+            <a:extLst>
+              <a:ext uri="{FF2B5EF4-FFF2-40B4-BE49-F238E27FC236}">
+                <a16:creationId xmlns:a16="http://schemas.microsoft.com/office/drawing/2014/main" id="{9B810B79-38D6-4583-A732-469AED4DFCA2}"/>
+              </a:ext>
+            </a:extLst>
+          </p:cNvPr>
+          <p:cNvCxnSpPr>
+            <a:cxnSpLocks/>
+          </p:cNvCxnSpPr>
+          <p:nvPr/>
+        </p:nvCxnSpPr>
+        <p:spPr>
+          <a:xfrm flipH="1">
+            <a:off x="10817358" y="837011"/>
+            <a:ext cx="1726" cy="746324"/>
+          </a:xfrm>
+          <a:prstGeom prst="straightConnector1">
+            <a:avLst/>
+          </a:prstGeom>
+          <a:ln w="28575">
+            <a:solidFill>
+              <a:schemeClr val="tx1"/>
+            </a:solidFill>
+            <a:tailEnd type="none"/>
+          </a:ln>
+        </p:spPr>
+        <p:style>
+          <a:lnRef idx="1">
+            <a:schemeClr val="accent1"/>
+          </a:lnRef>
+          <a:fillRef idx="0">
+            <a:schemeClr val="accent1"/>
+          </a:fillRef>
+          <a:effectRef idx="0">
+            <a:schemeClr val="accent1"/>
+          </a:effectRef>
+          <a:fontRef idx="minor">
+            <a:schemeClr val="tx1"/>
+          </a:fontRef>
+        </p:style>
+      </p:cxnSp>
+      <p:cxnSp>
+        <p:nvCxnSpPr>
+          <p:cNvPr id="14" name="直線矢印コネクタ 13">
+            <a:extLst>
+              <a:ext uri="{FF2B5EF4-FFF2-40B4-BE49-F238E27FC236}">
+                <a16:creationId xmlns:a16="http://schemas.microsoft.com/office/drawing/2014/main" id="{BD5E7277-2ADB-406A-948E-F1FE9636DF9F}"/>
+              </a:ext>
+            </a:extLst>
+          </p:cNvPr>
+          <p:cNvCxnSpPr>
+            <a:cxnSpLocks/>
+          </p:cNvCxnSpPr>
+          <p:nvPr/>
+        </p:nvCxnSpPr>
+        <p:spPr>
+          <a:xfrm flipH="1">
+            <a:off x="11655553" y="837011"/>
+            <a:ext cx="1726" cy="746324"/>
+          </a:xfrm>
+          <a:prstGeom prst="straightConnector1">
+            <a:avLst/>
+          </a:prstGeom>
+          <a:ln w="28575">
+            <a:solidFill>
+              <a:schemeClr val="tx1"/>
+            </a:solidFill>
+            <a:tailEnd type="none"/>
+          </a:ln>
+        </p:spPr>
+        <p:style>
+          <a:lnRef idx="1">
+            <a:schemeClr val="accent1"/>
+          </a:lnRef>
+          <a:fillRef idx="0">
+            <a:schemeClr val="accent1"/>
+          </a:fillRef>
+          <a:effectRef idx="0">
+            <a:schemeClr val="accent1"/>
+          </a:effectRef>
+          <a:fontRef idx="minor">
+            <a:schemeClr val="tx1"/>
+          </a:fontRef>
+        </p:style>
+      </p:cxnSp>
+      <p:sp>
+        <p:nvSpPr>
+          <p:cNvPr id="16" name="テキスト ボックス 15">
+            <a:extLst>
+              <a:ext uri="{FF2B5EF4-FFF2-40B4-BE49-F238E27FC236}">
+                <a16:creationId xmlns:a16="http://schemas.microsoft.com/office/drawing/2014/main" id="{56838470-23F0-410A-8A80-4268AF656801}"/>
+              </a:ext>
+            </a:extLst>
+          </p:cNvPr>
+          <p:cNvSpPr txBox="1"/>
+          <p:nvPr/>
+        </p:nvSpPr>
+        <p:spPr>
+          <a:xfrm>
+            <a:off x="427003" y="2647572"/>
+            <a:ext cx="707245" cy="369332"/>
+          </a:xfrm>
+          <a:prstGeom prst="rect">
+            <a:avLst/>
+          </a:prstGeom>
+          <a:noFill/>
+        </p:spPr>
+        <p:txBody>
+          <a:bodyPr wrap="none" rtlCol="0">
+            <a:spAutoFit/>
+          </a:bodyPr>
+          <a:lstStyle/>
+          <a:p>
+            <a:pPr algn="ctr"/>
+            <a:r>
+              <a:rPr lang="en-US" altLang="ja-JP" dirty="0"/>
+              <a:t>After</a:t>
+            </a:r>
+            <a:endParaRPr kumimoji="1" lang="ja-JP" altLang="en-US" dirty="0"/>
+          </a:p>
+        </p:txBody>
+      </p:sp>
+      <p:sp>
+        <p:nvSpPr>
+          <p:cNvPr id="18" name="テキスト ボックス 17">
+            <a:extLst>
+              <a:ext uri="{FF2B5EF4-FFF2-40B4-BE49-F238E27FC236}">
+                <a16:creationId xmlns:a16="http://schemas.microsoft.com/office/drawing/2014/main" id="{CF8BA435-6D33-467F-9196-C2789274EABA}"/>
+              </a:ext>
+            </a:extLst>
+          </p:cNvPr>
+          <p:cNvSpPr txBox="1"/>
+          <p:nvPr/>
+        </p:nvSpPr>
+        <p:spPr>
+          <a:xfrm>
+            <a:off x="334831" y="1922518"/>
+            <a:ext cx="891591" cy="369332"/>
+          </a:xfrm>
+          <a:prstGeom prst="rect">
+            <a:avLst/>
+          </a:prstGeom>
+          <a:noFill/>
+        </p:spPr>
+        <p:txBody>
+          <a:bodyPr wrap="none" rtlCol="0">
+            <a:spAutoFit/>
+          </a:bodyPr>
+          <a:lstStyle/>
+          <a:p>
+            <a:pPr algn="ctr"/>
+            <a:r>
+              <a:rPr kumimoji="1" lang="en-US" altLang="ja-JP" dirty="0"/>
+              <a:t>Before</a:t>
+            </a:r>
+            <a:endParaRPr kumimoji="1" lang="ja-JP" altLang="en-US" dirty="0"/>
+          </a:p>
+        </p:txBody>
+      </p:sp>
+      <p:sp>
+        <p:nvSpPr>
+          <p:cNvPr id="20" name="楕円 19">
+            <a:extLst>
+              <a:ext uri="{FF2B5EF4-FFF2-40B4-BE49-F238E27FC236}">
+                <a16:creationId xmlns:a16="http://schemas.microsoft.com/office/drawing/2014/main" id="{A2ED91C8-ABE6-4F9C-B437-D8C675B62454}"/>
+              </a:ext>
+            </a:extLst>
+          </p:cNvPr>
+          <p:cNvSpPr/>
+          <p:nvPr/>
+        </p:nvSpPr>
+        <p:spPr>
+          <a:xfrm>
+            <a:off x="1529209" y="2764278"/>
+            <a:ext cx="135920" cy="135920"/>
+          </a:xfrm>
+          <a:prstGeom prst="ellipse">
+            <a:avLst/>
+          </a:prstGeom>
+        </p:spPr>
+        <p:style>
+          <a:lnRef idx="2">
+            <a:schemeClr val="accent1">
+              <a:shade val="50000"/>
+            </a:schemeClr>
+          </a:lnRef>
+          <a:fillRef idx="1">
+            <a:schemeClr val="accent1"/>
+          </a:fillRef>
+          <a:effectRef idx="0">
+            <a:schemeClr val="accent1"/>
+          </a:effectRef>
+          <a:fontRef idx="minor">
+            <a:schemeClr val="lt1"/>
+          </a:fontRef>
+        </p:style>
+        <p:txBody>
+          <a:bodyPr rtlCol="0" anchor="ctr"/>
+          <a:lstStyle/>
+          <a:p>
+            <a:pPr algn="ctr"/>
+            <a:endParaRPr kumimoji="1" lang="ja-JP" altLang="en-US"/>
+          </a:p>
+        </p:txBody>
+      </p:sp>
+      <p:sp>
+        <p:nvSpPr>
+          <p:cNvPr id="22" name="楕円 21">
+            <a:extLst>
+              <a:ext uri="{FF2B5EF4-FFF2-40B4-BE49-F238E27FC236}">
+                <a16:creationId xmlns:a16="http://schemas.microsoft.com/office/drawing/2014/main" id="{50589727-96C5-429A-978C-91AE2BE32CED}"/>
+              </a:ext>
+            </a:extLst>
+          </p:cNvPr>
+          <p:cNvSpPr/>
+          <p:nvPr/>
+        </p:nvSpPr>
+        <p:spPr>
+          <a:xfrm>
+            <a:off x="2367408" y="2764278"/>
+            <a:ext cx="135920" cy="135920"/>
+          </a:xfrm>
+          <a:prstGeom prst="ellipse">
+            <a:avLst/>
+          </a:prstGeom>
+        </p:spPr>
+        <p:style>
+          <a:lnRef idx="2">
+            <a:schemeClr val="accent1">
+              <a:shade val="50000"/>
+            </a:schemeClr>
+          </a:lnRef>
+          <a:fillRef idx="1">
+            <a:schemeClr val="accent1"/>
+          </a:fillRef>
+          <a:effectRef idx="0">
+            <a:schemeClr val="accent1"/>
+          </a:effectRef>
+          <a:fontRef idx="minor">
+            <a:schemeClr val="lt1"/>
+          </a:fontRef>
+        </p:style>
+        <p:txBody>
+          <a:bodyPr rtlCol="0" anchor="ctr"/>
+          <a:lstStyle/>
+          <a:p>
+            <a:pPr algn="ctr"/>
+            <a:endParaRPr kumimoji="1" lang="ja-JP" altLang="en-US"/>
+          </a:p>
+        </p:txBody>
+      </p:sp>
+      <p:sp>
+        <p:nvSpPr>
+          <p:cNvPr id="24" name="楕円 23">
+            <a:extLst>
+              <a:ext uri="{FF2B5EF4-FFF2-40B4-BE49-F238E27FC236}">
+                <a16:creationId xmlns:a16="http://schemas.microsoft.com/office/drawing/2014/main" id="{09D92C70-9515-4C65-99B1-B78EFF85F974}"/>
+              </a:ext>
+            </a:extLst>
+          </p:cNvPr>
+          <p:cNvSpPr/>
+          <p:nvPr/>
+        </p:nvSpPr>
+        <p:spPr>
+          <a:xfrm>
+            <a:off x="3205607" y="2764278"/>
+            <a:ext cx="135920" cy="135920"/>
+          </a:xfrm>
+          <a:prstGeom prst="ellipse">
+            <a:avLst/>
+          </a:prstGeom>
+        </p:spPr>
+        <p:style>
+          <a:lnRef idx="2">
+            <a:schemeClr val="accent1">
+              <a:shade val="50000"/>
+            </a:schemeClr>
+          </a:lnRef>
+          <a:fillRef idx="1">
+            <a:schemeClr val="accent1"/>
+          </a:fillRef>
+          <a:effectRef idx="0">
+            <a:schemeClr val="accent1"/>
+          </a:effectRef>
+          <a:fontRef idx="minor">
+            <a:schemeClr val="lt1"/>
+          </a:fontRef>
+        </p:style>
+        <p:txBody>
+          <a:bodyPr rtlCol="0" anchor="ctr"/>
+          <a:lstStyle/>
+          <a:p>
+            <a:pPr algn="ctr"/>
+            <a:endParaRPr kumimoji="1" lang="ja-JP" altLang="en-US"/>
+          </a:p>
+        </p:txBody>
+      </p:sp>
+      <p:sp>
+        <p:nvSpPr>
+          <p:cNvPr id="26" name="楕円 25">
+            <a:extLst>
+              <a:ext uri="{FF2B5EF4-FFF2-40B4-BE49-F238E27FC236}">
+                <a16:creationId xmlns:a16="http://schemas.microsoft.com/office/drawing/2014/main" id="{AA4F0D5C-F566-4357-A541-ACB28E89B483}"/>
+              </a:ext>
+            </a:extLst>
+          </p:cNvPr>
+          <p:cNvSpPr/>
+          <p:nvPr/>
+        </p:nvSpPr>
+        <p:spPr>
+          <a:xfrm>
+            <a:off x="4043806" y="2764278"/>
+            <a:ext cx="135920" cy="135920"/>
+          </a:xfrm>
+          <a:prstGeom prst="ellipse">
+            <a:avLst/>
+          </a:prstGeom>
+        </p:spPr>
+        <p:style>
+          <a:lnRef idx="2">
+            <a:schemeClr val="accent1">
+              <a:shade val="50000"/>
+            </a:schemeClr>
+          </a:lnRef>
+          <a:fillRef idx="1">
+            <a:schemeClr val="accent1"/>
+          </a:fillRef>
+          <a:effectRef idx="0">
+            <a:schemeClr val="accent1"/>
+          </a:effectRef>
+          <a:fontRef idx="minor">
+            <a:schemeClr val="lt1"/>
+          </a:fontRef>
+        </p:style>
+        <p:txBody>
+          <a:bodyPr rtlCol="0" anchor="ctr"/>
+          <a:lstStyle/>
+          <a:p>
+            <a:pPr algn="ctr"/>
+            <a:endParaRPr kumimoji="1" lang="ja-JP" altLang="en-US"/>
+          </a:p>
+        </p:txBody>
+      </p:sp>
+      <p:sp>
+        <p:nvSpPr>
+          <p:cNvPr id="28" name="楕円 27">
+            <a:extLst>
+              <a:ext uri="{FF2B5EF4-FFF2-40B4-BE49-F238E27FC236}">
+                <a16:creationId xmlns:a16="http://schemas.microsoft.com/office/drawing/2014/main" id="{A8E8D212-6253-488C-91C3-EF86395C0A2D}"/>
+              </a:ext>
+            </a:extLst>
+          </p:cNvPr>
+          <p:cNvSpPr/>
+          <p:nvPr/>
+        </p:nvSpPr>
+        <p:spPr>
+          <a:xfrm>
+            <a:off x="4882005" y="2764278"/>
+            <a:ext cx="135920" cy="135920"/>
+          </a:xfrm>
+          <a:prstGeom prst="ellipse">
+            <a:avLst/>
+          </a:prstGeom>
+        </p:spPr>
+        <p:style>
+          <a:lnRef idx="2">
+            <a:schemeClr val="accent1">
+              <a:shade val="50000"/>
+            </a:schemeClr>
+          </a:lnRef>
+          <a:fillRef idx="1">
+            <a:schemeClr val="accent1"/>
+          </a:fillRef>
+          <a:effectRef idx="0">
+            <a:schemeClr val="accent1"/>
+          </a:effectRef>
+          <a:fontRef idx="minor">
+            <a:schemeClr val="lt1"/>
+          </a:fontRef>
+        </p:style>
+        <p:txBody>
+          <a:bodyPr rtlCol="0" anchor="ctr"/>
+          <a:lstStyle/>
+          <a:p>
+            <a:pPr algn="ctr"/>
+            <a:endParaRPr kumimoji="1" lang="ja-JP" altLang="en-US"/>
+          </a:p>
+        </p:txBody>
+      </p:sp>
+      <p:sp>
+        <p:nvSpPr>
+          <p:cNvPr id="30" name="楕円 29">
+            <a:extLst>
+              <a:ext uri="{FF2B5EF4-FFF2-40B4-BE49-F238E27FC236}">
+                <a16:creationId xmlns:a16="http://schemas.microsoft.com/office/drawing/2014/main" id="{31E5D7BE-C844-4638-B455-3275C05CC2B0}"/>
+              </a:ext>
+            </a:extLst>
+          </p:cNvPr>
+          <p:cNvSpPr/>
+          <p:nvPr/>
+        </p:nvSpPr>
+        <p:spPr>
+          <a:xfrm>
+            <a:off x="5720204" y="2764278"/>
+            <a:ext cx="135920" cy="135920"/>
+          </a:xfrm>
+          <a:prstGeom prst="ellipse">
+            <a:avLst/>
+          </a:prstGeom>
+        </p:spPr>
+        <p:style>
+          <a:lnRef idx="2">
+            <a:schemeClr val="accent1">
+              <a:shade val="50000"/>
+            </a:schemeClr>
+          </a:lnRef>
+          <a:fillRef idx="1">
+            <a:schemeClr val="accent1"/>
+          </a:fillRef>
+          <a:effectRef idx="0">
+            <a:schemeClr val="accent1"/>
+          </a:effectRef>
+          <a:fontRef idx="minor">
+            <a:schemeClr val="lt1"/>
+          </a:fontRef>
+        </p:style>
+        <p:txBody>
+          <a:bodyPr rtlCol="0" anchor="ctr"/>
+          <a:lstStyle/>
+          <a:p>
+            <a:pPr algn="ctr"/>
+            <a:endParaRPr kumimoji="1" lang="ja-JP" altLang="en-US"/>
+          </a:p>
+        </p:txBody>
+      </p:sp>
+      <p:sp>
+        <p:nvSpPr>
+          <p:cNvPr id="32" name="楕円 31">
+            <a:extLst>
+              <a:ext uri="{FF2B5EF4-FFF2-40B4-BE49-F238E27FC236}">
+                <a16:creationId xmlns:a16="http://schemas.microsoft.com/office/drawing/2014/main" id="{DA8E1918-79A1-4722-B597-1567F2063524}"/>
+              </a:ext>
+            </a:extLst>
+          </p:cNvPr>
+          <p:cNvSpPr/>
+          <p:nvPr/>
+        </p:nvSpPr>
+        <p:spPr>
+          <a:xfrm>
+            <a:off x="6558403" y="2764278"/>
+            <a:ext cx="135920" cy="135920"/>
+          </a:xfrm>
+          <a:prstGeom prst="ellipse">
+            <a:avLst/>
+          </a:prstGeom>
+        </p:spPr>
+        <p:style>
+          <a:lnRef idx="2">
+            <a:schemeClr val="accent1">
+              <a:shade val="50000"/>
+            </a:schemeClr>
+          </a:lnRef>
+          <a:fillRef idx="1">
+            <a:schemeClr val="accent1"/>
+          </a:fillRef>
+          <a:effectRef idx="0">
+            <a:schemeClr val="accent1"/>
+          </a:effectRef>
+          <a:fontRef idx="minor">
+            <a:schemeClr val="lt1"/>
+          </a:fontRef>
+        </p:style>
+        <p:txBody>
+          <a:bodyPr rtlCol="0" anchor="ctr"/>
+          <a:lstStyle/>
+          <a:p>
+            <a:pPr algn="ctr"/>
+            <a:endParaRPr kumimoji="1" lang="ja-JP" altLang="en-US"/>
+          </a:p>
+        </p:txBody>
+      </p:sp>
+      <p:sp>
+        <p:nvSpPr>
+          <p:cNvPr id="34" name="楕円 33">
+            <a:extLst>
+              <a:ext uri="{FF2B5EF4-FFF2-40B4-BE49-F238E27FC236}">
+                <a16:creationId xmlns:a16="http://schemas.microsoft.com/office/drawing/2014/main" id="{6D0452ED-A8B9-456B-AFDB-9682A4B58B91}"/>
+              </a:ext>
+            </a:extLst>
+          </p:cNvPr>
+          <p:cNvSpPr/>
+          <p:nvPr/>
+        </p:nvSpPr>
+        <p:spPr>
+          <a:xfrm>
+            <a:off x="7396602" y="2764278"/>
+            <a:ext cx="135920" cy="135920"/>
+          </a:xfrm>
+          <a:prstGeom prst="ellipse">
+            <a:avLst/>
+          </a:prstGeom>
+        </p:spPr>
+        <p:style>
+          <a:lnRef idx="2">
+            <a:schemeClr val="accent1">
+              <a:shade val="50000"/>
+            </a:schemeClr>
+          </a:lnRef>
+          <a:fillRef idx="1">
+            <a:schemeClr val="accent1"/>
+          </a:fillRef>
+          <a:effectRef idx="0">
+            <a:schemeClr val="accent1"/>
+          </a:effectRef>
+          <a:fontRef idx="minor">
+            <a:schemeClr val="lt1"/>
+          </a:fontRef>
+        </p:style>
+        <p:txBody>
+          <a:bodyPr rtlCol="0" anchor="ctr"/>
+          <a:lstStyle/>
+          <a:p>
+            <a:pPr algn="ctr"/>
+            <a:endParaRPr kumimoji="1" lang="ja-JP" altLang="en-US"/>
+          </a:p>
+        </p:txBody>
+      </p:sp>
+      <p:sp>
+        <p:nvSpPr>
+          <p:cNvPr id="42" name="楕円 41">
+            <a:extLst>
+              <a:ext uri="{FF2B5EF4-FFF2-40B4-BE49-F238E27FC236}">
+                <a16:creationId xmlns:a16="http://schemas.microsoft.com/office/drawing/2014/main" id="{0613CEBF-1264-44DD-B1D4-5F551E9069EC}"/>
+              </a:ext>
+            </a:extLst>
+          </p:cNvPr>
+          <p:cNvSpPr/>
+          <p:nvPr/>
+        </p:nvSpPr>
+        <p:spPr>
+          <a:xfrm>
+            <a:off x="10749398" y="2764278"/>
+            <a:ext cx="135920" cy="135920"/>
+          </a:xfrm>
+          <a:prstGeom prst="ellipse">
+            <a:avLst/>
+          </a:prstGeom>
+        </p:spPr>
+        <p:style>
+          <a:lnRef idx="2">
+            <a:schemeClr val="accent1">
+              <a:shade val="50000"/>
+            </a:schemeClr>
+          </a:lnRef>
+          <a:fillRef idx="1">
+            <a:schemeClr val="accent1"/>
+          </a:fillRef>
+          <a:effectRef idx="0">
+            <a:schemeClr val="accent1"/>
+          </a:effectRef>
+          <a:fontRef idx="minor">
+            <a:schemeClr val="lt1"/>
+          </a:fontRef>
+        </p:style>
+        <p:txBody>
+          <a:bodyPr rtlCol="0" anchor="ctr"/>
+          <a:lstStyle/>
+          <a:p>
+            <a:pPr algn="ctr"/>
+            <a:endParaRPr kumimoji="1" lang="ja-JP" altLang="en-US"/>
+          </a:p>
+        </p:txBody>
+      </p:sp>
+      <p:sp>
+        <p:nvSpPr>
+          <p:cNvPr id="44" name="楕円 43">
+            <a:extLst>
+              <a:ext uri="{FF2B5EF4-FFF2-40B4-BE49-F238E27FC236}">
+                <a16:creationId xmlns:a16="http://schemas.microsoft.com/office/drawing/2014/main" id="{1964F901-6C06-4F6F-A278-4E79B8CE917F}"/>
+              </a:ext>
+            </a:extLst>
+          </p:cNvPr>
+          <p:cNvSpPr/>
+          <p:nvPr/>
+        </p:nvSpPr>
+        <p:spPr>
+          <a:xfrm>
+            <a:off x="11587597" y="2764278"/>
+            <a:ext cx="135920" cy="135920"/>
+          </a:xfrm>
+          <a:prstGeom prst="ellipse">
+            <a:avLst/>
+          </a:prstGeom>
+        </p:spPr>
+        <p:style>
+          <a:lnRef idx="2">
+            <a:schemeClr val="accent1">
+              <a:shade val="50000"/>
+            </a:schemeClr>
+          </a:lnRef>
+          <a:fillRef idx="1">
+            <a:schemeClr val="accent1"/>
+          </a:fillRef>
+          <a:effectRef idx="0">
+            <a:schemeClr val="accent1"/>
+          </a:effectRef>
+          <a:fontRef idx="minor">
+            <a:schemeClr val="lt1"/>
+          </a:fontRef>
+        </p:style>
+        <p:txBody>
+          <a:bodyPr rtlCol="0" anchor="ctr"/>
+          <a:lstStyle/>
+          <a:p>
+            <a:pPr algn="ctr"/>
+            <a:endParaRPr kumimoji="1" lang="ja-JP" altLang="en-US"/>
+          </a:p>
+        </p:txBody>
+      </p:sp>
+      <p:sp>
+        <p:nvSpPr>
+          <p:cNvPr id="46" name="楕円 45">
+            <a:extLst>
+              <a:ext uri="{FF2B5EF4-FFF2-40B4-BE49-F238E27FC236}">
+                <a16:creationId xmlns:a16="http://schemas.microsoft.com/office/drawing/2014/main" id="{5E53AB2B-D47F-42E0-A470-DD6EAAFBCC47}"/>
+              </a:ext>
+            </a:extLst>
+          </p:cNvPr>
+          <p:cNvSpPr/>
+          <p:nvPr/>
+        </p:nvSpPr>
+        <p:spPr>
+          <a:xfrm>
+            <a:off x="1529209" y="2021957"/>
+            <a:ext cx="135920" cy="135920"/>
+          </a:xfrm>
+          <a:prstGeom prst="ellipse">
+            <a:avLst/>
+          </a:prstGeom>
+        </p:spPr>
+        <p:style>
+          <a:lnRef idx="2">
+            <a:schemeClr val="accent1">
+              <a:shade val="50000"/>
+            </a:schemeClr>
+          </a:lnRef>
+          <a:fillRef idx="1">
+            <a:schemeClr val="accent1"/>
+          </a:fillRef>
+          <a:effectRef idx="0">
+            <a:schemeClr val="accent1"/>
+          </a:effectRef>
+          <a:fontRef idx="minor">
+            <a:schemeClr val="lt1"/>
+          </a:fontRef>
+        </p:style>
+        <p:txBody>
+          <a:bodyPr rtlCol="0" anchor="ctr"/>
+          <a:lstStyle/>
+          <a:p>
+            <a:pPr algn="ctr"/>
+            <a:endParaRPr kumimoji="1" lang="ja-JP" altLang="en-US"/>
+          </a:p>
+        </p:txBody>
+      </p:sp>
+      <p:sp>
+        <p:nvSpPr>
+          <p:cNvPr id="48" name="楕円 47">
+            <a:extLst>
+              <a:ext uri="{FF2B5EF4-FFF2-40B4-BE49-F238E27FC236}">
+                <a16:creationId xmlns:a16="http://schemas.microsoft.com/office/drawing/2014/main" id="{92564360-7182-458B-83A7-B4545B828F55}"/>
+              </a:ext>
+            </a:extLst>
+          </p:cNvPr>
+          <p:cNvSpPr/>
+          <p:nvPr/>
+        </p:nvSpPr>
+        <p:spPr>
+          <a:xfrm>
+            <a:off x="3069687" y="2021957"/>
+            <a:ext cx="135920" cy="135920"/>
+          </a:xfrm>
+          <a:prstGeom prst="ellipse">
+            <a:avLst/>
+          </a:prstGeom>
+        </p:spPr>
+        <p:style>
+          <a:lnRef idx="2">
+            <a:schemeClr val="accent1">
+              <a:shade val="50000"/>
+            </a:schemeClr>
+          </a:lnRef>
+          <a:fillRef idx="1">
+            <a:schemeClr val="accent1"/>
+          </a:fillRef>
+          <a:effectRef idx="0">
+            <a:schemeClr val="accent1"/>
+          </a:effectRef>
+          <a:fontRef idx="minor">
+            <a:schemeClr val="lt1"/>
+          </a:fontRef>
+        </p:style>
+        <p:txBody>
+          <a:bodyPr rtlCol="0" anchor="ctr"/>
+          <a:lstStyle/>
+          <a:p>
+            <a:pPr algn="ctr"/>
+            <a:endParaRPr kumimoji="1" lang="ja-JP" altLang="en-US"/>
+          </a:p>
+        </p:txBody>
+      </p:sp>
+      <p:sp>
+        <p:nvSpPr>
+          <p:cNvPr id="50" name="楕円 49">
+            <a:extLst>
+              <a:ext uri="{FF2B5EF4-FFF2-40B4-BE49-F238E27FC236}">
+                <a16:creationId xmlns:a16="http://schemas.microsoft.com/office/drawing/2014/main" id="{8F262028-E34B-45BA-A007-4A946834B57C}"/>
+              </a:ext>
+            </a:extLst>
+          </p:cNvPr>
+          <p:cNvSpPr/>
+          <p:nvPr/>
+        </p:nvSpPr>
+        <p:spPr>
+          <a:xfrm>
+            <a:off x="4806017" y="2019880"/>
+            <a:ext cx="135920" cy="135920"/>
+          </a:xfrm>
+          <a:prstGeom prst="ellipse">
+            <a:avLst/>
+          </a:prstGeom>
+        </p:spPr>
+        <p:style>
+          <a:lnRef idx="2">
+            <a:schemeClr val="accent1">
+              <a:shade val="50000"/>
+            </a:schemeClr>
+          </a:lnRef>
+          <a:fillRef idx="1">
+            <a:schemeClr val="accent1"/>
+          </a:fillRef>
+          <a:effectRef idx="0">
+            <a:schemeClr val="accent1"/>
+          </a:effectRef>
+          <a:fontRef idx="minor">
+            <a:schemeClr val="lt1"/>
+          </a:fontRef>
+        </p:style>
+        <p:txBody>
+          <a:bodyPr rtlCol="0" anchor="ctr"/>
+          <a:lstStyle/>
+          <a:p>
+            <a:pPr algn="ctr"/>
+            <a:endParaRPr kumimoji="1" lang="ja-JP" altLang="en-US"/>
+          </a:p>
+        </p:txBody>
+      </p:sp>
+      <p:sp>
+        <p:nvSpPr>
+          <p:cNvPr id="52" name="楕円 51">
+            <a:extLst>
+              <a:ext uri="{FF2B5EF4-FFF2-40B4-BE49-F238E27FC236}">
+                <a16:creationId xmlns:a16="http://schemas.microsoft.com/office/drawing/2014/main" id="{AD6AE618-D3CE-461B-9E0D-76C80976CA41}"/>
+              </a:ext>
+            </a:extLst>
+          </p:cNvPr>
+          <p:cNvSpPr/>
+          <p:nvPr/>
+        </p:nvSpPr>
+        <p:spPr>
+          <a:xfrm>
+            <a:off x="4474833" y="2021957"/>
+            <a:ext cx="135920" cy="135920"/>
+          </a:xfrm>
+          <a:prstGeom prst="ellipse">
+            <a:avLst/>
+          </a:prstGeom>
+        </p:spPr>
+        <p:style>
+          <a:lnRef idx="2">
+            <a:schemeClr val="accent1">
+              <a:shade val="50000"/>
+            </a:schemeClr>
+          </a:lnRef>
+          <a:fillRef idx="1">
+            <a:schemeClr val="accent1"/>
+          </a:fillRef>
+          <a:effectRef idx="0">
+            <a:schemeClr val="accent1"/>
+          </a:effectRef>
+          <a:fontRef idx="minor">
+            <a:schemeClr val="lt1"/>
+          </a:fontRef>
+        </p:style>
+        <p:txBody>
+          <a:bodyPr rtlCol="0" anchor="ctr"/>
+          <a:lstStyle/>
+          <a:p>
+            <a:pPr algn="ctr"/>
+            <a:endParaRPr kumimoji="1" lang="ja-JP" altLang="en-US"/>
+          </a:p>
+        </p:txBody>
+      </p:sp>
+      <p:sp>
+        <p:nvSpPr>
+          <p:cNvPr id="54" name="楕円 53">
+            <a:extLst>
+              <a:ext uri="{FF2B5EF4-FFF2-40B4-BE49-F238E27FC236}">
+                <a16:creationId xmlns:a16="http://schemas.microsoft.com/office/drawing/2014/main" id="{D8D45912-7001-4D3A-8398-D79AE10FA0AA}"/>
+              </a:ext>
+            </a:extLst>
+          </p:cNvPr>
+          <p:cNvSpPr/>
+          <p:nvPr/>
+        </p:nvSpPr>
+        <p:spPr>
+          <a:xfrm>
+            <a:off x="3937852" y="2021957"/>
+            <a:ext cx="135920" cy="135920"/>
+          </a:xfrm>
+          <a:prstGeom prst="ellipse">
+            <a:avLst/>
+          </a:prstGeom>
+        </p:spPr>
+        <p:style>
+          <a:lnRef idx="2">
+            <a:schemeClr val="accent1">
+              <a:shade val="50000"/>
+            </a:schemeClr>
+          </a:lnRef>
+          <a:fillRef idx="1">
+            <a:schemeClr val="accent1"/>
+          </a:fillRef>
+          <a:effectRef idx="0">
+            <a:schemeClr val="accent1"/>
+          </a:effectRef>
+          <a:fontRef idx="minor">
+            <a:schemeClr val="lt1"/>
+          </a:fontRef>
+        </p:style>
+        <p:txBody>
+          <a:bodyPr rtlCol="0" anchor="ctr"/>
+          <a:lstStyle/>
+          <a:p>
+            <a:pPr algn="ctr"/>
+            <a:endParaRPr kumimoji="1" lang="ja-JP" altLang="en-US"/>
+          </a:p>
+        </p:txBody>
+      </p:sp>
+      <p:sp>
+        <p:nvSpPr>
+          <p:cNvPr id="56" name="楕円 55">
+            <a:extLst>
+              <a:ext uri="{FF2B5EF4-FFF2-40B4-BE49-F238E27FC236}">
+                <a16:creationId xmlns:a16="http://schemas.microsoft.com/office/drawing/2014/main" id="{33067761-171C-45E7-975F-3BACEB692D0C}"/>
+              </a:ext>
+            </a:extLst>
+          </p:cNvPr>
+          <p:cNvSpPr/>
+          <p:nvPr/>
+        </p:nvSpPr>
+        <p:spPr>
+          <a:xfrm>
+            <a:off x="5176764" y="2027914"/>
+            <a:ext cx="135920" cy="135920"/>
+          </a:xfrm>
+          <a:prstGeom prst="ellipse">
+            <a:avLst/>
+          </a:prstGeom>
+        </p:spPr>
+        <p:style>
+          <a:lnRef idx="2">
+            <a:schemeClr val="accent1">
+              <a:shade val="50000"/>
+            </a:schemeClr>
+          </a:lnRef>
+          <a:fillRef idx="1">
+            <a:schemeClr val="accent1"/>
+          </a:fillRef>
+          <a:effectRef idx="0">
+            <a:schemeClr val="accent1"/>
+          </a:effectRef>
+          <a:fontRef idx="minor">
+            <a:schemeClr val="lt1"/>
+          </a:fontRef>
+        </p:style>
+        <p:txBody>
+          <a:bodyPr rtlCol="0" anchor="ctr"/>
+          <a:lstStyle/>
+          <a:p>
+            <a:pPr algn="ctr"/>
+            <a:endParaRPr kumimoji="1" lang="ja-JP" altLang="en-US"/>
+          </a:p>
+        </p:txBody>
+      </p:sp>
+      <p:sp>
+        <p:nvSpPr>
+          <p:cNvPr id="58" name="楕円 57">
+            <a:extLst>
+              <a:ext uri="{FF2B5EF4-FFF2-40B4-BE49-F238E27FC236}">
+                <a16:creationId xmlns:a16="http://schemas.microsoft.com/office/drawing/2014/main" id="{D1DE23C4-BEDD-42C3-A7FD-55B833B1A38C}"/>
+              </a:ext>
+            </a:extLst>
+          </p:cNvPr>
+          <p:cNvSpPr/>
+          <p:nvPr/>
+        </p:nvSpPr>
+        <p:spPr>
+          <a:xfrm>
+            <a:off x="5960080" y="2019880"/>
+            <a:ext cx="135920" cy="135920"/>
+          </a:xfrm>
+          <a:prstGeom prst="ellipse">
+            <a:avLst/>
+          </a:prstGeom>
+        </p:spPr>
+        <p:style>
+          <a:lnRef idx="2">
+            <a:schemeClr val="accent1">
+              <a:shade val="50000"/>
+            </a:schemeClr>
+          </a:lnRef>
+          <a:fillRef idx="1">
+            <a:schemeClr val="accent1"/>
+          </a:fillRef>
+          <a:effectRef idx="0">
+            <a:schemeClr val="accent1"/>
+          </a:effectRef>
+          <a:fontRef idx="minor">
+            <a:schemeClr val="lt1"/>
+          </a:fontRef>
+        </p:style>
+        <p:txBody>
+          <a:bodyPr rtlCol="0" anchor="ctr"/>
+          <a:lstStyle/>
+          <a:p>
+            <a:pPr algn="ctr"/>
+            <a:endParaRPr kumimoji="1" lang="ja-JP" altLang="en-US"/>
+          </a:p>
+        </p:txBody>
+      </p:sp>
+      <p:sp>
+        <p:nvSpPr>
+          <p:cNvPr id="60" name="楕円 59">
+            <a:extLst>
+              <a:ext uri="{FF2B5EF4-FFF2-40B4-BE49-F238E27FC236}">
+                <a16:creationId xmlns:a16="http://schemas.microsoft.com/office/drawing/2014/main" id="{9EF333E9-244E-4745-86D8-B447807E5C03}"/>
+              </a:ext>
+            </a:extLst>
+          </p:cNvPr>
+          <p:cNvSpPr/>
+          <p:nvPr/>
+        </p:nvSpPr>
+        <p:spPr>
+          <a:xfrm>
+            <a:off x="7071442" y="2027914"/>
+            <a:ext cx="135920" cy="135920"/>
+          </a:xfrm>
+          <a:prstGeom prst="ellipse">
+            <a:avLst/>
+          </a:prstGeom>
+        </p:spPr>
+        <p:style>
+          <a:lnRef idx="2">
+            <a:schemeClr val="accent1">
+              <a:shade val="50000"/>
+            </a:schemeClr>
+          </a:lnRef>
+          <a:fillRef idx="1">
+            <a:schemeClr val="accent1"/>
+          </a:fillRef>
+          <a:effectRef idx="0">
+            <a:schemeClr val="accent1"/>
+          </a:effectRef>
+          <a:fontRef idx="minor">
+            <a:schemeClr val="lt1"/>
+          </a:fontRef>
+        </p:style>
+        <p:txBody>
+          <a:bodyPr rtlCol="0" anchor="ctr"/>
+          <a:lstStyle/>
+          <a:p>
+            <a:pPr algn="ctr"/>
+            <a:endParaRPr kumimoji="1" lang="ja-JP" altLang="en-US"/>
+          </a:p>
+        </p:txBody>
+      </p:sp>
+      <p:sp>
+        <p:nvSpPr>
+          <p:cNvPr id="62" name="楕円 61">
+            <a:extLst>
+              <a:ext uri="{FF2B5EF4-FFF2-40B4-BE49-F238E27FC236}">
+                <a16:creationId xmlns:a16="http://schemas.microsoft.com/office/drawing/2014/main" id="{37437B43-5D1E-415C-8CEF-516D7605BFCE}"/>
+              </a:ext>
+            </a:extLst>
+          </p:cNvPr>
+          <p:cNvSpPr/>
+          <p:nvPr/>
+        </p:nvSpPr>
+        <p:spPr>
+          <a:xfrm>
+            <a:off x="10749398" y="2019880"/>
+            <a:ext cx="135920" cy="135920"/>
+          </a:xfrm>
+          <a:prstGeom prst="ellipse">
+            <a:avLst/>
+          </a:prstGeom>
+        </p:spPr>
+        <p:style>
+          <a:lnRef idx="2">
+            <a:schemeClr val="accent1">
+              <a:shade val="50000"/>
+            </a:schemeClr>
+          </a:lnRef>
+          <a:fillRef idx="1">
+            <a:schemeClr val="accent1"/>
+          </a:fillRef>
+          <a:effectRef idx="0">
+            <a:schemeClr val="accent1"/>
+          </a:effectRef>
+          <a:fontRef idx="minor">
+            <a:schemeClr val="lt1"/>
+          </a:fontRef>
+        </p:style>
+        <p:txBody>
+          <a:bodyPr rtlCol="0" anchor="ctr"/>
+          <a:lstStyle/>
+          <a:p>
+            <a:pPr algn="ctr"/>
+            <a:endParaRPr kumimoji="1" lang="ja-JP" altLang="en-US"/>
+          </a:p>
+        </p:txBody>
+      </p:sp>
+      <p:sp>
+        <p:nvSpPr>
+          <p:cNvPr id="64" name="楕円 63">
+            <a:extLst>
+              <a:ext uri="{FF2B5EF4-FFF2-40B4-BE49-F238E27FC236}">
+                <a16:creationId xmlns:a16="http://schemas.microsoft.com/office/drawing/2014/main" id="{9EEAAA7D-726D-4210-A73F-BBE3E7B51AB8}"/>
+              </a:ext>
+            </a:extLst>
+          </p:cNvPr>
+          <p:cNvSpPr/>
+          <p:nvPr/>
+        </p:nvSpPr>
+        <p:spPr>
+          <a:xfrm>
+            <a:off x="11857169" y="2027914"/>
+            <a:ext cx="135920" cy="135920"/>
+          </a:xfrm>
+          <a:prstGeom prst="ellipse">
+            <a:avLst/>
+          </a:prstGeom>
+        </p:spPr>
+        <p:style>
+          <a:lnRef idx="2">
+            <a:schemeClr val="accent1">
+              <a:shade val="50000"/>
+            </a:schemeClr>
+          </a:lnRef>
+          <a:fillRef idx="1">
+            <a:schemeClr val="accent1"/>
+          </a:fillRef>
+          <a:effectRef idx="0">
+            <a:schemeClr val="accent1"/>
+          </a:effectRef>
+          <a:fontRef idx="minor">
+            <a:schemeClr val="lt1"/>
+          </a:fontRef>
+        </p:style>
+        <p:txBody>
+          <a:bodyPr rtlCol="0" anchor="ctr"/>
+          <a:lstStyle/>
+          <a:p>
+            <a:pPr algn="ctr"/>
+            <a:endParaRPr kumimoji="1" lang="ja-JP" altLang="en-US"/>
+          </a:p>
+        </p:txBody>
+      </p:sp>
+      <p:sp>
+        <p:nvSpPr>
+          <p:cNvPr id="65" name="乗算記号 64">
+            <a:extLst>
+              <a:ext uri="{FF2B5EF4-FFF2-40B4-BE49-F238E27FC236}">
+                <a16:creationId xmlns:a16="http://schemas.microsoft.com/office/drawing/2014/main" id="{435FD663-84F4-4F3A-91E1-45DD6A7D10C0}"/>
+              </a:ext>
+            </a:extLst>
+          </p:cNvPr>
+          <p:cNvSpPr/>
+          <p:nvPr/>
+        </p:nvSpPr>
+        <p:spPr>
+          <a:xfrm>
+            <a:off x="2949660" y="2638232"/>
+            <a:ext cx="375974" cy="369332"/>
+          </a:xfrm>
+          <a:prstGeom prst="mathMultiply">
+            <a:avLst>
+              <a:gd name="adj1" fmla="val 8368"/>
+            </a:avLst>
+          </a:prstGeom>
+          <a:solidFill>
+            <a:srgbClr val="FF0000"/>
+          </a:solidFill>
+        </p:spPr>
+        <p:style>
+          <a:lnRef idx="2">
+            <a:schemeClr val="accent1">
+              <a:shade val="50000"/>
+            </a:schemeClr>
+          </a:lnRef>
+          <a:fillRef idx="1">
+            <a:schemeClr val="accent1"/>
+          </a:fillRef>
+          <a:effectRef idx="0">
+            <a:schemeClr val="accent1"/>
+          </a:effectRef>
+          <a:fontRef idx="minor">
+            <a:schemeClr val="lt1"/>
+          </a:fontRef>
+        </p:style>
+        <p:txBody>
+          <a:bodyPr rtlCol="0" anchor="ctr"/>
+          <a:lstStyle/>
+          <a:p>
+            <a:pPr algn="ctr"/>
+            <a:endParaRPr kumimoji="1" lang="ja-JP" altLang="en-US"/>
+          </a:p>
+        </p:txBody>
+      </p:sp>
+      <p:sp>
+        <p:nvSpPr>
+          <p:cNvPr id="67" name="乗算記号 66">
+            <a:extLst>
+              <a:ext uri="{FF2B5EF4-FFF2-40B4-BE49-F238E27FC236}">
+                <a16:creationId xmlns:a16="http://schemas.microsoft.com/office/drawing/2014/main" id="{E7EAD7AA-BBDD-4744-894C-62FD18F55FFB}"/>
+              </a:ext>
+            </a:extLst>
+          </p:cNvPr>
+          <p:cNvSpPr/>
+          <p:nvPr/>
+        </p:nvSpPr>
+        <p:spPr>
+          <a:xfrm>
+            <a:off x="3813240" y="2628090"/>
+            <a:ext cx="375974" cy="369332"/>
+          </a:xfrm>
+          <a:prstGeom prst="mathMultiply">
+            <a:avLst>
+              <a:gd name="adj1" fmla="val 8368"/>
+            </a:avLst>
+          </a:prstGeom>
+          <a:solidFill>
+            <a:srgbClr val="FF0000"/>
+          </a:solidFill>
+        </p:spPr>
+        <p:style>
+          <a:lnRef idx="2">
+            <a:schemeClr val="accent1">
+              <a:shade val="50000"/>
+            </a:schemeClr>
+          </a:lnRef>
+          <a:fillRef idx="1">
+            <a:schemeClr val="accent1"/>
+          </a:fillRef>
+          <a:effectRef idx="0">
+            <a:schemeClr val="accent1"/>
+          </a:effectRef>
+          <a:fontRef idx="minor">
+            <a:schemeClr val="lt1"/>
+          </a:fontRef>
+        </p:style>
+        <p:txBody>
+          <a:bodyPr rtlCol="0" anchor="ctr"/>
+          <a:lstStyle/>
+          <a:p>
+            <a:pPr algn="ctr"/>
+            <a:endParaRPr kumimoji="1" lang="ja-JP" altLang="en-US"/>
+          </a:p>
+        </p:txBody>
+      </p:sp>
+      <p:sp>
+        <p:nvSpPr>
+          <p:cNvPr id="69" name="乗算記号 68">
+            <a:extLst>
+              <a:ext uri="{FF2B5EF4-FFF2-40B4-BE49-F238E27FC236}">
+                <a16:creationId xmlns:a16="http://schemas.microsoft.com/office/drawing/2014/main" id="{D8A875CE-9C97-4061-A9D0-67DC9E1B10E5}"/>
+              </a:ext>
+            </a:extLst>
+          </p:cNvPr>
+          <p:cNvSpPr/>
+          <p:nvPr/>
+        </p:nvSpPr>
+        <p:spPr>
+          <a:xfrm>
+            <a:off x="4354806" y="2633651"/>
+            <a:ext cx="375974" cy="369332"/>
+          </a:xfrm>
+          <a:prstGeom prst="mathMultiply">
+            <a:avLst>
+              <a:gd name="adj1" fmla="val 8368"/>
+            </a:avLst>
+          </a:prstGeom>
+          <a:solidFill>
+            <a:srgbClr val="FF0000"/>
+          </a:solidFill>
+        </p:spPr>
+        <p:style>
+          <a:lnRef idx="2">
+            <a:schemeClr val="accent1">
+              <a:shade val="50000"/>
+            </a:schemeClr>
+          </a:lnRef>
+          <a:fillRef idx="1">
+            <a:schemeClr val="accent1"/>
+          </a:fillRef>
+          <a:effectRef idx="0">
+            <a:schemeClr val="accent1"/>
+          </a:effectRef>
+          <a:fontRef idx="minor">
+            <a:schemeClr val="lt1"/>
+          </a:fontRef>
+        </p:style>
+        <p:txBody>
+          <a:bodyPr rtlCol="0" anchor="ctr"/>
+          <a:lstStyle/>
+          <a:p>
+            <a:pPr algn="ctr"/>
+            <a:endParaRPr kumimoji="1" lang="ja-JP" altLang="en-US"/>
+          </a:p>
+        </p:txBody>
+      </p:sp>
+      <p:sp>
+        <p:nvSpPr>
+          <p:cNvPr id="71" name="乗算記号 70">
+            <a:extLst>
+              <a:ext uri="{FF2B5EF4-FFF2-40B4-BE49-F238E27FC236}">
+                <a16:creationId xmlns:a16="http://schemas.microsoft.com/office/drawing/2014/main" id="{2E3DBED4-3682-457E-8F23-8A1261384782}"/>
+              </a:ext>
+            </a:extLst>
+          </p:cNvPr>
+          <p:cNvSpPr/>
+          <p:nvPr/>
+        </p:nvSpPr>
+        <p:spPr>
+          <a:xfrm>
+            <a:off x="4685990" y="2644390"/>
+            <a:ext cx="375974" cy="369332"/>
+          </a:xfrm>
+          <a:prstGeom prst="mathMultiply">
+            <a:avLst>
+              <a:gd name="adj1" fmla="val 8368"/>
+            </a:avLst>
+          </a:prstGeom>
+          <a:solidFill>
+            <a:srgbClr val="FF0000"/>
+          </a:solidFill>
+        </p:spPr>
+        <p:style>
+          <a:lnRef idx="2">
+            <a:schemeClr val="accent1">
+              <a:shade val="50000"/>
+            </a:schemeClr>
+          </a:lnRef>
+          <a:fillRef idx="1">
+            <a:schemeClr val="accent1"/>
+          </a:fillRef>
+          <a:effectRef idx="0">
+            <a:schemeClr val="accent1"/>
+          </a:effectRef>
+          <a:fontRef idx="minor">
+            <a:schemeClr val="lt1"/>
+          </a:fontRef>
+        </p:style>
+        <p:txBody>
+          <a:bodyPr rtlCol="0" anchor="ctr"/>
+          <a:lstStyle/>
+          <a:p>
+            <a:pPr algn="ctr"/>
+            <a:endParaRPr kumimoji="1" lang="ja-JP" altLang="en-US"/>
+          </a:p>
+        </p:txBody>
+      </p:sp>
+      <p:sp>
+        <p:nvSpPr>
+          <p:cNvPr id="73" name="乗算記号 72">
+            <a:extLst>
+              <a:ext uri="{FF2B5EF4-FFF2-40B4-BE49-F238E27FC236}">
+                <a16:creationId xmlns:a16="http://schemas.microsoft.com/office/drawing/2014/main" id="{6C39F293-AB4E-43B5-A940-D13083B237C7}"/>
+              </a:ext>
+            </a:extLst>
+          </p:cNvPr>
+          <p:cNvSpPr/>
+          <p:nvPr/>
+        </p:nvSpPr>
+        <p:spPr>
+          <a:xfrm>
+            <a:off x="5051888" y="2627130"/>
+            <a:ext cx="375974" cy="369332"/>
+          </a:xfrm>
+          <a:prstGeom prst="mathMultiply">
+            <a:avLst>
+              <a:gd name="adj1" fmla="val 8368"/>
+            </a:avLst>
+          </a:prstGeom>
+          <a:solidFill>
+            <a:srgbClr val="FF0000"/>
+          </a:solidFill>
+        </p:spPr>
+        <p:style>
+          <a:lnRef idx="2">
+            <a:schemeClr val="accent1">
+              <a:shade val="50000"/>
+            </a:schemeClr>
+          </a:lnRef>
+          <a:fillRef idx="1">
+            <a:schemeClr val="accent1"/>
+          </a:fillRef>
+          <a:effectRef idx="0">
+            <a:schemeClr val="accent1"/>
+          </a:effectRef>
+          <a:fontRef idx="minor">
+            <a:schemeClr val="lt1"/>
+          </a:fontRef>
+        </p:style>
+        <p:txBody>
+          <a:bodyPr rtlCol="0" anchor="ctr"/>
+          <a:lstStyle/>
+          <a:p>
+            <a:pPr algn="ctr"/>
+            <a:endParaRPr kumimoji="1" lang="ja-JP" altLang="en-US"/>
+          </a:p>
+        </p:txBody>
+      </p:sp>
+      <p:sp>
+        <p:nvSpPr>
+          <p:cNvPr id="75" name="乗算記号 74">
+            <a:extLst>
+              <a:ext uri="{FF2B5EF4-FFF2-40B4-BE49-F238E27FC236}">
+                <a16:creationId xmlns:a16="http://schemas.microsoft.com/office/drawing/2014/main" id="{689EEF9D-3C8A-401A-BC16-8DB8BDA7E0C7}"/>
+              </a:ext>
+            </a:extLst>
+          </p:cNvPr>
+          <p:cNvSpPr/>
+          <p:nvPr/>
+        </p:nvSpPr>
+        <p:spPr>
+          <a:xfrm>
+            <a:off x="5840053" y="2638765"/>
+            <a:ext cx="375974" cy="369332"/>
+          </a:xfrm>
+          <a:prstGeom prst="mathMultiply">
+            <a:avLst>
+              <a:gd name="adj1" fmla="val 8368"/>
+            </a:avLst>
+          </a:prstGeom>
+          <a:solidFill>
+            <a:srgbClr val="FF0000"/>
+          </a:solidFill>
+        </p:spPr>
+        <p:style>
+          <a:lnRef idx="2">
+            <a:schemeClr val="accent1">
+              <a:shade val="50000"/>
+            </a:schemeClr>
+          </a:lnRef>
+          <a:fillRef idx="1">
+            <a:schemeClr val="accent1"/>
+          </a:fillRef>
+          <a:effectRef idx="0">
+            <a:schemeClr val="accent1"/>
+          </a:effectRef>
+          <a:fontRef idx="minor">
+            <a:schemeClr val="lt1"/>
+          </a:fontRef>
+        </p:style>
+        <p:txBody>
+          <a:bodyPr rtlCol="0" anchor="ctr"/>
+          <a:lstStyle/>
+          <a:p>
+            <a:pPr algn="ctr"/>
+            <a:endParaRPr kumimoji="1" lang="ja-JP" altLang="en-US"/>
+          </a:p>
+        </p:txBody>
+      </p:sp>
+      <p:sp>
+        <p:nvSpPr>
+          <p:cNvPr id="77" name="乗算記号 76">
+            <a:extLst>
+              <a:ext uri="{FF2B5EF4-FFF2-40B4-BE49-F238E27FC236}">
+                <a16:creationId xmlns:a16="http://schemas.microsoft.com/office/drawing/2014/main" id="{EA9482CC-503B-4C36-9269-2F4326B26815}"/>
+              </a:ext>
+            </a:extLst>
+          </p:cNvPr>
+          <p:cNvSpPr/>
+          <p:nvPr/>
+        </p:nvSpPr>
+        <p:spPr>
+          <a:xfrm>
+            <a:off x="6951415" y="2624354"/>
+            <a:ext cx="375974" cy="369332"/>
+          </a:xfrm>
+          <a:prstGeom prst="mathMultiply">
+            <a:avLst>
+              <a:gd name="adj1" fmla="val 8368"/>
+            </a:avLst>
+          </a:prstGeom>
+          <a:solidFill>
+            <a:srgbClr val="FF0000"/>
+          </a:solidFill>
+        </p:spPr>
+        <p:style>
+          <a:lnRef idx="2">
+            <a:schemeClr val="accent1">
+              <a:shade val="50000"/>
+            </a:schemeClr>
+          </a:lnRef>
+          <a:fillRef idx="1">
+            <a:schemeClr val="accent1"/>
+          </a:fillRef>
+          <a:effectRef idx="0">
+            <a:schemeClr val="accent1"/>
+          </a:effectRef>
+          <a:fontRef idx="minor">
+            <a:schemeClr val="lt1"/>
+          </a:fontRef>
+        </p:style>
+        <p:txBody>
+          <a:bodyPr rtlCol="0" anchor="ctr"/>
+          <a:lstStyle/>
+          <a:p>
+            <a:pPr algn="ctr"/>
+            <a:endParaRPr kumimoji="1" lang="ja-JP" altLang="en-US"/>
+          </a:p>
+        </p:txBody>
+      </p:sp>
+      <p:sp>
+        <p:nvSpPr>
+          <p:cNvPr id="79" name="乗算記号 78">
+            <a:extLst>
+              <a:ext uri="{FF2B5EF4-FFF2-40B4-BE49-F238E27FC236}">
+                <a16:creationId xmlns:a16="http://schemas.microsoft.com/office/drawing/2014/main" id="{4505E768-BC7F-4B59-BE0C-8E97F7670E55}"/>
+              </a:ext>
+            </a:extLst>
+          </p:cNvPr>
+          <p:cNvSpPr/>
+          <p:nvPr/>
+        </p:nvSpPr>
+        <p:spPr>
+          <a:xfrm>
+            <a:off x="11737142" y="2662464"/>
+            <a:ext cx="375974" cy="369332"/>
+          </a:xfrm>
+          <a:prstGeom prst="mathMultiply">
+            <a:avLst>
+              <a:gd name="adj1" fmla="val 8368"/>
+            </a:avLst>
+          </a:prstGeom>
+          <a:solidFill>
+            <a:srgbClr val="FF0000"/>
+          </a:solidFill>
+        </p:spPr>
+        <p:style>
+          <a:lnRef idx="2">
+            <a:schemeClr val="accent1">
+              <a:shade val="50000"/>
+            </a:schemeClr>
+          </a:lnRef>
+          <a:fillRef idx="1">
+            <a:schemeClr val="accent1"/>
+          </a:fillRef>
+          <a:effectRef idx="0">
+            <a:schemeClr val="accent1"/>
+          </a:effectRef>
+          <a:fontRef idx="minor">
+            <a:schemeClr val="lt1"/>
+          </a:fontRef>
+        </p:style>
+        <p:txBody>
+          <a:bodyPr rtlCol="0" anchor="ctr"/>
+          <a:lstStyle/>
+          <a:p>
+            <a:pPr algn="ctr"/>
+            <a:endParaRPr kumimoji="1" lang="ja-JP" altLang="en-US"/>
+          </a:p>
+        </p:txBody>
+      </p:sp>
+      <p:sp>
+        <p:nvSpPr>
+          <p:cNvPr id="80" name="矢印: 上 79">
+            <a:extLst>
+              <a:ext uri="{FF2B5EF4-FFF2-40B4-BE49-F238E27FC236}">
+                <a16:creationId xmlns:a16="http://schemas.microsoft.com/office/drawing/2014/main" id="{C2700A87-6A1A-4AEA-B356-8FCCC5CB743B}"/>
+              </a:ext>
+            </a:extLst>
+          </p:cNvPr>
+          <p:cNvSpPr/>
+          <p:nvPr/>
+        </p:nvSpPr>
+        <p:spPr>
+          <a:xfrm>
+            <a:off x="2303751" y="3059667"/>
+            <a:ext cx="263233" cy="369333"/>
+          </a:xfrm>
+          <a:prstGeom prst="upArrow">
+            <a:avLst/>
+          </a:prstGeom>
+          <a:solidFill>
+            <a:srgbClr val="FF0000"/>
+          </a:solidFill>
+        </p:spPr>
+        <p:style>
+          <a:lnRef idx="2">
+            <a:schemeClr val="accent1">
+              <a:shade val="50000"/>
+            </a:schemeClr>
+          </a:lnRef>
+          <a:fillRef idx="1">
+            <a:schemeClr val="accent1"/>
+          </a:fillRef>
+          <a:effectRef idx="0">
+            <a:schemeClr val="accent1"/>
+          </a:effectRef>
+          <a:fontRef idx="minor">
+            <a:schemeClr val="lt1"/>
+          </a:fontRef>
+        </p:style>
+        <p:txBody>
+          <a:bodyPr rtlCol="0" anchor="ctr"/>
+          <a:lstStyle/>
+          <a:p>
+            <a:pPr algn="ctr"/>
+            <a:endParaRPr kumimoji="1" lang="ja-JP" altLang="en-US"/>
+          </a:p>
+        </p:txBody>
+      </p:sp>
+      <p:sp>
+        <p:nvSpPr>
+          <p:cNvPr id="82" name="矢印: 上 81">
+            <a:extLst>
+              <a:ext uri="{FF2B5EF4-FFF2-40B4-BE49-F238E27FC236}">
+                <a16:creationId xmlns:a16="http://schemas.microsoft.com/office/drawing/2014/main" id="{C9C164B9-0107-4117-8BAB-55489B3D6D4A}"/>
+              </a:ext>
+            </a:extLst>
+          </p:cNvPr>
+          <p:cNvSpPr/>
+          <p:nvPr/>
+        </p:nvSpPr>
+        <p:spPr>
+          <a:xfrm>
+            <a:off x="3146158" y="3043504"/>
+            <a:ext cx="263233" cy="369333"/>
+          </a:xfrm>
+          <a:prstGeom prst="upArrow">
+            <a:avLst/>
+          </a:prstGeom>
+          <a:solidFill>
+            <a:srgbClr val="FF0000"/>
+          </a:solidFill>
+        </p:spPr>
+        <p:style>
+          <a:lnRef idx="2">
+            <a:schemeClr val="accent1">
+              <a:shade val="50000"/>
+            </a:schemeClr>
+          </a:lnRef>
+          <a:fillRef idx="1">
+            <a:schemeClr val="accent1"/>
+          </a:fillRef>
+          <a:effectRef idx="0">
+            <a:schemeClr val="accent1"/>
+          </a:effectRef>
+          <a:fontRef idx="minor">
+            <a:schemeClr val="lt1"/>
+          </a:fontRef>
+        </p:style>
+        <p:txBody>
+          <a:bodyPr rtlCol="0" anchor="ctr"/>
+          <a:lstStyle/>
+          <a:p>
+            <a:pPr algn="ctr"/>
+            <a:endParaRPr kumimoji="1" lang="ja-JP" altLang="en-US"/>
+          </a:p>
+        </p:txBody>
+      </p:sp>
+      <p:sp>
+        <p:nvSpPr>
+          <p:cNvPr id="84" name="矢印: 上 83">
+            <a:extLst>
+              <a:ext uri="{FF2B5EF4-FFF2-40B4-BE49-F238E27FC236}">
+                <a16:creationId xmlns:a16="http://schemas.microsoft.com/office/drawing/2014/main" id="{BCC732F2-C333-4D76-8ACD-1FD8508E746B}"/>
+              </a:ext>
+            </a:extLst>
+          </p:cNvPr>
+          <p:cNvSpPr/>
+          <p:nvPr/>
+        </p:nvSpPr>
+        <p:spPr>
+          <a:xfrm>
+            <a:off x="3980149" y="3059666"/>
+            <a:ext cx="263233" cy="369333"/>
+          </a:xfrm>
+          <a:prstGeom prst="upArrow">
+            <a:avLst/>
+          </a:prstGeom>
+          <a:solidFill>
+            <a:srgbClr val="FF0000"/>
+          </a:solidFill>
+        </p:spPr>
+        <p:style>
+          <a:lnRef idx="2">
+            <a:schemeClr val="accent1">
+              <a:shade val="50000"/>
+            </a:schemeClr>
+          </a:lnRef>
+          <a:fillRef idx="1">
+            <a:schemeClr val="accent1"/>
+          </a:fillRef>
+          <a:effectRef idx="0">
+            <a:schemeClr val="accent1"/>
+          </a:effectRef>
+          <a:fontRef idx="minor">
+            <a:schemeClr val="lt1"/>
+          </a:fontRef>
+        </p:style>
+        <p:txBody>
+          <a:bodyPr rtlCol="0" anchor="ctr"/>
+          <a:lstStyle/>
+          <a:p>
+            <a:pPr algn="ctr"/>
+            <a:endParaRPr kumimoji="1" lang="ja-JP" altLang="en-US"/>
+          </a:p>
+        </p:txBody>
+      </p:sp>
+      <p:sp>
+        <p:nvSpPr>
+          <p:cNvPr id="86" name="矢印: 上 85">
+            <a:extLst>
+              <a:ext uri="{FF2B5EF4-FFF2-40B4-BE49-F238E27FC236}">
+                <a16:creationId xmlns:a16="http://schemas.microsoft.com/office/drawing/2014/main" id="{ADC94F38-DC15-4FD3-9C09-E3A9A634A936}"/>
+              </a:ext>
+            </a:extLst>
+          </p:cNvPr>
+          <p:cNvSpPr/>
+          <p:nvPr/>
+        </p:nvSpPr>
+        <p:spPr>
+          <a:xfrm>
+            <a:off x="4814140" y="3043504"/>
+            <a:ext cx="263233" cy="369333"/>
+          </a:xfrm>
+          <a:prstGeom prst="upArrow">
+            <a:avLst/>
+          </a:prstGeom>
+          <a:solidFill>
+            <a:srgbClr val="FF0000"/>
+          </a:solidFill>
+        </p:spPr>
+        <p:style>
+          <a:lnRef idx="2">
+            <a:schemeClr val="accent1">
+              <a:shade val="50000"/>
+            </a:schemeClr>
+          </a:lnRef>
+          <a:fillRef idx="1">
+            <a:schemeClr val="accent1"/>
+          </a:fillRef>
+          <a:effectRef idx="0">
+            <a:schemeClr val="accent1"/>
+          </a:effectRef>
+          <a:fontRef idx="minor">
+            <a:schemeClr val="lt1"/>
+          </a:fontRef>
+        </p:style>
+        <p:txBody>
+          <a:bodyPr rtlCol="0" anchor="ctr"/>
+          <a:lstStyle/>
+          <a:p>
+            <a:pPr algn="ctr"/>
+            <a:endParaRPr kumimoji="1" lang="ja-JP" altLang="en-US"/>
+          </a:p>
+        </p:txBody>
+      </p:sp>
+      <p:sp>
+        <p:nvSpPr>
+          <p:cNvPr id="88" name="矢印: 上 87">
+            <a:extLst>
+              <a:ext uri="{FF2B5EF4-FFF2-40B4-BE49-F238E27FC236}">
+                <a16:creationId xmlns:a16="http://schemas.microsoft.com/office/drawing/2014/main" id="{4CBD91DD-9A4D-4D31-8931-801915DB6695}"/>
+              </a:ext>
+            </a:extLst>
+          </p:cNvPr>
+          <p:cNvSpPr/>
+          <p:nvPr/>
+        </p:nvSpPr>
+        <p:spPr>
+          <a:xfrm>
+            <a:off x="5656547" y="3059665"/>
+            <a:ext cx="263233" cy="369333"/>
+          </a:xfrm>
+          <a:prstGeom prst="upArrow">
+            <a:avLst/>
+          </a:prstGeom>
+          <a:solidFill>
+            <a:srgbClr val="FF0000"/>
+          </a:solidFill>
+        </p:spPr>
+        <p:style>
+          <a:lnRef idx="2">
+            <a:schemeClr val="accent1">
+              <a:shade val="50000"/>
+            </a:schemeClr>
+          </a:lnRef>
+          <a:fillRef idx="1">
+            <a:schemeClr val="accent1"/>
+          </a:fillRef>
+          <a:effectRef idx="0">
+            <a:schemeClr val="accent1"/>
+          </a:effectRef>
+          <a:fontRef idx="minor">
+            <a:schemeClr val="lt1"/>
+          </a:fontRef>
+        </p:style>
+        <p:txBody>
+          <a:bodyPr rtlCol="0" anchor="ctr"/>
+          <a:lstStyle/>
+          <a:p>
+            <a:pPr algn="ctr"/>
+            <a:endParaRPr kumimoji="1" lang="ja-JP" altLang="en-US"/>
+          </a:p>
+        </p:txBody>
+      </p:sp>
+      <p:sp>
+        <p:nvSpPr>
+          <p:cNvPr id="90" name="矢印: 上 89">
+            <a:extLst>
+              <a:ext uri="{FF2B5EF4-FFF2-40B4-BE49-F238E27FC236}">
+                <a16:creationId xmlns:a16="http://schemas.microsoft.com/office/drawing/2014/main" id="{05E6859C-9D1B-4A0C-B1EF-AD96BD68C4E1}"/>
+              </a:ext>
+            </a:extLst>
+          </p:cNvPr>
+          <p:cNvSpPr/>
+          <p:nvPr/>
+        </p:nvSpPr>
+        <p:spPr>
+          <a:xfrm>
+            <a:off x="6498954" y="3059665"/>
+            <a:ext cx="263233" cy="369333"/>
+          </a:xfrm>
+          <a:prstGeom prst="upArrow">
+            <a:avLst/>
+          </a:prstGeom>
+          <a:solidFill>
+            <a:srgbClr val="FF0000"/>
+          </a:solidFill>
+        </p:spPr>
+        <p:style>
+          <a:lnRef idx="2">
+            <a:schemeClr val="accent1">
+              <a:shade val="50000"/>
+            </a:schemeClr>
+          </a:lnRef>
+          <a:fillRef idx="1">
+            <a:schemeClr val="accent1"/>
+          </a:fillRef>
+          <a:effectRef idx="0">
+            <a:schemeClr val="accent1"/>
+          </a:effectRef>
+          <a:fontRef idx="minor">
+            <a:schemeClr val="lt1"/>
+          </a:fontRef>
+        </p:style>
+        <p:txBody>
+          <a:bodyPr rtlCol="0" anchor="ctr"/>
+          <a:lstStyle/>
+          <a:p>
+            <a:pPr algn="ctr"/>
+            <a:endParaRPr kumimoji="1" lang="ja-JP" altLang="en-US"/>
+          </a:p>
+        </p:txBody>
+      </p:sp>
+      <p:sp>
+        <p:nvSpPr>
+          <p:cNvPr id="92" name="矢印: 上 91">
+            <a:extLst>
+              <a:ext uri="{FF2B5EF4-FFF2-40B4-BE49-F238E27FC236}">
+                <a16:creationId xmlns:a16="http://schemas.microsoft.com/office/drawing/2014/main" id="{74CB3CFC-63AA-4609-8227-A377DB4738E9}"/>
+              </a:ext>
+            </a:extLst>
+          </p:cNvPr>
+          <p:cNvSpPr/>
+          <p:nvPr/>
+        </p:nvSpPr>
+        <p:spPr>
+          <a:xfrm>
+            <a:off x="7327389" y="3044547"/>
+            <a:ext cx="263233" cy="369333"/>
+          </a:xfrm>
+          <a:prstGeom prst="upArrow">
+            <a:avLst/>
+          </a:prstGeom>
+          <a:solidFill>
+            <a:srgbClr val="FF0000"/>
+          </a:solidFill>
+        </p:spPr>
+        <p:style>
+          <a:lnRef idx="2">
+            <a:schemeClr val="accent1">
+              <a:shade val="50000"/>
+            </a:schemeClr>
+          </a:lnRef>
+          <a:fillRef idx="1">
+            <a:schemeClr val="accent1"/>
+          </a:fillRef>
+          <a:effectRef idx="0">
+            <a:schemeClr val="accent1"/>
+          </a:effectRef>
+          <a:fontRef idx="minor">
+            <a:schemeClr val="lt1"/>
+          </a:fontRef>
+        </p:style>
+        <p:txBody>
+          <a:bodyPr rtlCol="0" anchor="ctr"/>
+          <a:lstStyle/>
+          <a:p>
+            <a:pPr algn="ctr"/>
+            <a:endParaRPr kumimoji="1" lang="ja-JP" altLang="en-US"/>
+          </a:p>
+        </p:txBody>
+      </p:sp>
+      <p:sp>
+        <p:nvSpPr>
+          <p:cNvPr id="96" name="矢印: 上 95">
+            <a:extLst>
+              <a:ext uri="{FF2B5EF4-FFF2-40B4-BE49-F238E27FC236}">
+                <a16:creationId xmlns:a16="http://schemas.microsoft.com/office/drawing/2014/main" id="{6795210D-716A-4073-A776-3559F4254BEF}"/>
+              </a:ext>
+            </a:extLst>
+          </p:cNvPr>
+          <p:cNvSpPr/>
+          <p:nvPr/>
+        </p:nvSpPr>
+        <p:spPr>
+          <a:xfrm>
+            <a:off x="11532009" y="3044547"/>
+            <a:ext cx="263233" cy="369333"/>
+          </a:xfrm>
+          <a:prstGeom prst="upArrow">
+            <a:avLst/>
+          </a:prstGeom>
+          <a:solidFill>
+            <a:srgbClr val="FF0000"/>
+          </a:solidFill>
+        </p:spPr>
+        <p:style>
+          <a:lnRef idx="2">
+            <a:schemeClr val="accent1">
+              <a:shade val="50000"/>
+            </a:schemeClr>
+          </a:lnRef>
+          <a:fillRef idx="1">
+            <a:schemeClr val="accent1"/>
+          </a:fillRef>
+          <a:effectRef idx="0">
+            <a:schemeClr val="accent1"/>
+          </a:effectRef>
+          <a:fontRef idx="minor">
+            <a:schemeClr val="lt1"/>
+          </a:fontRef>
+        </p:style>
+        <p:txBody>
+          <a:bodyPr rtlCol="0" anchor="ctr"/>
+          <a:lstStyle/>
+          <a:p>
+            <a:pPr algn="ctr"/>
+            <a:endParaRPr kumimoji="1" lang="ja-JP" altLang="en-US"/>
+          </a:p>
+        </p:txBody>
+      </p:sp>
+      <p:sp>
+        <p:nvSpPr>
+          <p:cNvPr id="98" name="乗算記号 97">
+            <a:extLst>
+              <a:ext uri="{FF2B5EF4-FFF2-40B4-BE49-F238E27FC236}">
+                <a16:creationId xmlns:a16="http://schemas.microsoft.com/office/drawing/2014/main" id="{676ABC42-8210-4209-93BA-95E066872C45}"/>
+              </a:ext>
+            </a:extLst>
+          </p:cNvPr>
+          <p:cNvSpPr/>
+          <p:nvPr/>
+        </p:nvSpPr>
+        <p:spPr>
+          <a:xfrm>
+            <a:off x="1221195" y="3956777"/>
+            <a:ext cx="375974" cy="369332"/>
+          </a:xfrm>
+          <a:prstGeom prst="mathMultiply">
+            <a:avLst>
+              <a:gd name="adj1" fmla="val 8368"/>
+            </a:avLst>
+          </a:prstGeom>
+          <a:solidFill>
+            <a:srgbClr val="FF0000"/>
+          </a:solidFill>
+        </p:spPr>
+        <p:style>
+          <a:lnRef idx="2">
+            <a:schemeClr val="accent1">
+              <a:shade val="50000"/>
+            </a:schemeClr>
+          </a:lnRef>
+          <a:fillRef idx="1">
+            <a:schemeClr val="accent1"/>
+          </a:fillRef>
+          <a:effectRef idx="0">
+            <a:schemeClr val="accent1"/>
+          </a:effectRef>
+          <a:fontRef idx="minor">
+            <a:schemeClr val="lt1"/>
+          </a:fontRef>
+        </p:style>
+        <p:txBody>
+          <a:bodyPr rtlCol="0" anchor="ctr"/>
+          <a:lstStyle/>
+          <a:p>
+            <a:pPr algn="ctr"/>
+            <a:endParaRPr kumimoji="1" lang="ja-JP" altLang="en-US"/>
+          </a:p>
+        </p:txBody>
+      </p:sp>
+      <p:sp>
+        <p:nvSpPr>
+          <p:cNvPr id="100" name="テキスト ボックス 99">
+            <a:extLst>
+              <a:ext uri="{FF2B5EF4-FFF2-40B4-BE49-F238E27FC236}">
+                <a16:creationId xmlns:a16="http://schemas.microsoft.com/office/drawing/2014/main" id="{4F4ACE6C-7C85-4612-9B76-68F575462D8E}"/>
+              </a:ext>
+            </a:extLst>
+          </p:cNvPr>
+          <p:cNvSpPr txBox="1"/>
+          <p:nvPr/>
+        </p:nvSpPr>
+        <p:spPr>
+          <a:xfrm>
+            <a:off x="1496377" y="3956777"/>
+            <a:ext cx="2906566" cy="369332"/>
+          </a:xfrm>
+          <a:prstGeom prst="rect">
+            <a:avLst/>
+          </a:prstGeom>
+          <a:noFill/>
+        </p:spPr>
+        <p:txBody>
+          <a:bodyPr wrap="none" rtlCol="0">
+            <a:spAutoFit/>
+          </a:bodyPr>
+          <a:lstStyle/>
+          <a:p>
+            <a:pPr algn="ctr"/>
+            <a:r>
+              <a:rPr kumimoji="1" lang="en-US" altLang="ja-JP" dirty="0"/>
+              <a:t>Delete original scan point</a:t>
+            </a:r>
+            <a:endParaRPr kumimoji="1" lang="ja-JP" altLang="en-US" dirty="0"/>
+          </a:p>
+        </p:txBody>
+      </p:sp>
+      <p:sp>
+        <p:nvSpPr>
+          <p:cNvPr id="102" name="矢印: 上 101">
+            <a:extLst>
+              <a:ext uri="{FF2B5EF4-FFF2-40B4-BE49-F238E27FC236}">
+                <a16:creationId xmlns:a16="http://schemas.microsoft.com/office/drawing/2014/main" id="{B3A1AF94-2510-4DCB-8303-AB6FAE6834ED}"/>
+              </a:ext>
+            </a:extLst>
+          </p:cNvPr>
+          <p:cNvSpPr/>
+          <p:nvPr/>
+        </p:nvSpPr>
+        <p:spPr>
+          <a:xfrm>
+            <a:off x="1277565" y="4578980"/>
+            <a:ext cx="263233" cy="369333"/>
+          </a:xfrm>
+          <a:prstGeom prst="upArrow">
+            <a:avLst/>
+          </a:prstGeom>
+          <a:solidFill>
+            <a:srgbClr val="FF0000"/>
+          </a:solidFill>
+        </p:spPr>
+        <p:style>
+          <a:lnRef idx="2">
+            <a:schemeClr val="accent1">
+              <a:shade val="50000"/>
+            </a:schemeClr>
+          </a:lnRef>
+          <a:fillRef idx="1">
+            <a:schemeClr val="accent1"/>
+          </a:fillRef>
+          <a:effectRef idx="0">
+            <a:schemeClr val="accent1"/>
+          </a:effectRef>
+          <a:fontRef idx="minor">
+            <a:schemeClr val="lt1"/>
+          </a:fontRef>
+        </p:style>
+        <p:txBody>
+          <a:bodyPr rtlCol="0" anchor="ctr"/>
+          <a:lstStyle/>
+          <a:p>
+            <a:pPr algn="ctr"/>
+            <a:endParaRPr kumimoji="1" lang="ja-JP" altLang="en-US"/>
+          </a:p>
+        </p:txBody>
+      </p:sp>
+      <p:sp>
+        <p:nvSpPr>
+          <p:cNvPr id="104" name="テキスト ボックス 103">
+            <a:extLst>
+              <a:ext uri="{FF2B5EF4-FFF2-40B4-BE49-F238E27FC236}">
+                <a16:creationId xmlns:a16="http://schemas.microsoft.com/office/drawing/2014/main" id="{514B9B8B-1E79-4764-82CB-69CFB0EC32A4}"/>
+              </a:ext>
+            </a:extLst>
+          </p:cNvPr>
+          <p:cNvSpPr txBox="1"/>
+          <p:nvPr/>
+        </p:nvSpPr>
+        <p:spPr>
+          <a:xfrm>
+            <a:off x="1521837" y="4617174"/>
+            <a:ext cx="2476961" cy="369332"/>
+          </a:xfrm>
+          <a:prstGeom prst="rect">
+            <a:avLst/>
+          </a:prstGeom>
+          <a:noFill/>
+        </p:spPr>
+        <p:txBody>
+          <a:bodyPr wrap="none" rtlCol="0">
+            <a:spAutoFit/>
+          </a:bodyPr>
+          <a:lstStyle/>
+          <a:p>
+            <a:pPr algn="ctr"/>
+            <a:r>
+              <a:rPr lang="en-US" altLang="ja-JP" dirty="0"/>
+              <a:t>Insert new</a:t>
+            </a:r>
+            <a:r>
+              <a:rPr kumimoji="1" lang="en-US" altLang="ja-JP" dirty="0"/>
+              <a:t> scan point</a:t>
+            </a:r>
+            <a:endParaRPr kumimoji="1" lang="ja-JP" altLang="en-US" dirty="0"/>
+          </a:p>
+        </p:txBody>
+      </p:sp>
+      <p:cxnSp>
+        <p:nvCxnSpPr>
+          <p:cNvPr id="106" name="直線矢印コネクタ 105">
+            <a:extLst>
+              <a:ext uri="{FF2B5EF4-FFF2-40B4-BE49-F238E27FC236}">
+                <a16:creationId xmlns:a16="http://schemas.microsoft.com/office/drawing/2014/main" id="{431EA03C-AF4C-420F-A68B-701F9E3F6A3A}"/>
+              </a:ext>
+            </a:extLst>
+          </p:cNvPr>
+          <p:cNvCxnSpPr/>
+          <p:nvPr/>
+        </p:nvCxnSpPr>
+        <p:spPr>
+          <a:xfrm>
+            <a:off x="1597169" y="932873"/>
+            <a:ext cx="838198" cy="0"/>
+          </a:xfrm>
+          <a:prstGeom prst="straightConnector1">
+            <a:avLst/>
+          </a:prstGeom>
+          <a:ln w="19050">
+            <a:solidFill>
+              <a:srgbClr val="FF0000"/>
+            </a:solidFill>
+            <a:headEnd type="triangle"/>
+            <a:tailEnd type="triangle"/>
+          </a:ln>
+        </p:spPr>
+        <p:style>
+          <a:lnRef idx="1">
+            <a:schemeClr val="accent1"/>
+          </a:lnRef>
+          <a:fillRef idx="0">
+            <a:schemeClr val="accent1"/>
+          </a:fillRef>
+          <a:effectRef idx="0">
+            <a:schemeClr val="accent1"/>
+          </a:effectRef>
+          <a:fontRef idx="minor">
+            <a:schemeClr val="tx1"/>
+          </a:fontRef>
+        </p:style>
+      </p:cxnSp>
+      <p:sp>
+        <p:nvSpPr>
+          <p:cNvPr id="108" name="テキスト ボックス 107">
+            <a:extLst>
+              <a:ext uri="{FF2B5EF4-FFF2-40B4-BE49-F238E27FC236}">
+                <a16:creationId xmlns:a16="http://schemas.microsoft.com/office/drawing/2014/main" id="{48D3CDB0-3390-4450-90F5-1B57678F0EDC}"/>
+              </a:ext>
+            </a:extLst>
+          </p:cNvPr>
+          <p:cNvSpPr txBox="1"/>
+          <p:nvPr/>
+        </p:nvSpPr>
+        <p:spPr>
+          <a:xfrm>
+            <a:off x="1594838" y="500236"/>
+            <a:ext cx="838691" cy="369332"/>
+          </a:xfrm>
+          <a:prstGeom prst="rect">
+            <a:avLst/>
+          </a:prstGeom>
+          <a:noFill/>
+        </p:spPr>
+        <p:txBody>
+          <a:bodyPr wrap="none" rtlCol="0">
+            <a:spAutoFit/>
+          </a:bodyPr>
+          <a:lstStyle/>
+          <a:p>
+            <a:pPr algn="ctr"/>
+            <a:r>
+              <a:rPr lang="en-US" altLang="ja-JP" dirty="0"/>
+              <a:t>Space</a:t>
+            </a:r>
+            <a:endParaRPr kumimoji="1" lang="ja-JP" altLang="en-US" dirty="0"/>
+          </a:p>
+        </p:txBody>
+      </p:sp>
+      <p:sp>
+        <p:nvSpPr>
+          <p:cNvPr id="110" name="テキスト ボックス 109">
+            <a:extLst>
+              <a:ext uri="{FF2B5EF4-FFF2-40B4-BE49-F238E27FC236}">
+                <a16:creationId xmlns:a16="http://schemas.microsoft.com/office/drawing/2014/main" id="{161F6627-1E21-4F89-BD6A-861D8AC388F9}"/>
+              </a:ext>
+            </a:extLst>
+          </p:cNvPr>
+          <p:cNvSpPr txBox="1"/>
+          <p:nvPr/>
+        </p:nvSpPr>
+        <p:spPr>
+          <a:xfrm>
+            <a:off x="8514823" y="499790"/>
+            <a:ext cx="1252266" cy="369332"/>
+          </a:xfrm>
+          <a:prstGeom prst="rect">
+            <a:avLst/>
+          </a:prstGeom>
+          <a:noFill/>
+        </p:spPr>
+        <p:txBody>
+          <a:bodyPr wrap="none" rtlCol="0">
+            <a:spAutoFit/>
+          </a:bodyPr>
+          <a:lstStyle/>
+          <a:p>
+            <a:pPr algn="ctr"/>
+            <a:r>
+              <a:rPr kumimoji="1" lang="en-US" altLang="ja-JP" dirty="0"/>
+              <a:t>Threshold</a:t>
+            </a:r>
+            <a:endParaRPr kumimoji="1" lang="ja-JP" altLang="en-US" dirty="0"/>
+          </a:p>
+        </p:txBody>
+      </p:sp>
+      <p:cxnSp>
+        <p:nvCxnSpPr>
+          <p:cNvPr id="111" name="直線矢印コネクタ 110">
+            <a:extLst>
+              <a:ext uri="{FF2B5EF4-FFF2-40B4-BE49-F238E27FC236}">
+                <a16:creationId xmlns:a16="http://schemas.microsoft.com/office/drawing/2014/main" id="{96B4D068-CB2A-46B9-BA6C-380E3E5943C2}"/>
+              </a:ext>
+            </a:extLst>
+          </p:cNvPr>
+          <p:cNvCxnSpPr>
+            <a:cxnSpLocks/>
+          </p:cNvCxnSpPr>
+          <p:nvPr/>
+        </p:nvCxnSpPr>
+        <p:spPr>
+          <a:xfrm>
+            <a:off x="7459005" y="928255"/>
+            <a:ext cx="3125868" cy="0"/>
+          </a:xfrm>
+          <a:prstGeom prst="straightConnector1">
+            <a:avLst/>
+          </a:prstGeom>
+          <a:ln w="19050">
+            <a:solidFill>
+              <a:srgbClr val="FF0000"/>
+            </a:solidFill>
+            <a:headEnd type="triangle"/>
+            <a:tailEnd type="triangle"/>
+          </a:ln>
+        </p:spPr>
+        <p:style>
+          <a:lnRef idx="1">
+            <a:schemeClr val="accent1"/>
+          </a:lnRef>
+          <a:fillRef idx="0">
+            <a:schemeClr val="accent1"/>
+          </a:fillRef>
+          <a:effectRef idx="0">
+            <a:schemeClr val="accent1"/>
+          </a:effectRef>
+          <a:fontRef idx="minor">
+            <a:schemeClr val="tx1"/>
+          </a:fontRef>
+        </p:style>
+      </p:cxnSp>
+    </p:spTree>
+    <p:extLst>
+      <p:ext uri="{BB962C8B-B14F-4D97-AF65-F5344CB8AC3E}">
+        <p14:creationId xmlns:p14="http://schemas.microsoft.com/office/powerpoint/2010/main" val="595792528"/>
+      </p:ext>
+    </p:extLst>
+  </p:cSld>
+  <p:clrMapOvr>
+    <a:masterClrMapping/>
+  </p:clrMapOvr>
+</p:sld>
+</file>
+
 <file path=ppt/theme/theme1.xml><?xml version="1.0" encoding="utf-8"?>
 <a:theme xmlns:a="http://schemas.openxmlformats.org/drawingml/2006/main" name="Office テーマ">
   <a:themeElements>

--- a/SLAM_Theoretical_Formulas.pptx
+++ b/SLAM_Theoretical_Formulas.pptx
@@ -9,6 +9,7 @@
     <p:sldId id="257" r:id="rId3"/>
     <p:sldId id="258" r:id="rId4"/>
     <p:sldId id="259" r:id="rId5"/>
+    <p:sldId id="260" r:id="rId6"/>
   </p:sldIdLst>
   <p:sldSz cx="12192000" cy="6858000"/>
   <p:notesSz cx="6858000" cy="9144000"/>
@@ -262,7 +263,7 @@
           <a:p>
             <a:fld id="{9DDD97A9-1B44-463F-8EAF-3A848A7F5CA1}" type="datetimeFigureOut">
               <a:rPr kumimoji="1" lang="ja-JP" altLang="en-US" smtClean="0"/>
-              <a:t>2020/7/18</a:t>
+              <a:t>2020/7/19</a:t>
             </a:fld>
             <a:endParaRPr kumimoji="1" lang="ja-JP" altLang="en-US"/>
           </a:p>
@@ -492,7 +493,7 @@
           <a:p>
             <a:fld id="{9DDD97A9-1B44-463F-8EAF-3A848A7F5CA1}" type="datetimeFigureOut">
               <a:rPr kumimoji="1" lang="ja-JP" altLang="en-US" smtClean="0"/>
-              <a:t>2020/7/18</a:t>
+              <a:t>2020/7/19</a:t>
             </a:fld>
             <a:endParaRPr kumimoji="1" lang="ja-JP" altLang="en-US"/>
           </a:p>
@@ -732,7 +733,7 @@
           <a:p>
             <a:fld id="{9DDD97A9-1B44-463F-8EAF-3A848A7F5CA1}" type="datetimeFigureOut">
               <a:rPr kumimoji="1" lang="ja-JP" altLang="en-US" smtClean="0"/>
-              <a:t>2020/7/18</a:t>
+              <a:t>2020/7/19</a:t>
             </a:fld>
             <a:endParaRPr kumimoji="1" lang="ja-JP" altLang="en-US"/>
           </a:p>
@@ -962,7 +963,7 @@
           <a:p>
             <a:fld id="{9DDD97A9-1B44-463F-8EAF-3A848A7F5CA1}" type="datetimeFigureOut">
               <a:rPr kumimoji="1" lang="ja-JP" altLang="en-US" smtClean="0"/>
-              <a:t>2020/7/18</a:t>
+              <a:t>2020/7/19</a:t>
             </a:fld>
             <a:endParaRPr kumimoji="1" lang="ja-JP" altLang="en-US"/>
           </a:p>
@@ -1237,7 +1238,7 @@
           <a:p>
             <a:fld id="{9DDD97A9-1B44-463F-8EAF-3A848A7F5CA1}" type="datetimeFigureOut">
               <a:rPr kumimoji="1" lang="ja-JP" altLang="en-US" smtClean="0"/>
-              <a:t>2020/7/18</a:t>
+              <a:t>2020/7/19</a:t>
             </a:fld>
             <a:endParaRPr kumimoji="1" lang="ja-JP" altLang="en-US"/>
           </a:p>
@@ -1566,7 +1567,7 @@
           <a:p>
             <a:fld id="{9DDD97A9-1B44-463F-8EAF-3A848A7F5CA1}" type="datetimeFigureOut">
               <a:rPr kumimoji="1" lang="ja-JP" altLang="en-US" smtClean="0"/>
-              <a:t>2020/7/18</a:t>
+              <a:t>2020/7/19</a:t>
             </a:fld>
             <a:endParaRPr kumimoji="1" lang="ja-JP" altLang="en-US"/>
           </a:p>
@@ -2042,7 +2043,7 @@
           <a:p>
             <a:fld id="{9DDD97A9-1B44-463F-8EAF-3A848A7F5CA1}" type="datetimeFigureOut">
               <a:rPr kumimoji="1" lang="ja-JP" altLang="en-US" smtClean="0"/>
-              <a:t>2020/7/18</a:t>
+              <a:t>2020/7/19</a:t>
             </a:fld>
             <a:endParaRPr kumimoji="1" lang="ja-JP" altLang="en-US"/>
           </a:p>
@@ -2183,7 +2184,7 @@
           <a:p>
             <a:fld id="{9DDD97A9-1B44-463F-8EAF-3A848A7F5CA1}" type="datetimeFigureOut">
               <a:rPr kumimoji="1" lang="ja-JP" altLang="en-US" smtClean="0"/>
-              <a:t>2020/7/18</a:t>
+              <a:t>2020/7/19</a:t>
             </a:fld>
             <a:endParaRPr kumimoji="1" lang="ja-JP" altLang="en-US"/>
           </a:p>
@@ -2296,7 +2297,7 @@
           <a:p>
             <a:fld id="{9DDD97A9-1B44-463F-8EAF-3A848A7F5CA1}" type="datetimeFigureOut">
               <a:rPr kumimoji="1" lang="ja-JP" altLang="en-US" smtClean="0"/>
-              <a:t>2020/7/18</a:t>
+              <a:t>2020/7/19</a:t>
             </a:fld>
             <a:endParaRPr kumimoji="1" lang="ja-JP" altLang="en-US"/>
           </a:p>
@@ -2639,7 +2640,7 @@
           <a:p>
             <a:fld id="{9DDD97A9-1B44-463F-8EAF-3A848A7F5CA1}" type="datetimeFigureOut">
               <a:rPr kumimoji="1" lang="ja-JP" altLang="en-US" smtClean="0"/>
-              <a:t>2020/7/18</a:t>
+              <a:t>2020/7/19</a:t>
             </a:fld>
             <a:endParaRPr kumimoji="1" lang="ja-JP" altLang="en-US"/>
           </a:p>
@@ -2927,7 +2928,7 @@
           <a:p>
             <a:fld id="{9DDD97A9-1B44-463F-8EAF-3A848A7F5CA1}" type="datetimeFigureOut">
               <a:rPr kumimoji="1" lang="ja-JP" altLang="en-US" smtClean="0"/>
-              <a:t>2020/7/18</a:t>
+              <a:t>2020/7/19</a:t>
             </a:fld>
             <a:endParaRPr kumimoji="1" lang="ja-JP" altLang="en-US"/>
           </a:p>
@@ -3200,7 +3201,7 @@
           <a:p>
             <a:fld id="{9DDD97A9-1B44-463F-8EAF-3A848A7F5CA1}" type="datetimeFigureOut">
               <a:rPr kumimoji="1" lang="ja-JP" altLang="en-US" smtClean="0"/>
-              <a:t>2020/7/18</a:t>
+              <a:t>2020/7/19</a:t>
             </a:fld>
             <a:endParaRPr kumimoji="1" lang="ja-JP" altLang="en-US"/>
           </a:p>
@@ -16153,6 +16154,785 @@
 </p:sld>
 </file>
 
+<file path=ppt/slides/slide5.xml><?xml version="1.0" encoding="utf-8"?>
+<p:sld xmlns:a="http://schemas.openxmlformats.org/drawingml/2006/main" xmlns:r="http://schemas.openxmlformats.org/officeDocument/2006/relationships" xmlns:p="http://schemas.openxmlformats.org/presentationml/2006/main">
+  <p:cSld>
+    <p:spTree>
+      <p:nvGrpSpPr>
+        <p:cNvPr id="1" name=""/>
+        <p:cNvGrpSpPr/>
+        <p:nvPr/>
+      </p:nvGrpSpPr>
+      <p:grpSpPr>
+        <a:xfrm>
+          <a:off x="0" y="0"/>
+          <a:ext cx="0" cy="0"/>
+          <a:chOff x="0" y="0"/>
+          <a:chExt cx="0" cy="0"/>
+        </a:xfrm>
+      </p:grpSpPr>
+      <p:cxnSp>
+        <p:nvCxnSpPr>
+          <p:cNvPr id="2" name="直線矢印コネクタ 1">
+            <a:extLst>
+              <a:ext uri="{FF2B5EF4-FFF2-40B4-BE49-F238E27FC236}">
+                <a16:creationId xmlns:a16="http://schemas.microsoft.com/office/drawing/2014/main" id="{7D03E2EA-35CF-4798-9382-FE33C6D9E12A}"/>
+              </a:ext>
+            </a:extLst>
+          </p:cNvPr>
+          <p:cNvCxnSpPr>
+            <a:cxnSpLocks/>
+          </p:cNvCxnSpPr>
+          <p:nvPr/>
+        </p:nvCxnSpPr>
+        <p:spPr>
+          <a:xfrm flipH="1">
+            <a:off x="1041271" y="3686886"/>
+            <a:ext cx="2255082" cy="0"/>
+          </a:xfrm>
+          <a:prstGeom prst="straightConnector1">
+            <a:avLst/>
+          </a:prstGeom>
+          <a:ln w="28575">
+            <a:solidFill>
+              <a:schemeClr val="tx1"/>
+            </a:solidFill>
+            <a:tailEnd type="none"/>
+          </a:ln>
+        </p:spPr>
+        <p:style>
+          <a:lnRef idx="1">
+            <a:schemeClr val="accent1"/>
+          </a:lnRef>
+          <a:fillRef idx="0">
+            <a:schemeClr val="accent1"/>
+          </a:fillRef>
+          <a:effectRef idx="0">
+            <a:schemeClr val="accent1"/>
+          </a:effectRef>
+          <a:fontRef idx="minor">
+            <a:schemeClr val="tx1"/>
+          </a:fontRef>
+        </p:style>
+      </p:cxnSp>
+      <p:sp>
+        <p:nvSpPr>
+          <p:cNvPr id="3" name="楕円 2">
+            <a:extLst>
+              <a:ext uri="{FF2B5EF4-FFF2-40B4-BE49-F238E27FC236}">
+                <a16:creationId xmlns:a16="http://schemas.microsoft.com/office/drawing/2014/main" id="{4BE6043B-482F-4E9D-9EFD-FDB33858D8C2}"/>
+              </a:ext>
+            </a:extLst>
+          </p:cNvPr>
+          <p:cNvSpPr/>
+          <p:nvPr/>
+        </p:nvSpPr>
+        <p:spPr>
+          <a:xfrm>
+            <a:off x="1376020" y="3618926"/>
+            <a:ext cx="135920" cy="135920"/>
+          </a:xfrm>
+          <a:prstGeom prst="ellipse">
+            <a:avLst/>
+          </a:prstGeom>
+        </p:spPr>
+        <p:style>
+          <a:lnRef idx="2">
+            <a:schemeClr val="accent1">
+              <a:shade val="50000"/>
+            </a:schemeClr>
+          </a:lnRef>
+          <a:fillRef idx="1">
+            <a:schemeClr val="accent1"/>
+          </a:fillRef>
+          <a:effectRef idx="0">
+            <a:schemeClr val="accent1"/>
+          </a:effectRef>
+          <a:fontRef idx="minor">
+            <a:schemeClr val="lt1"/>
+          </a:fontRef>
+        </p:style>
+        <p:txBody>
+          <a:bodyPr rtlCol="0" anchor="ctr"/>
+          <a:lstStyle/>
+          <a:p>
+            <a:pPr algn="ctr"/>
+            <a:endParaRPr kumimoji="1" lang="ja-JP" altLang="en-US"/>
+          </a:p>
+        </p:txBody>
+      </p:sp>
+      <p:cxnSp>
+        <p:nvCxnSpPr>
+          <p:cNvPr id="5" name="直線矢印コネクタ 4">
+            <a:extLst>
+              <a:ext uri="{FF2B5EF4-FFF2-40B4-BE49-F238E27FC236}">
+                <a16:creationId xmlns:a16="http://schemas.microsoft.com/office/drawing/2014/main" id="{656ABAE8-6B28-4A44-848E-87F25FA74487}"/>
+              </a:ext>
+            </a:extLst>
+          </p:cNvPr>
+          <p:cNvCxnSpPr>
+            <a:cxnSpLocks/>
+          </p:cNvCxnSpPr>
+          <p:nvPr/>
+        </p:nvCxnSpPr>
+        <p:spPr>
+          <a:xfrm flipH="1">
+            <a:off x="1033872" y="2658553"/>
+            <a:ext cx="2255082" cy="0"/>
+          </a:xfrm>
+          <a:prstGeom prst="straightConnector1">
+            <a:avLst/>
+          </a:prstGeom>
+          <a:ln w="28575">
+            <a:solidFill>
+              <a:schemeClr val="tx1"/>
+            </a:solidFill>
+            <a:tailEnd type="none"/>
+          </a:ln>
+        </p:spPr>
+        <p:style>
+          <a:lnRef idx="1">
+            <a:schemeClr val="accent1"/>
+          </a:lnRef>
+          <a:fillRef idx="0">
+            <a:schemeClr val="accent1"/>
+          </a:fillRef>
+          <a:effectRef idx="0">
+            <a:schemeClr val="accent1"/>
+          </a:effectRef>
+          <a:fontRef idx="minor">
+            <a:schemeClr val="tx1"/>
+          </a:fontRef>
+        </p:style>
+      </p:cxnSp>
+      <p:sp>
+        <p:nvSpPr>
+          <p:cNvPr id="7" name="楕円 6">
+            <a:extLst>
+              <a:ext uri="{FF2B5EF4-FFF2-40B4-BE49-F238E27FC236}">
+                <a16:creationId xmlns:a16="http://schemas.microsoft.com/office/drawing/2014/main" id="{E1CD02B4-70A6-46AC-8763-DB93B417D548}"/>
+              </a:ext>
+            </a:extLst>
+          </p:cNvPr>
+          <p:cNvSpPr/>
+          <p:nvPr/>
+        </p:nvSpPr>
+        <p:spPr>
+          <a:xfrm>
+            <a:off x="2161413" y="2590593"/>
+            <a:ext cx="135920" cy="135920"/>
+          </a:xfrm>
+          <a:prstGeom prst="ellipse">
+            <a:avLst/>
+          </a:prstGeom>
+          <a:solidFill>
+            <a:srgbClr val="FF0000"/>
+          </a:solidFill>
+        </p:spPr>
+        <p:style>
+          <a:lnRef idx="2">
+            <a:schemeClr val="accent1">
+              <a:shade val="50000"/>
+            </a:schemeClr>
+          </a:lnRef>
+          <a:fillRef idx="1">
+            <a:schemeClr val="accent1"/>
+          </a:fillRef>
+          <a:effectRef idx="0">
+            <a:schemeClr val="accent1"/>
+          </a:effectRef>
+          <a:fontRef idx="minor">
+            <a:schemeClr val="lt1"/>
+          </a:fontRef>
+        </p:style>
+        <p:txBody>
+          <a:bodyPr rtlCol="0" anchor="ctr"/>
+          <a:lstStyle/>
+          <a:p>
+            <a:pPr algn="ctr"/>
+            <a:endParaRPr kumimoji="1" lang="ja-JP" altLang="en-US"/>
+          </a:p>
+        </p:txBody>
+      </p:sp>
+      <p:cxnSp>
+        <p:nvCxnSpPr>
+          <p:cNvPr id="8" name="直線矢印コネクタ 7">
+            <a:extLst>
+              <a:ext uri="{FF2B5EF4-FFF2-40B4-BE49-F238E27FC236}">
+                <a16:creationId xmlns:a16="http://schemas.microsoft.com/office/drawing/2014/main" id="{FB3E37D6-B28C-4257-B867-DDBA988828CF}"/>
+              </a:ext>
+            </a:extLst>
+          </p:cNvPr>
+          <p:cNvCxnSpPr>
+            <a:cxnSpLocks/>
+            <a:stCxn id="3" idx="7"/>
+            <a:endCxn id="7" idx="3"/>
+          </p:cNvCxnSpPr>
+          <p:nvPr/>
+        </p:nvCxnSpPr>
+        <p:spPr>
+          <a:xfrm flipV="1">
+            <a:off x="1492035" y="2706608"/>
+            <a:ext cx="689283" cy="932223"/>
+          </a:xfrm>
+          <a:prstGeom prst="straightConnector1">
+            <a:avLst/>
+          </a:prstGeom>
+          <a:ln w="19050">
+            <a:solidFill>
+              <a:srgbClr val="FF0000"/>
+            </a:solidFill>
+            <a:headEnd type="none" w="med" len="med"/>
+            <a:tailEnd type="none" w="med" len="med"/>
+          </a:ln>
+        </p:spPr>
+        <p:style>
+          <a:lnRef idx="1">
+            <a:schemeClr val="accent1"/>
+          </a:lnRef>
+          <a:fillRef idx="0">
+            <a:schemeClr val="accent1"/>
+          </a:fillRef>
+          <a:effectRef idx="0">
+            <a:schemeClr val="accent1"/>
+          </a:effectRef>
+          <a:fontRef idx="minor">
+            <a:schemeClr val="tx1"/>
+          </a:fontRef>
+        </p:style>
+      </p:cxnSp>
+      <p:sp>
+        <p:nvSpPr>
+          <p:cNvPr id="12" name="テキスト ボックス 11">
+            <a:extLst>
+              <a:ext uri="{FF2B5EF4-FFF2-40B4-BE49-F238E27FC236}">
+                <a16:creationId xmlns:a16="http://schemas.microsoft.com/office/drawing/2014/main" id="{EDDFA802-7A4A-4925-8F88-E305ACF660C3}"/>
+              </a:ext>
+            </a:extLst>
+          </p:cNvPr>
+          <p:cNvSpPr txBox="1"/>
+          <p:nvPr/>
+        </p:nvSpPr>
+        <p:spPr>
+          <a:xfrm>
+            <a:off x="867461" y="3960226"/>
+            <a:ext cx="2723823" cy="369332"/>
+          </a:xfrm>
+          <a:prstGeom prst="rect">
+            <a:avLst/>
+          </a:prstGeom>
+          <a:noFill/>
+        </p:spPr>
+        <p:txBody>
+          <a:bodyPr wrap="none" rtlCol="0">
+            <a:spAutoFit/>
+          </a:bodyPr>
+          <a:lstStyle/>
+          <a:p>
+            <a:pPr algn="ctr"/>
+            <a:r>
+              <a:rPr kumimoji="1" lang="en-US" altLang="ja-JP" dirty="0"/>
+              <a:t>Point-to-Point Distance</a:t>
+            </a:r>
+            <a:endParaRPr kumimoji="1" lang="ja-JP" altLang="en-US" dirty="0"/>
+          </a:p>
+        </p:txBody>
+      </p:sp>
+      <p:cxnSp>
+        <p:nvCxnSpPr>
+          <p:cNvPr id="13" name="直線矢印コネクタ 12">
+            <a:extLst>
+              <a:ext uri="{FF2B5EF4-FFF2-40B4-BE49-F238E27FC236}">
+                <a16:creationId xmlns:a16="http://schemas.microsoft.com/office/drawing/2014/main" id="{6E8260BE-35A9-4968-99F7-35067C10B134}"/>
+              </a:ext>
+            </a:extLst>
+          </p:cNvPr>
+          <p:cNvCxnSpPr>
+            <a:cxnSpLocks/>
+          </p:cNvCxnSpPr>
+          <p:nvPr/>
+        </p:nvCxnSpPr>
+        <p:spPr>
+          <a:xfrm flipH="1">
+            <a:off x="4513925" y="3679487"/>
+            <a:ext cx="2255082" cy="0"/>
+          </a:xfrm>
+          <a:prstGeom prst="straightConnector1">
+            <a:avLst/>
+          </a:prstGeom>
+          <a:ln w="28575">
+            <a:solidFill>
+              <a:schemeClr val="tx1"/>
+            </a:solidFill>
+            <a:tailEnd type="none"/>
+          </a:ln>
+        </p:spPr>
+        <p:style>
+          <a:lnRef idx="1">
+            <a:schemeClr val="accent1"/>
+          </a:lnRef>
+          <a:fillRef idx="0">
+            <a:schemeClr val="accent1"/>
+          </a:fillRef>
+          <a:effectRef idx="0">
+            <a:schemeClr val="accent1"/>
+          </a:effectRef>
+          <a:fontRef idx="minor">
+            <a:schemeClr val="tx1"/>
+          </a:fontRef>
+        </p:style>
+      </p:cxnSp>
+      <p:sp>
+        <p:nvSpPr>
+          <p:cNvPr id="14" name="楕円 13">
+            <a:extLst>
+              <a:ext uri="{FF2B5EF4-FFF2-40B4-BE49-F238E27FC236}">
+                <a16:creationId xmlns:a16="http://schemas.microsoft.com/office/drawing/2014/main" id="{69E3D677-AF9E-49C7-BED2-C833E762CF49}"/>
+              </a:ext>
+            </a:extLst>
+          </p:cNvPr>
+          <p:cNvSpPr/>
+          <p:nvPr/>
+        </p:nvSpPr>
+        <p:spPr>
+          <a:xfrm>
+            <a:off x="4848674" y="3611527"/>
+            <a:ext cx="135920" cy="135920"/>
+          </a:xfrm>
+          <a:prstGeom prst="ellipse">
+            <a:avLst/>
+          </a:prstGeom>
+        </p:spPr>
+        <p:style>
+          <a:lnRef idx="2">
+            <a:schemeClr val="accent1">
+              <a:shade val="50000"/>
+            </a:schemeClr>
+          </a:lnRef>
+          <a:fillRef idx="1">
+            <a:schemeClr val="accent1"/>
+          </a:fillRef>
+          <a:effectRef idx="0">
+            <a:schemeClr val="accent1"/>
+          </a:effectRef>
+          <a:fontRef idx="minor">
+            <a:schemeClr val="lt1"/>
+          </a:fontRef>
+        </p:style>
+        <p:txBody>
+          <a:bodyPr rtlCol="0" anchor="ctr"/>
+          <a:lstStyle/>
+          <a:p>
+            <a:pPr algn="ctr"/>
+            <a:endParaRPr kumimoji="1" lang="ja-JP" altLang="en-US"/>
+          </a:p>
+        </p:txBody>
+      </p:sp>
+      <p:cxnSp>
+        <p:nvCxnSpPr>
+          <p:cNvPr id="15" name="直線矢印コネクタ 14">
+            <a:extLst>
+              <a:ext uri="{FF2B5EF4-FFF2-40B4-BE49-F238E27FC236}">
+                <a16:creationId xmlns:a16="http://schemas.microsoft.com/office/drawing/2014/main" id="{CFADBEC0-5CCC-44CC-B09B-092B7C458E50}"/>
+              </a:ext>
+            </a:extLst>
+          </p:cNvPr>
+          <p:cNvCxnSpPr>
+            <a:cxnSpLocks/>
+          </p:cNvCxnSpPr>
+          <p:nvPr/>
+        </p:nvCxnSpPr>
+        <p:spPr>
+          <a:xfrm flipH="1">
+            <a:off x="4506526" y="2651154"/>
+            <a:ext cx="2255082" cy="0"/>
+          </a:xfrm>
+          <a:prstGeom prst="straightConnector1">
+            <a:avLst/>
+          </a:prstGeom>
+          <a:ln w="28575">
+            <a:solidFill>
+              <a:schemeClr val="tx1"/>
+            </a:solidFill>
+            <a:tailEnd type="none"/>
+          </a:ln>
+        </p:spPr>
+        <p:style>
+          <a:lnRef idx="1">
+            <a:schemeClr val="accent1"/>
+          </a:lnRef>
+          <a:fillRef idx="0">
+            <a:schemeClr val="accent1"/>
+          </a:fillRef>
+          <a:effectRef idx="0">
+            <a:schemeClr val="accent1"/>
+          </a:effectRef>
+          <a:fontRef idx="minor">
+            <a:schemeClr val="tx1"/>
+          </a:fontRef>
+        </p:style>
+      </p:cxnSp>
+      <p:sp>
+        <p:nvSpPr>
+          <p:cNvPr id="16" name="楕円 15">
+            <a:extLst>
+              <a:ext uri="{FF2B5EF4-FFF2-40B4-BE49-F238E27FC236}">
+                <a16:creationId xmlns:a16="http://schemas.microsoft.com/office/drawing/2014/main" id="{FD0474DA-B484-4776-BABB-EFF48EE5E8C3}"/>
+              </a:ext>
+            </a:extLst>
+          </p:cNvPr>
+          <p:cNvSpPr/>
+          <p:nvPr/>
+        </p:nvSpPr>
+        <p:spPr>
+          <a:xfrm>
+            <a:off x="5634067" y="2583194"/>
+            <a:ext cx="135920" cy="135920"/>
+          </a:xfrm>
+          <a:prstGeom prst="ellipse">
+            <a:avLst/>
+          </a:prstGeom>
+          <a:solidFill>
+            <a:srgbClr val="FF0000"/>
+          </a:solidFill>
+        </p:spPr>
+        <p:style>
+          <a:lnRef idx="2">
+            <a:schemeClr val="accent1">
+              <a:shade val="50000"/>
+            </a:schemeClr>
+          </a:lnRef>
+          <a:fillRef idx="1">
+            <a:schemeClr val="accent1"/>
+          </a:fillRef>
+          <a:effectRef idx="0">
+            <a:schemeClr val="accent1"/>
+          </a:effectRef>
+          <a:fontRef idx="minor">
+            <a:schemeClr val="lt1"/>
+          </a:fontRef>
+        </p:style>
+        <p:txBody>
+          <a:bodyPr rtlCol="0" anchor="ctr"/>
+          <a:lstStyle/>
+          <a:p>
+            <a:pPr algn="ctr"/>
+            <a:endParaRPr kumimoji="1" lang="ja-JP" altLang="en-US"/>
+          </a:p>
+        </p:txBody>
+      </p:sp>
+      <p:cxnSp>
+        <p:nvCxnSpPr>
+          <p:cNvPr id="17" name="直線矢印コネクタ 16">
+            <a:extLst>
+              <a:ext uri="{FF2B5EF4-FFF2-40B4-BE49-F238E27FC236}">
+                <a16:creationId xmlns:a16="http://schemas.microsoft.com/office/drawing/2014/main" id="{A00695A9-AB94-45D0-B60B-1FBC2751AAC5}"/>
+              </a:ext>
+            </a:extLst>
+          </p:cNvPr>
+          <p:cNvCxnSpPr>
+            <a:cxnSpLocks/>
+            <a:endCxn id="16" idx="4"/>
+          </p:cNvCxnSpPr>
+          <p:nvPr/>
+        </p:nvCxnSpPr>
+        <p:spPr>
+          <a:xfrm flipV="1">
+            <a:off x="5702027" y="2719114"/>
+            <a:ext cx="0" cy="967772"/>
+          </a:xfrm>
+          <a:prstGeom prst="straightConnector1">
+            <a:avLst/>
+          </a:prstGeom>
+          <a:ln w="19050">
+            <a:solidFill>
+              <a:srgbClr val="FF0000"/>
+            </a:solidFill>
+            <a:headEnd type="none" w="med" len="med"/>
+            <a:tailEnd type="none" w="med" len="med"/>
+          </a:ln>
+        </p:spPr>
+        <p:style>
+          <a:lnRef idx="1">
+            <a:schemeClr val="accent1"/>
+          </a:lnRef>
+          <a:fillRef idx="0">
+            <a:schemeClr val="accent1"/>
+          </a:fillRef>
+          <a:effectRef idx="0">
+            <a:schemeClr val="accent1"/>
+          </a:effectRef>
+          <a:fontRef idx="minor">
+            <a:schemeClr val="tx1"/>
+          </a:fontRef>
+        </p:style>
+      </p:cxnSp>
+      <p:sp>
+        <p:nvSpPr>
+          <p:cNvPr id="18" name="テキスト ボックス 17">
+            <a:extLst>
+              <a:ext uri="{FF2B5EF4-FFF2-40B4-BE49-F238E27FC236}">
+                <a16:creationId xmlns:a16="http://schemas.microsoft.com/office/drawing/2014/main" id="{21EA04BA-B097-41F8-98FA-9261D891CDCD}"/>
+              </a:ext>
+            </a:extLst>
+          </p:cNvPr>
+          <p:cNvSpPr txBox="1"/>
+          <p:nvPr/>
+        </p:nvSpPr>
+        <p:spPr>
+          <a:xfrm>
+            <a:off x="4365765" y="3952827"/>
+            <a:ext cx="2672526" cy="369332"/>
+          </a:xfrm>
+          <a:prstGeom prst="rect">
+            <a:avLst/>
+          </a:prstGeom>
+          <a:noFill/>
+        </p:spPr>
+        <p:txBody>
+          <a:bodyPr wrap="none" rtlCol="0">
+            <a:spAutoFit/>
+          </a:bodyPr>
+          <a:lstStyle/>
+          <a:p>
+            <a:pPr algn="ctr"/>
+            <a:r>
+              <a:rPr kumimoji="1" lang="en-US" altLang="ja-JP" dirty="0"/>
+              <a:t>Perpendicular Distance</a:t>
+            </a:r>
+            <a:endParaRPr kumimoji="1" lang="ja-JP" altLang="en-US" dirty="0"/>
+          </a:p>
+        </p:txBody>
+      </p:sp>
+      <p:sp>
+        <p:nvSpPr>
+          <p:cNvPr id="22" name="正方形/長方形 21">
+            <a:extLst>
+              <a:ext uri="{FF2B5EF4-FFF2-40B4-BE49-F238E27FC236}">
+                <a16:creationId xmlns:a16="http://schemas.microsoft.com/office/drawing/2014/main" id="{43FF881E-DC46-4766-A079-FBF79C8B8AC3}"/>
+              </a:ext>
+            </a:extLst>
+          </p:cNvPr>
+          <p:cNvSpPr/>
+          <p:nvPr/>
+        </p:nvSpPr>
+        <p:spPr>
+          <a:xfrm>
+            <a:off x="5702027" y="3542036"/>
+            <a:ext cx="135915" cy="135920"/>
+          </a:xfrm>
+          <a:prstGeom prst="rect">
+            <a:avLst/>
+          </a:prstGeom>
+          <a:noFill/>
+        </p:spPr>
+        <p:style>
+          <a:lnRef idx="2">
+            <a:schemeClr val="accent1">
+              <a:shade val="50000"/>
+            </a:schemeClr>
+          </a:lnRef>
+          <a:fillRef idx="1">
+            <a:schemeClr val="accent1"/>
+          </a:fillRef>
+          <a:effectRef idx="0">
+            <a:schemeClr val="accent1"/>
+          </a:effectRef>
+          <a:fontRef idx="minor">
+            <a:schemeClr val="lt1"/>
+          </a:fontRef>
+        </p:style>
+        <p:txBody>
+          <a:bodyPr rtlCol="0" anchor="ctr"/>
+          <a:lstStyle/>
+          <a:p>
+            <a:pPr algn="ctr"/>
+            <a:endParaRPr kumimoji="1" lang="ja-JP" altLang="en-US"/>
+          </a:p>
+        </p:txBody>
+      </p:sp>
+      <p:sp>
+        <p:nvSpPr>
+          <p:cNvPr id="24" name="楕円 23">
+            <a:extLst>
+              <a:ext uri="{FF2B5EF4-FFF2-40B4-BE49-F238E27FC236}">
+                <a16:creationId xmlns:a16="http://schemas.microsoft.com/office/drawing/2014/main" id="{D7D64DD7-A964-49AB-86E3-6C5AAF359C7A}"/>
+              </a:ext>
+            </a:extLst>
+          </p:cNvPr>
+          <p:cNvSpPr/>
+          <p:nvPr/>
+        </p:nvSpPr>
+        <p:spPr>
+          <a:xfrm>
+            <a:off x="2731063" y="4647260"/>
+            <a:ext cx="135920" cy="135920"/>
+          </a:xfrm>
+          <a:prstGeom prst="ellipse">
+            <a:avLst/>
+          </a:prstGeom>
+          <a:solidFill>
+            <a:srgbClr val="FF0000"/>
+          </a:solidFill>
+        </p:spPr>
+        <p:style>
+          <a:lnRef idx="2">
+            <a:schemeClr val="accent1">
+              <a:shade val="50000"/>
+            </a:schemeClr>
+          </a:lnRef>
+          <a:fillRef idx="1">
+            <a:schemeClr val="accent1"/>
+          </a:fillRef>
+          <a:effectRef idx="0">
+            <a:schemeClr val="accent1"/>
+          </a:effectRef>
+          <a:fontRef idx="minor">
+            <a:schemeClr val="lt1"/>
+          </a:fontRef>
+        </p:style>
+        <p:txBody>
+          <a:bodyPr rtlCol="0" anchor="ctr"/>
+          <a:lstStyle/>
+          <a:p>
+            <a:pPr algn="ctr"/>
+            <a:endParaRPr kumimoji="1" lang="ja-JP" altLang="en-US"/>
+          </a:p>
+        </p:txBody>
+      </p:sp>
+      <p:sp>
+        <p:nvSpPr>
+          <p:cNvPr id="26" name="テキスト ボックス 25">
+            <a:extLst>
+              <a:ext uri="{FF2B5EF4-FFF2-40B4-BE49-F238E27FC236}">
+                <a16:creationId xmlns:a16="http://schemas.microsoft.com/office/drawing/2014/main" id="{2ECFE478-6B69-4F4C-B018-41A9C93328FF}"/>
+              </a:ext>
+            </a:extLst>
+          </p:cNvPr>
+          <p:cNvSpPr txBox="1"/>
+          <p:nvPr/>
+        </p:nvSpPr>
+        <p:spPr>
+          <a:xfrm>
+            <a:off x="2842581" y="4539431"/>
+            <a:ext cx="2204451" cy="369332"/>
+          </a:xfrm>
+          <a:prstGeom prst="rect">
+            <a:avLst/>
+          </a:prstGeom>
+          <a:noFill/>
+        </p:spPr>
+        <p:txBody>
+          <a:bodyPr wrap="none" rtlCol="0">
+            <a:spAutoFit/>
+          </a:bodyPr>
+          <a:lstStyle/>
+          <a:p>
+            <a:pPr algn="ctr"/>
+            <a:r>
+              <a:rPr lang="en-US" altLang="ja-JP" dirty="0"/>
+              <a:t>Current Scan Point</a:t>
+            </a:r>
+            <a:endParaRPr kumimoji="1" lang="ja-JP" altLang="en-US" dirty="0"/>
+          </a:p>
+        </p:txBody>
+      </p:sp>
+      <p:sp>
+        <p:nvSpPr>
+          <p:cNvPr id="28" name="楕円 27">
+            <a:extLst>
+              <a:ext uri="{FF2B5EF4-FFF2-40B4-BE49-F238E27FC236}">
+                <a16:creationId xmlns:a16="http://schemas.microsoft.com/office/drawing/2014/main" id="{24D420D1-B972-410C-B4EF-AA460CAB5DD7}"/>
+              </a:ext>
+            </a:extLst>
+          </p:cNvPr>
+          <p:cNvSpPr/>
+          <p:nvPr/>
+        </p:nvSpPr>
+        <p:spPr>
+          <a:xfrm>
+            <a:off x="2731063" y="5145269"/>
+            <a:ext cx="135920" cy="135920"/>
+          </a:xfrm>
+          <a:prstGeom prst="ellipse">
+            <a:avLst/>
+          </a:prstGeom>
+        </p:spPr>
+        <p:style>
+          <a:lnRef idx="2">
+            <a:schemeClr val="accent1">
+              <a:shade val="50000"/>
+            </a:schemeClr>
+          </a:lnRef>
+          <a:fillRef idx="1">
+            <a:schemeClr val="accent1"/>
+          </a:fillRef>
+          <a:effectRef idx="0">
+            <a:schemeClr val="accent1"/>
+          </a:effectRef>
+          <a:fontRef idx="minor">
+            <a:schemeClr val="lt1"/>
+          </a:fontRef>
+        </p:style>
+        <p:txBody>
+          <a:bodyPr rtlCol="0" anchor="ctr"/>
+          <a:lstStyle/>
+          <a:p>
+            <a:pPr algn="ctr"/>
+            <a:endParaRPr kumimoji="1" lang="ja-JP" altLang="en-US"/>
+          </a:p>
+        </p:txBody>
+      </p:sp>
+      <p:sp>
+        <p:nvSpPr>
+          <p:cNvPr id="30" name="テキスト ボックス 29">
+            <a:extLst>
+              <a:ext uri="{FF2B5EF4-FFF2-40B4-BE49-F238E27FC236}">
+                <a16:creationId xmlns:a16="http://schemas.microsoft.com/office/drawing/2014/main" id="{4550EE14-4527-4CB6-9C7D-C9D0DF67A7C3}"/>
+              </a:ext>
+            </a:extLst>
+          </p:cNvPr>
+          <p:cNvSpPr txBox="1"/>
+          <p:nvPr/>
+        </p:nvSpPr>
+        <p:spPr>
+          <a:xfrm>
+            <a:off x="2836964" y="5029186"/>
+            <a:ext cx="2484976" cy="369332"/>
+          </a:xfrm>
+          <a:prstGeom prst="rect">
+            <a:avLst/>
+          </a:prstGeom>
+          <a:noFill/>
+        </p:spPr>
+        <p:txBody>
+          <a:bodyPr wrap="none" rtlCol="0">
+            <a:spAutoFit/>
+          </a:bodyPr>
+          <a:lstStyle/>
+          <a:p>
+            <a:pPr algn="ctr"/>
+            <a:r>
+              <a:rPr lang="en-US" altLang="ja-JP" dirty="0"/>
+              <a:t>Reference Scan Point</a:t>
+            </a:r>
+            <a:endParaRPr kumimoji="1" lang="ja-JP" altLang="en-US" dirty="0"/>
+          </a:p>
+        </p:txBody>
+      </p:sp>
+    </p:spTree>
+    <p:extLst>
+      <p:ext uri="{BB962C8B-B14F-4D97-AF65-F5344CB8AC3E}">
+        <p14:creationId xmlns:p14="http://schemas.microsoft.com/office/powerpoint/2010/main" val="3669950444"/>
+      </p:ext>
+    </p:extLst>
+  </p:cSld>
+  <p:clrMapOvr>
+    <a:masterClrMapping/>
+  </p:clrMapOvr>
+</p:sld>
+</file>
+
 <file path=ppt/theme/theme1.xml><?xml version="1.0" encoding="utf-8"?>
 <a:theme xmlns:a="http://schemas.openxmlformats.org/drawingml/2006/main" name="Office テーマ">
   <a:themeElements>

--- a/SLAM_Theoretical_Formulas.pptx
+++ b/SLAM_Theoretical_Formulas.pptx
@@ -16920,6 +16920,639 @@
           </a:p>
         </p:txBody>
       </p:sp>
+      <mc:AlternateContent xmlns:mc="http://schemas.openxmlformats.org/markup-compatibility/2006">
+        <mc:Choice xmlns:a14="http://schemas.microsoft.com/office/drawing/2010/main" Requires="a14">
+          <p:sp>
+            <p:nvSpPr>
+              <p:cNvPr id="31" name="テキスト ボックス 30">
+                <a:extLst>
+                  <a:ext uri="{FF2B5EF4-FFF2-40B4-BE49-F238E27FC236}">
+                    <a16:creationId xmlns:a16="http://schemas.microsoft.com/office/drawing/2014/main" id="{3C59F112-D5E7-4FDE-8279-BFB9FD5BB294}"/>
+                  </a:ext>
+                </a:extLst>
+              </p:cNvPr>
+              <p:cNvSpPr txBox="1"/>
+              <p:nvPr/>
+            </p:nvSpPr>
+            <p:spPr>
+              <a:xfrm>
+                <a:off x="4399861" y="692458"/>
+                <a:ext cx="3060903" cy="871264"/>
+              </a:xfrm>
+              <a:prstGeom prst="rect">
+                <a:avLst/>
+              </a:prstGeom>
+              <a:noFill/>
+            </p:spPr>
+            <p:txBody>
+              <a:bodyPr wrap="none" rtlCol="0">
+                <a:spAutoFit/>
+              </a:bodyPr>
+              <a:lstStyle/>
+              <a:p>
+                <a:pPr algn="ctr"/>
+                <a14:m>
+                  <m:oMathPara xmlns:m="http://schemas.openxmlformats.org/officeDocument/2006/math">
+                    <m:oMathParaPr>
+                      <m:jc m:val="centerGroup"/>
+                    </m:oMathParaPr>
+                    <m:oMath xmlns:m="http://schemas.openxmlformats.org/officeDocument/2006/math">
+                      <m:f>
+                        <m:fPr>
+                          <m:ctrlPr>
+                            <a:rPr kumimoji="1" lang="en-US" altLang="ja-JP" i="1" smtClean="0">
+                              <a:latin typeface="Cambria Math" panose="02040503050406030204" pitchFamily="18" charset="0"/>
+                            </a:rPr>
+                          </m:ctrlPr>
+                        </m:fPr>
+                        <m:num>
+                          <m:r>
+                            <a:rPr kumimoji="1" lang="en-US" altLang="ja-JP" b="0" i="1" smtClean="0">
+                              <a:latin typeface="Cambria Math" panose="02040503050406030204" pitchFamily="18" charset="0"/>
+                            </a:rPr>
+                            <m:t>1</m:t>
+                          </m:r>
+                        </m:num>
+                        <m:den>
+                          <m:r>
+                            <a:rPr kumimoji="1" lang="en-US" altLang="ja-JP" b="0" i="1" smtClean="0">
+                              <a:latin typeface="Cambria Math" panose="02040503050406030204" pitchFamily="18" charset="0"/>
+                            </a:rPr>
+                            <m:t>𝑁</m:t>
+                          </m:r>
+                        </m:den>
+                      </m:f>
+                      <m:nary>
+                        <m:naryPr>
+                          <m:chr m:val="∑"/>
+                          <m:ctrlPr>
+                            <a:rPr kumimoji="1" lang="en-US" altLang="ja-JP" i="1" smtClean="0">
+                              <a:latin typeface="Cambria Math" panose="02040503050406030204" pitchFamily="18" charset="0"/>
+                            </a:rPr>
+                          </m:ctrlPr>
+                        </m:naryPr>
+                        <m:sub>
+                          <m:r>
+                            <m:rPr>
+                              <m:brk m:alnAt="23"/>
+                            </m:rPr>
+                            <a:rPr kumimoji="1" lang="en-US" altLang="ja-JP" b="0" i="1" smtClean="0">
+                              <a:latin typeface="Cambria Math" panose="02040503050406030204" pitchFamily="18" charset="0"/>
+                            </a:rPr>
+                            <m:t>𝑖</m:t>
+                          </m:r>
+                          <m:r>
+                            <a:rPr kumimoji="1" lang="en-US" altLang="ja-JP" b="0" i="1" smtClean="0">
+                              <a:latin typeface="Cambria Math" panose="02040503050406030204" pitchFamily="18" charset="0"/>
+                            </a:rPr>
+                            <m:t>=1</m:t>
+                          </m:r>
+                        </m:sub>
+                        <m:sup>
+                          <m:r>
+                            <a:rPr kumimoji="1" lang="en-US" altLang="ja-JP" b="0" i="1" smtClean="0">
+                              <a:latin typeface="Cambria Math" panose="02040503050406030204" pitchFamily="18" charset="0"/>
+                            </a:rPr>
+                            <m:t>𝑁</m:t>
+                          </m:r>
+                        </m:sup>
+                        <m:e>
+                          <m:sSup>
+                            <m:sSupPr>
+                              <m:ctrlPr>
+                                <a:rPr kumimoji="1" lang="en-US" altLang="ja-JP" i="1" smtClean="0">
+                                  <a:latin typeface="Cambria Math" panose="02040503050406030204" pitchFamily="18" charset="0"/>
+                                </a:rPr>
+                              </m:ctrlPr>
+                            </m:sSupPr>
+                            <m:e>
+                              <m:d>
+                                <m:dPr>
+                                  <m:begChr m:val="‖"/>
+                                  <m:endChr m:val="‖"/>
+                                  <m:ctrlPr>
+                                    <a:rPr lang="en-US" altLang="ja-JP" i="1">
+                                      <a:latin typeface="Cambria Math" panose="02040503050406030204" pitchFamily="18" charset="0"/>
+                                    </a:rPr>
+                                  </m:ctrlPr>
+                                </m:dPr>
+                                <m:e>
+                                  <m:sSub>
+                                    <m:sSubPr>
+                                      <m:ctrlPr>
+                                        <a:rPr lang="en-US" altLang="ja-JP" i="1">
+                                          <a:latin typeface="Cambria Math" panose="02040503050406030204" pitchFamily="18" charset="0"/>
+                                        </a:rPr>
+                                      </m:ctrlPr>
+                                    </m:sSubPr>
+                                    <m:e>
+                                      <m:r>
+                                        <a:rPr lang="en-US" altLang="ja-JP" b="1" i="1">
+                                          <a:latin typeface="Cambria Math" panose="02040503050406030204" pitchFamily="18" charset="0"/>
+                                        </a:rPr>
+                                        <m:t>𝒏</m:t>
+                                      </m:r>
+                                    </m:e>
+                                    <m:sub>
+                                      <m:sSub>
+                                        <m:sSubPr>
+                                          <m:ctrlPr>
+                                            <a:rPr lang="en-US" altLang="ja-JP" i="1">
+                                              <a:latin typeface="Cambria Math" panose="02040503050406030204" pitchFamily="18" charset="0"/>
+                                            </a:rPr>
+                                          </m:ctrlPr>
+                                        </m:sSubPr>
+                                        <m:e>
+                                          <m:r>
+                                            <a:rPr lang="en-US" altLang="ja-JP" i="1">
+                                              <a:latin typeface="Cambria Math" panose="02040503050406030204" pitchFamily="18" charset="0"/>
+                                            </a:rPr>
+                                            <m:t>𝑗</m:t>
+                                          </m:r>
+                                        </m:e>
+                                        <m:sub>
+                                          <m:r>
+                                            <a:rPr lang="en-US" altLang="ja-JP" i="1">
+                                              <a:latin typeface="Cambria Math" panose="02040503050406030204" pitchFamily="18" charset="0"/>
+                                            </a:rPr>
+                                            <m:t>𝑖</m:t>
+                                          </m:r>
+                                        </m:sub>
+                                      </m:sSub>
+                                    </m:sub>
+                                  </m:sSub>
+                                  <m:r>
+                                    <a:rPr lang="en-US" altLang="ja-JP" i="1">
+                                      <a:latin typeface="Cambria Math" panose="02040503050406030204" pitchFamily="18" charset="0"/>
+                                      <a:ea typeface="Cambria Math" panose="02040503050406030204" pitchFamily="18" charset="0"/>
+                                    </a:rPr>
+                                    <m:t>∙(</m:t>
+                                  </m:r>
+                                  <m:r>
+                                    <a:rPr lang="en-US" altLang="ja-JP" i="1">
+                                      <a:latin typeface="Cambria Math" panose="02040503050406030204" pitchFamily="18" charset="0"/>
+                                      <a:ea typeface="Cambria Math" panose="02040503050406030204" pitchFamily="18" charset="0"/>
+                                    </a:rPr>
+                                    <m:t>𝑅</m:t>
+                                  </m:r>
+                                  <m:sSub>
+                                    <m:sSubPr>
+                                      <m:ctrlPr>
+                                        <a:rPr lang="en-US" altLang="ja-JP" i="1">
+                                          <a:latin typeface="Cambria Math" panose="02040503050406030204" pitchFamily="18" charset="0"/>
+                                          <a:ea typeface="Cambria Math" panose="02040503050406030204" pitchFamily="18" charset="0"/>
+                                        </a:rPr>
+                                      </m:ctrlPr>
+                                    </m:sSubPr>
+                                    <m:e>
+                                      <m:r>
+                                        <a:rPr lang="en-US" altLang="ja-JP" b="1" i="1">
+                                          <a:latin typeface="Cambria Math" panose="02040503050406030204" pitchFamily="18" charset="0"/>
+                                          <a:ea typeface="Cambria Math" panose="02040503050406030204" pitchFamily="18" charset="0"/>
+                                        </a:rPr>
+                                        <m:t>𝒑</m:t>
+                                      </m:r>
+                                    </m:e>
+                                    <m:sub>
+                                      <m:r>
+                                        <a:rPr lang="en-US" altLang="ja-JP" i="1">
+                                          <a:latin typeface="Cambria Math" panose="02040503050406030204" pitchFamily="18" charset="0"/>
+                                          <a:ea typeface="Cambria Math" panose="02040503050406030204" pitchFamily="18" charset="0"/>
+                                        </a:rPr>
+                                        <m:t>𝑖</m:t>
+                                      </m:r>
+                                    </m:sub>
+                                  </m:sSub>
+                                  <m:r>
+                                    <a:rPr lang="en-US" altLang="ja-JP" i="1">
+                                      <a:latin typeface="Cambria Math" panose="02040503050406030204" pitchFamily="18" charset="0"/>
+                                      <a:ea typeface="Cambria Math" panose="02040503050406030204" pitchFamily="18" charset="0"/>
+                                    </a:rPr>
+                                    <m:t>+</m:t>
+                                  </m:r>
+                                  <m:r>
+                                    <a:rPr lang="en-US" altLang="ja-JP" b="1" i="1">
+                                      <a:latin typeface="Cambria Math" panose="02040503050406030204" pitchFamily="18" charset="0"/>
+                                      <a:ea typeface="Cambria Math" panose="02040503050406030204" pitchFamily="18" charset="0"/>
+                                    </a:rPr>
+                                    <m:t>𝒕</m:t>
+                                  </m:r>
+                                  <m:r>
+                                    <a:rPr lang="en-US" altLang="ja-JP" i="1">
+                                      <a:latin typeface="Cambria Math" panose="02040503050406030204" pitchFamily="18" charset="0"/>
+                                      <a:ea typeface="Cambria Math" panose="02040503050406030204" pitchFamily="18" charset="0"/>
+                                    </a:rPr>
+                                    <m:t>−</m:t>
+                                  </m:r>
+                                  <m:sSub>
+                                    <m:sSubPr>
+                                      <m:ctrlPr>
+                                        <a:rPr lang="en-US" altLang="ja-JP" i="1">
+                                          <a:latin typeface="Cambria Math" panose="02040503050406030204" pitchFamily="18" charset="0"/>
+                                          <a:ea typeface="Cambria Math" panose="02040503050406030204" pitchFamily="18" charset="0"/>
+                                        </a:rPr>
+                                      </m:ctrlPr>
+                                    </m:sSubPr>
+                                    <m:e>
+                                      <m:r>
+                                        <a:rPr lang="en-US" altLang="ja-JP" b="1" i="1">
+                                          <a:latin typeface="Cambria Math" panose="02040503050406030204" pitchFamily="18" charset="0"/>
+                                          <a:ea typeface="Cambria Math" panose="02040503050406030204" pitchFamily="18" charset="0"/>
+                                        </a:rPr>
+                                        <m:t>𝒒</m:t>
+                                      </m:r>
+                                    </m:e>
+                                    <m:sub>
+                                      <m:sSub>
+                                        <m:sSubPr>
+                                          <m:ctrlPr>
+                                            <a:rPr lang="en-US" altLang="ja-JP" i="1">
+                                              <a:latin typeface="Cambria Math" panose="02040503050406030204" pitchFamily="18" charset="0"/>
+                                              <a:ea typeface="Cambria Math" panose="02040503050406030204" pitchFamily="18" charset="0"/>
+                                            </a:rPr>
+                                          </m:ctrlPr>
+                                        </m:sSubPr>
+                                        <m:e>
+                                          <m:r>
+                                            <a:rPr lang="en-US" altLang="ja-JP" i="1">
+                                              <a:latin typeface="Cambria Math" panose="02040503050406030204" pitchFamily="18" charset="0"/>
+                                              <a:ea typeface="Cambria Math" panose="02040503050406030204" pitchFamily="18" charset="0"/>
+                                            </a:rPr>
+                                            <m:t>𝑗</m:t>
+                                          </m:r>
+                                        </m:e>
+                                        <m:sub>
+                                          <m:r>
+                                            <a:rPr lang="en-US" altLang="ja-JP" i="1">
+                                              <a:latin typeface="Cambria Math" panose="02040503050406030204" pitchFamily="18" charset="0"/>
+                                              <a:ea typeface="Cambria Math" panose="02040503050406030204" pitchFamily="18" charset="0"/>
+                                            </a:rPr>
+                                            <m:t>𝑖</m:t>
+                                          </m:r>
+                                        </m:sub>
+                                      </m:sSub>
+                                    </m:sub>
+                                  </m:sSub>
+                                  <m:r>
+                                    <a:rPr lang="en-US" altLang="ja-JP" i="1">
+                                      <a:latin typeface="Cambria Math" panose="02040503050406030204" pitchFamily="18" charset="0"/>
+                                      <a:ea typeface="Cambria Math" panose="02040503050406030204" pitchFamily="18" charset="0"/>
+                                    </a:rPr>
+                                    <m:t>)</m:t>
+                                  </m:r>
+                                </m:e>
+                              </m:d>
+                            </m:e>
+                            <m:sup>
+                              <m:r>
+                                <a:rPr kumimoji="1" lang="en-US" altLang="ja-JP" b="0" i="1" smtClean="0">
+                                  <a:latin typeface="Cambria Math" panose="02040503050406030204" pitchFamily="18" charset="0"/>
+                                </a:rPr>
+                                <m:t>2</m:t>
+                              </m:r>
+                            </m:sup>
+                          </m:sSup>
+                        </m:e>
+                      </m:nary>
+                    </m:oMath>
+                  </m:oMathPara>
+                </a14:m>
+                <a:endParaRPr kumimoji="1" lang="ja-JP" altLang="en-US" dirty="0"/>
+              </a:p>
+            </p:txBody>
+          </p:sp>
+        </mc:Choice>
+        <mc:Fallback>
+          <p:sp>
+            <p:nvSpPr>
+              <p:cNvPr id="31" name="テキスト ボックス 30">
+                <a:extLst>
+                  <a:ext uri="{FF2B5EF4-FFF2-40B4-BE49-F238E27FC236}">
+                    <a16:creationId xmlns:a16="http://schemas.microsoft.com/office/drawing/2014/main" id="{3C59F112-D5E7-4FDE-8279-BFB9FD5BB294}"/>
+                  </a:ext>
+                </a:extLst>
+              </p:cNvPr>
+              <p:cNvSpPr txBox="1">
+                <a:spLocks noRot="1" noChangeAspect="1" noMove="1" noResize="1" noEditPoints="1" noAdjustHandles="1" noChangeArrowheads="1" noChangeShapeType="1" noTextEdit="1"/>
+              </p:cNvSpPr>
+              <p:nvPr/>
+            </p:nvSpPr>
+            <p:spPr>
+              <a:xfrm>
+                <a:off x="4399861" y="692458"/>
+                <a:ext cx="3060903" cy="871264"/>
+              </a:xfrm>
+              <a:prstGeom prst="rect">
+                <a:avLst/>
+              </a:prstGeom>
+              <a:blipFill>
+                <a:blip r:embed="rId2"/>
+                <a:stretch>
+                  <a:fillRect/>
+                </a:stretch>
+              </a:blipFill>
+            </p:spPr>
+            <p:txBody>
+              <a:bodyPr/>
+              <a:lstStyle/>
+              <a:p>
+                <a:r>
+                  <a:rPr lang="ja-JP" altLang="en-US">
+                    <a:noFill/>
+                  </a:rPr>
+                  <a:t> </a:t>
+                </a:r>
+              </a:p>
+            </p:txBody>
+          </p:sp>
+        </mc:Fallback>
+      </mc:AlternateContent>
+      <p:sp>
+        <p:nvSpPr>
+          <p:cNvPr id="32" name="楕円 31">
+            <a:extLst>
+              <a:ext uri="{FF2B5EF4-FFF2-40B4-BE49-F238E27FC236}">
+                <a16:creationId xmlns:a16="http://schemas.microsoft.com/office/drawing/2014/main" id="{1F38B08C-AA74-4FFF-94C7-D2EFD43BA14C}"/>
+              </a:ext>
+            </a:extLst>
+          </p:cNvPr>
+          <p:cNvSpPr/>
+          <p:nvPr/>
+        </p:nvSpPr>
+        <p:spPr>
+          <a:xfrm>
+            <a:off x="5020398" y="963150"/>
+            <a:ext cx="430490" cy="451941"/>
+          </a:xfrm>
+          <a:prstGeom prst="ellipse">
+            <a:avLst/>
+          </a:prstGeom>
+          <a:noFill/>
+          <a:ln w="19050">
+            <a:solidFill>
+              <a:srgbClr val="FF0000"/>
+            </a:solidFill>
+          </a:ln>
+        </p:spPr>
+        <p:style>
+          <a:lnRef idx="2">
+            <a:schemeClr val="accent1">
+              <a:shade val="50000"/>
+            </a:schemeClr>
+          </a:lnRef>
+          <a:fillRef idx="1">
+            <a:schemeClr val="accent1"/>
+          </a:fillRef>
+          <a:effectRef idx="0">
+            <a:schemeClr val="accent1"/>
+          </a:effectRef>
+          <a:fontRef idx="minor">
+            <a:schemeClr val="lt1"/>
+          </a:fontRef>
+        </p:style>
+        <p:txBody>
+          <a:bodyPr rtlCol="0" anchor="ctr"/>
+          <a:lstStyle/>
+          <a:p>
+            <a:pPr algn="ctr"/>
+            <a:endParaRPr kumimoji="1" lang="ja-JP" altLang="en-US"/>
+          </a:p>
+        </p:txBody>
+      </p:sp>
+      <p:sp>
+        <p:nvSpPr>
+          <p:cNvPr id="34" name="楕円 33">
+            <a:extLst>
+              <a:ext uri="{FF2B5EF4-FFF2-40B4-BE49-F238E27FC236}">
+                <a16:creationId xmlns:a16="http://schemas.microsoft.com/office/drawing/2014/main" id="{D787EBB5-EE7E-45ED-A22B-CB88F5D6EF96}"/>
+              </a:ext>
+            </a:extLst>
+          </p:cNvPr>
+          <p:cNvSpPr/>
+          <p:nvPr/>
+        </p:nvSpPr>
+        <p:spPr>
+          <a:xfrm>
+            <a:off x="5625559" y="946873"/>
+            <a:ext cx="855139" cy="451941"/>
+          </a:xfrm>
+          <a:prstGeom prst="ellipse">
+            <a:avLst/>
+          </a:prstGeom>
+          <a:noFill/>
+          <a:ln w="19050">
+            <a:solidFill>
+              <a:srgbClr val="FF0000"/>
+            </a:solidFill>
+          </a:ln>
+        </p:spPr>
+        <p:style>
+          <a:lnRef idx="2">
+            <a:schemeClr val="accent1">
+              <a:shade val="50000"/>
+            </a:schemeClr>
+          </a:lnRef>
+          <a:fillRef idx="1">
+            <a:schemeClr val="accent1"/>
+          </a:fillRef>
+          <a:effectRef idx="0">
+            <a:schemeClr val="accent1"/>
+          </a:effectRef>
+          <a:fontRef idx="minor">
+            <a:schemeClr val="lt1"/>
+          </a:fontRef>
+        </p:style>
+        <p:txBody>
+          <a:bodyPr rtlCol="0" anchor="ctr"/>
+          <a:lstStyle/>
+          <a:p>
+            <a:pPr algn="ctr"/>
+            <a:endParaRPr kumimoji="1" lang="ja-JP" altLang="en-US"/>
+          </a:p>
+        </p:txBody>
+      </p:sp>
+      <p:sp>
+        <p:nvSpPr>
+          <p:cNvPr id="36" name="楕円 35">
+            <a:extLst>
+              <a:ext uri="{FF2B5EF4-FFF2-40B4-BE49-F238E27FC236}">
+                <a16:creationId xmlns:a16="http://schemas.microsoft.com/office/drawing/2014/main" id="{37DA0BED-BE11-47DA-8264-3471B4046EFC}"/>
+              </a:ext>
+            </a:extLst>
+          </p:cNvPr>
+          <p:cNvSpPr/>
+          <p:nvPr/>
+        </p:nvSpPr>
+        <p:spPr>
+          <a:xfrm>
+            <a:off x="6610980" y="946872"/>
+            <a:ext cx="427312" cy="451941"/>
+          </a:xfrm>
+          <a:prstGeom prst="ellipse">
+            <a:avLst/>
+          </a:prstGeom>
+          <a:noFill/>
+          <a:ln w="19050">
+            <a:solidFill>
+              <a:srgbClr val="FF0000"/>
+            </a:solidFill>
+          </a:ln>
+        </p:spPr>
+        <p:style>
+          <a:lnRef idx="2">
+            <a:schemeClr val="accent1">
+              <a:shade val="50000"/>
+            </a:schemeClr>
+          </a:lnRef>
+          <a:fillRef idx="1">
+            <a:schemeClr val="accent1"/>
+          </a:fillRef>
+          <a:effectRef idx="0">
+            <a:schemeClr val="accent1"/>
+          </a:effectRef>
+          <a:fontRef idx="minor">
+            <a:schemeClr val="lt1"/>
+          </a:fontRef>
+        </p:style>
+        <p:txBody>
+          <a:bodyPr rtlCol="0" anchor="ctr"/>
+          <a:lstStyle/>
+          <a:p>
+            <a:pPr algn="ctr"/>
+            <a:endParaRPr kumimoji="1" lang="ja-JP" altLang="en-US"/>
+          </a:p>
+        </p:txBody>
+      </p:sp>
+      <p:sp>
+        <p:nvSpPr>
+          <p:cNvPr id="38" name="テキスト ボックス 37">
+            <a:extLst>
+              <a:ext uri="{FF2B5EF4-FFF2-40B4-BE49-F238E27FC236}">
+                <a16:creationId xmlns:a16="http://schemas.microsoft.com/office/drawing/2014/main" id="{6F5CF1A6-1D53-475B-A453-D464C95AFBDF}"/>
+              </a:ext>
+            </a:extLst>
+          </p:cNvPr>
+          <p:cNvSpPr txBox="1"/>
+          <p:nvPr/>
+        </p:nvSpPr>
+        <p:spPr>
+          <a:xfrm>
+            <a:off x="4914632" y="1444851"/>
+            <a:ext cx="787395" cy="523220"/>
+          </a:xfrm>
+          <a:prstGeom prst="rect">
+            <a:avLst/>
+          </a:prstGeom>
+          <a:noFill/>
+        </p:spPr>
+        <p:txBody>
+          <a:bodyPr wrap="none" rtlCol="0">
+            <a:spAutoFit/>
+          </a:bodyPr>
+          <a:lstStyle/>
+          <a:p>
+            <a:pPr algn="ctr"/>
+            <a:r>
+              <a:rPr kumimoji="1" lang="en-US" altLang="ja-JP" sz="1400" dirty="0"/>
+              <a:t>Normal</a:t>
+            </a:r>
+          </a:p>
+          <a:p>
+            <a:pPr algn="ctr"/>
+            <a:r>
+              <a:rPr lang="en-US" altLang="ja-JP" sz="1400" dirty="0"/>
+              <a:t>Vector</a:t>
+            </a:r>
+            <a:endParaRPr kumimoji="1" lang="ja-JP" altLang="en-US" sz="1400" dirty="0"/>
+          </a:p>
+        </p:txBody>
+      </p:sp>
+      <p:sp>
+        <p:nvSpPr>
+          <p:cNvPr id="40" name="テキスト ボックス 39">
+            <a:extLst>
+              <a:ext uri="{FF2B5EF4-FFF2-40B4-BE49-F238E27FC236}">
+                <a16:creationId xmlns:a16="http://schemas.microsoft.com/office/drawing/2014/main" id="{1B33FB20-3135-4F94-9A65-F0D81F702136}"/>
+              </a:ext>
+            </a:extLst>
+          </p:cNvPr>
+          <p:cNvSpPr txBox="1"/>
+          <p:nvPr/>
+        </p:nvSpPr>
+        <p:spPr>
+          <a:xfrm>
+            <a:off x="5513557" y="398353"/>
+            <a:ext cx="1079142" cy="523220"/>
+          </a:xfrm>
+          <a:prstGeom prst="rect">
+            <a:avLst/>
+          </a:prstGeom>
+          <a:noFill/>
+        </p:spPr>
+        <p:txBody>
+          <a:bodyPr wrap="none" rtlCol="0">
+            <a:spAutoFit/>
+          </a:bodyPr>
+          <a:lstStyle/>
+          <a:p>
+            <a:pPr algn="ctr"/>
+            <a:r>
+              <a:rPr lang="en-US" altLang="ja-JP" sz="1400" dirty="0"/>
+              <a:t>Current</a:t>
+            </a:r>
+          </a:p>
+          <a:p>
+            <a:pPr algn="ctr"/>
+            <a:r>
+              <a:rPr kumimoji="1" lang="en-US" altLang="ja-JP" sz="1400" dirty="0"/>
+              <a:t>Scan Point</a:t>
+            </a:r>
+          </a:p>
+        </p:txBody>
+      </p:sp>
+      <p:sp>
+        <p:nvSpPr>
+          <p:cNvPr id="42" name="テキスト ボックス 41">
+            <a:extLst>
+              <a:ext uri="{FF2B5EF4-FFF2-40B4-BE49-F238E27FC236}">
+                <a16:creationId xmlns:a16="http://schemas.microsoft.com/office/drawing/2014/main" id="{C2E63AD4-6546-4F6F-A869-98AE18BBD839}"/>
+              </a:ext>
+            </a:extLst>
+          </p:cNvPr>
+          <p:cNvSpPr txBox="1"/>
+          <p:nvPr/>
+        </p:nvSpPr>
+        <p:spPr>
+          <a:xfrm>
+            <a:off x="6322564" y="1412624"/>
+            <a:ext cx="1079142" cy="523220"/>
+          </a:xfrm>
+          <a:prstGeom prst="rect">
+            <a:avLst/>
+          </a:prstGeom>
+          <a:noFill/>
+        </p:spPr>
+        <p:txBody>
+          <a:bodyPr wrap="none" rtlCol="0">
+            <a:spAutoFit/>
+          </a:bodyPr>
+          <a:lstStyle/>
+          <a:p>
+            <a:pPr algn="ctr"/>
+            <a:r>
+              <a:rPr lang="en-US" altLang="ja-JP" sz="1400" dirty="0"/>
+              <a:t>Reference</a:t>
+            </a:r>
+          </a:p>
+          <a:p>
+            <a:pPr algn="ctr"/>
+            <a:r>
+              <a:rPr kumimoji="1" lang="en-US" altLang="ja-JP" sz="1400" dirty="0"/>
+              <a:t>Scan Point</a:t>
+            </a:r>
+          </a:p>
+        </p:txBody>
+      </p:sp>
     </p:spTree>
     <p:extLst>
       <p:ext uri="{BB962C8B-B14F-4D97-AF65-F5344CB8AC3E}">
